--- a/Research School/Retreat/Fall 2014/retreat draft 4/Aragats_Amirkhanyan_Fall_Retreat_2014.pptx
+++ b/Research School/Retreat/Fall 2014/retreat draft 4/Aragats_Amirkhanyan_Fall_Retreat_2014.pptx
@@ -5,39 +5,35 @@
     <p:sldMasterId id="2147483648" r:id="rId1"/>
   </p:sldMasterIdLst>
   <p:notesMasterIdLst>
-    <p:notesMasterId r:id="rId24"/>
+    <p:notesMasterId r:id="rId20"/>
   </p:notesMasterIdLst>
   <p:handoutMasterIdLst>
-    <p:handoutMasterId r:id="rId25"/>
+    <p:handoutMasterId r:id="rId21"/>
   </p:handoutMasterIdLst>
   <p:sldIdLst>
     <p:sldId id="258" r:id="rId2"/>
-    <p:sldId id="262" r:id="rId3"/>
-    <p:sldId id="260" r:id="rId4"/>
+    <p:sldId id="260" r:id="rId3"/>
+    <p:sldId id="262" r:id="rId4"/>
     <p:sldId id="274" r:id="rId5"/>
     <p:sldId id="275" r:id="rId6"/>
     <p:sldId id="276" r:id="rId7"/>
-    <p:sldId id="277" r:id="rId8"/>
-    <p:sldId id="285" r:id="rId9"/>
-    <p:sldId id="282" r:id="rId10"/>
-    <p:sldId id="283" r:id="rId11"/>
-    <p:sldId id="284" r:id="rId12"/>
-    <p:sldId id="280" r:id="rId13"/>
-    <p:sldId id="273" r:id="rId14"/>
-    <p:sldId id="278" r:id="rId15"/>
-    <p:sldId id="263" r:id="rId16"/>
-    <p:sldId id="271" r:id="rId17"/>
-    <p:sldId id="259" r:id="rId18"/>
-    <p:sldId id="261" r:id="rId19"/>
-    <p:sldId id="266" r:id="rId20"/>
-    <p:sldId id="267" r:id="rId21"/>
-    <p:sldId id="268" r:id="rId22"/>
-    <p:sldId id="269" r:id="rId23"/>
+    <p:sldId id="279" r:id="rId8"/>
+    <p:sldId id="277" r:id="rId9"/>
+    <p:sldId id="280" r:id="rId10"/>
+    <p:sldId id="278" r:id="rId11"/>
+    <p:sldId id="263" r:id="rId12"/>
+    <p:sldId id="271" r:id="rId13"/>
+    <p:sldId id="259" r:id="rId14"/>
+    <p:sldId id="261" r:id="rId15"/>
+    <p:sldId id="266" r:id="rId16"/>
+    <p:sldId id="267" r:id="rId17"/>
+    <p:sldId id="268" r:id="rId18"/>
+    <p:sldId id="269" r:id="rId19"/>
   </p:sldIdLst>
   <p:sldSz cx="9144000" cy="5143500" type="screen16x9"/>
   <p:notesSz cx="6858000" cy="9144000"/>
   <p:custDataLst>
-    <p:tags r:id="rId26"/>
+    <p:tags r:id="rId22"/>
   </p:custDataLst>
   <p:defaultTextStyle>
     <a:defPPr>
@@ -136,7 +132,7 @@
   </p:defaultTextStyle>
   <p:extLst>
     <p:ext uri="{EFAFB233-063F-42B5-8137-9DF3F51BA10A}">
-      <p15:sldGuideLst xmlns:p15="http://schemas.microsoft.com/office/powerpoint/2012/main" xmlns="">
+      <p15:sldGuideLst xmlns="" xmlns:p15="http://schemas.microsoft.com/office/powerpoint/2012/main">
         <p15:guide id="1" orient="horz" pos="781">
           <p15:clr>
             <a:srgbClr val="A4A3A4"/>
@@ -225,7 +221,7 @@
       </p15:sldGuideLst>
     </p:ext>
     <p:ext uri="{2D200454-40CA-4A62-9FC3-DE9A4176ACB9}">
-      <p15:notesGuideLst xmlns:p15="http://schemas.microsoft.com/office/powerpoint/2012/main" xmlns="">
+      <p15:notesGuideLst xmlns="" xmlns:p15="http://schemas.microsoft.com/office/powerpoint/2012/main">
         <p15:guide id="1" orient="horz" pos="2676">
           <p15:clr>
             <a:srgbClr val="A4A3A4"/>
@@ -359,7 +355,7 @@
             <a:fld id="{AA592FF2-A4BD-4E98-AC76-A10007E04C10}" type="datetimeFigureOut">
               <a:rPr lang="en-US" smtClean="0"/>
               <a:pPr/>
-              <a:t>9/15/2014</a:t>
+              <a:t>9/22/2014</a:t>
             </a:fld>
             <a:endParaRPr lang="en-US" dirty="0"/>
           </a:p>
@@ -1216,7 +1212,7 @@
             <a:fld id="{AA592FF2-A4BD-4E98-AC76-A10007E04C10}" type="datetimeFigureOut">
               <a:rPr lang="en-US" smtClean="0"/>
               <a:pPr/>
-              <a:t>9/15/2014</a:t>
+              <a:t>9/22/2014</a:t>
             </a:fld>
             <a:endParaRPr lang="en-US" dirty="0"/>
           </a:p>
@@ -2702,7 +2698,7 @@
       </p:grpSpPr>
       <p:sp>
         <p:nvSpPr>
-          <p:cNvPr id="8" name="Slide Image Placeholder 7"/>
+          <p:cNvPr id="2" name="Slide Image Placeholder 1"/>
           <p:cNvSpPr>
             <a:spLocks noGrp="1" noRot="1" noChangeAspect="1"/>
           </p:cNvSpPr>
@@ -2710,7 +2706,7 @@
             <p:ph type="sldImg"/>
           </p:nvPr>
         </p:nvSpPr>
-        <p:spPr bwMode="gray">
+        <p:spPr>
           <a:xfrm>
             <a:off x="876300" y="885825"/>
             <a:ext cx="5576888" cy="3136900"/>
@@ -2719,7 +2715,7 @@
       </p:sp>
       <p:sp>
         <p:nvSpPr>
-          <p:cNvPr id="9" name="Notes Placeholder 8"/>
+          <p:cNvPr id="3" name="Notes Placeholder 2"/>
           <p:cNvSpPr>
             <a:spLocks noGrp="1"/>
           </p:cNvSpPr>
@@ -2727,7 +2723,7 @@
             <p:ph type="body" idx="1"/>
           </p:nvPr>
         </p:nvSpPr>
-        <p:spPr bwMode="gray"/>
+        <p:spPr/>
         <p:txBody>
           <a:bodyPr/>
           <a:lstStyle/>
@@ -2738,7 +2734,7 @@
       </p:sp>
       <p:sp>
         <p:nvSpPr>
-          <p:cNvPr id="10" name="Slide Number Placeholder 9"/>
+          <p:cNvPr id="4" name="Slide Number Placeholder 3"/>
           <p:cNvSpPr>
             <a:spLocks noGrp="1"/>
           </p:cNvSpPr>
@@ -2758,7 +2754,7 @@
             <a:fld id="{4CBF50E3-ED67-46F2-ABFC-A36EE1082CF7}" type="slidenum">
               <a:rPr lang="en-US" b="1" smtClean="0"/>
               <a:pPr/>
-              <a:t>17</a:t>
+              <a:t>16</a:t>
             </a:fld>
             <a:endParaRPr lang="en-US" b="1" dirty="0"/>
           </a:p>
@@ -2767,7 +2763,7 @@
     </p:spTree>
     <p:extLst>
       <p:ext uri="{BB962C8B-B14F-4D97-AF65-F5344CB8AC3E}">
-        <p14:creationId xmlns:p14="http://schemas.microsoft.com/office/powerpoint/2010/main" val="577263827"/>
+        <p14:creationId xmlns:p14="http://schemas.microsoft.com/office/powerpoint/2010/main" val="128533741"/>
       </p:ext>
     </p:extLst>
   </p:cSld>
@@ -2796,7 +2792,7 @@
       </p:grpSpPr>
       <p:sp>
         <p:nvSpPr>
-          <p:cNvPr id="8" name="Slide Image Placeholder 7"/>
+          <p:cNvPr id="2" name="Slide Image Placeholder 1"/>
           <p:cNvSpPr>
             <a:spLocks noGrp="1" noRot="1" noChangeAspect="1"/>
           </p:cNvSpPr>
@@ -2804,7 +2800,7 @@
             <p:ph type="sldImg"/>
           </p:nvPr>
         </p:nvSpPr>
-        <p:spPr bwMode="gray">
+        <p:spPr>
           <a:xfrm>
             <a:off x="876300" y="885825"/>
             <a:ext cx="5576888" cy="3136900"/>
@@ -2813,7 +2809,7 @@
       </p:sp>
       <p:sp>
         <p:nvSpPr>
-          <p:cNvPr id="9" name="Notes Placeholder 8"/>
+          <p:cNvPr id="3" name="Notes Placeholder 2"/>
           <p:cNvSpPr>
             <a:spLocks noGrp="1"/>
           </p:cNvSpPr>
@@ -2821,7 +2817,7 @@
             <p:ph type="body" idx="1"/>
           </p:nvPr>
         </p:nvSpPr>
-        <p:spPr bwMode="gray"/>
+        <p:spPr/>
         <p:txBody>
           <a:bodyPr/>
           <a:lstStyle/>
@@ -2832,7 +2828,7 @@
       </p:sp>
       <p:sp>
         <p:nvSpPr>
-          <p:cNvPr id="10" name="Slide Number Placeholder 9"/>
+          <p:cNvPr id="4" name="Slide Number Placeholder 3"/>
           <p:cNvSpPr>
             <a:spLocks noGrp="1"/>
           </p:cNvSpPr>
@@ -2852,7 +2848,7 @@
             <a:fld id="{4CBF50E3-ED67-46F2-ABFC-A36EE1082CF7}" type="slidenum">
               <a:rPr lang="en-US" b="1" smtClean="0"/>
               <a:pPr/>
-              <a:t>18</a:t>
+              <a:t>17</a:t>
             </a:fld>
             <a:endParaRPr lang="en-US" b="1" dirty="0"/>
           </a:p>
@@ -2861,7 +2857,7 @@
     </p:spTree>
     <p:extLst>
       <p:ext uri="{BB962C8B-B14F-4D97-AF65-F5344CB8AC3E}">
-        <p14:creationId xmlns:p14="http://schemas.microsoft.com/office/powerpoint/2010/main" val="1254936349"/>
+        <p14:creationId xmlns:p14="http://schemas.microsoft.com/office/powerpoint/2010/main" val="691679009"/>
       </p:ext>
     </p:extLst>
   </p:cSld>
@@ -2946,289 +2942,7 @@
             <a:fld id="{4CBF50E3-ED67-46F2-ABFC-A36EE1082CF7}" type="slidenum">
               <a:rPr lang="en-US" b="1" smtClean="0"/>
               <a:pPr/>
-              <a:t>19</a:t>
-            </a:fld>
-            <a:endParaRPr lang="en-US" b="1" dirty="0"/>
-          </a:p>
-        </p:txBody>
-      </p:sp>
-    </p:spTree>
-    <p:extLst>
-      <p:ext uri="{BB962C8B-B14F-4D97-AF65-F5344CB8AC3E}">
-        <p14:creationId xmlns:p14="http://schemas.microsoft.com/office/powerpoint/2010/main" val="1584324230"/>
-      </p:ext>
-    </p:extLst>
-  </p:cSld>
-  <p:clrMapOvr>
-    <a:masterClrMapping/>
-  </p:clrMapOvr>
-</p:notes>
-</file>
-
-<file path=ppt/notesSlides/notesSlide13.xml><?xml version="1.0" encoding="utf-8"?>
-<p:notes xmlns:a="http://schemas.openxmlformats.org/drawingml/2006/main" xmlns:r="http://schemas.openxmlformats.org/officeDocument/2006/relationships" xmlns:p="http://schemas.openxmlformats.org/presentationml/2006/main">
-  <p:cSld>
-    <p:spTree>
-      <p:nvGrpSpPr>
-        <p:cNvPr id="1" name=""/>
-        <p:cNvGrpSpPr/>
-        <p:nvPr/>
-      </p:nvGrpSpPr>
-      <p:grpSpPr>
-        <a:xfrm>
-          <a:off x="0" y="0"/>
-          <a:ext cx="0" cy="0"/>
-          <a:chOff x="0" y="0"/>
-          <a:chExt cx="0" cy="0"/>
-        </a:xfrm>
-      </p:grpSpPr>
-      <p:sp>
-        <p:nvSpPr>
-          <p:cNvPr id="2" name="Slide Image Placeholder 1"/>
-          <p:cNvSpPr>
-            <a:spLocks noGrp="1" noRot="1" noChangeAspect="1"/>
-          </p:cNvSpPr>
-          <p:nvPr>
-            <p:ph type="sldImg"/>
-          </p:nvPr>
-        </p:nvSpPr>
-        <p:spPr>
-          <a:xfrm>
-            <a:off x="876300" y="885825"/>
-            <a:ext cx="5576888" cy="3136900"/>
-          </a:xfrm>
-        </p:spPr>
-      </p:sp>
-      <p:sp>
-        <p:nvSpPr>
-          <p:cNvPr id="3" name="Notes Placeholder 2"/>
-          <p:cNvSpPr>
-            <a:spLocks noGrp="1"/>
-          </p:cNvSpPr>
-          <p:nvPr>
-            <p:ph type="body" idx="1"/>
-          </p:nvPr>
-        </p:nvSpPr>
-        <p:spPr/>
-        <p:txBody>
-          <a:bodyPr/>
-          <a:lstStyle/>
-          <a:p>
-            <a:endParaRPr lang="en-US"/>
-          </a:p>
-        </p:txBody>
-      </p:sp>
-      <p:sp>
-        <p:nvSpPr>
-          <p:cNvPr id="4" name="Slide Number Placeholder 3"/>
-          <p:cNvSpPr>
-            <a:spLocks noGrp="1"/>
-          </p:cNvSpPr>
-          <p:nvPr>
-            <p:ph type="sldNum" sz="quarter" idx="10"/>
-          </p:nvPr>
-        </p:nvSpPr>
-        <p:spPr/>
-        <p:txBody>
-          <a:bodyPr/>
-          <a:lstStyle/>
-          <a:p>
-            <a:r>
-              <a:rPr lang="en-US" smtClean="0"/>
-              <a:t>Chart </a:t>
-            </a:r>
-            <a:fld id="{4CBF50E3-ED67-46F2-ABFC-A36EE1082CF7}" type="slidenum">
-              <a:rPr lang="en-US" b="1" smtClean="0"/>
-              <a:pPr/>
-              <a:t>20</a:t>
-            </a:fld>
-            <a:endParaRPr lang="en-US" b="1" dirty="0"/>
-          </a:p>
-        </p:txBody>
-      </p:sp>
-    </p:spTree>
-    <p:extLst>
-      <p:ext uri="{BB962C8B-B14F-4D97-AF65-F5344CB8AC3E}">
-        <p14:creationId xmlns:p14="http://schemas.microsoft.com/office/powerpoint/2010/main" val="128533741"/>
-      </p:ext>
-    </p:extLst>
-  </p:cSld>
-  <p:clrMapOvr>
-    <a:masterClrMapping/>
-  </p:clrMapOvr>
-</p:notes>
-</file>
-
-<file path=ppt/notesSlides/notesSlide14.xml><?xml version="1.0" encoding="utf-8"?>
-<p:notes xmlns:a="http://schemas.openxmlformats.org/drawingml/2006/main" xmlns:r="http://schemas.openxmlformats.org/officeDocument/2006/relationships" xmlns:p="http://schemas.openxmlformats.org/presentationml/2006/main">
-  <p:cSld>
-    <p:spTree>
-      <p:nvGrpSpPr>
-        <p:cNvPr id="1" name=""/>
-        <p:cNvGrpSpPr/>
-        <p:nvPr/>
-      </p:nvGrpSpPr>
-      <p:grpSpPr>
-        <a:xfrm>
-          <a:off x="0" y="0"/>
-          <a:ext cx="0" cy="0"/>
-          <a:chOff x="0" y="0"/>
-          <a:chExt cx="0" cy="0"/>
-        </a:xfrm>
-      </p:grpSpPr>
-      <p:sp>
-        <p:nvSpPr>
-          <p:cNvPr id="2" name="Slide Image Placeholder 1"/>
-          <p:cNvSpPr>
-            <a:spLocks noGrp="1" noRot="1" noChangeAspect="1"/>
-          </p:cNvSpPr>
-          <p:nvPr>
-            <p:ph type="sldImg"/>
-          </p:nvPr>
-        </p:nvSpPr>
-        <p:spPr>
-          <a:xfrm>
-            <a:off x="876300" y="885825"/>
-            <a:ext cx="5576888" cy="3136900"/>
-          </a:xfrm>
-        </p:spPr>
-      </p:sp>
-      <p:sp>
-        <p:nvSpPr>
-          <p:cNvPr id="3" name="Notes Placeholder 2"/>
-          <p:cNvSpPr>
-            <a:spLocks noGrp="1"/>
-          </p:cNvSpPr>
-          <p:nvPr>
-            <p:ph type="body" idx="1"/>
-          </p:nvPr>
-        </p:nvSpPr>
-        <p:spPr/>
-        <p:txBody>
-          <a:bodyPr/>
-          <a:lstStyle/>
-          <a:p>
-            <a:endParaRPr lang="en-US"/>
-          </a:p>
-        </p:txBody>
-      </p:sp>
-      <p:sp>
-        <p:nvSpPr>
-          <p:cNvPr id="4" name="Slide Number Placeholder 3"/>
-          <p:cNvSpPr>
-            <a:spLocks noGrp="1"/>
-          </p:cNvSpPr>
-          <p:nvPr>
-            <p:ph type="sldNum" sz="quarter" idx="10"/>
-          </p:nvPr>
-        </p:nvSpPr>
-        <p:spPr/>
-        <p:txBody>
-          <a:bodyPr/>
-          <a:lstStyle/>
-          <a:p>
-            <a:r>
-              <a:rPr lang="en-US" smtClean="0"/>
-              <a:t>Chart </a:t>
-            </a:r>
-            <a:fld id="{4CBF50E3-ED67-46F2-ABFC-A36EE1082CF7}" type="slidenum">
-              <a:rPr lang="en-US" b="1" smtClean="0"/>
-              <a:pPr/>
-              <a:t>21</a:t>
-            </a:fld>
-            <a:endParaRPr lang="en-US" b="1" dirty="0"/>
-          </a:p>
-        </p:txBody>
-      </p:sp>
-    </p:spTree>
-    <p:extLst>
-      <p:ext uri="{BB962C8B-B14F-4D97-AF65-F5344CB8AC3E}">
-        <p14:creationId xmlns:p14="http://schemas.microsoft.com/office/powerpoint/2010/main" val="691679009"/>
-      </p:ext>
-    </p:extLst>
-  </p:cSld>
-  <p:clrMapOvr>
-    <a:masterClrMapping/>
-  </p:clrMapOvr>
-</p:notes>
-</file>
-
-<file path=ppt/notesSlides/notesSlide15.xml><?xml version="1.0" encoding="utf-8"?>
-<p:notes xmlns:a="http://schemas.openxmlformats.org/drawingml/2006/main" xmlns:r="http://schemas.openxmlformats.org/officeDocument/2006/relationships" xmlns:p="http://schemas.openxmlformats.org/presentationml/2006/main">
-  <p:cSld>
-    <p:spTree>
-      <p:nvGrpSpPr>
-        <p:cNvPr id="1" name=""/>
-        <p:cNvGrpSpPr/>
-        <p:nvPr/>
-      </p:nvGrpSpPr>
-      <p:grpSpPr>
-        <a:xfrm>
-          <a:off x="0" y="0"/>
-          <a:ext cx="0" cy="0"/>
-          <a:chOff x="0" y="0"/>
-          <a:chExt cx="0" cy="0"/>
-        </a:xfrm>
-      </p:grpSpPr>
-      <p:sp>
-        <p:nvSpPr>
-          <p:cNvPr id="2" name="Slide Image Placeholder 1"/>
-          <p:cNvSpPr>
-            <a:spLocks noGrp="1" noRot="1" noChangeAspect="1"/>
-          </p:cNvSpPr>
-          <p:nvPr>
-            <p:ph type="sldImg"/>
-          </p:nvPr>
-        </p:nvSpPr>
-        <p:spPr>
-          <a:xfrm>
-            <a:off x="876300" y="885825"/>
-            <a:ext cx="5576888" cy="3136900"/>
-          </a:xfrm>
-        </p:spPr>
-      </p:sp>
-      <p:sp>
-        <p:nvSpPr>
-          <p:cNvPr id="3" name="Notes Placeholder 2"/>
-          <p:cNvSpPr>
-            <a:spLocks noGrp="1"/>
-          </p:cNvSpPr>
-          <p:nvPr>
-            <p:ph type="body" idx="1"/>
-          </p:nvPr>
-        </p:nvSpPr>
-        <p:spPr/>
-        <p:txBody>
-          <a:bodyPr/>
-          <a:lstStyle/>
-          <a:p>
-            <a:endParaRPr lang="en-US"/>
-          </a:p>
-        </p:txBody>
-      </p:sp>
-      <p:sp>
-        <p:nvSpPr>
-          <p:cNvPr id="4" name="Slide Number Placeholder 3"/>
-          <p:cNvSpPr>
-            <a:spLocks noGrp="1"/>
-          </p:cNvSpPr>
-          <p:nvPr>
-            <p:ph type="sldNum" sz="quarter" idx="10"/>
-          </p:nvPr>
-        </p:nvSpPr>
-        <p:spPr/>
-        <p:txBody>
-          <a:bodyPr/>
-          <a:lstStyle/>
-          <a:p>
-            <a:r>
-              <a:rPr lang="en-US" smtClean="0"/>
-              <a:t>Chart </a:t>
-            </a:r>
-            <a:fld id="{4CBF50E3-ED67-46F2-ABFC-A36EE1082CF7}" type="slidenum">
-              <a:rPr lang="en-US" b="1" smtClean="0"/>
-              <a:pPr/>
-              <a:t>22</a:t>
+              <a:t>18</a:t>
             </a:fld>
             <a:endParaRPr lang="en-US" b="1" dirty="0"/>
           </a:p>
@@ -3266,7 +2980,7 @@
       </p:grpSpPr>
       <p:sp>
         <p:nvSpPr>
-          <p:cNvPr id="8" name="Slide Image Placeholder 7"/>
+          <p:cNvPr id="7" name="Slide Image Placeholder 6"/>
           <p:cNvSpPr>
             <a:spLocks noGrp="1" noRot="1" noChangeAspect="1"/>
           </p:cNvSpPr>
@@ -3283,7 +2997,7 @@
       </p:sp>
       <p:sp>
         <p:nvSpPr>
-          <p:cNvPr id="9" name="Notes Placeholder 8"/>
+          <p:cNvPr id="8" name="Notes Placeholder 7"/>
           <p:cNvSpPr>
             <a:spLocks noGrp="1"/>
           </p:cNvSpPr>
@@ -3302,7 +3016,7 @@
       </p:sp>
       <p:sp>
         <p:nvSpPr>
-          <p:cNvPr id="11" name="Slide Number Placeholder 10"/>
+          <p:cNvPr id="10" name="Slide Number Placeholder 9"/>
           <p:cNvSpPr>
             <a:spLocks noGrp="1"/>
           </p:cNvSpPr>
@@ -3331,7 +3045,7 @@
     </p:spTree>
     <p:extLst>
       <p:ext uri="{BB962C8B-B14F-4D97-AF65-F5344CB8AC3E}">
-        <p14:creationId xmlns:p14="http://schemas.microsoft.com/office/powerpoint/2010/main" val="3780952756"/>
+        <p14:creationId xmlns:p14="http://schemas.microsoft.com/office/powerpoint/2010/main" val="1053654253"/>
       </p:ext>
     </p:extLst>
   </p:cSld>
@@ -3360,7 +3074,7 @@
       </p:grpSpPr>
       <p:sp>
         <p:nvSpPr>
-          <p:cNvPr id="7" name="Slide Image Placeholder 6"/>
+          <p:cNvPr id="8" name="Slide Image Placeholder 7"/>
           <p:cNvSpPr>
             <a:spLocks noGrp="1" noRot="1" noChangeAspect="1"/>
           </p:cNvSpPr>
@@ -3377,7 +3091,7 @@
       </p:sp>
       <p:sp>
         <p:nvSpPr>
-          <p:cNvPr id="8" name="Notes Placeholder 7"/>
+          <p:cNvPr id="9" name="Notes Placeholder 8"/>
           <p:cNvSpPr>
             <a:spLocks noGrp="1"/>
           </p:cNvSpPr>
@@ -3396,7 +3110,7 @@
       </p:sp>
       <p:sp>
         <p:nvSpPr>
-          <p:cNvPr id="10" name="Slide Number Placeholder 9"/>
+          <p:cNvPr id="11" name="Slide Number Placeholder 10"/>
           <p:cNvSpPr>
             <a:spLocks noGrp="1"/>
           </p:cNvSpPr>
@@ -3425,7 +3139,7 @@
     </p:spTree>
     <p:extLst>
       <p:ext uri="{BB962C8B-B14F-4D97-AF65-F5344CB8AC3E}">
-        <p14:creationId xmlns:p14="http://schemas.microsoft.com/office/powerpoint/2010/main" val="1053654253"/>
+        <p14:creationId xmlns:p14="http://schemas.microsoft.com/office/powerpoint/2010/main" val="3780952756"/>
       </p:ext>
     </p:extLst>
   </p:cSld>
@@ -3454,7 +3168,7 @@
       </p:grpSpPr>
       <p:sp>
         <p:nvSpPr>
-          <p:cNvPr id="8" name="Slide Image Placeholder 7"/>
+          <p:cNvPr id="7" name="Slide Image Placeholder 6"/>
           <p:cNvSpPr>
             <a:spLocks noGrp="1" noRot="1" noChangeAspect="1"/>
           </p:cNvSpPr>
@@ -3471,7 +3185,7 @@
       </p:sp>
       <p:sp>
         <p:nvSpPr>
-          <p:cNvPr id="9" name="Notes Placeholder 8"/>
+          <p:cNvPr id="8" name="Notes Placeholder 7"/>
           <p:cNvSpPr>
             <a:spLocks noGrp="1"/>
           </p:cNvSpPr>
@@ -3490,7 +3204,7 @@
       </p:sp>
       <p:sp>
         <p:nvSpPr>
-          <p:cNvPr id="11" name="Slide Number Placeholder 10"/>
+          <p:cNvPr id="10" name="Slide Number Placeholder 9"/>
           <p:cNvSpPr>
             <a:spLocks noGrp="1"/>
           </p:cNvSpPr>
@@ -3510,7 +3224,7 @@
             <a:fld id="{4CBF50E3-ED67-46F2-ABFC-A36EE1082CF7}" type="slidenum">
               <a:rPr lang="en-US" b="1" smtClean="0"/>
               <a:pPr/>
-              <a:t>8</a:t>
+              <a:t>10</a:t>
             </a:fld>
             <a:endParaRPr lang="en-US" b="1" dirty="0"/>
           </a:p>
@@ -3519,7 +3233,7 @@
     </p:spTree>
     <p:extLst>
       <p:ext uri="{BB962C8B-B14F-4D97-AF65-F5344CB8AC3E}">
-        <p14:creationId xmlns:p14="http://schemas.microsoft.com/office/powerpoint/2010/main" val="3780952756"/>
+        <p14:creationId xmlns:p14="http://schemas.microsoft.com/office/powerpoint/2010/main" val="1053654253"/>
       </p:ext>
     </p:extLst>
   </p:cSld>
@@ -3548,7 +3262,7 @@
       </p:grpSpPr>
       <p:sp>
         <p:nvSpPr>
-          <p:cNvPr id="7" name="Slide Image Placeholder 6"/>
+          <p:cNvPr id="8" name="Slide Image Placeholder 7"/>
           <p:cNvSpPr>
             <a:spLocks noGrp="1" noRot="1" noChangeAspect="1"/>
           </p:cNvSpPr>
@@ -3565,7 +3279,7 @@
       </p:sp>
       <p:sp>
         <p:nvSpPr>
-          <p:cNvPr id="8" name="Notes Placeholder 7"/>
+          <p:cNvPr id="9" name="Notes Placeholder 8"/>
           <p:cNvSpPr>
             <a:spLocks noGrp="1"/>
           </p:cNvSpPr>
@@ -3604,7 +3318,7 @@
             <a:fld id="{4CBF50E3-ED67-46F2-ABFC-A36EE1082CF7}" type="slidenum">
               <a:rPr lang="en-US" b="1" smtClean="0"/>
               <a:pPr/>
-              <a:t>10</a:t>
+              <a:t>11</a:t>
             </a:fld>
             <a:endParaRPr lang="en-US" b="1" dirty="0"/>
           </a:p>
@@ -3613,7 +3327,7 @@
     </p:spTree>
     <p:extLst>
       <p:ext uri="{BB962C8B-B14F-4D97-AF65-F5344CB8AC3E}">
-        <p14:creationId xmlns:p14="http://schemas.microsoft.com/office/powerpoint/2010/main" val="1053654253"/>
+        <p14:creationId xmlns:p14="http://schemas.microsoft.com/office/powerpoint/2010/main" val="1915773074"/>
       </p:ext>
     </p:extLst>
   </p:cSld>
@@ -3642,7 +3356,7 @@
       </p:grpSpPr>
       <p:sp>
         <p:nvSpPr>
-          <p:cNvPr id="7" name="Slide Image Placeholder 6"/>
+          <p:cNvPr id="8" name="Slide Image Placeholder 7"/>
           <p:cNvSpPr>
             <a:spLocks noGrp="1" noRot="1" noChangeAspect="1"/>
           </p:cNvSpPr>
@@ -3659,7 +3373,7 @@
       </p:sp>
       <p:sp>
         <p:nvSpPr>
-          <p:cNvPr id="8" name="Notes Placeholder 7"/>
+          <p:cNvPr id="9" name="Notes Placeholder 8"/>
           <p:cNvSpPr>
             <a:spLocks noGrp="1"/>
           </p:cNvSpPr>
@@ -3698,7 +3412,7 @@
             <a:fld id="{4CBF50E3-ED67-46F2-ABFC-A36EE1082CF7}" type="slidenum">
               <a:rPr lang="en-US" b="1" smtClean="0"/>
               <a:pPr/>
-              <a:t>13</a:t>
+              <a:t>12</a:t>
             </a:fld>
             <a:endParaRPr lang="en-US" b="1" dirty="0"/>
           </a:p>
@@ -3707,7 +3421,7 @@
     </p:spTree>
     <p:extLst>
       <p:ext uri="{BB962C8B-B14F-4D97-AF65-F5344CB8AC3E}">
-        <p14:creationId xmlns:p14="http://schemas.microsoft.com/office/powerpoint/2010/main" val="1053654253"/>
+        <p14:creationId xmlns:p14="http://schemas.microsoft.com/office/powerpoint/2010/main" val="1875456307"/>
       </p:ext>
     </p:extLst>
   </p:cSld>
@@ -3736,7 +3450,7 @@
       </p:grpSpPr>
       <p:sp>
         <p:nvSpPr>
-          <p:cNvPr id="7" name="Slide Image Placeholder 6"/>
+          <p:cNvPr id="8" name="Slide Image Placeholder 7"/>
           <p:cNvSpPr>
             <a:spLocks noGrp="1" noRot="1" noChangeAspect="1"/>
           </p:cNvSpPr>
@@ -3753,7 +3467,7 @@
       </p:sp>
       <p:sp>
         <p:nvSpPr>
-          <p:cNvPr id="8" name="Notes Placeholder 7"/>
+          <p:cNvPr id="9" name="Notes Placeholder 8"/>
           <p:cNvSpPr>
             <a:spLocks noGrp="1"/>
           </p:cNvSpPr>
@@ -3792,7 +3506,7 @@
             <a:fld id="{4CBF50E3-ED67-46F2-ABFC-A36EE1082CF7}" type="slidenum">
               <a:rPr lang="en-US" b="1" smtClean="0"/>
               <a:pPr/>
-              <a:t>14</a:t>
+              <a:t>13</a:t>
             </a:fld>
             <a:endParaRPr lang="en-US" b="1" dirty="0"/>
           </a:p>
@@ -3801,7 +3515,7 @@
     </p:spTree>
     <p:extLst>
       <p:ext uri="{BB962C8B-B14F-4D97-AF65-F5344CB8AC3E}">
-        <p14:creationId xmlns:p14="http://schemas.microsoft.com/office/powerpoint/2010/main" val="1053654253"/>
+        <p14:creationId xmlns:p14="http://schemas.microsoft.com/office/powerpoint/2010/main" val="577263827"/>
       </p:ext>
     </p:extLst>
   </p:cSld>
@@ -3886,7 +3600,7 @@
             <a:fld id="{4CBF50E3-ED67-46F2-ABFC-A36EE1082CF7}" type="slidenum">
               <a:rPr lang="en-US" b="1" smtClean="0"/>
               <a:pPr/>
-              <a:t>15</a:t>
+              <a:t>14</a:t>
             </a:fld>
             <a:endParaRPr lang="en-US" b="1" dirty="0"/>
           </a:p>
@@ -3895,7 +3609,7 @@
     </p:spTree>
     <p:extLst>
       <p:ext uri="{BB962C8B-B14F-4D97-AF65-F5344CB8AC3E}">
-        <p14:creationId xmlns:p14="http://schemas.microsoft.com/office/powerpoint/2010/main" val="1915773074"/>
+        <p14:creationId xmlns:p14="http://schemas.microsoft.com/office/powerpoint/2010/main" val="1254936349"/>
       </p:ext>
     </p:extLst>
   </p:cSld>
@@ -3924,7 +3638,7 @@
       </p:grpSpPr>
       <p:sp>
         <p:nvSpPr>
-          <p:cNvPr id="8" name="Slide Image Placeholder 7"/>
+          <p:cNvPr id="2" name="Slide Image Placeholder 1"/>
           <p:cNvSpPr>
             <a:spLocks noGrp="1" noRot="1" noChangeAspect="1"/>
           </p:cNvSpPr>
@@ -3932,7 +3646,7 @@
             <p:ph type="sldImg"/>
           </p:nvPr>
         </p:nvSpPr>
-        <p:spPr bwMode="gray">
+        <p:spPr>
           <a:xfrm>
             <a:off x="876300" y="885825"/>
             <a:ext cx="5576888" cy="3136900"/>
@@ -3941,7 +3655,7 @@
       </p:sp>
       <p:sp>
         <p:nvSpPr>
-          <p:cNvPr id="9" name="Notes Placeholder 8"/>
+          <p:cNvPr id="3" name="Notes Placeholder 2"/>
           <p:cNvSpPr>
             <a:spLocks noGrp="1"/>
           </p:cNvSpPr>
@@ -3949,7 +3663,7 @@
             <p:ph type="body" idx="1"/>
           </p:nvPr>
         </p:nvSpPr>
-        <p:spPr bwMode="gray"/>
+        <p:spPr/>
         <p:txBody>
           <a:bodyPr/>
           <a:lstStyle/>
@@ -3960,7 +3674,7 @@
       </p:sp>
       <p:sp>
         <p:nvSpPr>
-          <p:cNvPr id="10" name="Slide Number Placeholder 9"/>
+          <p:cNvPr id="4" name="Slide Number Placeholder 3"/>
           <p:cNvSpPr>
             <a:spLocks noGrp="1"/>
           </p:cNvSpPr>
@@ -3980,7 +3694,7 @@
             <a:fld id="{4CBF50E3-ED67-46F2-ABFC-A36EE1082CF7}" type="slidenum">
               <a:rPr lang="en-US" b="1" smtClean="0"/>
               <a:pPr/>
-              <a:t>16</a:t>
+              <a:t>15</a:t>
             </a:fld>
             <a:endParaRPr lang="en-US" b="1" dirty="0"/>
           </a:p>
@@ -3989,7 +3703,7 @@
     </p:spTree>
     <p:extLst>
       <p:ext uri="{BB962C8B-B14F-4D97-AF65-F5344CB8AC3E}">
-        <p14:creationId xmlns:p14="http://schemas.microsoft.com/office/powerpoint/2010/main" val="1875456307"/>
+        <p14:creationId xmlns:p14="http://schemas.microsoft.com/office/powerpoint/2010/main" val="1584324230"/>
       </p:ext>
     </p:extLst>
   </p:cSld>
@@ -5736,31 +5450,31 @@
           <a:lstStyle/>
           <a:p>
             <a:r>
+              <a:rPr lang="de-DE" smtClean="0"/>
+              <a:t>Aragatgs Amirkhanyan, 17.10.2014</a:t>
+            </a:r>
+            <a:endParaRPr lang="en-US" dirty="0"/>
+          </a:p>
+        </p:txBody>
+      </p:sp>
+      <p:sp>
+        <p:nvSpPr>
+          <p:cNvPr id="5" name="Footer Placeholder 4"/>
+          <p:cNvSpPr>
+            <a:spLocks noGrp="1"/>
+          </p:cNvSpPr>
+          <p:nvPr>
+            <p:ph type="ftr" sz="quarter" idx="22"/>
+          </p:nvPr>
+        </p:nvSpPr>
+        <p:spPr/>
+        <p:txBody>
+          <a:bodyPr/>
+          <a:lstStyle/>
+          <a:p>
+            <a:r>
               <a:rPr lang="en-US" smtClean="0"/>
-              <a:t>Speaker, Job Description, Date if needed</a:t>
-            </a:r>
-            <a:endParaRPr lang="en-US" dirty="0"/>
-          </a:p>
-        </p:txBody>
-      </p:sp>
-      <p:sp>
-        <p:nvSpPr>
-          <p:cNvPr id="5" name="Footer Placeholder 4"/>
-          <p:cNvSpPr>
-            <a:spLocks noGrp="1"/>
-          </p:cNvSpPr>
-          <p:nvPr>
-            <p:ph type="ftr" sz="quarter" idx="22"/>
-          </p:nvPr>
-        </p:nvSpPr>
-        <p:spPr/>
-        <p:txBody>
-          <a:bodyPr/>
-          <a:lstStyle/>
-          <a:p>
-            <a:r>
-              <a:rPr lang="en-US" smtClean="0"/>
-              <a:t>Presentation Title</a:t>
+              <a:t>Testbed Automation for Network Security and Security Analytics</a:t>
             </a:r>
             <a:endParaRPr lang="en-US" dirty="0"/>
           </a:p>
@@ -6034,31 +5748,31 @@
           <a:lstStyle/>
           <a:p>
             <a:r>
+              <a:rPr lang="de-DE" smtClean="0"/>
+              <a:t>Aragatgs Amirkhanyan, 17.10.2014</a:t>
+            </a:r>
+            <a:endParaRPr lang="en-US" dirty="0"/>
+          </a:p>
+        </p:txBody>
+      </p:sp>
+      <p:sp>
+        <p:nvSpPr>
+          <p:cNvPr id="5" name="Footer Placeholder 4"/>
+          <p:cNvSpPr>
+            <a:spLocks noGrp="1"/>
+          </p:cNvSpPr>
+          <p:nvPr>
+            <p:ph type="ftr" sz="quarter" idx="16"/>
+          </p:nvPr>
+        </p:nvSpPr>
+        <p:spPr/>
+        <p:txBody>
+          <a:bodyPr/>
+          <a:lstStyle/>
+          <a:p>
+            <a:r>
               <a:rPr lang="en-US" smtClean="0"/>
-              <a:t>Speaker, Job Description, Date if needed</a:t>
-            </a:r>
-            <a:endParaRPr lang="en-US" dirty="0"/>
-          </a:p>
-        </p:txBody>
-      </p:sp>
-      <p:sp>
-        <p:nvSpPr>
-          <p:cNvPr id="5" name="Footer Placeholder 4"/>
-          <p:cNvSpPr>
-            <a:spLocks noGrp="1"/>
-          </p:cNvSpPr>
-          <p:nvPr>
-            <p:ph type="ftr" sz="quarter" idx="16"/>
-          </p:nvPr>
-        </p:nvSpPr>
-        <p:spPr/>
-        <p:txBody>
-          <a:bodyPr/>
-          <a:lstStyle/>
-          <a:p>
-            <a:r>
-              <a:rPr lang="en-US" smtClean="0"/>
-              <a:t>Presentation Title</a:t>
+              <a:t>Testbed Automation for Network Security and Security Analytics</a:t>
             </a:r>
             <a:endParaRPr lang="en-US" dirty="0"/>
           </a:p>
@@ -6332,31 +6046,31 @@
           <a:lstStyle/>
           <a:p>
             <a:r>
+              <a:rPr lang="de-DE" smtClean="0"/>
+              <a:t>Aragatgs Amirkhanyan, 17.10.2014</a:t>
+            </a:r>
+            <a:endParaRPr lang="en-US" dirty="0"/>
+          </a:p>
+        </p:txBody>
+      </p:sp>
+      <p:sp>
+        <p:nvSpPr>
+          <p:cNvPr id="5" name="Footer Placeholder 4"/>
+          <p:cNvSpPr>
+            <a:spLocks noGrp="1"/>
+          </p:cNvSpPr>
+          <p:nvPr>
+            <p:ph type="ftr" sz="quarter" idx="16"/>
+          </p:nvPr>
+        </p:nvSpPr>
+        <p:spPr/>
+        <p:txBody>
+          <a:bodyPr/>
+          <a:lstStyle/>
+          <a:p>
+            <a:r>
               <a:rPr lang="en-US" smtClean="0"/>
-              <a:t>Speaker, Job Description, Date if needed</a:t>
-            </a:r>
-            <a:endParaRPr lang="en-US" dirty="0"/>
-          </a:p>
-        </p:txBody>
-      </p:sp>
-      <p:sp>
-        <p:nvSpPr>
-          <p:cNvPr id="5" name="Footer Placeholder 4"/>
-          <p:cNvSpPr>
-            <a:spLocks noGrp="1"/>
-          </p:cNvSpPr>
-          <p:nvPr>
-            <p:ph type="ftr" sz="quarter" idx="16"/>
-          </p:nvPr>
-        </p:nvSpPr>
-        <p:spPr/>
-        <p:txBody>
-          <a:bodyPr/>
-          <a:lstStyle/>
-          <a:p>
-            <a:r>
-              <a:rPr lang="en-US" smtClean="0"/>
-              <a:t>Presentation Title</a:t>
+              <a:t>Testbed Automation for Network Security and Security Analytics</a:t>
             </a:r>
             <a:endParaRPr lang="en-US" dirty="0"/>
           </a:p>
@@ -6637,31 +6351,31 @@
           <a:lstStyle/>
           <a:p>
             <a:r>
+              <a:rPr lang="de-DE" smtClean="0"/>
+              <a:t>Aragatgs Amirkhanyan, 17.10.2014</a:t>
+            </a:r>
+            <a:endParaRPr lang="en-US" dirty="0"/>
+          </a:p>
+        </p:txBody>
+      </p:sp>
+      <p:sp>
+        <p:nvSpPr>
+          <p:cNvPr id="5" name="Footer Placeholder 4"/>
+          <p:cNvSpPr>
+            <a:spLocks noGrp="1"/>
+          </p:cNvSpPr>
+          <p:nvPr>
+            <p:ph type="ftr" sz="quarter" idx="16"/>
+          </p:nvPr>
+        </p:nvSpPr>
+        <p:spPr/>
+        <p:txBody>
+          <a:bodyPr/>
+          <a:lstStyle/>
+          <a:p>
+            <a:r>
               <a:rPr lang="en-US" smtClean="0"/>
-              <a:t>Speaker, Job Description, Date if needed</a:t>
-            </a:r>
-            <a:endParaRPr lang="en-US" dirty="0"/>
-          </a:p>
-        </p:txBody>
-      </p:sp>
-      <p:sp>
-        <p:nvSpPr>
-          <p:cNvPr id="5" name="Footer Placeholder 4"/>
-          <p:cNvSpPr>
-            <a:spLocks noGrp="1"/>
-          </p:cNvSpPr>
-          <p:nvPr>
-            <p:ph type="ftr" sz="quarter" idx="16"/>
-          </p:nvPr>
-        </p:nvSpPr>
-        <p:spPr/>
-        <p:txBody>
-          <a:bodyPr/>
-          <a:lstStyle/>
-          <a:p>
-            <a:r>
-              <a:rPr lang="en-US" smtClean="0"/>
-              <a:t>Presentation Title</a:t>
+              <a:t>Testbed Automation for Network Security and Security Analytics</a:t>
             </a:r>
             <a:endParaRPr lang="en-US" dirty="0"/>
           </a:p>
@@ -6883,31 +6597,31 @@
           <a:lstStyle/>
           <a:p>
             <a:r>
+              <a:rPr lang="de-DE" smtClean="0"/>
+              <a:t>Aragatgs Amirkhanyan, 17.10.2014</a:t>
+            </a:r>
+            <a:endParaRPr lang="en-US" dirty="0"/>
+          </a:p>
+        </p:txBody>
+      </p:sp>
+      <p:sp>
+        <p:nvSpPr>
+          <p:cNvPr id="5" name="Footer Placeholder 4"/>
+          <p:cNvSpPr>
+            <a:spLocks noGrp="1"/>
+          </p:cNvSpPr>
+          <p:nvPr>
+            <p:ph type="ftr" sz="quarter" idx="16"/>
+          </p:nvPr>
+        </p:nvSpPr>
+        <p:spPr/>
+        <p:txBody>
+          <a:bodyPr/>
+          <a:lstStyle/>
+          <a:p>
+            <a:r>
               <a:rPr lang="en-US" smtClean="0"/>
-              <a:t>Speaker, Job Description, Date if needed</a:t>
-            </a:r>
-            <a:endParaRPr lang="en-US" dirty="0"/>
-          </a:p>
-        </p:txBody>
-      </p:sp>
-      <p:sp>
-        <p:nvSpPr>
-          <p:cNvPr id="5" name="Footer Placeholder 4"/>
-          <p:cNvSpPr>
-            <a:spLocks noGrp="1"/>
-          </p:cNvSpPr>
-          <p:nvPr>
-            <p:ph type="ftr" sz="quarter" idx="16"/>
-          </p:nvPr>
-        </p:nvSpPr>
-        <p:spPr/>
-        <p:txBody>
-          <a:bodyPr/>
-          <a:lstStyle/>
-          <a:p>
-            <a:r>
-              <a:rPr lang="en-US" smtClean="0"/>
-              <a:t>Presentation Title</a:t>
+              <a:t>Testbed Automation for Network Security and Security Analytics</a:t>
             </a:r>
             <a:endParaRPr lang="en-US" dirty="0"/>
           </a:p>
@@ -9304,31 +9018,31 @@
           <a:lstStyle/>
           <a:p>
             <a:r>
+              <a:rPr lang="de-DE" smtClean="0"/>
+              <a:t>Aragatgs Amirkhanyan, 17.10.2014</a:t>
+            </a:r>
+            <a:endParaRPr lang="en-US" dirty="0"/>
+          </a:p>
+        </p:txBody>
+      </p:sp>
+      <p:sp>
+        <p:nvSpPr>
+          <p:cNvPr id="3" name="Footer Placeholder 2"/>
+          <p:cNvSpPr>
+            <a:spLocks noGrp="1"/>
+          </p:cNvSpPr>
+          <p:nvPr>
+            <p:ph type="ftr" sz="quarter" idx="15"/>
+          </p:nvPr>
+        </p:nvSpPr>
+        <p:spPr/>
+        <p:txBody>
+          <a:bodyPr/>
+          <a:lstStyle/>
+          <a:p>
+            <a:r>
               <a:rPr lang="en-US" smtClean="0"/>
-              <a:t>Speaker, Job Description, Date if needed</a:t>
-            </a:r>
-            <a:endParaRPr lang="en-US" dirty="0"/>
-          </a:p>
-        </p:txBody>
-      </p:sp>
-      <p:sp>
-        <p:nvSpPr>
-          <p:cNvPr id="3" name="Footer Placeholder 2"/>
-          <p:cNvSpPr>
-            <a:spLocks noGrp="1"/>
-          </p:cNvSpPr>
-          <p:nvPr>
-            <p:ph type="ftr" sz="quarter" idx="15"/>
-          </p:nvPr>
-        </p:nvSpPr>
-        <p:spPr/>
-        <p:txBody>
-          <a:bodyPr/>
-          <a:lstStyle/>
-          <a:p>
-            <a:r>
-              <a:rPr lang="en-US" smtClean="0"/>
-              <a:t>Presentation Title</a:t>
+              <a:t>Testbed Automation for Network Security and Security Analytics</a:t>
             </a:r>
             <a:endParaRPr lang="en-US" dirty="0"/>
           </a:p>
@@ -9569,31 +9283,31 @@
           <a:lstStyle/>
           <a:p>
             <a:r>
+              <a:rPr lang="de-DE" smtClean="0"/>
+              <a:t>Aragatgs Amirkhanyan, 17.10.2014</a:t>
+            </a:r>
+            <a:endParaRPr lang="en-US" dirty="0"/>
+          </a:p>
+        </p:txBody>
+      </p:sp>
+      <p:sp>
+        <p:nvSpPr>
+          <p:cNvPr id="3" name="Footer Placeholder 2"/>
+          <p:cNvSpPr>
+            <a:spLocks noGrp="1"/>
+          </p:cNvSpPr>
+          <p:nvPr>
+            <p:ph type="ftr" sz="quarter" idx="15"/>
+          </p:nvPr>
+        </p:nvSpPr>
+        <p:spPr/>
+        <p:txBody>
+          <a:bodyPr/>
+          <a:lstStyle/>
+          <a:p>
+            <a:r>
               <a:rPr lang="en-US" smtClean="0"/>
-              <a:t>Speaker, Job Description, Date if needed</a:t>
-            </a:r>
-            <a:endParaRPr lang="en-US" dirty="0"/>
-          </a:p>
-        </p:txBody>
-      </p:sp>
-      <p:sp>
-        <p:nvSpPr>
-          <p:cNvPr id="3" name="Footer Placeholder 2"/>
-          <p:cNvSpPr>
-            <a:spLocks noGrp="1"/>
-          </p:cNvSpPr>
-          <p:nvPr>
-            <p:ph type="ftr" sz="quarter" idx="15"/>
-          </p:nvPr>
-        </p:nvSpPr>
-        <p:spPr/>
-        <p:txBody>
-          <a:bodyPr/>
-          <a:lstStyle/>
-          <a:p>
-            <a:r>
-              <a:rPr lang="en-US" smtClean="0"/>
-              <a:t>Presentation Title</a:t>
+              <a:t>Testbed Automation for Network Security and Security Analytics</a:t>
             </a:r>
             <a:endParaRPr lang="en-US" dirty="0"/>
           </a:p>
@@ -9847,31 +9561,31 @@
           <a:lstStyle/>
           <a:p>
             <a:r>
+              <a:rPr lang="de-DE" smtClean="0"/>
+              <a:t>Aragatgs Amirkhanyan, 17.10.2014</a:t>
+            </a:r>
+            <a:endParaRPr lang="en-US" dirty="0"/>
+          </a:p>
+        </p:txBody>
+      </p:sp>
+      <p:sp>
+        <p:nvSpPr>
+          <p:cNvPr id="4" name="Footer Placeholder 3"/>
+          <p:cNvSpPr>
+            <a:spLocks noGrp="1"/>
+          </p:cNvSpPr>
+          <p:nvPr>
+            <p:ph type="ftr" sz="quarter" idx="16"/>
+          </p:nvPr>
+        </p:nvSpPr>
+        <p:spPr/>
+        <p:txBody>
+          <a:bodyPr/>
+          <a:lstStyle/>
+          <a:p>
+            <a:r>
               <a:rPr lang="en-US" smtClean="0"/>
-              <a:t>Speaker, Job Description, Date if needed</a:t>
-            </a:r>
-            <a:endParaRPr lang="en-US" dirty="0"/>
-          </a:p>
-        </p:txBody>
-      </p:sp>
-      <p:sp>
-        <p:nvSpPr>
-          <p:cNvPr id="4" name="Footer Placeholder 3"/>
-          <p:cNvSpPr>
-            <a:spLocks noGrp="1"/>
-          </p:cNvSpPr>
-          <p:nvPr>
-            <p:ph type="ftr" sz="quarter" idx="16"/>
-          </p:nvPr>
-        </p:nvSpPr>
-        <p:spPr/>
-        <p:txBody>
-          <a:bodyPr/>
-          <a:lstStyle/>
-          <a:p>
-            <a:r>
-              <a:rPr lang="en-US" smtClean="0"/>
-              <a:t>Presentation Title</a:t>
+              <a:t>Testbed Automation for Network Security and Security Analytics</a:t>
             </a:r>
             <a:endParaRPr lang="en-US" dirty="0"/>
           </a:p>
@@ -10239,31 +9953,31 @@
           <a:lstStyle/>
           <a:p>
             <a:r>
+              <a:rPr lang="de-DE" smtClean="0"/>
+              <a:t>Aragatgs Amirkhanyan, 17.10.2014</a:t>
+            </a:r>
+            <a:endParaRPr lang="en-US" dirty="0"/>
+          </a:p>
+        </p:txBody>
+      </p:sp>
+      <p:sp>
+        <p:nvSpPr>
+          <p:cNvPr id="4" name="Footer Placeholder 3"/>
+          <p:cNvSpPr>
+            <a:spLocks noGrp="1"/>
+          </p:cNvSpPr>
+          <p:nvPr>
+            <p:ph type="ftr" sz="quarter" idx="18"/>
+          </p:nvPr>
+        </p:nvSpPr>
+        <p:spPr/>
+        <p:txBody>
+          <a:bodyPr/>
+          <a:lstStyle/>
+          <a:p>
+            <a:r>
               <a:rPr lang="en-US" smtClean="0"/>
-              <a:t>Speaker, Job Description, Date if needed</a:t>
-            </a:r>
-            <a:endParaRPr lang="en-US" dirty="0"/>
-          </a:p>
-        </p:txBody>
-      </p:sp>
-      <p:sp>
-        <p:nvSpPr>
-          <p:cNvPr id="4" name="Footer Placeholder 3"/>
-          <p:cNvSpPr>
-            <a:spLocks noGrp="1"/>
-          </p:cNvSpPr>
-          <p:nvPr>
-            <p:ph type="ftr" sz="quarter" idx="18"/>
-          </p:nvPr>
-        </p:nvSpPr>
-        <p:spPr/>
-        <p:txBody>
-          <a:bodyPr/>
-          <a:lstStyle/>
-          <a:p>
-            <a:r>
-              <a:rPr lang="en-US" smtClean="0"/>
-              <a:t>Presentation Title</a:t>
+              <a:t>Testbed Automation for Network Security and Security Analytics</a:t>
             </a:r>
             <a:endParaRPr lang="en-US" dirty="0"/>
           </a:p>
@@ -10535,8 +10249,8 @@
           </a:lstStyle>
           <a:p>
             <a:r>
-              <a:rPr lang="en-US" smtClean="0"/>
-              <a:t>Speaker, Job Description, Date if needed</a:t>
+              <a:rPr lang="de-DE" smtClean="0"/>
+              <a:t>Aragatgs Amirkhanyan, 17.10.2014</a:t>
             </a:r>
             <a:endParaRPr lang="en-US" dirty="0"/>
           </a:p>
@@ -10575,7 +10289,7 @@
           <a:p>
             <a:r>
               <a:rPr lang="en-US" smtClean="0"/>
-              <a:t>Presentation Title</a:t>
+              <a:t>Testbed Automation for Network Security and Security Analytics</a:t>
             </a:r>
             <a:endParaRPr lang="en-US" dirty="0"/>
           </a:p>
@@ -12577,17 +12291,14 @@
           <a:lstStyle/>
           <a:p>
             <a:r>
-              <a:rPr lang="en-US" dirty="0"/>
-              <a:t>Automation of the </a:t>
-            </a:r>
-            <a:r>
               <a:rPr lang="en-US" dirty="0" err="1"/>
               <a:t>Testbed</a:t>
             </a:r>
             <a:r>
               <a:rPr lang="en-US" dirty="0"/>
-              <a:t> Creation for Research in Security Analytics and Network Security Areas</a:t>
-            </a:r>
+              <a:t> Automation for Network Security and Security Analytics</a:t>
+            </a:r>
+            <a:endParaRPr lang="en-US" dirty="0"/>
           </a:p>
         </p:txBody>
       </p:sp>
@@ -12694,20 +12405,10 @@
           <a:lstStyle/>
           <a:p>
             <a:r>
-              <a:rPr lang="de-DE" dirty="0"/>
-              <a:t>Security Lab Generator</a:t>
-            </a:r>
-            <a:br>
-              <a:rPr lang="de-DE" dirty="0"/>
-            </a:br>
-            <a:r>
-              <a:rPr lang="de-DE" dirty="0"/>
-              <a:t>- </a:t>
-            </a:r>
-            <a:r>
-              <a:rPr lang="en-US" dirty="0"/>
-              <a:t>OpenStack</a:t>
-            </a:r>
+              <a:rPr lang="en-US" dirty="0" smtClean="0"/>
+              <a:t>Conclusion and Future Work</a:t>
+            </a:r>
+            <a:endParaRPr lang="en-US" dirty="0"/>
           </a:p>
         </p:txBody>
       </p:sp>
@@ -12725,17 +12426,6 @@
         <p:txBody>
           <a:bodyPr/>
           <a:lstStyle/>
-          <a:p>
-            <a:pPr>
-              <a:buClr>
-                <a:schemeClr val="accent1"/>
-              </a:buClr>
-            </a:pPr>
-            <a:r>
-              <a:rPr lang="en-US" dirty="0" smtClean="0"/>
-              <a:t>OpenStack is a free and open-source cloud infrastructure as a service.</a:t>
-            </a:r>
-          </a:p>
           <a:p>
             <a:pPr marL="285750" indent="-285750">
               <a:buClr>
@@ -12745,16 +12435,16 @@
               <a:buChar char="§"/>
             </a:pPr>
             <a:r>
-              <a:rPr lang="de-DE" dirty="0"/>
-              <a:t>Identity (</a:t>
-            </a:r>
-            <a:r>
-              <a:rPr lang="de-DE" dirty="0" err="1"/>
-              <a:t>Keystone</a:t>
-            </a:r>
-            <a:r>
-              <a:rPr lang="de-DE" dirty="0" smtClean="0"/>
-              <a:t>)</a:t>
+              <a:rPr lang="en-US" dirty="0" smtClean="0"/>
+              <a:t>Experiment simulation with </a:t>
+            </a:r>
+            <a:r>
+              <a:rPr lang="en-US" dirty="0"/>
+              <a:t>the </a:t>
+            </a:r>
+            <a:r>
+              <a:rPr lang="en-US" dirty="0" smtClean="0"/>
+              <a:t>test network of enterprise or campus level</a:t>
             </a:r>
           </a:p>
           <a:p>
@@ -12766,12 +12456,12 @@
               <a:buChar char="§"/>
             </a:pPr>
             <a:r>
-              <a:rPr lang="de-DE" dirty="0" err="1"/>
-              <a:t>Compute</a:t>
-            </a:r>
-            <a:r>
-              <a:rPr lang="de-DE" dirty="0"/>
-              <a:t> (Nova)</a:t>
+              <a:rPr lang="en-US" dirty="0"/>
+              <a:t>Experiment simulation </a:t>
+            </a:r>
+            <a:r>
+              <a:rPr lang="en-US" dirty="0" smtClean="0"/>
+              <a:t>with large amount of users</a:t>
             </a:r>
           </a:p>
           <a:p>
@@ -12783,25 +12473,10 @@
               <a:buChar char="§"/>
             </a:pPr>
             <a:r>
-              <a:rPr lang="de-DE" dirty="0"/>
-              <a:t>Image </a:t>
-            </a:r>
-            <a:r>
-              <a:rPr lang="de-DE" dirty="0" err="1"/>
-              <a:t>service</a:t>
-            </a:r>
-            <a:r>
-              <a:rPr lang="de-DE" dirty="0"/>
-              <a:t> (</a:t>
-            </a:r>
-            <a:r>
-              <a:rPr lang="de-DE" dirty="0" err="1"/>
-              <a:t>Glance</a:t>
-            </a:r>
-            <a:r>
-              <a:rPr lang="de-DE" dirty="0"/>
-              <a:t>)</a:t>
-            </a:r>
+              <a:rPr lang="en-US" dirty="0" smtClean="0"/>
+              <a:t>Experiment simulation with random user behavior</a:t>
+            </a:r>
+            <a:endParaRPr lang="en-US" dirty="0"/>
           </a:p>
           <a:p>
             <a:pPr marL="285750" indent="-285750">
@@ -12811,133 +12486,6 @@
               <a:buFont typeface="Wingdings" panose="05000000000000000000" pitchFamily="2" charset="2"/>
               <a:buChar char="§"/>
             </a:pPr>
-            <a:r>
-              <a:rPr lang="de-DE" dirty="0"/>
-              <a:t>Networking (Neutron)</a:t>
-            </a:r>
-          </a:p>
-          <a:p>
-            <a:pPr marL="285750" indent="-285750">
-              <a:buClr>
-                <a:schemeClr val="accent1"/>
-              </a:buClr>
-              <a:buFont typeface="Wingdings" panose="05000000000000000000" pitchFamily="2" charset="2"/>
-              <a:buChar char="§"/>
-            </a:pPr>
-            <a:r>
-              <a:rPr lang="de-DE" dirty="0"/>
-              <a:t>Block Storage (</a:t>
-            </a:r>
-            <a:r>
-              <a:rPr lang="de-DE" dirty="0" err="1"/>
-              <a:t>Cinder</a:t>
-            </a:r>
-            <a:r>
-              <a:rPr lang="de-DE" dirty="0"/>
-              <a:t>)</a:t>
-            </a:r>
-          </a:p>
-          <a:p>
-            <a:pPr marL="285750" indent="-285750">
-              <a:buClr>
-                <a:schemeClr val="accent1"/>
-              </a:buClr>
-              <a:buFont typeface="Wingdings" panose="05000000000000000000" pitchFamily="2" charset="2"/>
-              <a:buChar char="§"/>
-            </a:pPr>
-            <a:r>
-              <a:rPr lang="de-DE" dirty="0" err="1"/>
-              <a:t>Object</a:t>
-            </a:r>
-            <a:r>
-              <a:rPr lang="de-DE" dirty="0"/>
-              <a:t> Storage (Swift)</a:t>
-            </a:r>
-          </a:p>
-          <a:p>
-            <a:pPr marL="285750" indent="-285750">
-              <a:buClr>
-                <a:schemeClr val="accent1"/>
-              </a:buClr>
-              <a:buFont typeface="Wingdings" panose="05000000000000000000" pitchFamily="2" charset="2"/>
-              <a:buChar char="§"/>
-            </a:pPr>
-            <a:r>
-              <a:rPr lang="de-DE" dirty="0"/>
-              <a:t>Dashboard (</a:t>
-            </a:r>
-            <a:r>
-              <a:rPr lang="de-DE" dirty="0" err="1"/>
-              <a:t>Horizon</a:t>
-            </a:r>
-            <a:r>
-              <a:rPr lang="de-DE" dirty="0"/>
-              <a:t>)</a:t>
-            </a:r>
-          </a:p>
-          <a:p>
-            <a:pPr marL="285750" indent="-285750">
-              <a:buClr>
-                <a:schemeClr val="accent1"/>
-              </a:buClr>
-              <a:buFont typeface="Wingdings" panose="05000000000000000000" pitchFamily="2" charset="2"/>
-              <a:buChar char="§"/>
-            </a:pPr>
-            <a:r>
-              <a:rPr lang="de-DE" dirty="0"/>
-              <a:t>Orchestration (</a:t>
-            </a:r>
-            <a:r>
-              <a:rPr lang="de-DE" dirty="0" err="1"/>
-              <a:t>Heat</a:t>
-            </a:r>
-            <a:r>
-              <a:rPr lang="de-DE" dirty="0"/>
-              <a:t>)</a:t>
-            </a:r>
-          </a:p>
-          <a:p>
-            <a:pPr marL="285750" indent="-285750">
-              <a:buClr>
-                <a:schemeClr val="accent1"/>
-              </a:buClr>
-              <a:buFont typeface="Wingdings" panose="05000000000000000000" pitchFamily="2" charset="2"/>
-              <a:buChar char="§"/>
-            </a:pPr>
-            <a:r>
-              <a:rPr lang="de-DE" dirty="0" err="1"/>
-              <a:t>Telemetry</a:t>
-            </a:r>
-            <a:r>
-              <a:rPr lang="de-DE" dirty="0"/>
-              <a:t> (</a:t>
-            </a:r>
-            <a:r>
-              <a:rPr lang="de-DE" u="sng" dirty="0" err="1"/>
-              <a:t>Ceilometer</a:t>
-            </a:r>
-            <a:r>
-              <a:rPr lang="de-DE" dirty="0" smtClean="0"/>
-              <a:t>)</a:t>
-            </a:r>
-            <a:endParaRPr lang="en-US" dirty="0"/>
-          </a:p>
-          <a:p>
-            <a:pPr marL="285750" indent="-285750">
-              <a:buClr>
-                <a:schemeClr val="accent1"/>
-              </a:buClr>
-              <a:buFont typeface="Wingdings" panose="05000000000000000000" pitchFamily="2" charset="2"/>
-              <a:buChar char="§"/>
-            </a:pPr>
-            <a:endParaRPr lang="de-DE" dirty="0" smtClean="0"/>
-          </a:p>
-          <a:p>
-            <a:pPr>
-              <a:buClr>
-                <a:schemeClr val="accent1"/>
-              </a:buClr>
-            </a:pPr>
             <a:endParaRPr lang="en-US" dirty="0"/>
           </a:p>
         </p:txBody>
@@ -12996,8 +12544,8 @@
           <a:lstStyle/>
           <a:p>
             <a:r>
-              <a:rPr lang="en-US" dirty="0" smtClean="0"/>
-              <a:t>Aragats Amirkhanyan, 17.10.2014</a:t>
+              <a:rPr lang="de-DE" smtClean="0"/>
+              <a:t>Aragatgs Amirkhanyan, 17.10.2014</a:t>
             </a:r>
             <a:endParaRPr lang="en-US" dirty="0"/>
           </a:p>
@@ -13024,24 +12572,17 @@
           <a:lstStyle/>
           <a:p>
             <a:r>
-              <a:rPr lang="en-US" dirty="0"/>
-              <a:t>Automation of the </a:t>
-            </a:r>
-            <a:r>
-              <a:rPr lang="en-US" dirty="0" err="1"/>
-              <a:t>Testbed</a:t>
-            </a:r>
-            <a:r>
-              <a:rPr lang="en-US" dirty="0"/>
-              <a:t> Creation for Research in Security Area</a:t>
-            </a:r>
+              <a:rPr lang="en-US" smtClean="0"/>
+              <a:t>Testbed Automation for Network Security and Security Analytics</a:t>
+            </a:r>
+            <a:endParaRPr lang="en-US" dirty="0"/>
           </a:p>
         </p:txBody>
       </p:sp>
     </p:spTree>
     <p:extLst>
       <p:ext uri="{BB962C8B-B14F-4D97-AF65-F5344CB8AC3E}">
-        <p14:creationId xmlns:p14="http://schemas.microsoft.com/office/powerpoint/2010/main" val="1439422932"/>
+        <p14:creationId xmlns:p14="http://schemas.microsoft.com/office/powerpoint/2010/main" val="1817467663"/>
       </p:ext>
     </p:extLst>
   </p:cSld>
@@ -13078,996 +12619,6 @@
           <a:chExt cx="0" cy="0"/>
         </a:xfrm>
       </p:grpSpPr>
-      <p:sp>
-        <p:nvSpPr>
-          <p:cNvPr id="2" name="Title 1"/>
-          <p:cNvSpPr>
-            <a:spLocks noGrp="1"/>
-          </p:cNvSpPr>
-          <p:nvPr>
-            <p:ph type="title"/>
-          </p:nvPr>
-        </p:nvSpPr>
-        <p:spPr/>
-        <p:txBody>
-          <a:bodyPr/>
-          <a:lstStyle/>
-          <a:p>
-            <a:r>
-              <a:rPr lang="de-DE" dirty="0"/>
-              <a:t>Security Lab Generator</a:t>
-            </a:r>
-            <a:br>
-              <a:rPr lang="de-DE" dirty="0"/>
-            </a:br>
-            <a:r>
-              <a:rPr lang="de-DE" dirty="0"/>
-              <a:t>- </a:t>
-            </a:r>
-            <a:r>
-              <a:rPr lang="en-US" dirty="0"/>
-              <a:t>OpenStack</a:t>
-            </a:r>
-            <a:endParaRPr lang="de-DE" dirty="0"/>
-          </a:p>
-        </p:txBody>
-      </p:sp>
-      <p:sp>
-        <p:nvSpPr>
-          <p:cNvPr id="4" name="Date Placeholder 3"/>
-          <p:cNvSpPr>
-            <a:spLocks noGrp="1"/>
-          </p:cNvSpPr>
-          <p:nvPr>
-            <p:ph type="dt" sz="half" idx="15"/>
-          </p:nvPr>
-        </p:nvSpPr>
-        <p:spPr/>
-        <p:txBody>
-          <a:bodyPr/>
-          <a:lstStyle/>
-          <a:p>
-            <a:r>
-              <a:rPr lang="en-US" dirty="0"/>
-              <a:t>Aragats Amirkhanyan, 17.10.2014</a:t>
-            </a:r>
-          </a:p>
-        </p:txBody>
-      </p:sp>
-      <p:sp>
-        <p:nvSpPr>
-          <p:cNvPr id="5" name="Footer Placeholder 4"/>
-          <p:cNvSpPr>
-            <a:spLocks noGrp="1"/>
-          </p:cNvSpPr>
-          <p:nvPr>
-            <p:ph type="ftr" sz="quarter" idx="16"/>
-          </p:nvPr>
-        </p:nvSpPr>
-        <p:spPr/>
-        <p:txBody>
-          <a:bodyPr/>
-          <a:lstStyle/>
-          <a:p>
-            <a:r>
-              <a:rPr lang="en-US" dirty="0"/>
-              <a:t>Automation of the </a:t>
-            </a:r>
-            <a:r>
-              <a:rPr lang="en-US" dirty="0" err="1"/>
-              <a:t>Testbed</a:t>
-            </a:r>
-            <a:r>
-              <a:rPr lang="en-US" dirty="0"/>
-              <a:t> Creation for Research in Security Area</a:t>
-            </a:r>
-          </a:p>
-        </p:txBody>
-      </p:sp>
-      <p:sp>
-        <p:nvSpPr>
-          <p:cNvPr id="6" name="Slide Number Placeholder 5"/>
-          <p:cNvSpPr>
-            <a:spLocks noGrp="1"/>
-          </p:cNvSpPr>
-          <p:nvPr>
-            <p:ph type="sldNum" sz="quarter" idx="17"/>
-          </p:nvPr>
-        </p:nvSpPr>
-        <p:spPr/>
-        <p:txBody>
-          <a:bodyPr/>
-          <a:lstStyle/>
-          <a:p>
-            <a:r>
-              <a:rPr lang="en-US" smtClean="0"/>
-              <a:t>Chart </a:t>
-            </a:r>
-            <a:fld id="{91D913BA-B0D8-4B51-9328-DFAA0B370309}" type="slidenum">
-              <a:rPr lang="en-US" b="1" smtClean="0"/>
-              <a:pPr/>
-              <a:t>11</a:t>
-            </a:fld>
-            <a:endParaRPr lang="en-US" b="1" dirty="0"/>
-          </a:p>
-        </p:txBody>
-      </p:sp>
-      <p:pic>
-        <p:nvPicPr>
-          <p:cNvPr id="3075" name="Picture 3" descr="C:\HPI\HPI-git\Research School\Retreat\Fall 2014\retreat draft - version 2\openstack_conceptual_architecture.png"/>
-          <p:cNvPicPr>
-            <a:picLocks noChangeAspect="1" noChangeArrowheads="1"/>
-          </p:cNvPicPr>
-          <p:nvPr/>
-        </p:nvPicPr>
-        <p:blipFill>
-          <a:blip r:embed="rId2">
-            <a:extLst>
-              <a:ext uri="{28A0092B-C50C-407E-A947-70E740481C1C}">
-                <a14:useLocalDpi xmlns:a14="http://schemas.microsoft.com/office/drawing/2010/main" val="0"/>
-              </a:ext>
-            </a:extLst>
-          </a:blip>
-          <a:srcRect/>
-          <a:stretch>
-            <a:fillRect/>
-          </a:stretch>
-        </p:blipFill>
-        <p:spPr bwMode="auto">
-          <a:xfrm>
-            <a:off x="1688426" y="1064275"/>
-            <a:ext cx="4107710" cy="3739499"/>
-          </a:xfrm>
-          <a:prstGeom prst="rect">
-            <a:avLst/>
-          </a:prstGeom>
-          <a:noFill/>
-          <a:extLst>
-            <a:ext uri="{909E8E84-426E-40DD-AFC4-6F175D3DCCD1}">
-              <a14:hiddenFill xmlns:a14="http://schemas.microsoft.com/office/drawing/2010/main">
-                <a:solidFill>
-                  <a:srgbClr val="FFFFFF"/>
-                </a:solidFill>
-              </a14:hiddenFill>
-            </a:ext>
-          </a:extLst>
-        </p:spPr>
-      </p:pic>
-    </p:spTree>
-    <p:extLst>
-      <p:ext uri="{BB962C8B-B14F-4D97-AF65-F5344CB8AC3E}">
-        <p14:creationId xmlns:p14="http://schemas.microsoft.com/office/powerpoint/2010/main" val="2986551431"/>
-      </p:ext>
-    </p:extLst>
-  </p:cSld>
-  <p:clrMapOvr>
-    <a:masterClrMapping/>
-  </p:clrMapOvr>
-  <p:transition>
-    <p:fade/>
-  </p:transition>
-  <p:timing>
-    <p:tnLst>
-      <p:par>
-        <p:cTn id="1" dur="indefinite" restart="never" nodeType="tmRoot"/>
-      </p:par>
-    </p:tnLst>
-  </p:timing>
-</p:sld>
-</file>
-
-<file path=ppt/slides/slide12.xml><?xml version="1.0" encoding="utf-8"?>
-<p:sld xmlns:a="http://schemas.openxmlformats.org/drawingml/2006/main" xmlns:r="http://schemas.openxmlformats.org/officeDocument/2006/relationships" xmlns:p="http://schemas.openxmlformats.org/presentationml/2006/main">
-  <p:cSld>
-    <p:spTree>
-      <p:nvGrpSpPr>
-        <p:cNvPr id="1" name=""/>
-        <p:cNvGrpSpPr/>
-        <p:nvPr/>
-      </p:nvGrpSpPr>
-      <p:grpSpPr>
-        <a:xfrm>
-          <a:off x="0" y="0"/>
-          <a:ext cx="0" cy="0"/>
-          <a:chOff x="0" y="0"/>
-          <a:chExt cx="0" cy="0"/>
-        </a:xfrm>
-      </p:grpSpPr>
-      <p:sp>
-        <p:nvSpPr>
-          <p:cNvPr id="2" name="Title 1"/>
-          <p:cNvSpPr>
-            <a:spLocks noGrp="1"/>
-          </p:cNvSpPr>
-          <p:nvPr>
-            <p:ph type="title"/>
-          </p:nvPr>
-        </p:nvSpPr>
-        <p:spPr/>
-        <p:txBody>
-          <a:bodyPr/>
-          <a:lstStyle/>
-          <a:p>
-            <a:r>
-              <a:rPr lang="de-DE" dirty="0"/>
-              <a:t>Security Lab Generator</a:t>
-            </a:r>
-            <a:br>
-              <a:rPr lang="de-DE" dirty="0"/>
-            </a:br>
-            <a:r>
-              <a:rPr lang="de-DE" dirty="0"/>
-              <a:t>- </a:t>
-            </a:r>
-            <a:r>
-              <a:rPr lang="en-US" dirty="0"/>
-              <a:t>OpenStack</a:t>
-            </a:r>
-            <a:endParaRPr lang="de-DE" dirty="0"/>
-          </a:p>
-        </p:txBody>
-      </p:sp>
-      <p:sp>
-        <p:nvSpPr>
-          <p:cNvPr id="3" name="Text Placeholder 2"/>
-          <p:cNvSpPr>
-            <a:spLocks noGrp="1"/>
-          </p:cNvSpPr>
-          <p:nvPr>
-            <p:ph type="body" sz="quarter" idx="13"/>
-          </p:nvPr>
-        </p:nvSpPr>
-        <p:spPr/>
-        <p:txBody>
-          <a:bodyPr/>
-          <a:lstStyle/>
-          <a:p>
-            <a:endParaRPr lang="de-DE" dirty="0"/>
-          </a:p>
-        </p:txBody>
-      </p:sp>
-      <p:sp>
-        <p:nvSpPr>
-          <p:cNvPr id="4" name="Picture Placeholder 3"/>
-          <p:cNvSpPr>
-            <a:spLocks noGrp="1"/>
-          </p:cNvSpPr>
-          <p:nvPr>
-            <p:ph type="pic" sz="quarter" idx="14"/>
-          </p:nvPr>
-        </p:nvSpPr>
-        <p:spPr/>
-      </p:sp>
-      <p:sp>
-        <p:nvSpPr>
-          <p:cNvPr id="5" name="Date Placeholder 4"/>
-          <p:cNvSpPr>
-            <a:spLocks noGrp="1"/>
-          </p:cNvSpPr>
-          <p:nvPr>
-            <p:ph type="dt" sz="half" idx="15"/>
-          </p:nvPr>
-        </p:nvSpPr>
-        <p:spPr/>
-        <p:txBody>
-          <a:bodyPr/>
-          <a:lstStyle/>
-          <a:p>
-            <a:r>
-              <a:rPr lang="en-US" dirty="0"/>
-              <a:t>Aragats Amirkhanyan, 17.10.2014</a:t>
-            </a:r>
-          </a:p>
-        </p:txBody>
-      </p:sp>
-      <p:sp>
-        <p:nvSpPr>
-          <p:cNvPr id="6" name="Footer Placeholder 5"/>
-          <p:cNvSpPr>
-            <a:spLocks noGrp="1"/>
-          </p:cNvSpPr>
-          <p:nvPr>
-            <p:ph type="ftr" sz="quarter" idx="16"/>
-          </p:nvPr>
-        </p:nvSpPr>
-        <p:spPr/>
-        <p:txBody>
-          <a:bodyPr/>
-          <a:lstStyle/>
-          <a:p>
-            <a:r>
-              <a:rPr lang="en-US" dirty="0"/>
-              <a:t>Automation of the </a:t>
-            </a:r>
-            <a:r>
-              <a:rPr lang="en-US" dirty="0" err="1"/>
-              <a:t>Testbed</a:t>
-            </a:r>
-            <a:r>
-              <a:rPr lang="en-US" dirty="0"/>
-              <a:t> Creation for Research in Security Area</a:t>
-            </a:r>
-          </a:p>
-        </p:txBody>
-      </p:sp>
-      <p:sp>
-        <p:nvSpPr>
-          <p:cNvPr id="7" name="Slide Number Placeholder 6"/>
-          <p:cNvSpPr>
-            <a:spLocks noGrp="1"/>
-          </p:cNvSpPr>
-          <p:nvPr>
-            <p:ph type="sldNum" sz="quarter" idx="17"/>
-          </p:nvPr>
-        </p:nvSpPr>
-        <p:spPr/>
-        <p:txBody>
-          <a:bodyPr/>
-          <a:lstStyle/>
-          <a:p>
-            <a:r>
-              <a:rPr lang="en-US" smtClean="0"/>
-              <a:t>Chart </a:t>
-            </a:r>
-            <a:fld id="{91D913BA-B0D8-4B51-9328-DFAA0B370309}" type="slidenum">
-              <a:rPr lang="en-US" b="1" smtClean="0"/>
-              <a:pPr/>
-              <a:t>12</a:t>
-            </a:fld>
-            <a:endParaRPr lang="en-US" b="1" dirty="0"/>
-          </a:p>
-        </p:txBody>
-      </p:sp>
-      <p:pic>
-        <p:nvPicPr>
-          <p:cNvPr id="4099" name="Picture 3" descr="C:\HPI\HPI-git\Research School\Retreat\Fall 2014\retreat draft - version 2\openstack_architecture.png"/>
-          <p:cNvPicPr>
-            <a:picLocks noChangeAspect="1" noChangeArrowheads="1"/>
-          </p:cNvPicPr>
-          <p:nvPr/>
-        </p:nvPicPr>
-        <p:blipFill>
-          <a:blip r:embed="rId2">
-            <a:extLst>
-              <a:ext uri="{28A0092B-C50C-407E-A947-70E740481C1C}">
-                <a14:useLocalDpi xmlns:a14="http://schemas.microsoft.com/office/drawing/2010/main" val="0"/>
-              </a:ext>
-            </a:extLst>
-          </a:blip>
-          <a:srcRect/>
-          <a:stretch>
-            <a:fillRect/>
-          </a:stretch>
-        </p:blipFill>
-        <p:spPr bwMode="auto">
-          <a:xfrm>
-            <a:off x="157112" y="1239839"/>
-            <a:ext cx="3550792" cy="2772072"/>
-          </a:xfrm>
-          <a:prstGeom prst="rect">
-            <a:avLst/>
-          </a:prstGeom>
-          <a:noFill/>
-          <a:extLst>
-            <a:ext uri="{909E8E84-426E-40DD-AFC4-6F175D3DCCD1}">
-              <a14:hiddenFill xmlns:a14="http://schemas.microsoft.com/office/drawing/2010/main">
-                <a:solidFill>
-                  <a:srgbClr val="FFFFFF"/>
-                </a:solidFill>
-              </a14:hiddenFill>
-            </a:ext>
-          </a:extLst>
-        </p:spPr>
-      </p:pic>
-      <p:pic>
-        <p:nvPicPr>
-          <p:cNvPr id="4100" name="Picture 4" descr="C:\HPI\HPI-git\Research School\Retreat\Fall 2014\retreat draft - version 2\openstack_tree.png"/>
-          <p:cNvPicPr>
-            <a:picLocks noChangeAspect="1" noChangeArrowheads="1"/>
-          </p:cNvPicPr>
-          <p:nvPr/>
-        </p:nvPicPr>
-        <p:blipFill>
-          <a:blip r:embed="rId3">
-            <a:extLst>
-              <a:ext uri="{28A0092B-C50C-407E-A947-70E740481C1C}">
-                <a14:useLocalDpi xmlns:a14="http://schemas.microsoft.com/office/drawing/2010/main" val="0"/>
-              </a:ext>
-            </a:extLst>
-          </a:blip>
-          <a:srcRect/>
-          <a:stretch>
-            <a:fillRect/>
-          </a:stretch>
-        </p:blipFill>
-        <p:spPr bwMode="auto">
-          <a:xfrm>
-            <a:off x="3883023" y="1236340"/>
-            <a:ext cx="1657350" cy="1695450"/>
-          </a:xfrm>
-          <a:prstGeom prst="rect">
-            <a:avLst/>
-          </a:prstGeom>
-          <a:noFill/>
-          <a:extLst>
-            <a:ext uri="{909E8E84-426E-40DD-AFC4-6F175D3DCCD1}">
-              <a14:hiddenFill xmlns:a14="http://schemas.microsoft.com/office/drawing/2010/main">
-                <a:solidFill>
-                  <a:srgbClr val="FFFFFF"/>
-                </a:solidFill>
-              </a14:hiddenFill>
-            </a:ext>
-          </a:extLst>
-        </p:spPr>
-      </p:pic>
-    </p:spTree>
-    <p:extLst>
-      <p:ext uri="{BB962C8B-B14F-4D97-AF65-F5344CB8AC3E}">
-        <p14:creationId xmlns:p14="http://schemas.microsoft.com/office/powerpoint/2010/main" val="1858524595"/>
-      </p:ext>
-    </p:extLst>
-  </p:cSld>
-  <p:clrMapOvr>
-    <a:masterClrMapping/>
-  </p:clrMapOvr>
-  <p:transition>
-    <p:fade/>
-  </p:transition>
-  <p:timing>
-    <p:tnLst>
-      <p:par>
-        <p:cTn id="1" dur="indefinite" restart="never" nodeType="tmRoot"/>
-      </p:par>
-    </p:tnLst>
-  </p:timing>
-</p:sld>
-</file>
-
-<file path=ppt/slides/slide13.xml><?xml version="1.0" encoding="utf-8"?>
-<p:sld xmlns:a="http://schemas.openxmlformats.org/drawingml/2006/main" xmlns:r="http://schemas.openxmlformats.org/officeDocument/2006/relationships" xmlns:p="http://schemas.openxmlformats.org/presentationml/2006/main">
-  <p:cSld>
-    <p:spTree>
-      <p:nvGrpSpPr>
-        <p:cNvPr id="1" name=""/>
-        <p:cNvGrpSpPr/>
-        <p:nvPr/>
-      </p:nvGrpSpPr>
-      <p:grpSpPr>
-        <a:xfrm>
-          <a:off x="0" y="0"/>
-          <a:ext cx="0" cy="0"/>
-          <a:chOff x="0" y="0"/>
-          <a:chExt cx="0" cy="0"/>
-        </a:xfrm>
-      </p:grpSpPr>
-      <p:sp>
-        <p:nvSpPr>
-          <p:cNvPr id="6157" name="Title 6156"/>
-          <p:cNvSpPr>
-            <a:spLocks noGrp="1"/>
-          </p:cNvSpPr>
-          <p:nvPr>
-            <p:ph type="title"/>
-          </p:nvPr>
-        </p:nvSpPr>
-        <p:spPr/>
-        <p:txBody>
-          <a:bodyPr/>
-          <a:lstStyle/>
-          <a:p>
-            <a:r>
-              <a:rPr lang="de-DE" dirty="0" smtClean="0"/>
-              <a:t>Security Lab Generator</a:t>
-            </a:r>
-            <a:r>
-              <a:rPr lang="de-DE" dirty="0"/>
-              <a:t/>
-            </a:r>
-            <a:br>
-              <a:rPr lang="de-DE" dirty="0"/>
-            </a:br>
-            <a:r>
-              <a:rPr lang="de-DE" dirty="0" smtClean="0"/>
-              <a:t>- </a:t>
-            </a:r>
-            <a:r>
-              <a:rPr lang="de-DE" dirty="0"/>
-              <a:t>Security Lab </a:t>
-            </a:r>
-            <a:r>
-              <a:rPr lang="de-DE" dirty="0" smtClean="0"/>
-              <a:t>Generator </a:t>
-            </a:r>
-            <a:r>
-              <a:rPr lang="de-DE" dirty="0" err="1" smtClean="0"/>
-              <a:t>based</a:t>
-            </a:r>
-            <a:r>
-              <a:rPr lang="de-DE" dirty="0" smtClean="0"/>
-              <a:t> on OpenStack</a:t>
-            </a:r>
-            <a:endParaRPr lang="en-US" dirty="0"/>
-          </a:p>
-        </p:txBody>
-      </p:sp>
-      <p:sp>
-        <p:nvSpPr>
-          <p:cNvPr id="6158" name="Text Placeholder 6157"/>
-          <p:cNvSpPr>
-            <a:spLocks noGrp="1"/>
-          </p:cNvSpPr>
-          <p:nvPr>
-            <p:ph type="body" sz="quarter" idx="13"/>
-          </p:nvPr>
-        </p:nvSpPr>
-        <p:spPr/>
-        <p:txBody>
-          <a:bodyPr/>
-          <a:lstStyle/>
-          <a:p>
-            <a:r>
-              <a:rPr lang="en-US" dirty="0" smtClean="0"/>
-              <a:t>Motivation:</a:t>
-            </a:r>
-          </a:p>
-          <a:p>
-            <a:pPr marL="342900" indent="-342900">
-              <a:buClr>
-                <a:schemeClr val="accent1"/>
-              </a:buClr>
-              <a:buFont typeface="Wingdings" panose="05000000000000000000" pitchFamily="2" charset="2"/>
-              <a:buChar char="§"/>
-            </a:pPr>
-            <a:r>
-              <a:rPr lang="en-US" dirty="0" smtClean="0"/>
-              <a:t>Wide functionality of </a:t>
-            </a:r>
-            <a:r>
-              <a:rPr lang="en-US" dirty="0" err="1" smtClean="0"/>
-              <a:t>IaaS</a:t>
-            </a:r>
-            <a:endParaRPr lang="en-US" dirty="0" smtClean="0"/>
-          </a:p>
-          <a:p>
-            <a:pPr marL="342900" indent="-342900">
-              <a:buClr>
-                <a:schemeClr val="accent1"/>
-              </a:buClr>
-              <a:buFont typeface="Wingdings" panose="05000000000000000000" pitchFamily="2" charset="2"/>
-              <a:buChar char="§"/>
-            </a:pPr>
-            <a:r>
-              <a:rPr lang="en-US" dirty="0" smtClean="0"/>
-              <a:t>Automation of test network environments creation</a:t>
-            </a:r>
-          </a:p>
-          <a:p>
-            <a:pPr marL="342900" indent="-342900">
-              <a:buClr>
-                <a:schemeClr val="accent1"/>
-              </a:buClr>
-              <a:buFont typeface="Wingdings" panose="05000000000000000000" pitchFamily="2" charset="2"/>
-              <a:buChar char="§"/>
-            </a:pPr>
-            <a:endParaRPr lang="en-US" dirty="0"/>
-          </a:p>
-          <a:p>
-            <a:pPr>
-              <a:buClr>
-                <a:schemeClr val="accent1"/>
-              </a:buClr>
-            </a:pPr>
-            <a:r>
-              <a:rPr lang="en-US" dirty="0" smtClean="0"/>
-              <a:t>Challenges:</a:t>
-            </a:r>
-          </a:p>
-          <a:p>
-            <a:pPr marL="285750" indent="-285750">
-              <a:buClr>
-                <a:schemeClr val="accent1"/>
-              </a:buClr>
-              <a:buFont typeface="Wingdings" panose="05000000000000000000" pitchFamily="2" charset="2"/>
-              <a:buChar char="§"/>
-            </a:pPr>
-            <a:r>
-              <a:rPr lang="en-US" dirty="0" smtClean="0"/>
-              <a:t>Converting SLG XML into Amazon </a:t>
-            </a:r>
-            <a:r>
-              <a:rPr lang="en-US" dirty="0" err="1" smtClean="0"/>
-              <a:t>CloudFormation</a:t>
-            </a:r>
-            <a:endParaRPr lang="en-US" dirty="0" smtClean="0"/>
-          </a:p>
-          <a:p>
-            <a:pPr marL="285750" indent="-285750">
-              <a:buClr>
-                <a:schemeClr val="accent1"/>
-              </a:buClr>
-              <a:buFont typeface="Wingdings" panose="05000000000000000000" pitchFamily="2" charset="2"/>
-              <a:buChar char="§"/>
-            </a:pPr>
-            <a:r>
-              <a:rPr lang="en-US" dirty="0" smtClean="0"/>
-              <a:t>Automation </a:t>
-            </a:r>
-            <a:r>
-              <a:rPr lang="en-US" dirty="0"/>
-              <a:t>of creating specific images with vulnerable software applications</a:t>
-            </a:r>
-          </a:p>
-        </p:txBody>
-      </p:sp>
-      <p:sp>
-        <p:nvSpPr>
-          <p:cNvPr id="6163" name="Slide Number Placeholder 6162"/>
-          <p:cNvSpPr>
-            <a:spLocks noGrp="1"/>
-          </p:cNvSpPr>
-          <p:nvPr>
-            <p:ph type="sldNum" sz="quarter" idx="16"/>
-          </p:nvPr>
-        </p:nvSpPr>
-        <p:spPr>
-          <a:xfrm>
-            <a:off x="7416801" y="4623195"/>
-            <a:ext cx="1547813" cy="180580"/>
-          </a:xfrm>
-        </p:spPr>
-        <p:txBody>
-          <a:bodyPr/>
-          <a:lstStyle/>
-          <a:p>
-            <a:r>
-              <a:rPr lang="en-US" smtClean="0"/>
-              <a:t>Chart </a:t>
-            </a:r>
-            <a:fld id="{91D913BA-B0D8-4B51-9328-DFAA0B370309}" type="slidenum">
-              <a:rPr lang="en-US" b="1" smtClean="0"/>
-              <a:pPr/>
-              <a:t>13</a:t>
-            </a:fld>
-            <a:endParaRPr lang="en-US" b="1" dirty="0"/>
-          </a:p>
-        </p:txBody>
-      </p:sp>
-      <p:sp>
-        <p:nvSpPr>
-          <p:cNvPr id="2" name="Date Placeholder 1"/>
-          <p:cNvSpPr>
-            <a:spLocks noGrp="1"/>
-          </p:cNvSpPr>
-          <p:nvPr>
-            <p:ph type="dt" sz="half" idx="14"/>
-          </p:nvPr>
-        </p:nvSpPr>
-        <p:spPr>
-          <a:xfrm>
-            <a:off x="7416801" y="4155928"/>
-            <a:ext cx="1547813" cy="467268"/>
-          </a:xfrm>
-        </p:spPr>
-        <p:txBody>
-          <a:bodyPr/>
-          <a:lstStyle/>
-          <a:p>
-            <a:r>
-              <a:rPr lang="en-US" dirty="0" smtClean="0"/>
-              <a:t>Aragats Amirkhanyan, 17.10.2014</a:t>
-            </a:r>
-            <a:endParaRPr lang="en-US" dirty="0"/>
-          </a:p>
-        </p:txBody>
-      </p:sp>
-      <p:sp>
-        <p:nvSpPr>
-          <p:cNvPr id="3" name="Footer Placeholder 2"/>
-          <p:cNvSpPr>
-            <a:spLocks noGrp="1"/>
-          </p:cNvSpPr>
-          <p:nvPr>
-            <p:ph type="ftr" sz="quarter" idx="15"/>
-          </p:nvPr>
-        </p:nvSpPr>
-        <p:spPr>
-          <a:xfrm>
-            <a:off x="7416801" y="3562453"/>
-            <a:ext cx="1547813" cy="521465"/>
-          </a:xfrm>
-        </p:spPr>
-        <p:txBody>
-          <a:bodyPr/>
-          <a:lstStyle/>
-          <a:p>
-            <a:r>
-              <a:rPr lang="en-US" dirty="0"/>
-              <a:t>Automation of the </a:t>
-            </a:r>
-            <a:r>
-              <a:rPr lang="en-US" dirty="0" err="1"/>
-              <a:t>Testbed</a:t>
-            </a:r>
-            <a:r>
-              <a:rPr lang="en-US" dirty="0"/>
-              <a:t> Creation for Research in Security Area</a:t>
-            </a:r>
-          </a:p>
-        </p:txBody>
-      </p:sp>
-    </p:spTree>
-    <p:extLst>
-      <p:ext uri="{BB962C8B-B14F-4D97-AF65-F5344CB8AC3E}">
-        <p14:creationId xmlns:p14="http://schemas.microsoft.com/office/powerpoint/2010/main" val="782643840"/>
-      </p:ext>
-    </p:extLst>
-  </p:cSld>
-  <p:clrMapOvr>
-    <a:masterClrMapping/>
-  </p:clrMapOvr>
-  <p:transition>
-    <p:fade/>
-  </p:transition>
-  <p:timing>
-    <p:tnLst>
-      <p:par>
-        <p:cTn id="1" dur="indefinite" restart="never" nodeType="tmRoot"/>
-      </p:par>
-    </p:tnLst>
-  </p:timing>
-</p:sld>
-</file>
-
-<file path=ppt/slides/slide14.xml><?xml version="1.0" encoding="utf-8"?>
-<p:sld xmlns:a="http://schemas.openxmlformats.org/drawingml/2006/main" xmlns:r="http://schemas.openxmlformats.org/officeDocument/2006/relationships" xmlns:p="http://schemas.openxmlformats.org/presentationml/2006/main">
-  <p:cSld>
-    <p:spTree>
-      <p:nvGrpSpPr>
-        <p:cNvPr id="1" name=""/>
-        <p:cNvGrpSpPr/>
-        <p:nvPr/>
-      </p:nvGrpSpPr>
-      <p:grpSpPr>
-        <a:xfrm>
-          <a:off x="0" y="0"/>
-          <a:ext cx="0" cy="0"/>
-          <a:chOff x="0" y="0"/>
-          <a:chExt cx="0" cy="0"/>
-        </a:xfrm>
-      </p:grpSpPr>
-      <p:sp>
-        <p:nvSpPr>
-          <p:cNvPr id="6157" name="Title 6156"/>
-          <p:cNvSpPr>
-            <a:spLocks noGrp="1"/>
-          </p:cNvSpPr>
-          <p:nvPr>
-            <p:ph type="title"/>
-          </p:nvPr>
-        </p:nvSpPr>
-        <p:spPr/>
-        <p:txBody>
-          <a:bodyPr/>
-          <a:lstStyle/>
-          <a:p>
-            <a:r>
-              <a:rPr lang="en-US" dirty="0" smtClean="0"/>
-              <a:t>Conclusion and Future Work</a:t>
-            </a:r>
-            <a:endParaRPr lang="en-US" dirty="0"/>
-          </a:p>
-        </p:txBody>
-      </p:sp>
-      <p:sp>
-        <p:nvSpPr>
-          <p:cNvPr id="6158" name="Text Placeholder 6157"/>
-          <p:cNvSpPr>
-            <a:spLocks noGrp="1"/>
-          </p:cNvSpPr>
-          <p:nvPr>
-            <p:ph type="body" sz="quarter" idx="13"/>
-          </p:nvPr>
-        </p:nvSpPr>
-        <p:spPr/>
-        <p:txBody>
-          <a:bodyPr/>
-          <a:lstStyle/>
-          <a:p>
-            <a:pPr marL="285750" indent="-285750">
-              <a:buClr>
-                <a:schemeClr val="accent1"/>
-              </a:buClr>
-              <a:buFont typeface="Wingdings" panose="05000000000000000000" pitchFamily="2" charset="2"/>
-              <a:buChar char="§"/>
-            </a:pPr>
-            <a:r>
-              <a:rPr lang="en-US" dirty="0" smtClean="0"/>
-              <a:t>Improve simulator of user behavior</a:t>
-            </a:r>
-          </a:p>
-          <a:p>
-            <a:pPr marL="285750" indent="-285750">
-              <a:buClr>
-                <a:schemeClr val="accent1"/>
-              </a:buClr>
-              <a:buFont typeface="Wingdings" panose="05000000000000000000" pitchFamily="2" charset="2"/>
-              <a:buChar char="§"/>
-            </a:pPr>
-            <a:r>
-              <a:rPr lang="en-US" dirty="0"/>
-              <a:t>Automation of creating specific images with vulnerable software </a:t>
-            </a:r>
-            <a:r>
-              <a:rPr lang="en-US" dirty="0" smtClean="0"/>
-              <a:t>applications</a:t>
-            </a:r>
-          </a:p>
-          <a:p>
-            <a:pPr marL="285750" indent="-285750">
-              <a:buClr>
-                <a:schemeClr val="accent1"/>
-              </a:buClr>
-              <a:buFont typeface="Wingdings" panose="05000000000000000000" pitchFamily="2" charset="2"/>
-              <a:buChar char="§"/>
-            </a:pPr>
-            <a:r>
-              <a:rPr lang="en-US" dirty="0"/>
-              <a:t>Converting SLG XML into Amazon </a:t>
-            </a:r>
-            <a:r>
-              <a:rPr lang="en-US" dirty="0" err="1"/>
-              <a:t>CloudFormation</a:t>
-            </a:r>
-            <a:endParaRPr lang="en-US" dirty="0"/>
-          </a:p>
-          <a:p>
-            <a:pPr marL="285750" indent="-285750">
-              <a:buClr>
-                <a:schemeClr val="accent1"/>
-              </a:buClr>
-              <a:buFont typeface="Wingdings" panose="05000000000000000000" pitchFamily="2" charset="2"/>
-              <a:buChar char="§"/>
-            </a:pPr>
-            <a:endParaRPr lang="en-US" dirty="0"/>
-          </a:p>
-        </p:txBody>
-      </p:sp>
-      <p:sp>
-        <p:nvSpPr>
-          <p:cNvPr id="6163" name="Slide Number Placeholder 6162"/>
-          <p:cNvSpPr>
-            <a:spLocks noGrp="1"/>
-          </p:cNvSpPr>
-          <p:nvPr>
-            <p:ph type="sldNum" sz="quarter" idx="16"/>
-          </p:nvPr>
-        </p:nvSpPr>
-        <p:spPr>
-          <a:xfrm>
-            <a:off x="7416801" y="4623195"/>
-            <a:ext cx="1547813" cy="180580"/>
-          </a:xfrm>
-        </p:spPr>
-        <p:txBody>
-          <a:bodyPr/>
-          <a:lstStyle/>
-          <a:p>
-            <a:r>
-              <a:rPr lang="en-US" smtClean="0"/>
-              <a:t>Chart </a:t>
-            </a:r>
-            <a:fld id="{91D913BA-B0D8-4B51-9328-DFAA0B370309}" type="slidenum">
-              <a:rPr lang="en-US" b="1" smtClean="0"/>
-              <a:pPr/>
-              <a:t>14</a:t>
-            </a:fld>
-            <a:endParaRPr lang="en-US" b="1" dirty="0"/>
-          </a:p>
-        </p:txBody>
-      </p:sp>
-      <p:sp>
-        <p:nvSpPr>
-          <p:cNvPr id="2" name="Date Placeholder 1"/>
-          <p:cNvSpPr>
-            <a:spLocks noGrp="1"/>
-          </p:cNvSpPr>
-          <p:nvPr>
-            <p:ph type="dt" sz="half" idx="14"/>
-          </p:nvPr>
-        </p:nvSpPr>
-        <p:spPr>
-          <a:xfrm>
-            <a:off x="7416801" y="4155928"/>
-            <a:ext cx="1547813" cy="467268"/>
-          </a:xfrm>
-        </p:spPr>
-        <p:txBody>
-          <a:bodyPr/>
-          <a:lstStyle/>
-          <a:p>
-            <a:r>
-              <a:rPr lang="en-US" dirty="0" smtClean="0"/>
-              <a:t>Aragats Amirkhanyan, 17.10.2014</a:t>
-            </a:r>
-            <a:endParaRPr lang="en-US" dirty="0"/>
-          </a:p>
-        </p:txBody>
-      </p:sp>
-      <p:sp>
-        <p:nvSpPr>
-          <p:cNvPr id="3" name="Footer Placeholder 2"/>
-          <p:cNvSpPr>
-            <a:spLocks noGrp="1"/>
-          </p:cNvSpPr>
-          <p:nvPr>
-            <p:ph type="ftr" sz="quarter" idx="15"/>
-          </p:nvPr>
-        </p:nvSpPr>
-        <p:spPr>
-          <a:xfrm>
-            <a:off x="7416801" y="3562453"/>
-            <a:ext cx="1547813" cy="521465"/>
-          </a:xfrm>
-        </p:spPr>
-        <p:txBody>
-          <a:bodyPr/>
-          <a:lstStyle/>
-          <a:p>
-            <a:r>
-              <a:rPr lang="en-US" dirty="0"/>
-              <a:t>Automation of the </a:t>
-            </a:r>
-            <a:r>
-              <a:rPr lang="en-US" dirty="0" err="1"/>
-              <a:t>Testbed</a:t>
-            </a:r>
-            <a:r>
-              <a:rPr lang="en-US" dirty="0"/>
-              <a:t> Creation for Research in Security Area</a:t>
-            </a:r>
-          </a:p>
-        </p:txBody>
-      </p:sp>
-    </p:spTree>
-    <p:extLst>
-      <p:ext uri="{BB962C8B-B14F-4D97-AF65-F5344CB8AC3E}">
-        <p14:creationId xmlns:p14="http://schemas.microsoft.com/office/powerpoint/2010/main" val="1817467663"/>
-      </p:ext>
-    </p:extLst>
-  </p:cSld>
-  <p:clrMapOvr>
-    <a:masterClrMapping/>
-  </p:clrMapOvr>
-  <p:transition>
-    <p:fade/>
-  </p:transition>
-  <p:timing>
-    <p:tnLst>
-      <p:par>
-        <p:cTn id="1" dur="indefinite" restart="never" nodeType="tmRoot"/>
-      </p:par>
-    </p:tnLst>
-  </p:timing>
-</p:sld>
-</file>
-
-<file path=ppt/slides/slide15.xml><?xml version="1.0" encoding="utf-8"?>
-<p:sld xmlns:a="http://schemas.openxmlformats.org/drawingml/2006/main" xmlns:r="http://schemas.openxmlformats.org/officeDocument/2006/relationships" xmlns:p="http://schemas.openxmlformats.org/presentationml/2006/main">
-  <p:cSld>
-    <p:spTree>
-      <p:nvGrpSpPr>
-        <p:cNvPr id="1" name=""/>
-        <p:cNvGrpSpPr/>
-        <p:nvPr/>
-      </p:nvGrpSpPr>
-      <p:grpSpPr>
-        <a:xfrm>
-          <a:off x="0" y="0"/>
-          <a:ext cx="0" cy="0"/>
-          <a:chOff x="0" y="0"/>
-          <a:chExt cx="0" cy="0"/>
-        </a:xfrm>
-      </p:grpSpPr>
       <p:pic>
         <p:nvPicPr>
           <p:cNvPr id="8" name="Picture 2" descr="C:\Users\fcheng\Downloads\HPI_Hauptgebaeude_Nacht.jpg"/>
@@ -14238,7 +12789,7 @@
 </p:sld>
 </file>
 
-<file path=ppt/slides/slide16.xml><?xml version="1.0" encoding="utf-8"?>
+<file path=ppt/slides/slide12.xml><?xml version="1.0" encoding="utf-8"?>
 <p:sld xmlns:a="http://schemas.openxmlformats.org/drawingml/2006/main" xmlns:r="http://schemas.openxmlformats.org/officeDocument/2006/relationships" xmlns:p="http://schemas.openxmlformats.org/presentationml/2006/main" show="0">
   <p:cSld>
     <p:spTree>
@@ -14360,7 +12911,7 @@
 </p:sld>
 </file>
 
-<file path=ppt/slides/slide17.xml><?xml version="1.0" encoding="utf-8"?>
+<file path=ppt/slides/slide13.xml><?xml version="1.0" encoding="utf-8"?>
 <p:sld xmlns:a="http://schemas.openxmlformats.org/drawingml/2006/main" xmlns:r="http://schemas.openxmlformats.org/officeDocument/2006/relationships" xmlns:p="http://schemas.openxmlformats.org/presentationml/2006/main" show="0">
   <p:cSld>
     <p:spTree>
@@ -14482,7 +13033,7 @@
 </p:sld>
 </file>
 
-<file path=ppt/slides/slide18.xml><?xml version="1.0" encoding="utf-8"?>
+<file path=ppt/slides/slide14.xml><?xml version="1.0" encoding="utf-8"?>
 <p:sld xmlns:a="http://schemas.openxmlformats.org/drawingml/2006/main" xmlns:r="http://schemas.openxmlformats.org/officeDocument/2006/relationships" xmlns:p="http://schemas.openxmlformats.org/presentationml/2006/main" show="0">
   <p:cSld>
     <p:spTree>
@@ -14585,7 +13136,7 @@
 </p:sld>
 </file>
 
-<file path=ppt/slides/slide19.xml><?xml version="1.0" encoding="utf-8"?>
+<file path=ppt/slides/slide15.xml><?xml version="1.0" encoding="utf-8"?>
 <p:sld xmlns:a="http://schemas.openxmlformats.org/drawingml/2006/main" xmlns:r="http://schemas.openxmlformats.org/officeDocument/2006/relationships" xmlns:p="http://schemas.openxmlformats.org/presentationml/2006/main" show="0">
   <p:cSld>
     <p:spTree>
@@ -15077,7 +13628,7 @@
             <a:fld id="{91D913BA-B0D8-4B51-9328-DFAA0B370309}" type="slidenum">
               <a:rPr lang="en-US" b="1" smtClean="0"/>
               <a:pPr/>
-              <a:t>19</a:t>
+              <a:t>15</a:t>
             </a:fld>
             <a:endParaRPr lang="en-US" b="1" dirty="0"/>
           </a:p>
@@ -15104,8 +13655,8 @@
           <a:lstStyle/>
           <a:p>
             <a:r>
-              <a:rPr lang="en-US" dirty="0" smtClean="0"/>
-              <a:t>Speaker, Job Description, Date if needed</a:t>
+              <a:rPr lang="de-DE" smtClean="0"/>
+              <a:t>Aragatgs Amirkhanyan, 17.10.2014</a:t>
             </a:r>
             <a:endParaRPr lang="en-US" dirty="0"/>
           </a:p>
@@ -15133,7 +13684,7 @@
           <a:p>
             <a:r>
               <a:rPr lang="en-US" smtClean="0"/>
-              <a:t>Presentation Title</a:t>
+              <a:t>Testbed Automation for Network Security and Security Analytics</a:t>
             </a:r>
             <a:endParaRPr lang="en-US" dirty="0"/>
           </a:p>
@@ -15162,196 +13713,7 @@
 </p:sld>
 </file>
 
-<file path=ppt/slides/slide2.xml><?xml version="1.0" encoding="utf-8"?>
-<p:sld xmlns:a="http://schemas.openxmlformats.org/drawingml/2006/main" xmlns:r="http://schemas.openxmlformats.org/officeDocument/2006/relationships" xmlns:p="http://schemas.openxmlformats.org/presentationml/2006/main">
-  <p:cSld>
-    <p:spTree>
-      <p:nvGrpSpPr>
-        <p:cNvPr id="1" name=""/>
-        <p:cNvGrpSpPr/>
-        <p:nvPr/>
-      </p:nvGrpSpPr>
-      <p:grpSpPr>
-        <a:xfrm>
-          <a:off x="0" y="0"/>
-          <a:ext cx="0" cy="0"/>
-          <a:chOff x="0" y="0"/>
-          <a:chExt cx="0" cy="0"/>
-        </a:xfrm>
-      </p:grpSpPr>
-      <p:sp>
-        <p:nvSpPr>
-          <p:cNvPr id="4" name="Title 3"/>
-          <p:cNvSpPr>
-            <a:spLocks noGrp="1"/>
-          </p:cNvSpPr>
-          <p:nvPr>
-            <p:ph type="title"/>
-          </p:nvPr>
-        </p:nvSpPr>
-        <p:spPr/>
-        <p:txBody>
-          <a:bodyPr/>
-          <a:lstStyle/>
-          <a:p>
-            <a:r>
-              <a:rPr lang="de-DE" dirty="0" smtClean="0"/>
-              <a:t>Agenda</a:t>
-            </a:r>
-            <a:endParaRPr lang="en-US" dirty="0"/>
-          </a:p>
-        </p:txBody>
-      </p:sp>
-      <p:sp>
-        <p:nvSpPr>
-          <p:cNvPr id="6" name="Text Placeholder 5"/>
-          <p:cNvSpPr>
-            <a:spLocks noGrp="1"/>
-          </p:cNvSpPr>
-          <p:nvPr>
-            <p:ph type="body" sz="quarter" idx="10"/>
-          </p:nvPr>
-        </p:nvSpPr>
-        <p:spPr/>
-        <p:txBody>
-          <a:bodyPr/>
-          <a:lstStyle/>
-          <a:p>
-            <a:r>
-              <a:rPr lang="de-DE" dirty="0" smtClean="0"/>
-              <a:t>Motivation</a:t>
-            </a:r>
-          </a:p>
-          <a:p>
-            <a:r>
-              <a:rPr lang="de-DE" dirty="0" smtClean="0"/>
-              <a:t>Simulation </a:t>
-            </a:r>
-            <a:r>
-              <a:rPr lang="de-DE" dirty="0" err="1" smtClean="0"/>
-              <a:t>of</a:t>
-            </a:r>
-            <a:r>
-              <a:rPr lang="de-DE" dirty="0" smtClean="0"/>
-              <a:t> </a:t>
-            </a:r>
-            <a:r>
-              <a:rPr lang="de-DE" dirty="0" err="1" smtClean="0"/>
-              <a:t>user</a:t>
-            </a:r>
-            <a:r>
-              <a:rPr lang="de-DE" dirty="0" smtClean="0"/>
-              <a:t> </a:t>
-            </a:r>
-            <a:r>
-              <a:rPr lang="de-DE" dirty="0" err="1" smtClean="0"/>
-              <a:t>behavior</a:t>
-            </a:r>
-            <a:endParaRPr lang="de-DE" dirty="0" smtClean="0"/>
-          </a:p>
-          <a:p>
-            <a:pPr lvl="1"/>
-            <a:r>
-              <a:rPr lang="en-US" dirty="0" smtClean="0"/>
-              <a:t>Overview</a:t>
-            </a:r>
-          </a:p>
-          <a:p>
-            <a:pPr lvl="1"/>
-            <a:r>
-              <a:rPr lang="en-US" dirty="0" smtClean="0"/>
-              <a:t>Normal scenario</a:t>
-            </a:r>
-          </a:p>
-          <a:p>
-            <a:pPr lvl="1"/>
-            <a:r>
-              <a:rPr lang="en-US" dirty="0" smtClean="0"/>
-              <a:t>Abnormal scenario</a:t>
-            </a:r>
-          </a:p>
-          <a:p>
-            <a:pPr lvl="1"/>
-            <a:r>
-              <a:rPr lang="en-US" dirty="0" smtClean="0"/>
-              <a:t>Implementation</a:t>
-            </a:r>
-            <a:endParaRPr lang="de-DE" dirty="0" smtClean="0"/>
-          </a:p>
-          <a:p>
-            <a:r>
-              <a:rPr lang="de-DE" dirty="0" smtClean="0"/>
-              <a:t>Security Lab Generator</a:t>
-            </a:r>
-          </a:p>
-          <a:p>
-            <a:pPr lvl="1"/>
-            <a:r>
-              <a:rPr lang="en-US" dirty="0" smtClean="0"/>
-              <a:t>Overview</a:t>
-            </a:r>
-          </a:p>
-          <a:p>
-            <a:pPr lvl="1"/>
-            <a:r>
-              <a:rPr lang="en-US" dirty="0" smtClean="0"/>
-              <a:t>OpenStack</a:t>
-            </a:r>
-          </a:p>
-          <a:p>
-            <a:pPr lvl="1"/>
-            <a:r>
-              <a:rPr lang="de-DE" dirty="0"/>
-              <a:t>Security Lab </a:t>
-            </a:r>
-            <a:r>
-              <a:rPr lang="de-DE" dirty="0" smtClean="0"/>
-              <a:t>Generator </a:t>
-            </a:r>
-            <a:r>
-              <a:rPr lang="de-DE" dirty="0" err="1" smtClean="0"/>
-              <a:t>based</a:t>
-            </a:r>
-            <a:r>
-              <a:rPr lang="de-DE" dirty="0" smtClean="0"/>
-              <a:t> on OpenStack</a:t>
-            </a:r>
-          </a:p>
-          <a:p>
-            <a:r>
-              <a:rPr lang="en-US" dirty="0" smtClean="0"/>
-              <a:t>Conclusion</a:t>
-            </a:r>
-          </a:p>
-          <a:p>
-            <a:endParaRPr lang="en-US" dirty="0"/>
-          </a:p>
-        </p:txBody>
-      </p:sp>
-    </p:spTree>
-    <p:extLst>
-      <p:ext uri="{BB962C8B-B14F-4D97-AF65-F5344CB8AC3E}">
-        <p14:creationId xmlns:p14="http://schemas.microsoft.com/office/powerpoint/2010/main" val="4199560359"/>
-      </p:ext>
-    </p:extLst>
-  </p:cSld>
-  <p:clrMapOvr>
-    <a:masterClrMapping/>
-  </p:clrMapOvr>
-  <p:transition spd="slow">
-    <p:wipe dir="u"/>
-  </p:transition>
-  <p:timing>
-    <p:tnLst>
-      <p:par>
-        <p:cTn id="1" dur="indefinite" restart="never" nodeType="tmRoot"/>
-      </p:par>
-    </p:tnLst>
-  </p:timing>
-</p:sld>
-</file>
-
-<file path=ppt/slides/slide20.xml><?xml version="1.0" encoding="utf-8"?>
+<file path=ppt/slides/slide16.xml><?xml version="1.0" encoding="utf-8"?>
 <p:sld xmlns:a="http://schemas.openxmlformats.org/drawingml/2006/main" xmlns:r="http://schemas.openxmlformats.org/officeDocument/2006/relationships" xmlns:p="http://schemas.openxmlformats.org/presentationml/2006/main" show="0">
   <p:cSld>
     <p:spTree>
@@ -16105,7 +14467,7 @@
             <a:fld id="{91D913BA-B0D8-4B51-9328-DFAA0B370309}" type="slidenum">
               <a:rPr lang="en-US" b="1" smtClean="0"/>
               <a:pPr/>
-              <a:t>20</a:t>
+              <a:t>16</a:t>
             </a:fld>
             <a:endParaRPr lang="en-US" b="1" dirty="0"/>
           </a:p>
@@ -16223,7 +14585,7 @@
           <a:p>
             <a:r>
               <a:rPr lang="en-US" smtClean="0"/>
-              <a:t>Automation of the Testbed Creation for Research in Security Area</a:t>
+              <a:t>Testbed Automation for Network Security and Security Analytics</a:t>
             </a:r>
             <a:endParaRPr lang="en-US" dirty="0"/>
           </a:p>
@@ -16252,7 +14614,7 @@
 </p:sld>
 </file>
 
-<file path=ppt/slides/slide21.xml><?xml version="1.0" encoding="utf-8"?>
+<file path=ppt/slides/slide17.xml><?xml version="1.0" encoding="utf-8"?>
 <p:sld xmlns:a="http://schemas.openxmlformats.org/drawingml/2006/main" xmlns:r="http://schemas.openxmlformats.org/officeDocument/2006/relationships" xmlns:p="http://schemas.openxmlformats.org/presentationml/2006/main" show="0">
   <p:cSld>
     <p:spTree>
@@ -16881,7 +15243,7 @@
             <a:fld id="{91D913BA-B0D8-4B51-9328-DFAA0B370309}" type="slidenum">
               <a:rPr lang="en-US" b="1" smtClean="0"/>
               <a:pPr/>
-              <a:t>21</a:t>
+              <a:t>17</a:t>
             </a:fld>
             <a:endParaRPr lang="en-US" b="1" dirty="0"/>
           </a:p>
@@ -16908,8 +15270,8 @@
           <a:lstStyle/>
           <a:p>
             <a:r>
-              <a:rPr lang="en-US" smtClean="0"/>
-              <a:t>Speaker, Job Description, Date if needed</a:t>
+              <a:rPr lang="de-DE" smtClean="0"/>
+              <a:t>Aragatgs Amirkhanyan, 17.10.2014</a:t>
             </a:r>
             <a:endParaRPr lang="en-US" dirty="0"/>
           </a:p>
@@ -16937,7 +15299,7 @@
           <a:p>
             <a:r>
               <a:rPr lang="en-US" smtClean="0"/>
-              <a:t>Presentation Title</a:t>
+              <a:t>Testbed Automation for Network Security and Security Analytics</a:t>
             </a:r>
             <a:endParaRPr lang="en-US" dirty="0"/>
           </a:p>
@@ -16966,7 +15328,7 @@
 </p:sld>
 </file>
 
-<file path=ppt/slides/slide22.xml><?xml version="1.0" encoding="utf-8"?>
+<file path=ppt/slides/slide18.xml><?xml version="1.0" encoding="utf-8"?>
 <p:sld xmlns:a="http://schemas.openxmlformats.org/drawingml/2006/main" xmlns:r="http://schemas.openxmlformats.org/officeDocument/2006/relationships" xmlns:p="http://schemas.openxmlformats.org/presentationml/2006/main" show="0">
   <p:cSld>
     <p:spTree>
@@ -17172,7 +15534,7 @@
             <a:fld id="{91D913BA-B0D8-4B51-9328-DFAA0B370309}" type="slidenum">
               <a:rPr lang="en-US" b="1" smtClean="0"/>
               <a:pPr/>
-              <a:t>22</a:t>
+              <a:t>18</a:t>
             </a:fld>
             <a:endParaRPr lang="en-US" b="1" dirty="0"/>
           </a:p>
@@ -17323,8 +15685,8 @@
           <a:lstStyle/>
           <a:p>
             <a:r>
-              <a:rPr lang="en-US" smtClean="0"/>
-              <a:t>Speaker, Job Description, Date if needed</a:t>
+              <a:rPr lang="de-DE" smtClean="0"/>
+              <a:t>Aragatgs Amirkhanyan, 17.10.2014</a:t>
             </a:r>
             <a:endParaRPr lang="en-US" dirty="0"/>
           </a:p>
@@ -17352,7 +15714,7 @@
           <a:p>
             <a:r>
               <a:rPr lang="en-US" smtClean="0"/>
-              <a:t>Presentation Title</a:t>
+              <a:t>Testbed Automation for Network Security and Security Analytics</a:t>
             </a:r>
             <a:endParaRPr lang="en-US" dirty="0"/>
           </a:p>
@@ -17445,7 +15807,7 @@
 </p:sld>
 </file>
 
-<file path=ppt/slides/slide3.xml><?xml version="1.0" encoding="utf-8"?>
+<file path=ppt/slides/slide2.xml><?xml version="1.0" encoding="utf-8"?>
 <p:sld xmlns:a="http://schemas.openxmlformats.org/drawingml/2006/main" xmlns:r="http://schemas.openxmlformats.org/officeDocument/2006/relationships" xmlns:p="http://schemas.openxmlformats.org/presentationml/2006/main">
   <p:cSld>
     <p:spTree>
@@ -17518,16 +15880,17 @@
             </a:r>
             <a:r>
               <a:rPr lang="en-US" dirty="0" smtClean="0"/>
-              <a:t>security analytics </a:t>
-            </a:r>
-            <a:r>
-              <a:rPr lang="en-US" dirty="0"/>
-              <a:t>and </a:t>
+              <a:t>network security and </a:t>
             </a:r>
             <a:r>
               <a:rPr lang="en-US" dirty="0" smtClean="0"/>
-              <a:t>network security areas:</a:t>
-            </a:r>
+              <a:t>security analytics areas</a:t>
+            </a:r>
+            <a:r>
+              <a:rPr lang="en-US" dirty="0" smtClean="0"/>
+              <a:t>:</a:t>
+            </a:r>
+            <a:endParaRPr lang="en-US" dirty="0" smtClean="0"/>
           </a:p>
           <a:p>
             <a:pPr marL="342900" indent="-342900">
@@ -17552,33 +15915,7 @@
             </a:pPr>
             <a:r>
               <a:rPr lang="en-US" dirty="0" smtClean="0"/>
-              <a:t>Test network </a:t>
-            </a:r>
-            <a:r>
-              <a:rPr lang="en-US" dirty="0" smtClean="0"/>
-              <a:t>environment              </a:t>
-            </a:r>
-            <a:r>
-              <a:rPr lang="en-US" dirty="0" err="1" smtClean="0"/>
-              <a:t>Testbed</a:t>
-            </a:r>
-            <a:r>
-              <a:rPr lang="en-US" dirty="0" smtClean="0"/>
-              <a:t>			</a:t>
-            </a:r>
-            <a:endParaRPr lang="en-US" dirty="0" smtClean="0"/>
-          </a:p>
-          <a:p>
-            <a:pPr marL="342900" indent="-342900">
-              <a:buClr>
-                <a:schemeClr val="accent1"/>
-              </a:buClr>
-              <a:buFont typeface="+mj-lt"/>
-              <a:buAutoNum type="arabicPeriod"/>
-            </a:pPr>
-            <a:r>
-              <a:rPr lang="en-US" dirty="0" smtClean="0"/>
-              <a:t>Simulation of actions</a:t>
+              <a:t>Test network environment              			</a:t>
             </a:r>
           </a:p>
           <a:p>
@@ -17602,16 +15939,6 @@
             <a:endParaRPr lang="en-US" dirty="0" smtClean="0"/>
           </a:p>
           <a:p>
-            <a:pPr marL="342900" indent="-342900">
-              <a:buClr>
-                <a:schemeClr val="accent1"/>
-              </a:buClr>
-              <a:buFont typeface="+mj-lt"/>
-              <a:buAutoNum type="arabicPeriod"/>
-            </a:pPr>
-            <a:endParaRPr lang="en-US" dirty="0" smtClean="0"/>
-          </a:p>
-          <a:p>
             <a:endParaRPr lang="en-US" dirty="0" smtClean="0"/>
           </a:p>
           <a:p>
@@ -17653,7 +15980,7 @@
             <a:fld id="{91D913BA-B0D8-4B51-9328-DFAA0B370309}" type="slidenum">
               <a:rPr lang="en-US" b="1" smtClean="0"/>
               <a:pPr/>
-              <a:t>3</a:t>
+              <a:t>2</a:t>
             </a:fld>
             <a:endParaRPr lang="en-US" b="1" dirty="0"/>
           </a:p>
@@ -17680,8 +16007,8 @@
           <a:lstStyle/>
           <a:p>
             <a:r>
-              <a:rPr lang="en-US" dirty="0" smtClean="0"/>
-              <a:t>Aragats Amirkhanyan, 17.10.2014</a:t>
+              <a:rPr lang="de-DE" smtClean="0"/>
+              <a:t>Aragatgs Amirkhanyan, 17.10.2014</a:t>
             </a:r>
             <a:endParaRPr lang="en-US" dirty="0"/>
           </a:p>
@@ -17708,17 +16035,10 @@
           <a:lstStyle/>
           <a:p>
             <a:r>
-              <a:rPr lang="en-US" dirty="0"/>
-              <a:t>Automation of the </a:t>
-            </a:r>
-            <a:r>
-              <a:rPr lang="en-US" dirty="0" err="1"/>
-              <a:t>Testbed</a:t>
-            </a:r>
-            <a:r>
-              <a:rPr lang="en-US" dirty="0"/>
-              <a:t> Creation for Research in Security Area</a:t>
-            </a:r>
+              <a:rPr lang="en-US" smtClean="0"/>
+              <a:t>Testbed Automation for Network Security and Security Analytics</a:t>
+            </a:r>
+            <a:endParaRPr lang="en-US" dirty="0"/>
           </a:p>
         </p:txBody>
       </p:sp>
@@ -17731,7 +16051,7 @@
         <p:spPr bwMode="gray">
           <a:xfrm>
             <a:off x="3347864" y="1851670"/>
-            <a:ext cx="360536" cy="864096"/>
+            <a:ext cx="360536" cy="504056"/>
           </a:xfrm>
           <a:prstGeom prst="rightBrace">
             <a:avLst/>
@@ -17765,6 +16085,48 @@
           </a:p>
         </p:txBody>
       </p:sp>
+      <p:sp>
+        <p:nvSpPr>
+          <p:cNvPr id="5" name="TextBox 4"/>
+          <p:cNvSpPr txBox="1"/>
+          <p:nvPr/>
+        </p:nvSpPr>
+        <p:spPr bwMode="gray">
+          <a:xfrm>
+            <a:off x="3779912" y="1995686"/>
+            <a:ext cx="720080" cy="180020"/>
+          </a:xfrm>
+          <a:prstGeom prst="rect">
+            <a:avLst/>
+          </a:prstGeom>
+          <a:noFill/>
+        </p:spPr>
+        <p:txBody>
+          <a:bodyPr wrap="square" lIns="0" tIns="0" rIns="0" bIns="0" rtlCol="0">
+            <a:noAutofit/>
+          </a:bodyPr>
+          <a:lstStyle/>
+          <a:p>
+            <a:pPr>
+              <a:spcBef>
+                <a:spcPts val="300"/>
+              </a:spcBef>
+              <a:spcAft>
+                <a:spcPts val="300"/>
+              </a:spcAft>
+              <a:buClr>
+                <a:schemeClr val="accent1"/>
+              </a:buClr>
+              <a:buSzPct val="90000"/>
+            </a:pPr>
+            <a:r>
+              <a:rPr lang="en-US" sz="1200" dirty="0" err="1" smtClean="0"/>
+              <a:t>Testbed</a:t>
+            </a:r>
+            <a:endParaRPr lang="de-DE" sz="1200" dirty="0" err="1" smtClean="0"/>
+          </a:p>
+        </p:txBody>
+      </p:sp>
     </p:spTree>
     <p:extLst>
       <p:ext uri="{BB962C8B-B14F-4D97-AF65-F5344CB8AC3E}">
@@ -17777,6 +16139,156 @@
   </p:clrMapOvr>
   <p:transition>
     <p:fade/>
+  </p:transition>
+  <p:timing>
+    <p:tnLst>
+      <p:par>
+        <p:cTn id="1" dur="indefinite" restart="never" nodeType="tmRoot"/>
+      </p:par>
+    </p:tnLst>
+  </p:timing>
+</p:sld>
+</file>
+
+<file path=ppt/slides/slide3.xml><?xml version="1.0" encoding="utf-8"?>
+<p:sld xmlns:a="http://schemas.openxmlformats.org/drawingml/2006/main" xmlns:r="http://schemas.openxmlformats.org/officeDocument/2006/relationships" xmlns:p="http://schemas.openxmlformats.org/presentationml/2006/main">
+  <p:cSld>
+    <p:spTree>
+      <p:nvGrpSpPr>
+        <p:cNvPr id="1" name=""/>
+        <p:cNvGrpSpPr/>
+        <p:nvPr/>
+      </p:nvGrpSpPr>
+      <p:grpSpPr>
+        <a:xfrm>
+          <a:off x="0" y="0"/>
+          <a:ext cx="0" cy="0"/>
+          <a:chOff x="0" y="0"/>
+          <a:chExt cx="0" cy="0"/>
+        </a:xfrm>
+      </p:grpSpPr>
+      <p:sp>
+        <p:nvSpPr>
+          <p:cNvPr id="4" name="Title 3"/>
+          <p:cNvSpPr>
+            <a:spLocks noGrp="1"/>
+          </p:cNvSpPr>
+          <p:nvPr>
+            <p:ph type="title"/>
+          </p:nvPr>
+        </p:nvSpPr>
+        <p:spPr/>
+        <p:txBody>
+          <a:bodyPr/>
+          <a:lstStyle/>
+          <a:p>
+            <a:r>
+              <a:rPr lang="de-DE" dirty="0" smtClean="0"/>
+              <a:t>Agenda</a:t>
+            </a:r>
+            <a:endParaRPr lang="en-US" dirty="0"/>
+          </a:p>
+        </p:txBody>
+      </p:sp>
+      <p:sp>
+        <p:nvSpPr>
+          <p:cNvPr id="6" name="Text Placeholder 5"/>
+          <p:cNvSpPr>
+            <a:spLocks noGrp="1"/>
+          </p:cNvSpPr>
+          <p:nvPr>
+            <p:ph type="body" sz="quarter" idx="10"/>
+          </p:nvPr>
+        </p:nvSpPr>
+        <p:spPr/>
+        <p:txBody>
+          <a:bodyPr/>
+          <a:lstStyle/>
+          <a:p>
+            <a:r>
+              <a:rPr lang="de-DE" dirty="0" smtClean="0"/>
+              <a:t>Motivation</a:t>
+            </a:r>
+          </a:p>
+          <a:p>
+            <a:r>
+              <a:rPr lang="en-US" b="1" dirty="0"/>
+              <a:t>A </a:t>
+            </a:r>
+            <a:r>
+              <a:rPr lang="en-US" b="1" dirty="0" err="1"/>
+              <a:t>testbed</a:t>
+            </a:r>
+            <a:r>
+              <a:rPr lang="en-US" b="1" dirty="0"/>
+              <a:t> for preparing data to </a:t>
+            </a:r>
+            <a:r>
+              <a:rPr lang="en-US" b="1" dirty="0" smtClean="0"/>
+              <a:t>analytics</a:t>
+            </a:r>
+          </a:p>
+          <a:p>
+            <a:pPr lvl="1"/>
+            <a:r>
+              <a:rPr lang="en-US" dirty="0" smtClean="0"/>
+              <a:t>Architecture</a:t>
+            </a:r>
+          </a:p>
+          <a:p>
+            <a:pPr lvl="1"/>
+            <a:r>
+              <a:rPr lang="en-US" dirty="0" smtClean="0"/>
+              <a:t>User behavior - Normal </a:t>
+            </a:r>
+            <a:r>
+              <a:rPr lang="en-US" dirty="0" smtClean="0"/>
+              <a:t>scenario</a:t>
+            </a:r>
+          </a:p>
+          <a:p>
+            <a:pPr lvl="1"/>
+            <a:r>
+              <a:rPr lang="en-US" dirty="0"/>
+              <a:t>User behavior - Abnormal </a:t>
+            </a:r>
+            <a:r>
+              <a:rPr lang="en-US" dirty="0" smtClean="0"/>
+              <a:t>scenario</a:t>
+            </a:r>
+          </a:p>
+          <a:p>
+            <a:pPr lvl="1"/>
+            <a:r>
+              <a:rPr lang="en-US" dirty="0" smtClean="0"/>
+              <a:t>Implementation</a:t>
+            </a:r>
+            <a:endParaRPr lang="de-DE" dirty="0" smtClean="0"/>
+          </a:p>
+          <a:p>
+            <a:r>
+              <a:rPr lang="en-US" dirty="0" smtClean="0"/>
+              <a:t>Conclusion</a:t>
+            </a:r>
+            <a:endParaRPr lang="en-US" dirty="0" smtClean="0"/>
+          </a:p>
+          <a:p>
+            <a:endParaRPr lang="en-US" dirty="0"/>
+          </a:p>
+        </p:txBody>
+      </p:sp>
+    </p:spTree>
+    <p:extLst>
+      <p:ext uri="{BB962C8B-B14F-4D97-AF65-F5344CB8AC3E}">
+        <p14:creationId xmlns:p14="http://schemas.microsoft.com/office/powerpoint/2010/main" val="4199560359"/>
+      </p:ext>
+    </p:extLst>
+  </p:cSld>
+  <p:clrMapOvr>
+    <a:masterClrMapping/>
+  </p:clrMapOvr>
+  <p:transition spd="slow">
+    <p:wipe dir="u"/>
   </p:transition>
   <p:timing>
     <p:tnLst>
@@ -17821,43 +16333,35 @@
           <a:lstStyle/>
           <a:p>
             <a:r>
-              <a:rPr lang="de-DE" dirty="0"/>
-              <a:t>Simulation </a:t>
-            </a:r>
-            <a:r>
-              <a:rPr lang="de-DE" dirty="0" err="1"/>
-              <a:t>of</a:t>
-            </a:r>
-            <a:r>
-              <a:rPr lang="de-DE" dirty="0"/>
-              <a:t> </a:t>
-            </a:r>
-            <a:r>
-              <a:rPr lang="de-DE" dirty="0" err="1"/>
-              <a:t>user</a:t>
-            </a:r>
-            <a:r>
-              <a:rPr lang="de-DE" dirty="0"/>
-              <a:t> </a:t>
-            </a:r>
-            <a:r>
-              <a:rPr lang="de-DE" dirty="0" err="1"/>
-              <a:t>behavior</a:t>
-            </a:r>
-            <a:r>
-              <a:rPr lang="de-DE" dirty="0"/>
+              <a:rPr lang="en-US" dirty="0"/>
+              <a:t>A </a:t>
+            </a:r>
+            <a:r>
+              <a:rPr lang="en-US" dirty="0" err="1"/>
+              <a:t>testbed</a:t>
+            </a:r>
+            <a:r>
+              <a:rPr lang="en-US" dirty="0"/>
+              <a:t> for preparing data to </a:t>
+            </a:r>
+            <a:r>
+              <a:rPr lang="en-US" dirty="0" smtClean="0"/>
+              <a:t>analytics</a:t>
+            </a:r>
+            <a:r>
+              <a:rPr lang="de-DE" dirty="0" smtClean="0"/>
               <a:t/>
             </a:r>
             <a:br>
-              <a:rPr lang="de-DE" dirty="0"/>
+              <a:rPr lang="de-DE" dirty="0" smtClean="0"/>
             </a:br>
             <a:r>
-              <a:rPr lang="de-DE" dirty="0"/>
+              <a:rPr lang="de-DE" dirty="0" smtClean="0"/>
               <a:t>- </a:t>
             </a:r>
             <a:r>
-              <a:rPr lang="en-US" dirty="0"/>
-              <a:t>Overview</a:t>
+              <a:rPr lang="en-US" dirty="0" smtClean="0"/>
+              <a:t>Architecture</a:t>
             </a:r>
             <a:endParaRPr lang="de-DE" dirty="0"/>
           </a:p>
@@ -17985,11 +16489,7 @@
             </a:pPr>
             <a:r>
               <a:rPr lang="en-US" dirty="0" smtClean="0"/>
-              <a:t>Database </a:t>
-            </a:r>
-            <a:r>
-              <a:rPr lang="en-US" dirty="0" smtClean="0"/>
-              <a:t>server</a:t>
+              <a:t>Database server</a:t>
             </a:r>
           </a:p>
           <a:p>
@@ -18084,9 +16584,10 @@
           <a:lstStyle/>
           <a:p>
             <a:r>
-              <a:rPr lang="en-US" dirty="0"/>
-              <a:t>Aragats Amirkhanyan, 17.10.2014</a:t>
-            </a:r>
+              <a:rPr lang="de-DE" smtClean="0"/>
+              <a:t>Aragatgs Amirkhanyan, 17.10.2014</a:t>
+            </a:r>
+            <a:endParaRPr lang="en-US" dirty="0"/>
           </a:p>
         </p:txBody>
       </p:sp>
@@ -18106,17 +16607,10 @@
           <a:lstStyle/>
           <a:p>
             <a:r>
-              <a:rPr lang="en-US" dirty="0"/>
-              <a:t>Automation of the </a:t>
-            </a:r>
-            <a:r>
-              <a:rPr lang="en-US" dirty="0" err="1"/>
-              <a:t>Testbed</a:t>
-            </a:r>
-            <a:r>
-              <a:rPr lang="en-US" dirty="0"/>
-              <a:t> Creation for Research in Security Area</a:t>
-            </a:r>
+              <a:rPr lang="en-US" smtClean="0"/>
+              <a:t>Testbed Automation for Network Security and Security Analytics</a:t>
+            </a:r>
+            <a:endParaRPr lang="en-US" dirty="0"/>
           </a:p>
         </p:txBody>
       </p:sp>
@@ -18259,23 +16753,11 @@
           <a:p>
             <a:r>
               <a:rPr lang="de-DE" dirty="0"/>
-              <a:t>Simulation </a:t>
-            </a:r>
-            <a:r>
-              <a:rPr lang="de-DE" dirty="0" err="1"/>
-              <a:t>of</a:t>
-            </a:r>
-            <a:r>
-              <a:rPr lang="de-DE" dirty="0"/>
-              <a:t> </a:t>
-            </a:r>
-            <a:r>
-              <a:rPr lang="de-DE" dirty="0" err="1"/>
-              <a:t>user</a:t>
-            </a:r>
-            <a:r>
-              <a:rPr lang="de-DE" dirty="0"/>
-              <a:t> </a:t>
+              <a:t>U</a:t>
+            </a:r>
+            <a:r>
+              <a:rPr lang="de-DE" dirty="0" smtClean="0"/>
+              <a:t>ser </a:t>
             </a:r>
             <a:r>
               <a:rPr lang="de-DE" dirty="0" err="1"/>
@@ -18359,9 +16841,10 @@
           <a:lstStyle/>
           <a:p>
             <a:r>
-              <a:rPr lang="en-US" dirty="0"/>
-              <a:t>Aragats Amirkhanyan, 17.10.2014</a:t>
-            </a:r>
+              <a:rPr lang="de-DE" smtClean="0"/>
+              <a:t>Aragatgs Amirkhanyan, 17.10.2014</a:t>
+            </a:r>
+            <a:endParaRPr lang="en-US" dirty="0"/>
           </a:p>
         </p:txBody>
       </p:sp>
@@ -18381,17 +16864,10 @@
           <a:lstStyle/>
           <a:p>
             <a:r>
-              <a:rPr lang="en-US" dirty="0"/>
-              <a:t>Automation of the </a:t>
-            </a:r>
-            <a:r>
-              <a:rPr lang="en-US" dirty="0" err="1"/>
-              <a:t>Testbed</a:t>
-            </a:r>
-            <a:r>
-              <a:rPr lang="en-US" dirty="0"/>
-              <a:t> Creation for Research in Security Area</a:t>
-            </a:r>
+              <a:rPr lang="en-US" smtClean="0"/>
+              <a:t>Testbed Automation for Network Security and Security Analytics</a:t>
+            </a:r>
+            <a:endParaRPr lang="en-US" dirty="0"/>
           </a:p>
         </p:txBody>
       </p:sp>
@@ -18521,23 +16997,7 @@
           <a:p>
             <a:r>
               <a:rPr lang="de-DE" dirty="0"/>
-              <a:t>Simulation </a:t>
-            </a:r>
-            <a:r>
-              <a:rPr lang="de-DE" dirty="0" err="1"/>
-              <a:t>of</a:t>
-            </a:r>
-            <a:r>
-              <a:rPr lang="de-DE" dirty="0"/>
-              <a:t> </a:t>
-            </a:r>
-            <a:r>
-              <a:rPr lang="de-DE" dirty="0" err="1"/>
-              <a:t>user</a:t>
-            </a:r>
-            <a:r>
-              <a:rPr lang="de-DE" dirty="0"/>
-              <a:t> </a:t>
+              <a:t>User </a:t>
             </a:r>
             <a:r>
               <a:rPr lang="de-DE" dirty="0" err="1"/>
@@ -18555,8 +17015,8 @@
               <a:t>- </a:t>
             </a:r>
             <a:r>
-              <a:rPr lang="en-US" dirty="0" smtClean="0"/>
-              <a:t>Abnormal scenario</a:t>
+              <a:rPr lang="en-US" dirty="0"/>
+              <a:t>Normal scenario</a:t>
             </a:r>
             <a:endParaRPr lang="de-DE" dirty="0"/>
           </a:p>
@@ -18597,9 +17057,10 @@
           <a:lstStyle/>
           <a:p>
             <a:r>
-              <a:rPr lang="en-US" dirty="0"/>
-              <a:t>Aragats Amirkhanyan, 17.10.2014</a:t>
-            </a:r>
+              <a:rPr lang="de-DE" smtClean="0"/>
+              <a:t>Aragatgs Amirkhanyan, 17.10.2014</a:t>
+            </a:r>
+            <a:endParaRPr lang="en-US" dirty="0"/>
           </a:p>
         </p:txBody>
       </p:sp>
@@ -18619,17 +17080,10 @@
           <a:lstStyle/>
           <a:p>
             <a:r>
-              <a:rPr lang="en-US" dirty="0"/>
-              <a:t>Automation of the </a:t>
-            </a:r>
-            <a:r>
-              <a:rPr lang="en-US" dirty="0" err="1"/>
-              <a:t>Testbed</a:t>
-            </a:r>
-            <a:r>
-              <a:rPr lang="en-US" dirty="0"/>
-              <a:t> Creation for Research in Security Area</a:t>
-            </a:r>
+              <a:rPr lang="en-US" smtClean="0"/>
+              <a:t>Testbed Automation for Network Security and Security Analytics</a:t>
+            </a:r>
+            <a:endParaRPr lang="en-US" dirty="0"/>
           </a:p>
         </p:txBody>
       </p:sp>
@@ -18778,23 +17232,207 @@
           <a:p>
             <a:r>
               <a:rPr lang="de-DE" dirty="0"/>
-              <a:t>Simulation </a:t>
+              <a:t>User </a:t>
             </a:r>
             <a:r>
               <a:rPr lang="de-DE" dirty="0" err="1"/>
-              <a:t>of</a:t>
+              <a:t>behavior</a:t>
             </a:r>
             <a:r>
               <a:rPr lang="de-DE" dirty="0"/>
-              <a:t> </a:t>
-            </a:r>
-            <a:r>
-              <a:rPr lang="de-DE" dirty="0" err="1"/>
-              <a:t>user</a:t>
-            </a:r>
-            <a:r>
+              <a:t/>
+            </a:r>
+            <a:br>
               <a:rPr lang="de-DE" dirty="0"/>
-              <a:t> </a:t>
+            </a:br>
+            <a:r>
+              <a:rPr lang="de-DE" dirty="0"/>
+              <a:t>- </a:t>
+            </a:r>
+            <a:r>
+              <a:rPr lang="en-US" dirty="0" smtClean="0"/>
+              <a:t>Implementation</a:t>
+            </a:r>
+            <a:br>
+              <a:rPr lang="en-US" dirty="0" smtClean="0"/>
+            </a:br>
+            <a:endParaRPr lang="de-DE" dirty="0"/>
+          </a:p>
+        </p:txBody>
+      </p:sp>
+      <p:sp>
+        <p:nvSpPr>
+          <p:cNvPr id="5" name="Date Placeholder 4"/>
+          <p:cNvSpPr>
+            <a:spLocks noGrp="1"/>
+          </p:cNvSpPr>
+          <p:nvPr>
+            <p:ph type="dt" sz="half" idx="15"/>
+          </p:nvPr>
+        </p:nvSpPr>
+        <p:spPr/>
+        <p:txBody>
+          <a:bodyPr/>
+          <a:lstStyle/>
+          <a:p>
+            <a:r>
+              <a:rPr lang="de-DE" smtClean="0"/>
+              <a:t>Aragatgs Amirkhanyan, 17.10.2014</a:t>
+            </a:r>
+            <a:endParaRPr lang="en-US" dirty="0"/>
+          </a:p>
+        </p:txBody>
+      </p:sp>
+      <p:sp>
+        <p:nvSpPr>
+          <p:cNvPr id="6" name="Footer Placeholder 5"/>
+          <p:cNvSpPr>
+            <a:spLocks noGrp="1"/>
+          </p:cNvSpPr>
+          <p:nvPr>
+            <p:ph type="ftr" sz="quarter" idx="16"/>
+          </p:nvPr>
+        </p:nvSpPr>
+        <p:spPr/>
+        <p:txBody>
+          <a:bodyPr/>
+          <a:lstStyle/>
+          <a:p>
+            <a:r>
+              <a:rPr lang="en-US" smtClean="0"/>
+              <a:t>Testbed Automation for Network Security and Security Analytics</a:t>
+            </a:r>
+            <a:endParaRPr lang="en-US" dirty="0"/>
+          </a:p>
+        </p:txBody>
+      </p:sp>
+      <p:sp>
+        <p:nvSpPr>
+          <p:cNvPr id="7" name="Slide Number Placeholder 6"/>
+          <p:cNvSpPr>
+            <a:spLocks noGrp="1"/>
+          </p:cNvSpPr>
+          <p:nvPr>
+            <p:ph type="sldNum" sz="quarter" idx="17"/>
+          </p:nvPr>
+        </p:nvSpPr>
+        <p:spPr/>
+        <p:txBody>
+          <a:bodyPr/>
+          <a:lstStyle/>
+          <a:p>
+            <a:r>
+              <a:rPr lang="en-US" dirty="0" smtClean="0"/>
+              <a:t>Chart </a:t>
+            </a:r>
+            <a:fld id="{91D913BA-B0D8-4B51-9328-DFAA0B370309}" type="slidenum">
+              <a:rPr lang="en-US" b="1" smtClean="0"/>
+              <a:pPr/>
+              <a:t>7</a:t>
+            </a:fld>
+            <a:endParaRPr lang="en-US" b="1" dirty="0"/>
+          </a:p>
+        </p:txBody>
+      </p:sp>
+      <p:pic>
+        <p:nvPicPr>
+          <p:cNvPr id="1027" name="Picture 3" descr="C:\HPI\HPI-git\Research School\Retreat\Fall 2014\retreat draft 4\simulator_architecture.png"/>
+          <p:cNvPicPr>
+            <a:picLocks noChangeAspect="1" noChangeArrowheads="1"/>
+          </p:cNvPicPr>
+          <p:nvPr/>
+        </p:nvPicPr>
+        <p:blipFill>
+          <a:blip r:embed="rId2">
+            <a:extLst>
+              <a:ext uri="{28A0092B-C50C-407E-A947-70E740481C1C}">
+                <a14:useLocalDpi xmlns:a14="http://schemas.microsoft.com/office/drawing/2010/main" val="0"/>
+              </a:ext>
+            </a:extLst>
+          </a:blip>
+          <a:srcRect/>
+          <a:stretch>
+            <a:fillRect/>
+          </a:stretch>
+        </p:blipFill>
+        <p:spPr bwMode="auto">
+          <a:xfrm>
+            <a:off x="323528" y="1223145"/>
+            <a:ext cx="6981252" cy="3400051"/>
+          </a:xfrm>
+          <a:prstGeom prst="rect">
+            <a:avLst/>
+          </a:prstGeom>
+          <a:noFill/>
+          <a:extLst>
+            <a:ext uri="{909E8E84-426E-40DD-AFC4-6F175D3DCCD1}">
+              <a14:hiddenFill xmlns:a14="http://schemas.microsoft.com/office/drawing/2010/main">
+                <a:solidFill>
+                  <a:srgbClr val="FFFFFF"/>
+                </a:solidFill>
+              </a14:hiddenFill>
+            </a:ext>
+          </a:extLst>
+        </p:spPr>
+      </p:pic>
+    </p:spTree>
+    <p:extLst>
+      <p:ext uri="{BB962C8B-B14F-4D97-AF65-F5344CB8AC3E}">
+        <p14:creationId xmlns:p14="http://schemas.microsoft.com/office/powerpoint/2010/main" val="3579550643"/>
+      </p:ext>
+    </p:extLst>
+  </p:cSld>
+  <p:clrMapOvr>
+    <a:masterClrMapping/>
+  </p:clrMapOvr>
+  <p:transition>
+    <p:fade/>
+  </p:transition>
+  <p:timing>
+    <p:tnLst>
+      <p:par>
+        <p:cTn id="1" dur="indefinite" restart="never" nodeType="tmRoot"/>
+      </p:par>
+    </p:tnLst>
+  </p:timing>
+</p:sld>
+</file>
+
+<file path=ppt/slides/slide8.xml><?xml version="1.0" encoding="utf-8"?>
+<p:sld xmlns:a="http://schemas.openxmlformats.org/drawingml/2006/main" xmlns:r="http://schemas.openxmlformats.org/officeDocument/2006/relationships" xmlns:p="http://schemas.openxmlformats.org/presentationml/2006/main">
+  <p:cSld>
+    <p:spTree>
+      <p:nvGrpSpPr>
+        <p:cNvPr id="1" name=""/>
+        <p:cNvGrpSpPr/>
+        <p:nvPr/>
+      </p:nvGrpSpPr>
+      <p:grpSpPr>
+        <a:xfrm>
+          <a:off x="0" y="0"/>
+          <a:ext cx="0" cy="0"/>
+          <a:chOff x="0" y="0"/>
+          <a:chExt cx="0" cy="0"/>
+        </a:xfrm>
+      </p:grpSpPr>
+      <p:sp>
+        <p:nvSpPr>
+          <p:cNvPr id="2" name="Title 1"/>
+          <p:cNvSpPr>
+            <a:spLocks noGrp="1"/>
+          </p:cNvSpPr>
+          <p:nvPr>
+            <p:ph type="title"/>
+          </p:nvPr>
+        </p:nvSpPr>
+        <p:spPr/>
+        <p:txBody>
+          <a:bodyPr/>
+          <a:lstStyle/>
+          <a:p>
+            <a:r>
+              <a:rPr lang="de-DE" dirty="0"/>
+              <a:t>User </a:t>
             </a:r>
             <a:r>
               <a:rPr lang="de-DE" dirty="0" err="1"/>
@@ -18949,9 +17587,10 @@
           <a:lstStyle/>
           <a:p>
             <a:r>
-              <a:rPr lang="en-US" dirty="0"/>
-              <a:t>Aragats Amirkhanyan, 17.10.2014</a:t>
-            </a:r>
+              <a:rPr lang="de-DE" smtClean="0"/>
+              <a:t>Aragatgs Amirkhanyan, 17.10.2014</a:t>
+            </a:r>
+            <a:endParaRPr lang="en-US" dirty="0"/>
           </a:p>
         </p:txBody>
       </p:sp>
@@ -18971,17 +17610,10 @@
           <a:lstStyle/>
           <a:p>
             <a:r>
-              <a:rPr lang="en-US" dirty="0"/>
-              <a:t>Automation of the </a:t>
-            </a:r>
-            <a:r>
-              <a:rPr lang="en-US" dirty="0" err="1"/>
-              <a:t>Testbed</a:t>
-            </a:r>
-            <a:r>
-              <a:rPr lang="en-US" dirty="0"/>
-              <a:t> Creation for Research in Security Area</a:t>
-            </a:r>
+              <a:rPr lang="en-US" smtClean="0"/>
+              <a:t>Testbed Automation for Network Security and Security Analytics</a:t>
+            </a:r>
+            <a:endParaRPr lang="en-US" dirty="0"/>
           </a:p>
         </p:txBody>
       </p:sp>
@@ -19007,7 +17639,7 @@
             <a:fld id="{91D913BA-B0D8-4B51-9328-DFAA0B370309}" type="slidenum">
               <a:rPr lang="en-US" b="1" smtClean="0"/>
               <a:pPr/>
-              <a:t>7</a:t>
+              <a:t>8</a:t>
             </a:fld>
             <a:endParaRPr lang="en-US" b="1" dirty="0"/>
           </a:p>
@@ -19077,195 +17709,6 @@
 </p:sld>
 </file>
 
-<file path=ppt/slides/slide8.xml><?xml version="1.0" encoding="utf-8"?>
-<p:sld xmlns:a="http://schemas.openxmlformats.org/drawingml/2006/main" xmlns:r="http://schemas.openxmlformats.org/officeDocument/2006/relationships" xmlns:p="http://schemas.openxmlformats.org/presentationml/2006/main">
-  <p:cSld>
-    <p:spTree>
-      <p:nvGrpSpPr>
-        <p:cNvPr id="1" name=""/>
-        <p:cNvGrpSpPr/>
-        <p:nvPr/>
-      </p:nvGrpSpPr>
-      <p:grpSpPr>
-        <a:xfrm>
-          <a:off x="0" y="0"/>
-          <a:ext cx="0" cy="0"/>
-          <a:chOff x="0" y="0"/>
-          <a:chExt cx="0" cy="0"/>
-        </a:xfrm>
-      </p:grpSpPr>
-      <p:sp>
-        <p:nvSpPr>
-          <p:cNvPr id="4" name="Title 3"/>
-          <p:cNvSpPr>
-            <a:spLocks noGrp="1"/>
-          </p:cNvSpPr>
-          <p:nvPr>
-            <p:ph type="title"/>
-          </p:nvPr>
-        </p:nvSpPr>
-        <p:spPr/>
-        <p:txBody>
-          <a:bodyPr/>
-          <a:lstStyle/>
-          <a:p>
-            <a:r>
-              <a:rPr lang="de-DE" dirty="0" smtClean="0"/>
-              <a:t>Agenda</a:t>
-            </a:r>
-            <a:endParaRPr lang="en-US" dirty="0"/>
-          </a:p>
-        </p:txBody>
-      </p:sp>
-      <p:sp>
-        <p:nvSpPr>
-          <p:cNvPr id="6" name="Text Placeholder 5"/>
-          <p:cNvSpPr>
-            <a:spLocks noGrp="1"/>
-          </p:cNvSpPr>
-          <p:nvPr>
-            <p:ph type="body" sz="quarter" idx="10"/>
-          </p:nvPr>
-        </p:nvSpPr>
-        <p:spPr/>
-        <p:txBody>
-          <a:bodyPr/>
-          <a:lstStyle/>
-          <a:p>
-            <a:r>
-              <a:rPr lang="de-DE" dirty="0" smtClean="0"/>
-              <a:t>Motivation</a:t>
-            </a:r>
-          </a:p>
-          <a:p>
-            <a:r>
-              <a:rPr lang="de-DE" dirty="0" smtClean="0"/>
-              <a:t>Simulation </a:t>
-            </a:r>
-            <a:r>
-              <a:rPr lang="de-DE" dirty="0" err="1" smtClean="0"/>
-              <a:t>of</a:t>
-            </a:r>
-            <a:r>
-              <a:rPr lang="de-DE" dirty="0" smtClean="0"/>
-              <a:t> </a:t>
-            </a:r>
-            <a:r>
-              <a:rPr lang="de-DE" dirty="0" err="1" smtClean="0"/>
-              <a:t>user</a:t>
-            </a:r>
-            <a:r>
-              <a:rPr lang="de-DE" dirty="0" smtClean="0"/>
-              <a:t> </a:t>
-            </a:r>
-            <a:r>
-              <a:rPr lang="de-DE" dirty="0" err="1" smtClean="0"/>
-              <a:t>behavior</a:t>
-            </a:r>
-            <a:endParaRPr lang="de-DE" dirty="0" smtClean="0"/>
-          </a:p>
-          <a:p>
-            <a:pPr lvl="1"/>
-            <a:r>
-              <a:rPr lang="en-US" dirty="0" smtClean="0"/>
-              <a:t>Overview</a:t>
-            </a:r>
-          </a:p>
-          <a:p>
-            <a:pPr lvl="1"/>
-            <a:r>
-              <a:rPr lang="en-US" dirty="0" smtClean="0"/>
-              <a:t>Normal scenario</a:t>
-            </a:r>
-          </a:p>
-          <a:p>
-            <a:pPr lvl="1"/>
-            <a:r>
-              <a:rPr lang="en-US" dirty="0" smtClean="0"/>
-              <a:t>Abnormal scenario</a:t>
-            </a:r>
-          </a:p>
-          <a:p>
-            <a:pPr lvl="1"/>
-            <a:r>
-              <a:rPr lang="en-US" dirty="0" smtClean="0"/>
-              <a:t>Implementation</a:t>
-            </a:r>
-            <a:endParaRPr lang="de-DE" dirty="0" smtClean="0"/>
-          </a:p>
-          <a:p>
-            <a:r>
-              <a:rPr lang="de-DE" b="1" dirty="0" smtClean="0"/>
-              <a:t>Security Lab Generator</a:t>
-            </a:r>
-          </a:p>
-          <a:p>
-            <a:pPr lvl="1"/>
-            <a:r>
-              <a:rPr lang="en-US" dirty="0" smtClean="0"/>
-              <a:t>Overview</a:t>
-            </a:r>
-          </a:p>
-          <a:p>
-            <a:pPr lvl="1"/>
-            <a:r>
-              <a:rPr lang="en-US" dirty="0" smtClean="0"/>
-              <a:t>OpenStack</a:t>
-            </a:r>
-          </a:p>
-          <a:p>
-            <a:pPr lvl="1"/>
-            <a:r>
-              <a:rPr lang="de-DE" dirty="0"/>
-              <a:t>Security Lab </a:t>
-            </a:r>
-            <a:r>
-              <a:rPr lang="de-DE" dirty="0" smtClean="0"/>
-              <a:t>Generator </a:t>
-            </a:r>
-            <a:r>
-              <a:rPr lang="de-DE" dirty="0" err="1" smtClean="0"/>
-              <a:t>based</a:t>
-            </a:r>
-            <a:r>
-              <a:rPr lang="de-DE" dirty="0" smtClean="0"/>
-              <a:t> on OpenStack</a:t>
-            </a:r>
-          </a:p>
-          <a:p>
-            <a:r>
-              <a:rPr lang="en-US" dirty="0" smtClean="0"/>
-              <a:t>Conclusion</a:t>
-            </a:r>
-          </a:p>
-          <a:p>
-            <a:endParaRPr lang="en-US" dirty="0"/>
-          </a:p>
-        </p:txBody>
-      </p:sp>
-    </p:spTree>
-    <p:extLst>
-      <p:ext uri="{BB962C8B-B14F-4D97-AF65-F5344CB8AC3E}">
-        <p14:creationId xmlns:p14="http://schemas.microsoft.com/office/powerpoint/2010/main" val="581968589"/>
-      </p:ext>
-    </p:extLst>
-  </p:cSld>
-  <p:clrMapOvr>
-    <a:masterClrMapping/>
-  </p:clrMapOvr>
-  <p:transition spd="slow">
-    <p:wipe dir="u"/>
-  </p:transition>
-  <p:timing>
-    <p:tnLst>
-      <p:par>
-        <p:cTn id="1" dur="indefinite" restart="never" nodeType="tmRoot"/>
-      </p:par>
-    </p:tnLst>
-  </p:timing>
-</p:sld>
-</file>
-
 <file path=ppt/slides/slide9.xml><?xml version="1.0" encoding="utf-8"?>
 <p:sld xmlns:a="http://schemas.openxmlformats.org/drawingml/2006/main" xmlns:r="http://schemas.openxmlformats.org/officeDocument/2006/relationships" xmlns:p="http://schemas.openxmlformats.org/presentationml/2006/main">
   <p:cSld>
@@ -19298,33 +17741,18 @@
           <a:bodyPr/>
           <a:lstStyle/>
           <a:p>
-            <a:r>
-              <a:rPr lang="de-DE" dirty="0"/>
-              <a:t>Security Lab Generator</a:t>
-            </a:r>
-            <a:br>
-              <a:rPr lang="de-DE" dirty="0"/>
-            </a:br>
-            <a:r>
-              <a:rPr lang="de-DE" dirty="0"/>
-              <a:t>- </a:t>
-            </a:r>
-            <a:r>
-              <a:rPr lang="en-US" dirty="0"/>
-              <a:t>Overview</a:t>
-            </a:r>
-            <a:endParaRPr lang="de-DE" dirty="0"/>
-          </a:p>
-        </p:txBody>
-      </p:sp>
-      <p:sp>
-        <p:nvSpPr>
-          <p:cNvPr id="3" name="Text Placeholder 2"/>
-          <p:cNvSpPr>
-            <a:spLocks noGrp="1"/>
-          </p:cNvSpPr>
-          <p:nvPr>
-            <p:ph type="body" sz="quarter" idx="13"/>
+            <a:endParaRPr lang="de-DE"/>
+          </a:p>
+        </p:txBody>
+      </p:sp>
+      <p:sp>
+        <p:nvSpPr>
+          <p:cNvPr id="5" name="Date Placeholder 4"/>
+          <p:cNvSpPr>
+            <a:spLocks noGrp="1"/>
+          </p:cNvSpPr>
+          <p:nvPr>
+            <p:ph type="dt" sz="half" idx="15"/>
           </p:nvPr>
         </p:nvSpPr>
         <p:spPr/>
@@ -19332,121 +17760,22 @@
           <a:bodyPr/>
           <a:lstStyle/>
           <a:p>
-            <a:pPr marL="285750" indent="-285750">
-              <a:buClr>
-                <a:schemeClr val="accent1"/>
-              </a:buClr>
-              <a:buFont typeface="Wingdings" panose="05000000000000000000" pitchFamily="2" charset="2"/>
-              <a:buChar char="§"/>
-            </a:pPr>
-            <a:r>
-              <a:rPr lang="en-US" dirty="0"/>
-              <a:t>Java + Grails</a:t>
-            </a:r>
-          </a:p>
-          <a:p>
-            <a:pPr marL="285750" indent="-285750">
-              <a:buClr>
-                <a:schemeClr val="accent1"/>
-              </a:buClr>
-              <a:buFont typeface="Wingdings" panose="05000000000000000000" pitchFamily="2" charset="2"/>
-              <a:buChar char="§"/>
-            </a:pPr>
-            <a:r>
-              <a:rPr lang="de-DE" dirty="0"/>
-              <a:t>VirtualBox</a:t>
-            </a:r>
-          </a:p>
-          <a:p>
-            <a:pPr marL="285750" indent="-285750">
-              <a:buClr>
-                <a:schemeClr val="accent1"/>
-              </a:buClr>
-              <a:buFont typeface="Wingdings" panose="05000000000000000000" pitchFamily="2" charset="2"/>
-              <a:buChar char="§"/>
-            </a:pPr>
-            <a:r>
-              <a:rPr lang="de-DE" dirty="0" err="1"/>
-              <a:t>Oryx</a:t>
-            </a:r>
-            <a:r>
-              <a:rPr lang="de-DE" dirty="0"/>
-              <a:t> </a:t>
-            </a:r>
-          </a:p>
-          <a:p>
-            <a:pPr marL="285750" indent="-285750">
-              <a:buClr>
-                <a:schemeClr val="accent1"/>
-              </a:buClr>
-              <a:buFont typeface="Wingdings" panose="05000000000000000000" pitchFamily="2" charset="2"/>
-              <a:buChar char="§"/>
-            </a:pPr>
-            <a:r>
-              <a:rPr lang="en-US" dirty="0"/>
-              <a:t>MySQL</a:t>
-            </a:r>
-          </a:p>
-          <a:p>
-            <a:pPr marL="285750" indent="-285750">
-              <a:buClr>
-                <a:schemeClr val="accent1"/>
-              </a:buClr>
-              <a:buFont typeface="Wingdings" panose="05000000000000000000" pitchFamily="2" charset="2"/>
-              <a:buChar char="§"/>
-            </a:pPr>
-            <a:r>
-              <a:rPr lang="en-US" dirty="0"/>
-              <a:t>PostgreSQL</a:t>
-            </a:r>
-          </a:p>
-          <a:p>
-            <a:pPr marL="285750" indent="-285750">
-              <a:buClr>
-                <a:schemeClr val="accent1"/>
-              </a:buClr>
-              <a:buFont typeface="Wingdings" panose="05000000000000000000" pitchFamily="2" charset="2"/>
-              <a:buChar char="§"/>
-            </a:pPr>
-            <a:r>
-              <a:rPr lang="de-DE" dirty="0"/>
-              <a:t>MulVAL</a:t>
-            </a:r>
-          </a:p>
-          <a:p>
-            <a:pPr marL="466725" lvl="1" indent="-285750">
-              <a:buFont typeface="Wingdings" panose="05000000000000000000" pitchFamily="2" charset="2"/>
-              <a:buChar char="§"/>
-            </a:pPr>
-            <a:r>
-              <a:rPr lang="de-DE" dirty="0"/>
-              <a:t>XSB</a:t>
-            </a:r>
-          </a:p>
-          <a:p>
-            <a:pPr marL="466725" lvl="1" indent="-285750">
-              <a:buFont typeface="Wingdings" panose="05000000000000000000" pitchFamily="2" charset="2"/>
-              <a:buChar char="§"/>
-            </a:pPr>
-            <a:r>
-              <a:rPr lang="de-DE" dirty="0" err="1"/>
-              <a:t>GraphViz</a:t>
-            </a:r>
-            <a:endParaRPr lang="de-DE" dirty="0"/>
-          </a:p>
-          <a:p>
-            <a:endParaRPr lang="de-DE" dirty="0"/>
-          </a:p>
-        </p:txBody>
-      </p:sp>
-      <p:sp>
-        <p:nvSpPr>
-          <p:cNvPr id="5" name="Date Placeholder 4"/>
-          <p:cNvSpPr>
-            <a:spLocks noGrp="1"/>
-          </p:cNvSpPr>
-          <p:nvPr>
-            <p:ph type="dt" sz="half" idx="15"/>
+            <a:r>
+              <a:rPr lang="de-DE" smtClean="0"/>
+              <a:t>Aragatgs Amirkhanyan, 17.10.2014</a:t>
+            </a:r>
+            <a:endParaRPr lang="en-US" dirty="0"/>
+          </a:p>
+        </p:txBody>
+      </p:sp>
+      <p:sp>
+        <p:nvSpPr>
+          <p:cNvPr id="6" name="Footer Placeholder 5"/>
+          <p:cNvSpPr>
+            <a:spLocks noGrp="1"/>
+          </p:cNvSpPr>
+          <p:nvPr>
+            <p:ph type="ftr" sz="quarter" idx="16"/>
           </p:nvPr>
         </p:nvSpPr>
         <p:spPr/>
@@ -19455,39 +17784,10 @@
           <a:lstStyle/>
           <a:p>
             <a:r>
-              <a:rPr lang="en-US" dirty="0"/>
-              <a:t>Aragats Amirkhanyan, 17.10.2014</a:t>
-            </a:r>
-          </a:p>
-        </p:txBody>
-      </p:sp>
-      <p:sp>
-        <p:nvSpPr>
-          <p:cNvPr id="6" name="Footer Placeholder 5"/>
-          <p:cNvSpPr>
-            <a:spLocks noGrp="1"/>
-          </p:cNvSpPr>
-          <p:nvPr>
-            <p:ph type="ftr" sz="quarter" idx="16"/>
-          </p:nvPr>
-        </p:nvSpPr>
-        <p:spPr/>
-        <p:txBody>
-          <a:bodyPr/>
-          <a:lstStyle/>
-          <a:p>
-            <a:r>
-              <a:rPr lang="en-US" dirty="0"/>
-              <a:t>Automation of the </a:t>
-            </a:r>
-            <a:r>
-              <a:rPr lang="en-US" dirty="0" err="1"/>
-              <a:t>Testbed</a:t>
-            </a:r>
-            <a:r>
-              <a:rPr lang="en-US" dirty="0"/>
-              <a:t> Creation for Research in Security Area</a:t>
-            </a:r>
+              <a:rPr lang="en-US" smtClean="0"/>
+              <a:t>Testbed Automation for Network Security and Security Analytics</a:t>
+            </a:r>
+            <a:endParaRPr lang="en-US" dirty="0"/>
           </a:p>
         </p:txBody>
       </p:sp>
@@ -19521,13 +17821,11 @@
       </p:sp>
       <p:pic>
         <p:nvPicPr>
-          <p:cNvPr id="9" name="Picture Placeholder 8"/>
+          <p:cNvPr id="2050" name="Picture 2" descr="C:\HPI\HPI-git\Research School\Retreat\Fall 2014\retreat draft 4\active_directory_logs_result_2.png"/>
           <p:cNvPicPr>
-            <a:picLocks noGrp="1" noChangeAspect="1"/>
+            <a:picLocks noChangeAspect="1" noChangeArrowheads="1"/>
           </p:cNvPicPr>
-          <p:nvPr>
-            <p:ph type="pic" sz="quarter" idx="14"/>
-          </p:nvPr>
+          <p:nvPr/>
         </p:nvPicPr>
         <p:blipFill>
           <a:blip r:embed="rId2">
@@ -19537,17 +17835,76 @@
               </a:ext>
             </a:extLst>
           </a:blip>
-          <a:srcRect t="7878" b="7878"/>
+          <a:srcRect/>
           <a:stretch>
             <a:fillRect/>
           </a:stretch>
         </p:blipFill>
-        <p:spPr/>
+        <p:spPr bwMode="auto">
+          <a:xfrm>
+            <a:off x="364608" y="1075905"/>
+            <a:ext cx="4478063" cy="2016224"/>
+          </a:xfrm>
+          <a:prstGeom prst="rect">
+            <a:avLst/>
+          </a:prstGeom>
+          <a:noFill/>
+          <a:extLst>
+            <a:ext uri="{909E8E84-426E-40DD-AFC4-6F175D3DCCD1}">
+              <a14:hiddenFill xmlns:a14="http://schemas.microsoft.com/office/drawing/2010/main">
+                <a:solidFill>
+                  <a:srgbClr val="FFFFFF"/>
+                </a:solidFill>
+              </a14:hiddenFill>
+            </a:ext>
+          </a:extLst>
+        </p:spPr>
+      </p:pic>
+      <p:pic>
+        <p:nvPicPr>
+          <p:cNvPr id="2051" name="Picture 3" descr="C:\HPI\HPI-git\Research School\Retreat\Fall 2014\retreat draft 4\simulator_table.png"/>
+          <p:cNvPicPr>
+            <a:picLocks noChangeAspect="1" noChangeArrowheads="1"/>
+          </p:cNvPicPr>
+          <p:nvPr/>
+        </p:nvPicPr>
+        <p:blipFill>
+          <a:blip r:embed="rId3">
+            <a:extLst>
+              <a:ext uri="{28A0092B-C50C-407E-A947-70E740481C1C}">
+                <a14:useLocalDpi xmlns:a14="http://schemas.microsoft.com/office/drawing/2010/main" val="0"/>
+              </a:ext>
+            </a:extLst>
+          </a:blip>
+          <a:srcRect/>
+          <a:stretch>
+            <a:fillRect/>
+          </a:stretch>
+        </p:blipFill>
+        <p:spPr bwMode="auto">
+          <a:xfrm>
+            <a:off x="323528" y="3119536"/>
+            <a:ext cx="4472423" cy="1628398"/>
+          </a:xfrm>
+          <a:prstGeom prst="rect">
+            <a:avLst/>
+          </a:prstGeom>
+          <a:noFill/>
+          <a:extLst>
+            <a:ext uri="{909E8E84-426E-40DD-AFC4-6F175D3DCCD1}">
+              <a14:hiddenFill xmlns:a14="http://schemas.microsoft.com/office/drawing/2010/main">
+                <a:solidFill>
+                  <a:srgbClr val="FFFFFF"/>
+                </a:solidFill>
+              </a14:hiddenFill>
+            </a:ext>
+          </a:extLst>
+        </p:spPr>
       </p:pic>
     </p:spTree>
     <p:extLst>
       <p:ext uri="{BB962C8B-B14F-4D97-AF65-F5344CB8AC3E}">
-        <p14:creationId xmlns:p14="http://schemas.microsoft.com/office/powerpoint/2010/main" val="4194537953"/>
+        <p14:creationId xmlns:p14="http://schemas.microsoft.com/office/powerpoint/2010/main" val="3864247040"/>
       </p:ext>
     </p:extLst>
   </p:cSld>
@@ -19886,7 +18243,7 @@
   <a:extraClrSchemeLst/>
   <a:extLst>
     <a:ext uri="{05A4C25C-085E-4340-85A3-A5531E510DB2}">
-      <thm15:themeFamily xmlns:thm15="http://schemas.microsoft.com/office/thememl/2012/main" xmlns="" name="TEMPLATE_HPI_05_EXP" id="{EEEEA749-3836-4DC6-BA52-AE8D0ADE122A}" vid="{1AF48529-3759-4302-91D0-708D448B88CB}"/>
+      <thm15:themeFamily xmlns="" xmlns:thm15="http://schemas.microsoft.com/office/thememl/2012/main" name="TEMPLATE_HPI_05_EXP" id="{EEEEA749-3836-4DC6-BA52-AE8D0ADE122A}" vid="{1AF48529-3759-4302-91D0-708D448B88CB}"/>
     </a:ext>
   </a:extLst>
 </a:theme>

--- a/Research School/Retreat/Fall 2014/retreat draft 4/Aragats_Amirkhanyan_Fall_Retreat_2014.pptx
+++ b/Research School/Retreat/Fall 2014/retreat draft 4/Aragats_Amirkhanyan_Fall_Retreat_2014.pptx
@@ -5,10 +5,10 @@
     <p:sldMasterId id="2147483648" r:id="rId1"/>
   </p:sldMasterIdLst>
   <p:notesMasterIdLst>
-    <p:notesMasterId r:id="rId20"/>
+    <p:notesMasterId r:id="rId14"/>
   </p:notesMasterIdLst>
   <p:handoutMasterIdLst>
-    <p:handoutMasterId r:id="rId21"/>
+    <p:handoutMasterId r:id="rId15"/>
   </p:handoutMasterIdLst>
   <p:sldIdLst>
     <p:sldId id="258" r:id="rId2"/>
@@ -19,21 +19,15 @@
     <p:sldId id="276" r:id="rId7"/>
     <p:sldId id="279" r:id="rId8"/>
     <p:sldId id="277" r:id="rId9"/>
-    <p:sldId id="280" r:id="rId10"/>
-    <p:sldId id="278" r:id="rId11"/>
-    <p:sldId id="263" r:id="rId12"/>
-    <p:sldId id="271" r:id="rId13"/>
-    <p:sldId id="259" r:id="rId14"/>
-    <p:sldId id="261" r:id="rId15"/>
-    <p:sldId id="266" r:id="rId16"/>
-    <p:sldId id="267" r:id="rId17"/>
-    <p:sldId id="268" r:id="rId18"/>
-    <p:sldId id="269" r:id="rId19"/>
+    <p:sldId id="281" r:id="rId10"/>
+    <p:sldId id="280" r:id="rId11"/>
+    <p:sldId id="278" r:id="rId12"/>
+    <p:sldId id="263" r:id="rId13"/>
   </p:sldIdLst>
   <p:sldSz cx="9144000" cy="5143500" type="screen16x9"/>
   <p:notesSz cx="6858000" cy="9144000"/>
   <p:custDataLst>
-    <p:tags r:id="rId22"/>
+    <p:tags r:id="rId16"/>
   </p:custDataLst>
   <p:defaultTextStyle>
     <a:defPPr>
@@ -132,7 +126,7 @@
   </p:defaultTextStyle>
   <p:extLst>
     <p:ext uri="{EFAFB233-063F-42B5-8137-9DF3F51BA10A}">
-      <p15:sldGuideLst xmlns="" xmlns:p15="http://schemas.microsoft.com/office/powerpoint/2012/main">
+      <p15:sldGuideLst xmlns:p15="http://schemas.microsoft.com/office/powerpoint/2012/main" xmlns="">
         <p15:guide id="1" orient="horz" pos="781">
           <p15:clr>
             <a:srgbClr val="A4A3A4"/>
@@ -221,7 +215,7 @@
       </p15:sldGuideLst>
     </p:ext>
     <p:ext uri="{2D200454-40CA-4A62-9FC3-DE9A4176ACB9}">
-      <p15:notesGuideLst xmlns="" xmlns:p15="http://schemas.microsoft.com/office/powerpoint/2012/main">
+      <p15:notesGuideLst xmlns:p15="http://schemas.microsoft.com/office/powerpoint/2012/main" xmlns="">
         <p15:guide id="1" orient="horz" pos="2676">
           <p15:clr>
             <a:srgbClr val="A4A3A4"/>
@@ -355,7 +349,7 @@
             <a:fld id="{AA592FF2-A4BD-4E98-AC76-A10007E04C10}" type="datetimeFigureOut">
               <a:rPr lang="en-US" smtClean="0"/>
               <a:pPr/>
-              <a:t>9/22/2014</a:t>
+              <a:t>9/23/2014</a:t>
             </a:fld>
             <a:endParaRPr lang="en-US" dirty="0"/>
           </a:p>
@@ -1212,7 +1206,7 @@
             <a:fld id="{AA592FF2-A4BD-4E98-AC76-A10007E04C10}" type="datetimeFigureOut">
               <a:rPr lang="en-US" smtClean="0"/>
               <a:pPr/>
-              <a:t>9/22/2014</a:t>
+              <a:t>9/23/2014</a:t>
             </a:fld>
             <a:endParaRPr lang="en-US" dirty="0"/>
           </a:p>
@@ -2679,288 +2673,6 @@
 </p:notes>
 </file>
 
-<file path=ppt/notesSlides/notesSlide10.xml><?xml version="1.0" encoding="utf-8"?>
-<p:notes xmlns:a="http://schemas.openxmlformats.org/drawingml/2006/main" xmlns:r="http://schemas.openxmlformats.org/officeDocument/2006/relationships" xmlns:p="http://schemas.openxmlformats.org/presentationml/2006/main">
-  <p:cSld>
-    <p:spTree>
-      <p:nvGrpSpPr>
-        <p:cNvPr id="1" name=""/>
-        <p:cNvGrpSpPr/>
-        <p:nvPr/>
-      </p:nvGrpSpPr>
-      <p:grpSpPr>
-        <a:xfrm>
-          <a:off x="0" y="0"/>
-          <a:ext cx="0" cy="0"/>
-          <a:chOff x="0" y="0"/>
-          <a:chExt cx="0" cy="0"/>
-        </a:xfrm>
-      </p:grpSpPr>
-      <p:sp>
-        <p:nvSpPr>
-          <p:cNvPr id="2" name="Slide Image Placeholder 1"/>
-          <p:cNvSpPr>
-            <a:spLocks noGrp="1" noRot="1" noChangeAspect="1"/>
-          </p:cNvSpPr>
-          <p:nvPr>
-            <p:ph type="sldImg"/>
-          </p:nvPr>
-        </p:nvSpPr>
-        <p:spPr>
-          <a:xfrm>
-            <a:off x="876300" y="885825"/>
-            <a:ext cx="5576888" cy="3136900"/>
-          </a:xfrm>
-        </p:spPr>
-      </p:sp>
-      <p:sp>
-        <p:nvSpPr>
-          <p:cNvPr id="3" name="Notes Placeholder 2"/>
-          <p:cNvSpPr>
-            <a:spLocks noGrp="1"/>
-          </p:cNvSpPr>
-          <p:nvPr>
-            <p:ph type="body" idx="1"/>
-          </p:nvPr>
-        </p:nvSpPr>
-        <p:spPr/>
-        <p:txBody>
-          <a:bodyPr/>
-          <a:lstStyle/>
-          <a:p>
-            <a:endParaRPr lang="en-US"/>
-          </a:p>
-        </p:txBody>
-      </p:sp>
-      <p:sp>
-        <p:nvSpPr>
-          <p:cNvPr id="4" name="Slide Number Placeholder 3"/>
-          <p:cNvSpPr>
-            <a:spLocks noGrp="1"/>
-          </p:cNvSpPr>
-          <p:nvPr>
-            <p:ph type="sldNum" sz="quarter" idx="10"/>
-          </p:nvPr>
-        </p:nvSpPr>
-        <p:spPr/>
-        <p:txBody>
-          <a:bodyPr/>
-          <a:lstStyle/>
-          <a:p>
-            <a:r>
-              <a:rPr lang="en-US" smtClean="0"/>
-              <a:t>Chart </a:t>
-            </a:r>
-            <a:fld id="{4CBF50E3-ED67-46F2-ABFC-A36EE1082CF7}" type="slidenum">
-              <a:rPr lang="en-US" b="1" smtClean="0"/>
-              <a:pPr/>
-              <a:t>16</a:t>
-            </a:fld>
-            <a:endParaRPr lang="en-US" b="1" dirty="0"/>
-          </a:p>
-        </p:txBody>
-      </p:sp>
-    </p:spTree>
-    <p:extLst>
-      <p:ext uri="{BB962C8B-B14F-4D97-AF65-F5344CB8AC3E}">
-        <p14:creationId xmlns:p14="http://schemas.microsoft.com/office/powerpoint/2010/main" val="128533741"/>
-      </p:ext>
-    </p:extLst>
-  </p:cSld>
-  <p:clrMapOvr>
-    <a:masterClrMapping/>
-  </p:clrMapOvr>
-</p:notes>
-</file>
-
-<file path=ppt/notesSlides/notesSlide11.xml><?xml version="1.0" encoding="utf-8"?>
-<p:notes xmlns:a="http://schemas.openxmlformats.org/drawingml/2006/main" xmlns:r="http://schemas.openxmlformats.org/officeDocument/2006/relationships" xmlns:p="http://schemas.openxmlformats.org/presentationml/2006/main">
-  <p:cSld>
-    <p:spTree>
-      <p:nvGrpSpPr>
-        <p:cNvPr id="1" name=""/>
-        <p:cNvGrpSpPr/>
-        <p:nvPr/>
-      </p:nvGrpSpPr>
-      <p:grpSpPr>
-        <a:xfrm>
-          <a:off x="0" y="0"/>
-          <a:ext cx="0" cy="0"/>
-          <a:chOff x="0" y="0"/>
-          <a:chExt cx="0" cy="0"/>
-        </a:xfrm>
-      </p:grpSpPr>
-      <p:sp>
-        <p:nvSpPr>
-          <p:cNvPr id="2" name="Slide Image Placeholder 1"/>
-          <p:cNvSpPr>
-            <a:spLocks noGrp="1" noRot="1" noChangeAspect="1"/>
-          </p:cNvSpPr>
-          <p:nvPr>
-            <p:ph type="sldImg"/>
-          </p:nvPr>
-        </p:nvSpPr>
-        <p:spPr>
-          <a:xfrm>
-            <a:off x="876300" y="885825"/>
-            <a:ext cx="5576888" cy="3136900"/>
-          </a:xfrm>
-        </p:spPr>
-      </p:sp>
-      <p:sp>
-        <p:nvSpPr>
-          <p:cNvPr id="3" name="Notes Placeholder 2"/>
-          <p:cNvSpPr>
-            <a:spLocks noGrp="1"/>
-          </p:cNvSpPr>
-          <p:nvPr>
-            <p:ph type="body" idx="1"/>
-          </p:nvPr>
-        </p:nvSpPr>
-        <p:spPr/>
-        <p:txBody>
-          <a:bodyPr/>
-          <a:lstStyle/>
-          <a:p>
-            <a:endParaRPr lang="en-US"/>
-          </a:p>
-        </p:txBody>
-      </p:sp>
-      <p:sp>
-        <p:nvSpPr>
-          <p:cNvPr id="4" name="Slide Number Placeholder 3"/>
-          <p:cNvSpPr>
-            <a:spLocks noGrp="1"/>
-          </p:cNvSpPr>
-          <p:nvPr>
-            <p:ph type="sldNum" sz="quarter" idx="10"/>
-          </p:nvPr>
-        </p:nvSpPr>
-        <p:spPr/>
-        <p:txBody>
-          <a:bodyPr/>
-          <a:lstStyle/>
-          <a:p>
-            <a:r>
-              <a:rPr lang="en-US" smtClean="0"/>
-              <a:t>Chart </a:t>
-            </a:r>
-            <a:fld id="{4CBF50E3-ED67-46F2-ABFC-A36EE1082CF7}" type="slidenum">
-              <a:rPr lang="en-US" b="1" smtClean="0"/>
-              <a:pPr/>
-              <a:t>17</a:t>
-            </a:fld>
-            <a:endParaRPr lang="en-US" b="1" dirty="0"/>
-          </a:p>
-        </p:txBody>
-      </p:sp>
-    </p:spTree>
-    <p:extLst>
-      <p:ext uri="{BB962C8B-B14F-4D97-AF65-F5344CB8AC3E}">
-        <p14:creationId xmlns:p14="http://schemas.microsoft.com/office/powerpoint/2010/main" val="691679009"/>
-      </p:ext>
-    </p:extLst>
-  </p:cSld>
-  <p:clrMapOvr>
-    <a:masterClrMapping/>
-  </p:clrMapOvr>
-</p:notes>
-</file>
-
-<file path=ppt/notesSlides/notesSlide12.xml><?xml version="1.0" encoding="utf-8"?>
-<p:notes xmlns:a="http://schemas.openxmlformats.org/drawingml/2006/main" xmlns:r="http://schemas.openxmlformats.org/officeDocument/2006/relationships" xmlns:p="http://schemas.openxmlformats.org/presentationml/2006/main">
-  <p:cSld>
-    <p:spTree>
-      <p:nvGrpSpPr>
-        <p:cNvPr id="1" name=""/>
-        <p:cNvGrpSpPr/>
-        <p:nvPr/>
-      </p:nvGrpSpPr>
-      <p:grpSpPr>
-        <a:xfrm>
-          <a:off x="0" y="0"/>
-          <a:ext cx="0" cy="0"/>
-          <a:chOff x="0" y="0"/>
-          <a:chExt cx="0" cy="0"/>
-        </a:xfrm>
-      </p:grpSpPr>
-      <p:sp>
-        <p:nvSpPr>
-          <p:cNvPr id="2" name="Slide Image Placeholder 1"/>
-          <p:cNvSpPr>
-            <a:spLocks noGrp="1" noRot="1" noChangeAspect="1"/>
-          </p:cNvSpPr>
-          <p:nvPr>
-            <p:ph type="sldImg"/>
-          </p:nvPr>
-        </p:nvSpPr>
-        <p:spPr>
-          <a:xfrm>
-            <a:off x="876300" y="885825"/>
-            <a:ext cx="5576888" cy="3136900"/>
-          </a:xfrm>
-        </p:spPr>
-      </p:sp>
-      <p:sp>
-        <p:nvSpPr>
-          <p:cNvPr id="3" name="Notes Placeholder 2"/>
-          <p:cNvSpPr>
-            <a:spLocks noGrp="1"/>
-          </p:cNvSpPr>
-          <p:nvPr>
-            <p:ph type="body" idx="1"/>
-          </p:nvPr>
-        </p:nvSpPr>
-        <p:spPr/>
-        <p:txBody>
-          <a:bodyPr/>
-          <a:lstStyle/>
-          <a:p>
-            <a:endParaRPr lang="en-US"/>
-          </a:p>
-        </p:txBody>
-      </p:sp>
-      <p:sp>
-        <p:nvSpPr>
-          <p:cNvPr id="4" name="Slide Number Placeholder 3"/>
-          <p:cNvSpPr>
-            <a:spLocks noGrp="1"/>
-          </p:cNvSpPr>
-          <p:nvPr>
-            <p:ph type="sldNum" sz="quarter" idx="10"/>
-          </p:nvPr>
-        </p:nvSpPr>
-        <p:spPr/>
-        <p:txBody>
-          <a:bodyPr/>
-          <a:lstStyle/>
-          <a:p>
-            <a:r>
-              <a:rPr lang="en-US" smtClean="0"/>
-              <a:t>Chart </a:t>
-            </a:r>
-            <a:fld id="{4CBF50E3-ED67-46F2-ABFC-A36EE1082CF7}" type="slidenum">
-              <a:rPr lang="en-US" b="1" smtClean="0"/>
-              <a:pPr/>
-              <a:t>18</a:t>
-            </a:fld>
-            <a:endParaRPr lang="en-US" b="1" dirty="0"/>
-          </a:p>
-        </p:txBody>
-      </p:sp>
-    </p:spTree>
-    <p:extLst>
-      <p:ext uri="{BB962C8B-B14F-4D97-AF65-F5344CB8AC3E}">
-        <p14:creationId xmlns:p14="http://schemas.microsoft.com/office/powerpoint/2010/main" val="1688991121"/>
-      </p:ext>
-    </p:extLst>
-  </p:cSld>
-  <p:clrMapOvr>
-    <a:masterClrMapping/>
-  </p:clrMapOvr>
-</p:notes>
-</file>
-
 <file path=ppt/notesSlides/notesSlide2.xml><?xml version="1.0" encoding="utf-8"?>
 <p:notes xmlns:a="http://schemas.openxmlformats.org/drawingml/2006/main" xmlns:r="http://schemas.openxmlformats.org/officeDocument/2006/relationships" xmlns:p="http://schemas.openxmlformats.org/presentationml/2006/main">
   <p:cSld>
@@ -3224,7 +2936,7 @@
             <a:fld id="{4CBF50E3-ED67-46F2-ABFC-A36EE1082CF7}" type="slidenum">
               <a:rPr lang="en-US" b="1" smtClean="0"/>
               <a:pPr/>
-              <a:t>10</a:t>
+              <a:t>11</a:t>
             </a:fld>
             <a:endParaRPr lang="en-US" b="1" dirty="0"/>
           </a:p>
@@ -3318,7 +3030,7 @@
             <a:fld id="{4CBF50E3-ED67-46F2-ABFC-A36EE1082CF7}" type="slidenum">
               <a:rPr lang="en-US" b="1" smtClean="0"/>
               <a:pPr/>
-              <a:t>11</a:t>
+              <a:t>12</a:t>
             </a:fld>
             <a:endParaRPr lang="en-US" b="1" dirty="0"/>
           </a:p>
@@ -3328,382 +3040,6 @@
     <p:extLst>
       <p:ext uri="{BB962C8B-B14F-4D97-AF65-F5344CB8AC3E}">
         <p14:creationId xmlns:p14="http://schemas.microsoft.com/office/powerpoint/2010/main" val="1915773074"/>
-      </p:ext>
-    </p:extLst>
-  </p:cSld>
-  <p:clrMapOvr>
-    <a:masterClrMapping/>
-  </p:clrMapOvr>
-</p:notes>
-</file>
-
-<file path=ppt/notesSlides/notesSlide6.xml><?xml version="1.0" encoding="utf-8"?>
-<p:notes xmlns:a="http://schemas.openxmlformats.org/drawingml/2006/main" xmlns:r="http://schemas.openxmlformats.org/officeDocument/2006/relationships" xmlns:p="http://schemas.openxmlformats.org/presentationml/2006/main">
-  <p:cSld>
-    <p:spTree>
-      <p:nvGrpSpPr>
-        <p:cNvPr id="1" name=""/>
-        <p:cNvGrpSpPr/>
-        <p:nvPr/>
-      </p:nvGrpSpPr>
-      <p:grpSpPr>
-        <a:xfrm>
-          <a:off x="0" y="0"/>
-          <a:ext cx="0" cy="0"/>
-          <a:chOff x="0" y="0"/>
-          <a:chExt cx="0" cy="0"/>
-        </a:xfrm>
-      </p:grpSpPr>
-      <p:sp>
-        <p:nvSpPr>
-          <p:cNvPr id="8" name="Slide Image Placeholder 7"/>
-          <p:cNvSpPr>
-            <a:spLocks noGrp="1" noRot="1" noChangeAspect="1"/>
-          </p:cNvSpPr>
-          <p:nvPr>
-            <p:ph type="sldImg"/>
-          </p:nvPr>
-        </p:nvSpPr>
-        <p:spPr bwMode="gray">
-          <a:xfrm>
-            <a:off x="876300" y="885825"/>
-            <a:ext cx="5576888" cy="3136900"/>
-          </a:xfrm>
-        </p:spPr>
-      </p:sp>
-      <p:sp>
-        <p:nvSpPr>
-          <p:cNvPr id="9" name="Notes Placeholder 8"/>
-          <p:cNvSpPr>
-            <a:spLocks noGrp="1"/>
-          </p:cNvSpPr>
-          <p:nvPr>
-            <p:ph type="body" idx="1"/>
-          </p:nvPr>
-        </p:nvSpPr>
-        <p:spPr bwMode="gray"/>
-        <p:txBody>
-          <a:bodyPr/>
-          <a:lstStyle/>
-          <a:p>
-            <a:endParaRPr lang="en-US"/>
-          </a:p>
-        </p:txBody>
-      </p:sp>
-      <p:sp>
-        <p:nvSpPr>
-          <p:cNvPr id="10" name="Slide Number Placeholder 9"/>
-          <p:cNvSpPr>
-            <a:spLocks noGrp="1"/>
-          </p:cNvSpPr>
-          <p:nvPr>
-            <p:ph type="sldNum" sz="quarter" idx="10"/>
-          </p:nvPr>
-        </p:nvSpPr>
-        <p:spPr/>
-        <p:txBody>
-          <a:bodyPr/>
-          <a:lstStyle/>
-          <a:p>
-            <a:r>
-              <a:rPr lang="en-US" smtClean="0"/>
-              <a:t>Chart </a:t>
-            </a:r>
-            <a:fld id="{4CBF50E3-ED67-46F2-ABFC-A36EE1082CF7}" type="slidenum">
-              <a:rPr lang="en-US" b="1" smtClean="0"/>
-              <a:pPr/>
-              <a:t>12</a:t>
-            </a:fld>
-            <a:endParaRPr lang="en-US" b="1" dirty="0"/>
-          </a:p>
-        </p:txBody>
-      </p:sp>
-    </p:spTree>
-    <p:extLst>
-      <p:ext uri="{BB962C8B-B14F-4D97-AF65-F5344CB8AC3E}">
-        <p14:creationId xmlns:p14="http://schemas.microsoft.com/office/powerpoint/2010/main" val="1875456307"/>
-      </p:ext>
-    </p:extLst>
-  </p:cSld>
-  <p:clrMapOvr>
-    <a:masterClrMapping/>
-  </p:clrMapOvr>
-</p:notes>
-</file>
-
-<file path=ppt/notesSlides/notesSlide7.xml><?xml version="1.0" encoding="utf-8"?>
-<p:notes xmlns:a="http://schemas.openxmlformats.org/drawingml/2006/main" xmlns:r="http://schemas.openxmlformats.org/officeDocument/2006/relationships" xmlns:p="http://schemas.openxmlformats.org/presentationml/2006/main">
-  <p:cSld>
-    <p:spTree>
-      <p:nvGrpSpPr>
-        <p:cNvPr id="1" name=""/>
-        <p:cNvGrpSpPr/>
-        <p:nvPr/>
-      </p:nvGrpSpPr>
-      <p:grpSpPr>
-        <a:xfrm>
-          <a:off x="0" y="0"/>
-          <a:ext cx="0" cy="0"/>
-          <a:chOff x="0" y="0"/>
-          <a:chExt cx="0" cy="0"/>
-        </a:xfrm>
-      </p:grpSpPr>
-      <p:sp>
-        <p:nvSpPr>
-          <p:cNvPr id="8" name="Slide Image Placeholder 7"/>
-          <p:cNvSpPr>
-            <a:spLocks noGrp="1" noRot="1" noChangeAspect="1"/>
-          </p:cNvSpPr>
-          <p:nvPr>
-            <p:ph type="sldImg"/>
-          </p:nvPr>
-        </p:nvSpPr>
-        <p:spPr bwMode="gray">
-          <a:xfrm>
-            <a:off x="876300" y="885825"/>
-            <a:ext cx="5576888" cy="3136900"/>
-          </a:xfrm>
-        </p:spPr>
-      </p:sp>
-      <p:sp>
-        <p:nvSpPr>
-          <p:cNvPr id="9" name="Notes Placeholder 8"/>
-          <p:cNvSpPr>
-            <a:spLocks noGrp="1"/>
-          </p:cNvSpPr>
-          <p:nvPr>
-            <p:ph type="body" idx="1"/>
-          </p:nvPr>
-        </p:nvSpPr>
-        <p:spPr bwMode="gray"/>
-        <p:txBody>
-          <a:bodyPr/>
-          <a:lstStyle/>
-          <a:p>
-            <a:endParaRPr lang="en-US"/>
-          </a:p>
-        </p:txBody>
-      </p:sp>
-      <p:sp>
-        <p:nvSpPr>
-          <p:cNvPr id="10" name="Slide Number Placeholder 9"/>
-          <p:cNvSpPr>
-            <a:spLocks noGrp="1"/>
-          </p:cNvSpPr>
-          <p:nvPr>
-            <p:ph type="sldNum" sz="quarter" idx="10"/>
-          </p:nvPr>
-        </p:nvSpPr>
-        <p:spPr/>
-        <p:txBody>
-          <a:bodyPr/>
-          <a:lstStyle/>
-          <a:p>
-            <a:r>
-              <a:rPr lang="en-US" smtClean="0"/>
-              <a:t>Chart </a:t>
-            </a:r>
-            <a:fld id="{4CBF50E3-ED67-46F2-ABFC-A36EE1082CF7}" type="slidenum">
-              <a:rPr lang="en-US" b="1" smtClean="0"/>
-              <a:pPr/>
-              <a:t>13</a:t>
-            </a:fld>
-            <a:endParaRPr lang="en-US" b="1" dirty="0"/>
-          </a:p>
-        </p:txBody>
-      </p:sp>
-    </p:spTree>
-    <p:extLst>
-      <p:ext uri="{BB962C8B-B14F-4D97-AF65-F5344CB8AC3E}">
-        <p14:creationId xmlns:p14="http://schemas.microsoft.com/office/powerpoint/2010/main" val="577263827"/>
-      </p:ext>
-    </p:extLst>
-  </p:cSld>
-  <p:clrMapOvr>
-    <a:masterClrMapping/>
-  </p:clrMapOvr>
-</p:notes>
-</file>
-
-<file path=ppt/notesSlides/notesSlide8.xml><?xml version="1.0" encoding="utf-8"?>
-<p:notes xmlns:a="http://schemas.openxmlformats.org/drawingml/2006/main" xmlns:r="http://schemas.openxmlformats.org/officeDocument/2006/relationships" xmlns:p="http://schemas.openxmlformats.org/presentationml/2006/main">
-  <p:cSld>
-    <p:spTree>
-      <p:nvGrpSpPr>
-        <p:cNvPr id="1" name=""/>
-        <p:cNvGrpSpPr/>
-        <p:nvPr/>
-      </p:nvGrpSpPr>
-      <p:grpSpPr>
-        <a:xfrm>
-          <a:off x="0" y="0"/>
-          <a:ext cx="0" cy="0"/>
-          <a:chOff x="0" y="0"/>
-          <a:chExt cx="0" cy="0"/>
-        </a:xfrm>
-      </p:grpSpPr>
-      <p:sp>
-        <p:nvSpPr>
-          <p:cNvPr id="8" name="Slide Image Placeholder 7"/>
-          <p:cNvSpPr>
-            <a:spLocks noGrp="1" noRot="1" noChangeAspect="1"/>
-          </p:cNvSpPr>
-          <p:nvPr>
-            <p:ph type="sldImg"/>
-          </p:nvPr>
-        </p:nvSpPr>
-        <p:spPr bwMode="gray">
-          <a:xfrm>
-            <a:off x="876300" y="885825"/>
-            <a:ext cx="5576888" cy="3136900"/>
-          </a:xfrm>
-        </p:spPr>
-      </p:sp>
-      <p:sp>
-        <p:nvSpPr>
-          <p:cNvPr id="9" name="Notes Placeholder 8"/>
-          <p:cNvSpPr>
-            <a:spLocks noGrp="1"/>
-          </p:cNvSpPr>
-          <p:nvPr>
-            <p:ph type="body" idx="1"/>
-          </p:nvPr>
-        </p:nvSpPr>
-        <p:spPr bwMode="gray"/>
-        <p:txBody>
-          <a:bodyPr/>
-          <a:lstStyle/>
-          <a:p>
-            <a:endParaRPr lang="en-US"/>
-          </a:p>
-        </p:txBody>
-      </p:sp>
-      <p:sp>
-        <p:nvSpPr>
-          <p:cNvPr id="10" name="Slide Number Placeholder 9"/>
-          <p:cNvSpPr>
-            <a:spLocks noGrp="1"/>
-          </p:cNvSpPr>
-          <p:nvPr>
-            <p:ph type="sldNum" sz="quarter" idx="10"/>
-          </p:nvPr>
-        </p:nvSpPr>
-        <p:spPr/>
-        <p:txBody>
-          <a:bodyPr/>
-          <a:lstStyle/>
-          <a:p>
-            <a:r>
-              <a:rPr lang="en-US" smtClean="0"/>
-              <a:t>Chart </a:t>
-            </a:r>
-            <a:fld id="{4CBF50E3-ED67-46F2-ABFC-A36EE1082CF7}" type="slidenum">
-              <a:rPr lang="en-US" b="1" smtClean="0"/>
-              <a:pPr/>
-              <a:t>14</a:t>
-            </a:fld>
-            <a:endParaRPr lang="en-US" b="1" dirty="0"/>
-          </a:p>
-        </p:txBody>
-      </p:sp>
-    </p:spTree>
-    <p:extLst>
-      <p:ext uri="{BB962C8B-B14F-4D97-AF65-F5344CB8AC3E}">
-        <p14:creationId xmlns:p14="http://schemas.microsoft.com/office/powerpoint/2010/main" val="1254936349"/>
-      </p:ext>
-    </p:extLst>
-  </p:cSld>
-  <p:clrMapOvr>
-    <a:masterClrMapping/>
-  </p:clrMapOvr>
-</p:notes>
-</file>
-
-<file path=ppt/notesSlides/notesSlide9.xml><?xml version="1.0" encoding="utf-8"?>
-<p:notes xmlns:a="http://schemas.openxmlformats.org/drawingml/2006/main" xmlns:r="http://schemas.openxmlformats.org/officeDocument/2006/relationships" xmlns:p="http://schemas.openxmlformats.org/presentationml/2006/main">
-  <p:cSld>
-    <p:spTree>
-      <p:nvGrpSpPr>
-        <p:cNvPr id="1" name=""/>
-        <p:cNvGrpSpPr/>
-        <p:nvPr/>
-      </p:nvGrpSpPr>
-      <p:grpSpPr>
-        <a:xfrm>
-          <a:off x="0" y="0"/>
-          <a:ext cx="0" cy="0"/>
-          <a:chOff x="0" y="0"/>
-          <a:chExt cx="0" cy="0"/>
-        </a:xfrm>
-      </p:grpSpPr>
-      <p:sp>
-        <p:nvSpPr>
-          <p:cNvPr id="2" name="Slide Image Placeholder 1"/>
-          <p:cNvSpPr>
-            <a:spLocks noGrp="1" noRot="1" noChangeAspect="1"/>
-          </p:cNvSpPr>
-          <p:nvPr>
-            <p:ph type="sldImg"/>
-          </p:nvPr>
-        </p:nvSpPr>
-        <p:spPr>
-          <a:xfrm>
-            <a:off x="876300" y="885825"/>
-            <a:ext cx="5576888" cy="3136900"/>
-          </a:xfrm>
-        </p:spPr>
-      </p:sp>
-      <p:sp>
-        <p:nvSpPr>
-          <p:cNvPr id="3" name="Notes Placeholder 2"/>
-          <p:cNvSpPr>
-            <a:spLocks noGrp="1"/>
-          </p:cNvSpPr>
-          <p:nvPr>
-            <p:ph type="body" idx="1"/>
-          </p:nvPr>
-        </p:nvSpPr>
-        <p:spPr/>
-        <p:txBody>
-          <a:bodyPr/>
-          <a:lstStyle/>
-          <a:p>
-            <a:endParaRPr lang="en-US"/>
-          </a:p>
-        </p:txBody>
-      </p:sp>
-      <p:sp>
-        <p:nvSpPr>
-          <p:cNvPr id="4" name="Slide Number Placeholder 3"/>
-          <p:cNvSpPr>
-            <a:spLocks noGrp="1"/>
-          </p:cNvSpPr>
-          <p:nvPr>
-            <p:ph type="sldNum" sz="quarter" idx="10"/>
-          </p:nvPr>
-        </p:nvSpPr>
-        <p:spPr/>
-        <p:txBody>
-          <a:bodyPr/>
-          <a:lstStyle/>
-          <a:p>
-            <a:r>
-              <a:rPr lang="en-US" smtClean="0"/>
-              <a:t>Chart </a:t>
-            </a:r>
-            <a:fld id="{4CBF50E3-ED67-46F2-ABFC-A36EE1082CF7}" type="slidenum">
-              <a:rPr lang="en-US" b="1" smtClean="0"/>
-              <a:pPr/>
-              <a:t>15</a:t>
-            </a:fld>
-            <a:endParaRPr lang="en-US" b="1" dirty="0"/>
-          </a:p>
-        </p:txBody>
-      </p:sp>
-    </p:spTree>
-    <p:extLst>
-      <p:ext uri="{BB962C8B-B14F-4D97-AF65-F5344CB8AC3E}">
-        <p14:creationId xmlns:p14="http://schemas.microsoft.com/office/powerpoint/2010/main" val="1584324230"/>
       </p:ext>
     </p:extLst>
   </p:cSld>
@@ -12298,7 +11634,6 @@
               <a:rPr lang="en-US" dirty="0"/>
               <a:t> Automation for Network Security and Security Analytics</a:t>
             </a:r>
-            <a:endParaRPr lang="en-US" dirty="0"/>
           </a:p>
         </p:txBody>
       </p:sp>
@@ -12391,7 +11726,7 @@
       </p:grpSpPr>
       <p:sp>
         <p:nvSpPr>
-          <p:cNvPr id="6157" name="Title 6156"/>
+          <p:cNvPr id="2" name="Title 1"/>
           <p:cNvSpPr>
             <a:spLocks noGrp="1"/>
           </p:cNvSpPr>
@@ -12405,21 +11740,47 @@
           <a:lstStyle/>
           <a:p>
             <a:r>
-              <a:rPr lang="en-US" dirty="0" smtClean="0"/>
-              <a:t>Conclusion and Future Work</a:t>
-            </a:r>
-            <a:endParaRPr lang="en-US" dirty="0"/>
-          </a:p>
-        </p:txBody>
-      </p:sp>
-      <p:sp>
-        <p:nvSpPr>
-          <p:cNvPr id="6158" name="Text Placeholder 6157"/>
+              <a:rPr lang="de-DE" dirty="0"/>
+              <a:t>User </a:t>
+            </a:r>
+            <a:r>
+              <a:rPr lang="de-DE" dirty="0" err="1"/>
+              <a:t>behavior</a:t>
+            </a:r>
+            <a:r>
+              <a:rPr lang="de-DE" dirty="0"/>
+              <a:t/>
+            </a:r>
+            <a:br>
+              <a:rPr lang="de-DE" dirty="0"/>
+            </a:br>
+            <a:r>
+              <a:rPr lang="de-DE" dirty="0" smtClean="0"/>
+              <a:t>- </a:t>
+            </a:r>
+            <a:r>
+              <a:rPr lang="de-DE" dirty="0" err="1" smtClean="0"/>
+              <a:t>Results</a:t>
+            </a:r>
+            <a:r>
+              <a:rPr lang="en-US" dirty="0"/>
+              <a:t/>
+            </a:r>
+            <a:br>
+              <a:rPr lang="en-US" dirty="0"/>
+            </a:br>
+            <a:endParaRPr lang="de-DE" dirty="0"/>
+          </a:p>
+        </p:txBody>
+      </p:sp>
+      <p:sp>
+        <p:nvSpPr>
+          <p:cNvPr id="5" name="Date Placeholder 4"/>
           <p:cNvSpPr>
             <a:spLocks noGrp="1"/>
           </p:cNvSpPr>
           <p:nvPr>
-            <p:ph type="body" sz="quarter" idx="13"/>
+            <p:ph type="dt" sz="half" idx="15"/>
           </p:nvPr>
         </p:nvSpPr>
         <p:spPr/>
@@ -12427,85 +11788,48 @@
           <a:bodyPr/>
           <a:lstStyle/>
           <a:p>
-            <a:pPr marL="285750" indent="-285750">
-              <a:buClr>
-                <a:schemeClr val="accent1"/>
-              </a:buClr>
-              <a:buFont typeface="Wingdings" panose="05000000000000000000" pitchFamily="2" charset="2"/>
-              <a:buChar char="§"/>
-            </a:pPr>
-            <a:r>
-              <a:rPr lang="en-US" dirty="0" smtClean="0"/>
-              <a:t>Experiment simulation with </a:t>
-            </a:r>
-            <a:r>
-              <a:rPr lang="en-US" dirty="0"/>
-              <a:t>the </a:t>
-            </a:r>
-            <a:r>
-              <a:rPr lang="en-US" dirty="0" smtClean="0"/>
-              <a:t>test network of enterprise or campus level</a:t>
-            </a:r>
-          </a:p>
-          <a:p>
-            <a:pPr marL="285750" indent="-285750">
-              <a:buClr>
-                <a:schemeClr val="accent1"/>
-              </a:buClr>
-              <a:buFont typeface="Wingdings" panose="05000000000000000000" pitchFamily="2" charset="2"/>
-              <a:buChar char="§"/>
-            </a:pPr>
-            <a:r>
-              <a:rPr lang="en-US" dirty="0"/>
-              <a:t>Experiment simulation </a:t>
-            </a:r>
-            <a:r>
-              <a:rPr lang="en-US" dirty="0" smtClean="0"/>
-              <a:t>with large amount of users</a:t>
-            </a:r>
-          </a:p>
-          <a:p>
-            <a:pPr marL="285750" indent="-285750">
-              <a:buClr>
-                <a:schemeClr val="accent1"/>
-              </a:buClr>
-              <a:buFont typeface="Wingdings" panose="05000000000000000000" pitchFamily="2" charset="2"/>
-              <a:buChar char="§"/>
-            </a:pPr>
-            <a:r>
-              <a:rPr lang="en-US" dirty="0" smtClean="0"/>
-              <a:t>Experiment simulation with random user behavior</a:t>
+            <a:r>
+              <a:rPr lang="de-DE" smtClean="0"/>
+              <a:t>Aragatgs Amirkhanyan, 17.10.2014</a:t>
             </a:r>
             <a:endParaRPr lang="en-US" dirty="0"/>
           </a:p>
-          <a:p>
-            <a:pPr marL="285750" indent="-285750">
-              <a:buClr>
-                <a:schemeClr val="accent1"/>
-              </a:buClr>
-              <a:buFont typeface="Wingdings" panose="05000000000000000000" pitchFamily="2" charset="2"/>
-              <a:buChar char="§"/>
-            </a:pPr>
+        </p:txBody>
+      </p:sp>
+      <p:sp>
+        <p:nvSpPr>
+          <p:cNvPr id="6" name="Footer Placeholder 5"/>
+          <p:cNvSpPr>
+            <a:spLocks noGrp="1"/>
+          </p:cNvSpPr>
+          <p:nvPr>
+            <p:ph type="ftr" sz="quarter" idx="16"/>
+          </p:nvPr>
+        </p:nvSpPr>
+        <p:spPr/>
+        <p:txBody>
+          <a:bodyPr/>
+          <a:lstStyle/>
+          <a:p>
+            <a:r>
+              <a:rPr lang="en-US" smtClean="0"/>
+              <a:t>Testbed Automation for Network Security and Security Analytics</a:t>
+            </a:r>
             <a:endParaRPr lang="en-US" dirty="0"/>
           </a:p>
         </p:txBody>
       </p:sp>
       <p:sp>
         <p:nvSpPr>
-          <p:cNvPr id="6163" name="Slide Number Placeholder 6162"/>
+          <p:cNvPr id="7" name="Slide Number Placeholder 6"/>
           <p:cNvSpPr>
             <a:spLocks noGrp="1"/>
           </p:cNvSpPr>
           <p:nvPr>
-            <p:ph type="sldNum" sz="quarter" idx="16"/>
-          </p:nvPr>
-        </p:nvSpPr>
-        <p:spPr>
-          <a:xfrm>
-            <a:off x="7416801" y="4623195"/>
-            <a:ext cx="1547813" cy="180580"/>
-          </a:xfrm>
-        </p:spPr>
+            <p:ph type="sldNum" sz="quarter" idx="17"/>
+          </p:nvPr>
+        </p:nvSpPr>
+        <p:spPr/>
         <p:txBody>
           <a:bodyPr/>
           <a:lstStyle/>
@@ -12523,66 +11847,51 @@
           </a:p>
         </p:txBody>
       </p:sp>
-      <p:sp>
-        <p:nvSpPr>
-          <p:cNvPr id="2" name="Date Placeholder 1"/>
-          <p:cNvSpPr>
-            <a:spLocks noGrp="1"/>
-          </p:cNvSpPr>
-          <p:nvPr>
-            <p:ph type="dt" sz="half" idx="14"/>
-          </p:nvPr>
-        </p:nvSpPr>
-        <p:spPr>
+      <p:pic>
+        <p:nvPicPr>
+          <p:cNvPr id="2050" name="Picture 2" descr="C:\HPI\HPI-git\Research School\Retreat\Fall 2014\retreat draft 4\active_directory_logs_result_2.png"/>
+          <p:cNvPicPr>
+            <a:picLocks noChangeAspect="1" noChangeArrowheads="1"/>
+          </p:cNvPicPr>
+          <p:nvPr/>
+        </p:nvPicPr>
+        <p:blipFill>
+          <a:blip r:embed="rId2">
+            <a:extLst>
+              <a:ext uri="{28A0092B-C50C-407E-A947-70E740481C1C}">
+                <a14:useLocalDpi xmlns:a14="http://schemas.microsoft.com/office/drawing/2010/main" val="0"/>
+              </a:ext>
+            </a:extLst>
+          </a:blip>
+          <a:srcRect/>
+          <a:stretch>
+            <a:fillRect/>
+          </a:stretch>
+        </p:blipFill>
+        <p:spPr bwMode="auto">
           <a:xfrm>
-            <a:off x="7416801" y="4155928"/>
-            <a:ext cx="1547813" cy="467268"/>
+            <a:off x="1331640" y="1707654"/>
+            <a:ext cx="5117786" cy="2304256"/>
           </a:xfrm>
+          <a:prstGeom prst="rect">
+            <a:avLst/>
+          </a:prstGeom>
+          <a:noFill/>
+          <a:extLst>
+            <a:ext uri="{909E8E84-426E-40DD-AFC4-6F175D3DCCD1}">
+              <a14:hiddenFill xmlns:a14="http://schemas.microsoft.com/office/drawing/2010/main">
+                <a:solidFill>
+                  <a:srgbClr val="FFFFFF"/>
+                </a:solidFill>
+              </a14:hiddenFill>
+            </a:ext>
+          </a:extLst>
         </p:spPr>
-        <p:txBody>
-          <a:bodyPr/>
-          <a:lstStyle/>
-          <a:p>
-            <a:r>
-              <a:rPr lang="de-DE" smtClean="0"/>
-              <a:t>Aragatgs Amirkhanyan, 17.10.2014</a:t>
-            </a:r>
-            <a:endParaRPr lang="en-US" dirty="0"/>
-          </a:p>
-        </p:txBody>
-      </p:sp>
-      <p:sp>
-        <p:nvSpPr>
-          <p:cNvPr id="3" name="Footer Placeholder 2"/>
-          <p:cNvSpPr>
-            <a:spLocks noGrp="1"/>
-          </p:cNvSpPr>
-          <p:nvPr>
-            <p:ph type="ftr" sz="quarter" idx="15"/>
-          </p:nvPr>
-        </p:nvSpPr>
-        <p:spPr>
-          <a:xfrm>
-            <a:off x="7416801" y="3562453"/>
-            <a:ext cx="1547813" cy="521465"/>
-          </a:xfrm>
-        </p:spPr>
-        <p:txBody>
-          <a:bodyPr/>
-          <a:lstStyle/>
-          <a:p>
-            <a:r>
-              <a:rPr lang="en-US" smtClean="0"/>
-              <a:t>Testbed Automation for Network Security and Security Analytics</a:t>
-            </a:r>
-            <a:endParaRPr lang="en-US" dirty="0"/>
-          </a:p>
-        </p:txBody>
-      </p:sp>
+      </p:pic>
     </p:spTree>
     <p:extLst>
       <p:ext uri="{BB962C8B-B14F-4D97-AF65-F5344CB8AC3E}">
-        <p14:creationId xmlns:p14="http://schemas.microsoft.com/office/powerpoint/2010/main" val="1817467663"/>
+        <p14:creationId xmlns:p14="http://schemas.microsoft.com/office/powerpoint/2010/main" val="3864247040"/>
       </p:ext>
     </p:extLst>
   </p:cSld>
@@ -12619,38 +11928,14 @@
           <a:chExt cx="0" cy="0"/>
         </a:xfrm>
       </p:grpSpPr>
-      <p:pic>
-        <p:nvPicPr>
-          <p:cNvPr id="8" name="Picture 2" descr="C:\Users\fcheng\Downloads\HPI_Hauptgebaeude_Nacht.jpg"/>
-          <p:cNvPicPr>
-            <a:picLocks noGrp="1" noChangeAspect="1" noChangeArrowheads="1"/>
-          </p:cNvPicPr>
-          <p:nvPr>
-            <p:ph type="pic" sz="quarter" idx="10"/>
-          </p:nvPr>
-        </p:nvPicPr>
-        <p:blipFill>
-          <a:blip r:embed="rId3" cstate="print"/>
-          <a:srcRect t="4876" b="4876"/>
-          <a:stretch>
-            <a:fillRect/>
-          </a:stretch>
-        </p:blipFill>
-        <p:spPr bwMode="auto">
-          <a:prstGeom prst="rect">
-            <a:avLst/>
-          </a:prstGeom>
-          <a:noFill/>
-        </p:spPr>
-      </p:pic>
-      <p:sp>
-        <p:nvSpPr>
-          <p:cNvPr id="7" name="Textplatzhalter 6"/>
+      <p:sp>
+        <p:nvSpPr>
+          <p:cNvPr id="6157" name="Title 6156"/>
           <p:cNvSpPr>
             <a:spLocks noGrp="1"/>
           </p:cNvSpPr>
           <p:nvPr>
-            <p:ph type="body" sz="quarter" idx="11"/>
+            <p:ph type="title"/>
           </p:nvPr>
         </p:nvSpPr>
         <p:spPr/>
@@ -12658,18 +11943,22 @@
           <a:bodyPr/>
           <a:lstStyle/>
           <a:p>
-            <a:endParaRPr lang="de-DE" dirty="0"/>
-          </a:p>
-        </p:txBody>
-      </p:sp>
-      <p:sp>
-        <p:nvSpPr>
-          <p:cNvPr id="21" name="Title 20"/>
+            <a:r>
+              <a:rPr lang="en-US" dirty="0" smtClean="0"/>
+              <a:t>Conclusion and Future Work</a:t>
+            </a:r>
+            <a:endParaRPr lang="en-US" dirty="0"/>
+          </a:p>
+        </p:txBody>
+      </p:sp>
+      <p:sp>
+        <p:nvSpPr>
+          <p:cNvPr id="6158" name="Text Placeholder 6157"/>
           <p:cNvSpPr>
             <a:spLocks noGrp="1"/>
           </p:cNvSpPr>
           <p:nvPr>
-            <p:ph type="ctrTitle"/>
+            <p:ph type="body" sz="quarter" idx="13"/>
           </p:nvPr>
         </p:nvSpPr>
         <p:spPr/>
@@ -12677,99 +11966,162 @@
           <a:bodyPr/>
           <a:lstStyle/>
           <a:p>
-            <a:r>
-              <a:rPr lang="de-DE" dirty="0" err="1" smtClean="0"/>
-              <a:t>Thank</a:t>
-            </a:r>
-            <a:r>
-              <a:rPr lang="de-DE" dirty="0" smtClean="0"/>
-              <a:t> </a:t>
-            </a:r>
-            <a:r>
-              <a:rPr lang="de-DE" dirty="0" err="1" smtClean="0"/>
-              <a:t>you</a:t>
-            </a:r>
-            <a:r>
-              <a:rPr lang="de-DE" dirty="0" smtClean="0"/>
-              <a:t> </a:t>
-            </a:r>
-            <a:br>
-              <a:rPr lang="de-DE" dirty="0" smtClean="0"/>
-            </a:br>
-            <a:r>
-              <a:rPr lang="de-DE" dirty="0" err="1" smtClean="0"/>
-              <a:t>for</a:t>
-            </a:r>
-            <a:r>
-              <a:rPr lang="de-DE" dirty="0" smtClean="0"/>
-              <a:t> </a:t>
-            </a:r>
-            <a:r>
-              <a:rPr lang="de-DE" dirty="0" err="1" smtClean="0"/>
-              <a:t>your</a:t>
-            </a:r>
-            <a:r>
-              <a:rPr lang="de-DE" dirty="0" smtClean="0"/>
-              <a:t> </a:t>
-            </a:r>
-            <a:r>
-              <a:rPr lang="de-DE" dirty="0" err="1" smtClean="0"/>
-              <a:t>attention</a:t>
-            </a:r>
-            <a:r>
-              <a:rPr lang="de-DE" dirty="0" smtClean="0"/>
-              <a:t>!</a:t>
+            <a:pPr marL="285750" indent="-285750">
+              <a:buClr>
+                <a:schemeClr val="accent1"/>
+              </a:buClr>
+              <a:buFont typeface="Wingdings" panose="05000000000000000000" pitchFamily="2" charset="2"/>
+              <a:buChar char="§"/>
+            </a:pPr>
+            <a:r>
+              <a:rPr lang="en-US" dirty="0" smtClean="0"/>
+              <a:t>Experiment simulation with </a:t>
+            </a:r>
+            <a:r>
+              <a:rPr lang="en-US" dirty="0" smtClean="0"/>
+              <a:t>a test </a:t>
+            </a:r>
+            <a:r>
+              <a:rPr lang="en-US" dirty="0" smtClean="0"/>
+              <a:t>network of enterprise or campus level</a:t>
+            </a:r>
+          </a:p>
+          <a:p>
+            <a:pPr marL="285750" indent="-285750">
+              <a:buClr>
+                <a:schemeClr val="accent1"/>
+              </a:buClr>
+              <a:buFont typeface="Wingdings" panose="05000000000000000000" pitchFamily="2" charset="2"/>
+              <a:buChar char="§"/>
+            </a:pPr>
+            <a:r>
+              <a:rPr lang="en-US" dirty="0"/>
+              <a:t>Experiment simulation </a:t>
+            </a:r>
+            <a:r>
+              <a:rPr lang="en-US" dirty="0" smtClean="0"/>
+              <a:t>with large amount of users</a:t>
+            </a:r>
+          </a:p>
+          <a:p>
+            <a:pPr marL="285750" indent="-285750">
+              <a:buClr>
+                <a:schemeClr val="accent1"/>
+              </a:buClr>
+              <a:buFont typeface="Wingdings" panose="05000000000000000000" pitchFamily="2" charset="2"/>
+              <a:buChar char="§"/>
+            </a:pPr>
+            <a:r>
+              <a:rPr lang="en-US" dirty="0" smtClean="0"/>
+              <a:t>Experiment simulation with random user behavior</a:t>
             </a:r>
             <a:endParaRPr lang="en-US" dirty="0"/>
           </a:p>
-        </p:txBody>
-      </p:sp>
-      <p:sp>
-        <p:nvSpPr>
-          <p:cNvPr id="22" name="Subtitle 21"/>
+          <a:p>
+            <a:pPr marL="285750" indent="-285750">
+              <a:buClr>
+                <a:schemeClr val="accent1"/>
+              </a:buClr>
+              <a:buFont typeface="Wingdings" panose="05000000000000000000" pitchFamily="2" charset="2"/>
+              <a:buChar char="§"/>
+            </a:pPr>
+            <a:endParaRPr lang="en-US" dirty="0"/>
+          </a:p>
+        </p:txBody>
+      </p:sp>
+      <p:sp>
+        <p:nvSpPr>
+          <p:cNvPr id="6163" name="Slide Number Placeholder 6162"/>
           <p:cNvSpPr>
             <a:spLocks noGrp="1"/>
           </p:cNvSpPr>
           <p:nvPr>
-            <p:ph type="subTitle" idx="1"/>
-          </p:nvPr>
-        </p:nvSpPr>
-        <p:spPr/>
+            <p:ph type="sldNum" sz="quarter" idx="16"/>
+          </p:nvPr>
+        </p:nvSpPr>
+        <p:spPr>
+          <a:xfrm>
+            <a:off x="7416801" y="4623195"/>
+            <a:ext cx="1547813" cy="180580"/>
+          </a:xfrm>
+        </p:spPr>
         <p:txBody>
           <a:bodyPr/>
           <a:lstStyle/>
           <a:p>
             <a:r>
-              <a:rPr lang="en-US" dirty="0"/>
-              <a:t>Aragats Amirkhanyan</a:t>
-            </a:r>
-          </a:p>
-          <a:p>
-            <a:r>
-              <a:rPr lang="de-DE" kern="0" dirty="0"/>
-              <a:t>Internet-Technologies </a:t>
-            </a:r>
-            <a:r>
-              <a:rPr lang="de-DE" kern="0" dirty="0" err="1"/>
-              <a:t>and</a:t>
-            </a:r>
-            <a:r>
-              <a:rPr lang="de-DE" kern="0" dirty="0"/>
-              <a:t> Systems </a:t>
-            </a:r>
-          </a:p>
-          <a:p>
-            <a:r>
-              <a:rPr lang="de-DE" dirty="0"/>
-              <a:t>Hasso Plattner Institute</a:t>
-            </a:r>
+              <a:rPr lang="en-US" smtClean="0"/>
+              <a:t>Chart </a:t>
+            </a:r>
+            <a:fld id="{91D913BA-B0D8-4B51-9328-DFAA0B370309}" type="slidenum">
+              <a:rPr lang="en-US" b="1" smtClean="0"/>
+              <a:pPr/>
+              <a:t>11</a:t>
+            </a:fld>
+            <a:endParaRPr lang="en-US" b="1" dirty="0"/>
+          </a:p>
+        </p:txBody>
+      </p:sp>
+      <p:sp>
+        <p:nvSpPr>
+          <p:cNvPr id="2" name="Date Placeholder 1"/>
+          <p:cNvSpPr>
+            <a:spLocks noGrp="1"/>
+          </p:cNvSpPr>
+          <p:nvPr>
+            <p:ph type="dt" sz="half" idx="14"/>
+          </p:nvPr>
+        </p:nvSpPr>
+        <p:spPr>
+          <a:xfrm>
+            <a:off x="7416801" y="4155928"/>
+            <a:ext cx="1547813" cy="467268"/>
+          </a:xfrm>
+        </p:spPr>
+        <p:txBody>
+          <a:bodyPr/>
+          <a:lstStyle/>
+          <a:p>
+            <a:r>
+              <a:rPr lang="de-DE" smtClean="0"/>
+              <a:t>Aragatgs Amirkhanyan, 17.10.2014</a:t>
+            </a:r>
+            <a:endParaRPr lang="en-US" dirty="0"/>
+          </a:p>
+        </p:txBody>
+      </p:sp>
+      <p:sp>
+        <p:nvSpPr>
+          <p:cNvPr id="3" name="Footer Placeholder 2"/>
+          <p:cNvSpPr>
+            <a:spLocks noGrp="1"/>
+          </p:cNvSpPr>
+          <p:nvPr>
+            <p:ph type="ftr" sz="quarter" idx="15"/>
+          </p:nvPr>
+        </p:nvSpPr>
+        <p:spPr>
+          <a:xfrm>
+            <a:off x="7416801" y="3562453"/>
+            <a:ext cx="1547813" cy="521465"/>
+          </a:xfrm>
+        </p:spPr>
+        <p:txBody>
+          <a:bodyPr/>
+          <a:lstStyle/>
+          <a:p>
+            <a:r>
+              <a:rPr lang="en-US" smtClean="0"/>
+              <a:t>Testbed Automation for Network Security and Security Analytics</a:t>
+            </a:r>
+            <a:endParaRPr lang="en-US" dirty="0"/>
           </a:p>
         </p:txBody>
       </p:sp>
     </p:spTree>
     <p:extLst>
       <p:ext uri="{BB962C8B-B14F-4D97-AF65-F5344CB8AC3E}">
-        <p14:creationId xmlns:p14="http://schemas.microsoft.com/office/powerpoint/2010/main" val="807357343"/>
+        <p14:creationId xmlns:p14="http://schemas.microsoft.com/office/powerpoint/2010/main" val="1817467663"/>
       </p:ext>
     </p:extLst>
   </p:cSld>
@@ -12790,7 +12142,7 @@
 </file>
 
 <file path=ppt/slides/slide12.xml><?xml version="1.0" encoding="utf-8"?>
-<p:sld xmlns:a="http://schemas.openxmlformats.org/drawingml/2006/main" xmlns:r="http://schemas.openxmlformats.org/officeDocument/2006/relationships" xmlns:p="http://schemas.openxmlformats.org/presentationml/2006/main" show="0">
+<p:sld xmlns:a="http://schemas.openxmlformats.org/drawingml/2006/main" xmlns:r="http://schemas.openxmlformats.org/officeDocument/2006/relationships" xmlns:p="http://schemas.openxmlformats.org/presentationml/2006/main">
   <p:cSld>
     <p:spTree>
       <p:nvGrpSpPr>
@@ -12808,7 +12160,7 @@
       </p:grpSpPr>
       <p:pic>
         <p:nvPicPr>
-          <p:cNvPr id="8" name="Picture 2" descr="P:\Projekte\Hasso Plattner Institut\TEMPLATE_HPI_01_EXP\ppt\media\image2.jpg"/>
+          <p:cNvPr id="8" name="Picture 2" descr="C:\Users\fcheng\Downloads\HPI_Hauptgebaeude_Nacht.jpg"/>
           <p:cNvPicPr>
             <a:picLocks noGrp="1" noChangeAspect="1" noChangeArrowheads="1"/>
           </p:cNvPicPr>
@@ -12817,2977 +12169,146 @@
           </p:nvPr>
         </p:nvPicPr>
         <p:blipFill>
-          <a:blip r:embed="rId3">
-            <a:extLst>
-              <a:ext uri="{28A0092B-C50C-407E-A947-70E740481C1C}">
-                <a14:useLocalDpi xmlns:a14="http://schemas.microsoft.com/office/drawing/2010/main" val="0"/>
-              </a:ext>
-            </a:extLst>
-          </a:blip>
-          <a:srcRect t="80" b="80"/>
-          <a:stretch>
-            <a:fillRect/>
-          </a:stretch>
-        </p:blipFill>
-        <p:spPr/>
-      </p:pic>
-      <p:sp>
-        <p:nvSpPr>
-          <p:cNvPr id="5" name="Textplatzhalter 4"/>
-          <p:cNvSpPr>
-            <a:spLocks noGrp="1"/>
-          </p:cNvSpPr>
-          <p:nvPr>
-            <p:ph type="body" sz="quarter" idx="11"/>
-          </p:nvPr>
-        </p:nvSpPr>
-        <p:spPr/>
-        <p:txBody>
-          <a:bodyPr/>
-          <a:lstStyle/>
-          <a:p>
-            <a:endParaRPr lang="de-DE"/>
-          </a:p>
-        </p:txBody>
-      </p:sp>
-      <p:sp>
-        <p:nvSpPr>
-          <p:cNvPr id="3" name="Titel 2"/>
-          <p:cNvSpPr>
-            <a:spLocks noGrp="1"/>
-          </p:cNvSpPr>
-          <p:nvPr>
-            <p:ph type="ctrTitle"/>
-          </p:nvPr>
-        </p:nvSpPr>
-        <p:spPr/>
-        <p:txBody>
-          <a:bodyPr/>
-          <a:lstStyle/>
-          <a:p>
-            <a:endParaRPr lang="de-DE"/>
-          </a:p>
-        </p:txBody>
-      </p:sp>
-      <p:sp>
-        <p:nvSpPr>
-          <p:cNvPr id="4" name="Untertitel 3"/>
-          <p:cNvSpPr>
-            <a:spLocks noGrp="1"/>
-          </p:cNvSpPr>
-          <p:nvPr>
-            <p:ph type="subTitle" idx="1"/>
-          </p:nvPr>
-        </p:nvSpPr>
-        <p:spPr/>
-        <p:txBody>
-          <a:bodyPr/>
-          <a:lstStyle/>
-          <a:p>
-            <a:endParaRPr lang="de-DE"/>
-          </a:p>
-        </p:txBody>
-      </p:sp>
-    </p:spTree>
-    <p:extLst>
-      <p:ext uri="{BB962C8B-B14F-4D97-AF65-F5344CB8AC3E}">
-        <p14:creationId xmlns:p14="http://schemas.microsoft.com/office/powerpoint/2010/main" val="1734704440"/>
-      </p:ext>
-    </p:extLst>
-  </p:cSld>
-  <p:clrMapOvr>
-    <a:masterClrMapping/>
-  </p:clrMapOvr>
-  <p:transition>
-    <p:fade/>
-  </p:transition>
-  <p:timing>
-    <p:tnLst>
-      <p:par>
-        <p:cTn id="1" dur="indefinite" restart="never" nodeType="tmRoot"/>
-      </p:par>
-    </p:tnLst>
-  </p:timing>
-</p:sld>
-</file>
-
-<file path=ppt/slides/slide13.xml><?xml version="1.0" encoding="utf-8"?>
-<p:sld xmlns:a="http://schemas.openxmlformats.org/drawingml/2006/main" xmlns:r="http://schemas.openxmlformats.org/officeDocument/2006/relationships" xmlns:p="http://schemas.openxmlformats.org/presentationml/2006/main" show="0">
-  <p:cSld>
-    <p:spTree>
-      <p:nvGrpSpPr>
-        <p:cNvPr id="1" name=""/>
-        <p:cNvGrpSpPr/>
-        <p:nvPr/>
-      </p:nvGrpSpPr>
-      <p:grpSpPr>
-        <a:xfrm>
-          <a:off x="0" y="0"/>
-          <a:ext cx="0" cy="0"/>
-          <a:chOff x="0" y="0"/>
-          <a:chExt cx="0" cy="0"/>
-        </a:xfrm>
-      </p:grpSpPr>
-      <p:pic>
-        <p:nvPicPr>
-          <p:cNvPr id="7" name="Picture 2" descr="P:\Projekte\Hasso Plattner Institut\TEMPLATE_HPI_01_EXP\ppt\media\image3.jpg"/>
-          <p:cNvPicPr>
-            <a:picLocks noGrp="1" noChangeAspect="1" noChangeArrowheads="1"/>
-          </p:cNvPicPr>
-          <p:nvPr>
-            <p:ph type="pic" sz="quarter" idx="10"/>
-          </p:nvPr>
-        </p:nvPicPr>
-        <p:blipFill>
-          <a:blip r:embed="rId3">
-            <a:extLst>
-              <a:ext uri="{28A0092B-C50C-407E-A947-70E740481C1C}">
-                <a14:useLocalDpi xmlns:a14="http://schemas.microsoft.com/office/drawing/2010/main" val="0"/>
-              </a:ext>
-            </a:extLst>
-          </a:blip>
-          <a:srcRect l="47" r="47"/>
-          <a:stretch>
-            <a:fillRect/>
-          </a:stretch>
-        </p:blipFill>
-        <p:spPr/>
-      </p:pic>
-      <p:sp>
-        <p:nvSpPr>
-          <p:cNvPr id="8" name="Textplatzhalter 7"/>
-          <p:cNvSpPr>
-            <a:spLocks noGrp="1"/>
-          </p:cNvSpPr>
-          <p:nvPr>
-            <p:ph type="body" sz="quarter" idx="11"/>
-          </p:nvPr>
-        </p:nvSpPr>
-        <p:spPr/>
-        <p:txBody>
-          <a:bodyPr/>
-          <a:lstStyle/>
-          <a:p>
-            <a:endParaRPr lang="de-DE"/>
-          </a:p>
-        </p:txBody>
-      </p:sp>
-      <p:sp>
-        <p:nvSpPr>
-          <p:cNvPr id="3" name="Titel 2"/>
-          <p:cNvSpPr>
-            <a:spLocks noGrp="1"/>
-          </p:cNvSpPr>
-          <p:nvPr>
-            <p:ph type="ctrTitle"/>
-          </p:nvPr>
-        </p:nvSpPr>
-        <p:spPr/>
-        <p:txBody>
-          <a:bodyPr/>
-          <a:lstStyle/>
-          <a:p>
-            <a:endParaRPr lang="de-DE"/>
-          </a:p>
-        </p:txBody>
-      </p:sp>
-      <p:sp>
-        <p:nvSpPr>
-          <p:cNvPr id="6" name="Untertitel 5"/>
-          <p:cNvSpPr>
-            <a:spLocks noGrp="1"/>
-          </p:cNvSpPr>
-          <p:nvPr>
-            <p:ph type="subTitle" idx="1"/>
-          </p:nvPr>
-        </p:nvSpPr>
-        <p:spPr/>
-        <p:txBody>
-          <a:bodyPr/>
-          <a:lstStyle/>
-          <a:p>
-            <a:endParaRPr lang="de-DE"/>
-          </a:p>
-        </p:txBody>
-      </p:sp>
-    </p:spTree>
-    <p:extLst>
-      <p:ext uri="{BB962C8B-B14F-4D97-AF65-F5344CB8AC3E}">
-        <p14:creationId xmlns:p14="http://schemas.microsoft.com/office/powerpoint/2010/main" val="3073626101"/>
-      </p:ext>
-    </p:extLst>
-  </p:cSld>
-  <p:clrMapOvr>
-    <a:masterClrMapping/>
-  </p:clrMapOvr>
-  <p:transition>
-    <p:fade/>
-  </p:transition>
-  <p:timing>
-    <p:tnLst>
-      <p:par>
-        <p:cTn id="1" dur="indefinite" restart="never" nodeType="tmRoot"/>
-      </p:par>
-    </p:tnLst>
-  </p:timing>
-</p:sld>
-</file>
-
-<file path=ppt/slides/slide14.xml><?xml version="1.0" encoding="utf-8"?>
-<p:sld xmlns:a="http://schemas.openxmlformats.org/drawingml/2006/main" xmlns:r="http://schemas.openxmlformats.org/officeDocument/2006/relationships" xmlns:p="http://schemas.openxmlformats.org/presentationml/2006/main" show="0">
-  <p:cSld>
-    <p:spTree>
-      <p:nvGrpSpPr>
-        <p:cNvPr id="1" name=""/>
-        <p:cNvGrpSpPr/>
-        <p:nvPr/>
-      </p:nvGrpSpPr>
-      <p:grpSpPr>
-        <a:xfrm>
-          <a:off x="0" y="0"/>
-          <a:ext cx="0" cy="0"/>
-          <a:chOff x="0" y="0"/>
-          <a:chExt cx="0" cy="0"/>
-        </a:xfrm>
-      </p:grpSpPr>
-      <p:pic>
-        <p:nvPicPr>
-          <p:cNvPr id="6" name="Picture 2" descr="P:\Projekte\Hasso Plattner Institut\TEMPLATE_HPI_01_EXP\ppt\media\image4.jpg"/>
-          <p:cNvPicPr>
-            <a:picLocks noGrp="1" noChangeAspect="1" noChangeArrowheads="1"/>
-          </p:cNvPicPr>
-          <p:nvPr>
-            <p:ph type="pic" sz="quarter" idx="10"/>
-          </p:nvPr>
-        </p:nvPicPr>
-        <p:blipFill>
-          <a:blip r:embed="rId3">
-            <a:extLst>
-              <a:ext uri="{28A0092B-C50C-407E-A947-70E740481C1C}">
-                <a14:useLocalDpi xmlns:a14="http://schemas.microsoft.com/office/drawing/2010/main" val="0"/>
-              </a:ext>
-            </a:extLst>
-          </a:blip>
-          <a:srcRect l="82" r="82"/>
-          <a:stretch>
-            <a:fillRect/>
-          </a:stretch>
-        </p:blipFill>
-        <p:spPr/>
-      </p:pic>
-      <p:sp>
-        <p:nvSpPr>
-          <p:cNvPr id="7" name="Textplatzhalter 6"/>
-          <p:cNvSpPr>
-            <a:spLocks noGrp="1"/>
-          </p:cNvSpPr>
-          <p:nvPr>
-            <p:ph type="body" sz="quarter" idx="11"/>
-          </p:nvPr>
-        </p:nvSpPr>
-        <p:spPr/>
-        <p:txBody>
-          <a:bodyPr/>
-          <a:lstStyle/>
-          <a:p>
-            <a:endParaRPr lang="de-DE"/>
-          </a:p>
-        </p:txBody>
-      </p:sp>
-      <p:sp>
-        <p:nvSpPr>
-          <p:cNvPr id="4" name="Titel 3"/>
-          <p:cNvSpPr>
-            <a:spLocks noGrp="1"/>
-          </p:cNvSpPr>
-          <p:nvPr>
-            <p:ph type="ctrTitle"/>
-          </p:nvPr>
-        </p:nvSpPr>
-        <p:spPr/>
-        <p:txBody>
-          <a:bodyPr/>
-          <a:lstStyle/>
-          <a:p>
-            <a:endParaRPr lang="de-DE"/>
-          </a:p>
-        </p:txBody>
-      </p:sp>
-    </p:spTree>
-    <p:extLst>
-      <p:ext uri="{BB962C8B-B14F-4D97-AF65-F5344CB8AC3E}">
-        <p14:creationId xmlns:p14="http://schemas.microsoft.com/office/powerpoint/2010/main" val="1948139504"/>
-      </p:ext>
-    </p:extLst>
-  </p:cSld>
-  <p:clrMapOvr>
-    <a:masterClrMapping/>
-  </p:clrMapOvr>
-  <p:transition>
-    <p:fade/>
-  </p:transition>
-  <p:timing>
-    <p:tnLst>
-      <p:par>
-        <p:cTn id="1" dur="indefinite" restart="never" nodeType="tmRoot"/>
-      </p:par>
-    </p:tnLst>
-  </p:timing>
-</p:sld>
-</file>
-
-<file path=ppt/slides/slide15.xml><?xml version="1.0" encoding="utf-8"?>
-<p:sld xmlns:a="http://schemas.openxmlformats.org/drawingml/2006/main" xmlns:r="http://schemas.openxmlformats.org/officeDocument/2006/relationships" xmlns:p="http://schemas.openxmlformats.org/presentationml/2006/main" show="0">
-  <p:cSld>
-    <p:spTree>
-      <p:nvGrpSpPr>
-        <p:cNvPr id="1" name=""/>
-        <p:cNvGrpSpPr/>
-        <p:nvPr/>
-      </p:nvGrpSpPr>
-      <p:grpSpPr>
-        <a:xfrm>
-          <a:off x="0" y="0"/>
-          <a:ext cx="0" cy="0"/>
-          <a:chOff x="0" y="0"/>
-          <a:chExt cx="0" cy="0"/>
-        </a:xfrm>
-      </p:grpSpPr>
-      <p:sp>
-        <p:nvSpPr>
-          <p:cNvPr id="4" name="Title 3"/>
-          <p:cNvSpPr>
-            <a:spLocks noGrp="1"/>
-          </p:cNvSpPr>
-          <p:nvPr>
-            <p:ph type="title"/>
-          </p:nvPr>
-        </p:nvSpPr>
-        <p:spPr bwMode="gray"/>
-        <p:txBody>
-          <a:bodyPr/>
-          <a:lstStyle/>
-          <a:p>
-            <a:r>
-              <a:rPr lang="en-US" dirty="0" smtClean="0"/>
-              <a:t>Explanations</a:t>
-            </a:r>
-            <a:br>
-              <a:rPr lang="en-US" dirty="0" smtClean="0"/>
-            </a:br>
-            <a:r>
-              <a:rPr lang="en-US" dirty="0" smtClean="0"/>
-              <a:t>- Text layers</a:t>
-            </a:r>
-            <a:endParaRPr lang="en-US" dirty="0"/>
-          </a:p>
-        </p:txBody>
-      </p:sp>
-      <p:sp>
-        <p:nvSpPr>
-          <p:cNvPr id="5" name="Text Placeholder 4"/>
-          <p:cNvSpPr>
-            <a:spLocks noGrp="1"/>
-          </p:cNvSpPr>
-          <p:nvPr>
-            <p:ph type="body" sz="quarter" idx="13"/>
-          </p:nvPr>
-        </p:nvSpPr>
-        <p:spPr bwMode="gray"/>
-        <p:txBody>
-          <a:bodyPr/>
-          <a:lstStyle/>
-          <a:p>
-            <a:r>
-              <a:rPr lang="en-US" dirty="0" smtClean="0"/>
-              <a:t>First text layer for running text. </a:t>
-            </a:r>
-          </a:p>
-          <a:p>
-            <a:pPr lvl="1"/>
-            <a:r>
-              <a:rPr lang="en-US" dirty="0" smtClean="0"/>
-              <a:t>Second level for bullet points</a:t>
-            </a:r>
-          </a:p>
-          <a:p>
-            <a:pPr lvl="2"/>
-            <a:r>
-              <a:rPr lang="en-US" dirty="0" smtClean="0"/>
-              <a:t>Third level for bullet points</a:t>
-            </a:r>
-          </a:p>
-          <a:p>
-            <a:pPr lvl="3"/>
-            <a:r>
-              <a:rPr lang="en-US" dirty="0" smtClean="0"/>
-              <a:t>Fourth level for bullet points</a:t>
-            </a:r>
-          </a:p>
-          <a:p>
-            <a:pPr lvl="4"/>
-            <a:r>
-              <a:rPr lang="en-US" dirty="0" smtClean="0"/>
-              <a:t>Fifth level for numberings</a:t>
-            </a:r>
-          </a:p>
-          <a:p>
-            <a:pPr lvl="5"/>
-            <a:r>
-              <a:rPr lang="en-US" dirty="0"/>
-              <a:t>Sixth </a:t>
-            </a:r>
-            <a:r>
-              <a:rPr lang="en-US" dirty="0" smtClean="0"/>
-              <a:t>level for listings</a:t>
-            </a:r>
-          </a:p>
-          <a:p>
-            <a:pPr lvl="6"/>
-            <a:r>
-              <a:rPr lang="en-US" dirty="0" smtClean="0"/>
-              <a:t>Seventh text layer </a:t>
-            </a:r>
-            <a:br>
-              <a:rPr lang="en-US" dirty="0" smtClean="0"/>
-            </a:br>
-            <a:r>
-              <a:rPr lang="en-US" dirty="0" smtClean="0"/>
-              <a:t>for Core Messages</a:t>
-            </a:r>
-          </a:p>
-          <a:p>
-            <a:pPr lvl="3"/>
-            <a:endParaRPr lang="en-US" dirty="0" smtClean="0"/>
-          </a:p>
-          <a:p>
-            <a:pPr lvl="3"/>
-            <a:endParaRPr lang="en-US" dirty="0" smtClean="0"/>
-          </a:p>
-          <a:p>
-            <a:endParaRPr lang="en-US" dirty="0"/>
-          </a:p>
-        </p:txBody>
-      </p:sp>
-      <p:sp>
-        <p:nvSpPr>
-          <p:cNvPr id="6" name="Text Placeholder 5"/>
-          <p:cNvSpPr>
-            <a:spLocks noGrp="1"/>
-          </p:cNvSpPr>
-          <p:nvPr>
-            <p:ph type="body" sz="quarter" idx="14"/>
-          </p:nvPr>
-        </p:nvSpPr>
-        <p:spPr bwMode="gray"/>
-        <p:txBody>
-          <a:bodyPr/>
-          <a:lstStyle/>
-          <a:p>
-            <a:r>
-              <a:rPr lang="en-US" dirty="0" smtClean="0"/>
-              <a:t>In this template, we pre-formatted different text layers </a:t>
-            </a:r>
-            <a:br>
-              <a:rPr lang="en-US" dirty="0" smtClean="0"/>
-            </a:br>
-            <a:r>
-              <a:rPr lang="en-US" dirty="0" smtClean="0"/>
-              <a:t>(as you can see on the right side). </a:t>
-            </a:r>
-            <a:br>
-              <a:rPr lang="en-US" dirty="0" smtClean="0"/>
-            </a:br>
-            <a:r>
-              <a:rPr lang="en-US" dirty="0" smtClean="0"/>
-              <a:t/>
-            </a:r>
-            <a:br>
-              <a:rPr lang="en-US" dirty="0" smtClean="0"/>
-            </a:br>
-            <a:r>
-              <a:rPr lang="en-US" dirty="0" smtClean="0"/>
-              <a:t>You don’t have to generate </a:t>
-            </a:r>
-            <a:br>
-              <a:rPr lang="en-US" dirty="0" smtClean="0"/>
-            </a:br>
-            <a:r>
-              <a:rPr lang="en-US" dirty="0" smtClean="0"/>
-              <a:t>bullet points manually. </a:t>
-            </a:r>
-            <a:br>
-              <a:rPr lang="en-US" dirty="0" smtClean="0"/>
-            </a:br>
-            <a:r>
-              <a:rPr lang="en-US" b="1" dirty="0" smtClean="0"/>
-              <a:t>By the way: Please avoid this!</a:t>
-            </a:r>
-          </a:p>
-          <a:p>
-            <a:r>
-              <a:rPr lang="en-US" dirty="0" smtClean="0"/>
-              <a:t>To change from one text layer</a:t>
-            </a:r>
-            <a:br>
-              <a:rPr lang="en-US" dirty="0" smtClean="0"/>
-            </a:br>
-            <a:r>
-              <a:rPr lang="en-US" dirty="0" smtClean="0"/>
-              <a:t>to the next, use the </a:t>
-            </a:r>
-            <a:br>
-              <a:rPr lang="en-US" dirty="0" smtClean="0"/>
-            </a:br>
-            <a:r>
-              <a:rPr lang="en-US" dirty="0" smtClean="0"/>
-              <a:t>Increase / Decrease List Level buttons:</a:t>
-            </a:r>
-          </a:p>
-          <a:p>
-            <a:endParaRPr lang="en-US" dirty="0" smtClean="0"/>
-          </a:p>
-          <a:p>
-            <a:endParaRPr lang="en-US" dirty="0" smtClean="0"/>
-          </a:p>
-          <a:p>
-            <a:pPr lvl="3"/>
-            <a:endParaRPr lang="en-US" dirty="0"/>
-          </a:p>
-        </p:txBody>
-      </p:sp>
-      <p:pic>
-        <p:nvPicPr>
-          <p:cNvPr id="8" name="Picture 2"/>
-          <p:cNvPicPr>
-            <a:picLocks noChangeAspect="1" noChangeArrowheads="1"/>
-          </p:cNvPicPr>
-          <p:nvPr/>
-        </p:nvPicPr>
-        <p:blipFill>
-          <a:blip r:embed="rId3" cstate="screen">
-            <a:extLst>
-              <a:ext uri="{28A0092B-C50C-407E-A947-70E740481C1C}">
-                <a14:useLocalDpi xmlns:a14="http://schemas.microsoft.com/office/drawing/2010/main"/>
-              </a:ext>
-            </a:extLst>
-          </a:blip>
-          <a:srcRect/>
-          <a:stretch>
-            <a:fillRect/>
-          </a:stretch>
-        </p:blipFill>
-        <p:spPr bwMode="gray">
-          <a:xfrm>
-            <a:off x="3886201" y="3721986"/>
-            <a:ext cx="3349624" cy="664227"/>
-          </a:xfrm>
-          <a:prstGeom prst="rect">
-            <a:avLst/>
-          </a:prstGeom>
-          <a:noFill/>
-          <a:ln>
-            <a:noFill/>
-          </a:ln>
-          <a:extLst>
-            <a:ext uri="{909E8E84-426E-40DD-AFC4-6F175D3DCCD1}">
-              <a14:hiddenFill xmlns:a14="http://schemas.microsoft.com/office/drawing/2010/main">
-                <a:solidFill>
-                  <a:schemeClr val="accent1"/>
-                </a:solidFill>
-              </a14:hiddenFill>
-            </a:ext>
-            <a:ext uri="{91240B29-F687-4F45-9708-019B960494DF}">
-              <a14:hiddenLine xmlns:a14="http://schemas.microsoft.com/office/drawing/2010/main" w="9525">
-                <a:solidFill>
-                  <a:schemeClr val="tx1"/>
-                </a:solidFill>
-                <a:miter lim="800000"/>
-                <a:headEnd/>
-                <a:tailEnd/>
-              </a14:hiddenLine>
-            </a:ext>
-          </a:extLst>
-        </p:spPr>
-      </p:pic>
-      <p:grpSp>
-        <p:nvGrpSpPr>
-          <p:cNvPr id="13" name="Group 12"/>
-          <p:cNvGrpSpPr/>
-          <p:nvPr/>
-        </p:nvGrpSpPr>
-        <p:grpSpPr bwMode="gray">
-          <a:xfrm>
-            <a:off x="6633315" y="3993610"/>
-            <a:ext cx="566291" cy="808783"/>
-            <a:chOff x="3060700" y="3737426"/>
-            <a:chExt cx="635034" cy="906963"/>
-          </a:xfrm>
-        </p:grpSpPr>
-        <p:sp>
-          <p:nvSpPr>
-            <p:cNvPr id="9" name="Rectangle 8"/>
-            <p:cNvSpPr/>
-            <p:nvPr/>
-          </p:nvSpPr>
-          <p:spPr bwMode="gray">
-            <a:xfrm>
-              <a:off x="3232097" y="3737426"/>
-              <a:ext cx="292241" cy="150005"/>
-            </a:xfrm>
-            <a:prstGeom prst="rect">
-              <a:avLst/>
-            </a:prstGeom>
-            <a:noFill/>
-            <a:ln w="9525">
-              <a:solidFill>
-                <a:schemeClr val="tx2"/>
-              </a:solidFill>
-            </a:ln>
-          </p:spPr>
-          <p:style>
-            <a:lnRef idx="2">
-              <a:schemeClr val="accent1">
-                <a:shade val="50000"/>
-              </a:schemeClr>
-            </a:lnRef>
-            <a:fillRef idx="1">
-              <a:schemeClr val="accent1"/>
-            </a:fillRef>
-            <a:effectRef idx="0">
-              <a:schemeClr val="accent1"/>
-            </a:effectRef>
-            <a:fontRef idx="minor">
-              <a:schemeClr val="lt1"/>
-            </a:fontRef>
-          </p:style>
-          <p:txBody>
-            <a:bodyPr rot="0" spcFirstLastPara="0" vertOverflow="overflow" horzOverflow="overflow" vert="horz" wrap="square" lIns="108000" tIns="72000" rIns="108000" bIns="72000" numCol="1" spcCol="0" rtlCol="0" fromWordArt="0" anchor="ctr" anchorCtr="0" forceAA="0" compatLnSpc="1">
-              <a:prstTxWarp prst="textNoShape">
-                <a:avLst/>
-              </a:prstTxWarp>
-              <a:noAutofit/>
-            </a:bodyPr>
-            <a:lstStyle/>
-            <a:p>
-              <a:pPr algn="ctr"/>
-              <a:endParaRPr lang="en-US" sz="1600" dirty="0" err="1" smtClean="0"/>
-            </a:p>
-          </p:txBody>
-        </p:sp>
-        <p:pic>
-          <p:nvPicPr>
-            <p:cNvPr id="10" name="Picture 3"/>
-            <p:cNvPicPr>
-              <a:picLocks noChangeAspect="1" noChangeArrowheads="1"/>
-            </p:cNvPicPr>
-            <p:nvPr/>
-          </p:nvPicPr>
-          <p:blipFill>
-            <a:blip r:embed="rId4">
-              <a:extLst>
-                <a:ext uri="{28A0092B-C50C-407E-A947-70E740481C1C}">
-                  <a14:useLocalDpi xmlns:a14="http://schemas.microsoft.com/office/drawing/2010/main"/>
-                </a:ext>
-              </a:extLst>
-            </a:blip>
-            <a:srcRect/>
-            <a:stretch>
-              <a:fillRect/>
-            </a:stretch>
-          </p:blipFill>
-          <p:spPr bwMode="gray">
-            <a:xfrm>
-              <a:off x="3060700" y="4313641"/>
-              <a:ext cx="635034" cy="330748"/>
-            </a:xfrm>
-            <a:prstGeom prst="rect">
-              <a:avLst/>
-            </a:prstGeom>
-            <a:noFill/>
-            <a:ln w="9525">
-              <a:solidFill>
-                <a:schemeClr val="tx2"/>
-              </a:solidFill>
-              <a:miter lim="800000"/>
-              <a:headEnd/>
-              <a:tailEnd/>
-            </a:ln>
-            <a:extLst>
-              <a:ext uri="{909E8E84-426E-40DD-AFC4-6F175D3DCCD1}">
-                <a14:hiddenFill xmlns:a14="http://schemas.microsoft.com/office/drawing/2010/main">
-                  <a:solidFill>
-                    <a:schemeClr val="accent1"/>
-                  </a:solidFill>
-                </a14:hiddenFill>
-              </a:ext>
-            </a:extLst>
-          </p:spPr>
-        </p:pic>
-        <p:cxnSp>
-          <p:nvCxnSpPr>
-            <p:cNvPr id="11" name="Straight Arrow Connector 10"/>
-            <p:cNvCxnSpPr/>
-            <p:nvPr/>
-          </p:nvCxnSpPr>
-          <p:spPr bwMode="gray">
-            <a:xfrm flipH="1">
-              <a:off x="3060700" y="3887431"/>
-              <a:ext cx="171397" cy="430822"/>
-            </a:xfrm>
-            <a:prstGeom prst="straightConnector1">
-              <a:avLst/>
-            </a:prstGeom>
-            <a:ln w="12700">
-              <a:solidFill>
-                <a:schemeClr val="tx2"/>
-              </a:solidFill>
-              <a:headEnd type="none" w="med" len="med"/>
-              <a:tailEnd type="triangle" w="med" len="med"/>
-            </a:ln>
-          </p:spPr>
-          <p:style>
-            <a:lnRef idx="1">
-              <a:schemeClr val="accent1"/>
-            </a:lnRef>
-            <a:fillRef idx="0">
-              <a:schemeClr val="accent1"/>
-            </a:fillRef>
-            <a:effectRef idx="0">
-              <a:schemeClr val="accent1"/>
-            </a:effectRef>
-            <a:fontRef idx="minor">
-              <a:schemeClr val="tx1"/>
-            </a:fontRef>
-          </p:style>
-        </p:cxnSp>
-        <p:cxnSp>
-          <p:nvCxnSpPr>
-            <p:cNvPr id="12" name="Straight Arrow Connector 11"/>
-            <p:cNvCxnSpPr>
-              <a:stCxn id="9" idx="3"/>
-            </p:cNvCxnSpPr>
-            <p:nvPr/>
-          </p:nvCxnSpPr>
-          <p:spPr bwMode="gray">
-            <a:xfrm>
-              <a:off x="3524338" y="3812429"/>
-              <a:ext cx="171396" cy="505824"/>
-            </a:xfrm>
-            <a:prstGeom prst="straightConnector1">
-              <a:avLst/>
-            </a:prstGeom>
-            <a:ln w="12700">
-              <a:solidFill>
-                <a:schemeClr val="tx2"/>
-              </a:solidFill>
-              <a:headEnd type="none" w="med" len="med"/>
-              <a:tailEnd type="triangle" w="med" len="med"/>
-            </a:ln>
-          </p:spPr>
-          <p:style>
-            <a:lnRef idx="1">
-              <a:schemeClr val="accent1"/>
-            </a:lnRef>
-            <a:fillRef idx="0">
-              <a:schemeClr val="accent1"/>
-            </a:fillRef>
-            <a:effectRef idx="0">
-              <a:schemeClr val="accent1"/>
-            </a:effectRef>
-            <a:fontRef idx="minor">
-              <a:schemeClr val="tx1"/>
-            </a:fontRef>
-          </p:style>
-        </p:cxnSp>
-      </p:grpSp>
-      <p:sp>
-        <p:nvSpPr>
-          <p:cNvPr id="28" name="Slide Number Placeholder 27"/>
-          <p:cNvSpPr>
-            <a:spLocks noGrp="1"/>
-          </p:cNvSpPr>
-          <p:nvPr>
-            <p:ph type="sldNum" sz="quarter" idx="17"/>
-          </p:nvPr>
-        </p:nvSpPr>
-        <p:spPr bwMode="gray">
-          <a:xfrm>
-            <a:off x="7416801" y="4623195"/>
-            <a:ext cx="1547813" cy="180580"/>
-          </a:xfrm>
-        </p:spPr>
-        <p:txBody>
-          <a:bodyPr/>
-          <a:lstStyle/>
-          <a:p>
-            <a:r>
-              <a:rPr lang="en-US" dirty="0" smtClean="0"/>
-              <a:t>Chart </a:t>
-            </a:r>
-            <a:fld id="{91D913BA-B0D8-4B51-9328-DFAA0B370309}" type="slidenum">
-              <a:rPr lang="en-US" b="1" smtClean="0"/>
-              <a:pPr/>
-              <a:t>15</a:t>
-            </a:fld>
-            <a:endParaRPr lang="en-US" b="1" dirty="0"/>
-          </a:p>
-        </p:txBody>
-      </p:sp>
-      <p:sp>
-        <p:nvSpPr>
-          <p:cNvPr id="2" name="Date Placeholder 1"/>
-          <p:cNvSpPr>
-            <a:spLocks noGrp="1"/>
-          </p:cNvSpPr>
-          <p:nvPr>
-            <p:ph type="dt" sz="half" idx="15"/>
-          </p:nvPr>
-        </p:nvSpPr>
-        <p:spPr>
-          <a:xfrm>
-            <a:off x="7416801" y="4155928"/>
-            <a:ext cx="1547813" cy="467268"/>
-          </a:xfrm>
-        </p:spPr>
-        <p:txBody>
-          <a:bodyPr/>
-          <a:lstStyle/>
-          <a:p>
-            <a:r>
-              <a:rPr lang="de-DE" smtClean="0"/>
-              <a:t>Aragatgs Amirkhanyan, 17.10.2014</a:t>
-            </a:r>
-            <a:endParaRPr lang="en-US" dirty="0"/>
-          </a:p>
-        </p:txBody>
-      </p:sp>
-      <p:sp>
-        <p:nvSpPr>
-          <p:cNvPr id="3" name="Footer Placeholder 2"/>
-          <p:cNvSpPr>
-            <a:spLocks noGrp="1"/>
-          </p:cNvSpPr>
-          <p:nvPr>
-            <p:ph type="ftr" sz="quarter" idx="16"/>
-          </p:nvPr>
-        </p:nvSpPr>
-        <p:spPr>
-          <a:xfrm>
-            <a:off x="7416801" y="3562453"/>
-            <a:ext cx="1547813" cy="521465"/>
-          </a:xfrm>
-        </p:spPr>
-        <p:txBody>
-          <a:bodyPr/>
-          <a:lstStyle/>
-          <a:p>
-            <a:r>
-              <a:rPr lang="en-US" smtClean="0"/>
-              <a:t>Testbed Automation for Network Security and Security Analytics</a:t>
-            </a:r>
-            <a:endParaRPr lang="en-US" dirty="0"/>
-          </a:p>
-        </p:txBody>
-      </p:sp>
-    </p:spTree>
-    <p:extLst>
-      <p:ext uri="{BB962C8B-B14F-4D97-AF65-F5344CB8AC3E}">
-        <p14:creationId xmlns:p14="http://schemas.microsoft.com/office/powerpoint/2010/main" val="2427557884"/>
-      </p:ext>
-    </p:extLst>
-  </p:cSld>
-  <p:clrMapOvr>
-    <a:masterClrMapping/>
-  </p:clrMapOvr>
-  <p:transition>
-    <p:fade/>
-  </p:transition>
-  <p:timing>
-    <p:tnLst>
-      <p:par>
-        <p:cTn id="1" dur="indefinite" restart="never" nodeType="tmRoot"/>
-      </p:par>
-    </p:tnLst>
-  </p:timing>
-</p:sld>
-</file>
-
-<file path=ppt/slides/slide16.xml><?xml version="1.0" encoding="utf-8"?>
-<p:sld xmlns:a="http://schemas.openxmlformats.org/drawingml/2006/main" xmlns:r="http://schemas.openxmlformats.org/officeDocument/2006/relationships" xmlns:p="http://schemas.openxmlformats.org/presentationml/2006/main" show="0">
-  <p:cSld>
-    <p:spTree>
-      <p:nvGrpSpPr>
-        <p:cNvPr id="1" name=""/>
-        <p:cNvGrpSpPr/>
-        <p:nvPr/>
-      </p:nvGrpSpPr>
-      <p:grpSpPr>
-        <a:xfrm>
-          <a:off x="0" y="0"/>
-          <a:ext cx="0" cy="0"/>
-          <a:chOff x="0" y="0"/>
-          <a:chExt cx="0" cy="0"/>
-        </a:xfrm>
-      </p:grpSpPr>
-      <p:sp>
-        <p:nvSpPr>
-          <p:cNvPr id="4" name="Title 3"/>
-          <p:cNvSpPr>
-            <a:spLocks noGrp="1"/>
-          </p:cNvSpPr>
-          <p:nvPr>
-            <p:ph type="title"/>
-          </p:nvPr>
-        </p:nvSpPr>
-        <p:spPr bwMode="gray"/>
-        <p:txBody>
-          <a:bodyPr/>
-          <a:lstStyle/>
-          <a:p>
-            <a:r>
-              <a:rPr lang="en-US" dirty="0" smtClean="0"/>
-              <a:t>Explanations</a:t>
-            </a:r>
-            <a:br>
-              <a:rPr lang="en-US" dirty="0" smtClean="0"/>
-            </a:br>
-            <a:r>
-              <a:rPr lang="en-US" dirty="0" smtClean="0"/>
-              <a:t>- Footer</a:t>
-            </a:r>
-            <a:endParaRPr lang="en-US" dirty="0"/>
-          </a:p>
-        </p:txBody>
-      </p:sp>
-      <p:sp>
-        <p:nvSpPr>
-          <p:cNvPr id="3" name="Text Placeholder 2"/>
-          <p:cNvSpPr>
-            <a:spLocks noGrp="1"/>
-          </p:cNvSpPr>
-          <p:nvPr>
-            <p:ph type="body" sz="quarter" idx="13"/>
-          </p:nvPr>
-        </p:nvSpPr>
-        <p:spPr bwMode="gray"/>
-        <p:txBody>
-          <a:bodyPr/>
-          <a:lstStyle/>
-          <a:p>
-            <a:r>
-              <a:rPr lang="en-GB" noProof="1" smtClean="0"/>
-              <a:t>You can insert or change </a:t>
-            </a:r>
-            <a:br>
-              <a:rPr lang="en-GB" noProof="1" smtClean="0"/>
-            </a:br>
-            <a:r>
-              <a:rPr lang="en-GB" noProof="1" smtClean="0"/>
-              <a:t>your presentation‘s footer. </a:t>
-            </a:r>
-            <a:br>
-              <a:rPr lang="en-GB" noProof="1" smtClean="0"/>
-            </a:br>
-            <a:r>
-              <a:rPr lang="en-GB" noProof="1" smtClean="0"/>
-              <a:t>Click on the Insert-tab | Header </a:t>
-            </a:r>
-            <a:br>
-              <a:rPr lang="en-GB" noProof="1" smtClean="0"/>
-            </a:br>
-            <a:r>
-              <a:rPr lang="en-GB" noProof="1" smtClean="0"/>
-              <a:t>and Footer | After filling in your descriptions click on </a:t>
-            </a:r>
-            <a:r>
-              <a:rPr lang="en-GB" b="1" noProof="1" smtClean="0"/>
-              <a:t>Apply to All.</a:t>
-            </a:r>
-            <a:endParaRPr lang="en-GB" noProof="1" smtClean="0"/>
-          </a:p>
-          <a:p>
-            <a:r>
-              <a:rPr lang="en-GB" b="1" noProof="1" smtClean="0"/>
-              <a:t/>
-            </a:r>
-            <a:br>
-              <a:rPr lang="en-GB" b="1" noProof="1" smtClean="0"/>
-            </a:br>
-            <a:r>
-              <a:rPr lang="en-GB" b="1" noProof="1" smtClean="0"/>
-              <a:t>Descriptions:</a:t>
-            </a:r>
-          </a:p>
-          <a:p>
-            <a:pPr lvl="1"/>
-            <a:r>
-              <a:rPr lang="en-GB" noProof="1" smtClean="0"/>
-              <a:t>Activate date and time and write in:</a:t>
-            </a:r>
-            <a:r>
-              <a:rPr lang="en-US" i="1" dirty="0" smtClean="0"/>
-              <a:t>Speaker, Job Description</a:t>
-            </a:r>
-          </a:p>
-          <a:p>
-            <a:pPr lvl="1"/>
-            <a:r>
-              <a:rPr lang="en-GB" noProof="1" smtClean="0"/>
-              <a:t>Activate the slide number.</a:t>
-            </a:r>
-          </a:p>
-          <a:p>
-            <a:pPr lvl="1"/>
-            <a:r>
-              <a:rPr lang="en-GB" noProof="1" smtClean="0"/>
-              <a:t>Activate the footer and write in:</a:t>
-            </a:r>
-            <a:br>
-              <a:rPr lang="en-GB" noProof="1" smtClean="0"/>
-            </a:br>
-            <a:r>
-              <a:rPr lang="en-US" i="1" dirty="0" smtClean="0"/>
-              <a:t>Presentation Title</a:t>
-            </a:r>
-            <a:br>
-              <a:rPr lang="en-US" i="1" dirty="0" smtClean="0"/>
-            </a:br>
-            <a:endParaRPr lang="en-US" i="1" dirty="0" smtClean="0"/>
-          </a:p>
-          <a:p>
-            <a:r>
-              <a:rPr lang="de-DE" b="1" dirty="0" err="1" smtClean="0">
-                <a:solidFill>
-                  <a:schemeClr val="accent1"/>
-                </a:solidFill>
-              </a:rPr>
-              <a:t>Don‘t</a:t>
-            </a:r>
-            <a:r>
-              <a:rPr lang="de-DE" b="1" dirty="0" smtClean="0">
-                <a:solidFill>
-                  <a:schemeClr val="accent1"/>
-                </a:solidFill>
-              </a:rPr>
-              <a:t> </a:t>
-            </a:r>
-            <a:r>
-              <a:rPr lang="de-DE" b="1" dirty="0" err="1" smtClean="0">
-                <a:solidFill>
-                  <a:schemeClr val="accent1"/>
-                </a:solidFill>
-              </a:rPr>
-              <a:t>use</a:t>
-            </a:r>
-            <a:r>
-              <a:rPr lang="de-DE" b="1" dirty="0" smtClean="0">
-                <a:solidFill>
-                  <a:schemeClr val="accent1"/>
-                </a:solidFill>
-              </a:rPr>
-              <a:t> </a:t>
-            </a:r>
-            <a:r>
-              <a:rPr lang="de-DE" b="1" dirty="0" err="1" smtClean="0">
-                <a:solidFill>
-                  <a:schemeClr val="accent1"/>
-                </a:solidFill>
-              </a:rPr>
-              <a:t>the</a:t>
-            </a:r>
-            <a:r>
-              <a:rPr lang="de-DE" b="1" dirty="0" smtClean="0">
-                <a:solidFill>
-                  <a:schemeClr val="accent1"/>
-                </a:solidFill>
-              </a:rPr>
-              <a:t> </a:t>
-            </a:r>
-            <a:r>
-              <a:rPr lang="de-DE" b="1" dirty="0" err="1" smtClean="0">
-                <a:solidFill>
-                  <a:schemeClr val="accent1"/>
-                </a:solidFill>
-              </a:rPr>
-              <a:t>template</a:t>
-            </a:r>
-            <a:r>
-              <a:rPr lang="de-DE" b="1" dirty="0" smtClean="0">
-                <a:solidFill>
-                  <a:schemeClr val="accent1"/>
-                </a:solidFill>
-              </a:rPr>
-              <a:t> </a:t>
-            </a:r>
-            <a:br>
-              <a:rPr lang="de-DE" b="1" dirty="0" smtClean="0">
-                <a:solidFill>
-                  <a:schemeClr val="accent1"/>
-                </a:solidFill>
-              </a:rPr>
-            </a:br>
-            <a:r>
-              <a:rPr lang="de-DE" b="1" dirty="0" err="1" smtClean="0">
-                <a:solidFill>
-                  <a:schemeClr val="accent1"/>
-                </a:solidFill>
-              </a:rPr>
-              <a:t>without</a:t>
-            </a:r>
-            <a:r>
-              <a:rPr lang="de-DE" b="1" dirty="0" smtClean="0">
-                <a:solidFill>
-                  <a:schemeClr val="accent1"/>
-                </a:solidFill>
-              </a:rPr>
-              <a:t> </a:t>
-            </a:r>
-            <a:r>
-              <a:rPr lang="de-DE" b="1" dirty="0" err="1" smtClean="0">
-                <a:solidFill>
-                  <a:schemeClr val="accent1"/>
-                </a:solidFill>
-              </a:rPr>
-              <a:t>the</a:t>
-            </a:r>
-            <a:r>
-              <a:rPr lang="de-DE" b="1" dirty="0" smtClean="0">
-                <a:solidFill>
-                  <a:schemeClr val="accent1"/>
-                </a:solidFill>
-              </a:rPr>
-              <a:t> </a:t>
-            </a:r>
-            <a:r>
-              <a:rPr lang="de-DE" b="1" dirty="0" err="1" smtClean="0">
-                <a:solidFill>
-                  <a:schemeClr val="accent1"/>
-                </a:solidFill>
-              </a:rPr>
-              <a:t>complete</a:t>
-            </a:r>
-            <a:r>
-              <a:rPr lang="de-DE" b="1" dirty="0" smtClean="0">
-                <a:solidFill>
-                  <a:schemeClr val="accent1"/>
-                </a:solidFill>
-              </a:rPr>
-              <a:t> </a:t>
-            </a:r>
-            <a:r>
-              <a:rPr lang="de-DE" b="1" dirty="0" err="1" smtClean="0">
-                <a:solidFill>
-                  <a:schemeClr val="accent1"/>
-                </a:solidFill>
-              </a:rPr>
-              <a:t>footer</a:t>
-            </a:r>
-            <a:r>
-              <a:rPr lang="de-DE" b="1" dirty="0" smtClean="0">
-                <a:solidFill>
-                  <a:schemeClr val="accent1"/>
-                </a:solidFill>
-              </a:rPr>
-              <a:t>.</a:t>
-            </a:r>
-            <a:endParaRPr lang="en-US" b="1" dirty="0" smtClean="0">
-              <a:solidFill>
-                <a:schemeClr val="accent1"/>
-              </a:solidFill>
-            </a:endParaRPr>
-          </a:p>
-          <a:p>
-            <a:endParaRPr lang="en-US" dirty="0"/>
-          </a:p>
-        </p:txBody>
-      </p:sp>
-      <p:pic>
-        <p:nvPicPr>
-          <p:cNvPr id="7170" name="Picture 2"/>
-          <p:cNvPicPr>
-            <a:picLocks noChangeAspect="1" noChangeArrowheads="1"/>
-          </p:cNvPicPr>
-          <p:nvPr/>
-        </p:nvPicPr>
-        <p:blipFill>
-          <a:blip r:embed="rId3">
-            <a:extLst>
-              <a:ext uri="{28A0092B-C50C-407E-A947-70E740481C1C}">
-                <a14:useLocalDpi xmlns:a14="http://schemas.microsoft.com/office/drawing/2010/main"/>
-              </a:ext>
-            </a:extLst>
-          </a:blip>
-          <a:srcRect/>
-          <a:stretch>
-            <a:fillRect/>
-          </a:stretch>
-        </p:blipFill>
-        <p:spPr bwMode="gray">
-          <a:xfrm>
-            <a:off x="179389" y="2088752"/>
-            <a:ext cx="3529012" cy="2715023"/>
-          </a:xfrm>
-          <a:prstGeom prst="rect">
-            <a:avLst/>
-          </a:prstGeom>
-          <a:noFill/>
-          <a:ln>
-            <a:noFill/>
-          </a:ln>
-          <a:effectLst/>
-          <a:extLst>
-            <a:ext uri="{909E8E84-426E-40DD-AFC4-6F175D3DCCD1}">
-              <a14:hiddenFill xmlns:a14="http://schemas.microsoft.com/office/drawing/2010/main">
-                <a:solidFill>
-                  <a:schemeClr val="accent1"/>
-                </a:solidFill>
-              </a14:hiddenFill>
-            </a:ext>
-            <a:ext uri="{91240B29-F687-4F45-9708-019B960494DF}">
-              <a14:hiddenLine xmlns:a14="http://schemas.microsoft.com/office/drawing/2010/main" w="9525">
-                <a:solidFill>
-                  <a:schemeClr val="tx1"/>
-                </a:solidFill>
-                <a:miter lim="800000"/>
-                <a:headEnd/>
-                <a:tailEnd/>
-              </a14:hiddenLine>
-            </a:ext>
-            <a:ext uri="{AF507438-7753-43E0-B8FC-AC1667EBCBE1}">
-              <a14:hiddenEffects xmlns:a14="http://schemas.microsoft.com/office/drawing/2010/main">
-                <a:effectLst>
-                  <a:outerShdw dist="35921" dir="2700000" algn="ctr" rotWithShape="0">
-                    <a:schemeClr val="bg2"/>
-                  </a:outerShdw>
-                </a:effectLst>
-              </a14:hiddenEffects>
-            </a:ext>
-          </a:extLst>
-        </p:spPr>
-      </p:pic>
-      <p:pic>
-        <p:nvPicPr>
-          <p:cNvPr id="7171" name="Picture 3"/>
-          <p:cNvPicPr>
-            <a:picLocks noChangeAspect="1" noChangeArrowheads="1"/>
-          </p:cNvPicPr>
-          <p:nvPr/>
-        </p:nvPicPr>
-        <p:blipFill>
-          <a:blip r:embed="rId4" cstate="screen">
-            <a:extLst>
-              <a:ext uri="{28A0092B-C50C-407E-A947-70E740481C1C}">
-                <a14:useLocalDpi xmlns:a14="http://schemas.microsoft.com/office/drawing/2010/main"/>
-              </a:ext>
-            </a:extLst>
-          </a:blip>
-          <a:srcRect/>
-          <a:stretch>
-            <a:fillRect/>
-          </a:stretch>
-        </p:blipFill>
-        <p:spPr bwMode="gray">
-          <a:xfrm>
-            <a:off x="179390" y="1239838"/>
-            <a:ext cx="3529012" cy="850506"/>
-          </a:xfrm>
-          <a:prstGeom prst="rect">
-            <a:avLst/>
-          </a:prstGeom>
-          <a:noFill/>
-          <a:ln>
-            <a:noFill/>
-          </a:ln>
-          <a:effectLst/>
-          <a:extLst>
-            <a:ext uri="{909E8E84-426E-40DD-AFC4-6F175D3DCCD1}">
-              <a14:hiddenFill xmlns:a14="http://schemas.microsoft.com/office/drawing/2010/main">
-                <a:solidFill>
-                  <a:schemeClr val="accent1"/>
-                </a:solidFill>
-              </a14:hiddenFill>
-            </a:ext>
-            <a:ext uri="{91240B29-F687-4F45-9708-019B960494DF}">
-              <a14:hiddenLine xmlns:a14="http://schemas.microsoft.com/office/drawing/2010/main" w="9525">
-                <a:solidFill>
-                  <a:schemeClr val="tx1"/>
-                </a:solidFill>
-                <a:miter lim="800000"/>
-                <a:headEnd/>
-                <a:tailEnd/>
-              </a14:hiddenLine>
-            </a:ext>
-            <a:ext uri="{AF507438-7753-43E0-B8FC-AC1667EBCBE1}">
-              <a14:hiddenEffects xmlns:a14="http://schemas.microsoft.com/office/drawing/2010/main">
-                <a:effectLst>
-                  <a:outerShdw dist="35921" dir="2700000" algn="ctr" rotWithShape="0">
-                    <a:schemeClr val="bg2"/>
-                  </a:outerShdw>
-                </a:effectLst>
-              </a14:hiddenEffects>
-            </a:ext>
-          </a:extLst>
-        </p:spPr>
-      </p:pic>
-      <p:sp>
-        <p:nvSpPr>
-          <p:cNvPr id="16" name="Rectangle 15"/>
-          <p:cNvSpPr/>
-          <p:nvPr/>
-        </p:nvSpPr>
-        <p:spPr bwMode="gray">
-          <a:xfrm>
-            <a:off x="381490" y="2715766"/>
-            <a:ext cx="129033" cy="129033"/>
-          </a:xfrm>
-          <a:prstGeom prst="rect">
-            <a:avLst/>
-          </a:prstGeom>
-          <a:noFill/>
-          <a:ln w="19050">
-            <a:solidFill>
-              <a:schemeClr val="accent1"/>
-            </a:solidFill>
-          </a:ln>
-        </p:spPr>
-        <p:style>
-          <a:lnRef idx="2">
-            <a:schemeClr val="accent1">
-              <a:shade val="50000"/>
-            </a:schemeClr>
-          </a:lnRef>
-          <a:fillRef idx="1">
-            <a:schemeClr val="accent1"/>
-          </a:fillRef>
-          <a:effectRef idx="0">
-            <a:schemeClr val="accent1"/>
-          </a:effectRef>
-          <a:fontRef idx="minor">
-            <a:schemeClr val="lt1"/>
-          </a:fontRef>
-        </p:style>
-        <p:txBody>
-          <a:bodyPr rot="0" spcFirstLastPara="0" vertOverflow="overflow" horzOverflow="overflow" vert="horz" wrap="square" lIns="108000" tIns="72000" rIns="108000" bIns="72000" numCol="1" spcCol="0" rtlCol="0" fromWordArt="0" anchor="ctr" anchorCtr="0" forceAA="0" compatLnSpc="1">
-            <a:prstTxWarp prst="textNoShape">
-              <a:avLst/>
-            </a:prstTxWarp>
-            <a:noAutofit/>
-          </a:bodyPr>
-          <a:lstStyle/>
-          <a:p>
-            <a:pPr algn="ctr">
-              <a:spcBef>
-                <a:spcPts val="300"/>
-              </a:spcBef>
-              <a:spcAft>
-                <a:spcPts val="300"/>
-              </a:spcAft>
-            </a:pPr>
-            <a:endParaRPr lang="en-US" sz="1200" b="1" dirty="0" err="1" smtClean="0">
-              <a:solidFill>
-                <a:schemeClr val="bg1"/>
-              </a:solidFill>
-            </a:endParaRPr>
-          </a:p>
-        </p:txBody>
-      </p:sp>
-      <p:sp>
-        <p:nvSpPr>
-          <p:cNvPr id="19" name="Rectangle 18"/>
-          <p:cNvSpPr/>
-          <p:nvPr/>
-        </p:nvSpPr>
-        <p:spPr bwMode="gray">
-          <a:xfrm>
-            <a:off x="658842" y="3637423"/>
-            <a:ext cx="2076953" cy="149224"/>
-          </a:xfrm>
-          <a:prstGeom prst="rect">
-            <a:avLst/>
-          </a:prstGeom>
-          <a:noFill/>
-          <a:ln w="19050">
-            <a:solidFill>
-              <a:schemeClr val="accent1"/>
-            </a:solidFill>
-          </a:ln>
-        </p:spPr>
-        <p:style>
-          <a:lnRef idx="2">
-            <a:schemeClr val="accent1">
-              <a:shade val="50000"/>
-            </a:schemeClr>
-          </a:lnRef>
-          <a:fillRef idx="1">
-            <a:schemeClr val="accent1"/>
-          </a:fillRef>
-          <a:effectRef idx="0">
-            <a:schemeClr val="accent1"/>
-          </a:effectRef>
-          <a:fontRef idx="minor">
-            <a:schemeClr val="lt1"/>
-          </a:fontRef>
-        </p:style>
-        <p:txBody>
-          <a:bodyPr rot="0" spcFirstLastPara="0" vertOverflow="overflow" horzOverflow="overflow" vert="horz" wrap="square" lIns="108000" tIns="72000" rIns="108000" bIns="72000" numCol="1" spcCol="0" rtlCol="0" fromWordArt="0" anchor="ctr" anchorCtr="0" forceAA="0" compatLnSpc="1">
-            <a:prstTxWarp prst="textNoShape">
-              <a:avLst/>
-            </a:prstTxWarp>
-            <a:noAutofit/>
-          </a:bodyPr>
-          <a:lstStyle/>
-          <a:p>
-            <a:pPr algn="ctr">
-              <a:spcBef>
-                <a:spcPts val="300"/>
-              </a:spcBef>
-              <a:spcAft>
-                <a:spcPts val="300"/>
-              </a:spcAft>
-            </a:pPr>
-            <a:endParaRPr lang="en-US" sz="1200" b="1" dirty="0" err="1" smtClean="0">
-              <a:solidFill>
-                <a:schemeClr val="bg1"/>
-              </a:solidFill>
-            </a:endParaRPr>
-          </a:p>
-        </p:txBody>
-      </p:sp>
-      <p:sp>
-        <p:nvSpPr>
-          <p:cNvPr id="20" name="Rectangle 19"/>
-          <p:cNvSpPr/>
-          <p:nvPr/>
-        </p:nvSpPr>
-        <p:spPr bwMode="gray">
-          <a:xfrm>
-            <a:off x="532295" y="4112665"/>
-            <a:ext cx="2203500" cy="149224"/>
-          </a:xfrm>
-          <a:prstGeom prst="rect">
-            <a:avLst/>
-          </a:prstGeom>
-          <a:noFill/>
-          <a:ln w="19050">
-            <a:solidFill>
-              <a:schemeClr val="accent1"/>
-            </a:solidFill>
-          </a:ln>
-        </p:spPr>
-        <p:style>
-          <a:lnRef idx="2">
-            <a:schemeClr val="accent1">
-              <a:shade val="50000"/>
-            </a:schemeClr>
-          </a:lnRef>
-          <a:fillRef idx="1">
-            <a:schemeClr val="accent1"/>
-          </a:fillRef>
-          <a:effectRef idx="0">
-            <a:schemeClr val="accent1"/>
-          </a:effectRef>
-          <a:fontRef idx="minor">
-            <a:schemeClr val="lt1"/>
-          </a:fontRef>
-        </p:style>
-        <p:txBody>
-          <a:bodyPr rot="0" spcFirstLastPara="0" vertOverflow="overflow" horzOverflow="overflow" vert="horz" wrap="square" lIns="108000" tIns="72000" rIns="108000" bIns="72000" numCol="1" spcCol="0" rtlCol="0" fromWordArt="0" anchor="ctr" anchorCtr="0" forceAA="0" compatLnSpc="1">
-            <a:prstTxWarp prst="textNoShape">
-              <a:avLst/>
-            </a:prstTxWarp>
-            <a:noAutofit/>
-          </a:bodyPr>
-          <a:lstStyle/>
-          <a:p>
-            <a:pPr algn="ctr">
-              <a:spcBef>
-                <a:spcPts val="300"/>
-              </a:spcBef>
-              <a:spcAft>
-                <a:spcPts val="300"/>
-              </a:spcAft>
-            </a:pPr>
-            <a:endParaRPr lang="en-US" sz="1200" b="1" dirty="0" err="1" smtClean="0">
-              <a:solidFill>
-                <a:schemeClr val="bg1"/>
-              </a:solidFill>
-            </a:endParaRPr>
-          </a:p>
-        </p:txBody>
-      </p:sp>
-      <p:sp>
-        <p:nvSpPr>
-          <p:cNvPr id="21" name="Rectangle 20"/>
-          <p:cNvSpPr/>
-          <p:nvPr/>
-        </p:nvSpPr>
-        <p:spPr bwMode="gray">
-          <a:xfrm>
-            <a:off x="381490" y="3811595"/>
-            <a:ext cx="129033" cy="129033"/>
-          </a:xfrm>
-          <a:prstGeom prst="rect">
-            <a:avLst/>
-          </a:prstGeom>
-          <a:noFill/>
-          <a:ln w="19050">
-            <a:solidFill>
-              <a:schemeClr val="accent1"/>
-            </a:solidFill>
-          </a:ln>
-        </p:spPr>
-        <p:style>
-          <a:lnRef idx="2">
-            <a:schemeClr val="accent1">
-              <a:shade val="50000"/>
-            </a:schemeClr>
-          </a:lnRef>
-          <a:fillRef idx="1">
-            <a:schemeClr val="accent1"/>
-          </a:fillRef>
-          <a:effectRef idx="0">
-            <a:schemeClr val="accent1"/>
-          </a:effectRef>
-          <a:fontRef idx="minor">
-            <a:schemeClr val="lt1"/>
-          </a:fontRef>
-        </p:style>
-        <p:txBody>
-          <a:bodyPr rot="0" spcFirstLastPara="0" vertOverflow="overflow" horzOverflow="overflow" vert="horz" wrap="square" lIns="108000" tIns="72000" rIns="108000" bIns="72000" numCol="1" spcCol="0" rtlCol="0" fromWordArt="0" anchor="ctr" anchorCtr="0" forceAA="0" compatLnSpc="1">
-            <a:prstTxWarp prst="textNoShape">
-              <a:avLst/>
-            </a:prstTxWarp>
-            <a:noAutofit/>
-          </a:bodyPr>
-          <a:lstStyle/>
-          <a:p>
-            <a:pPr algn="ctr">
-              <a:spcBef>
-                <a:spcPts val="300"/>
-              </a:spcBef>
-              <a:spcAft>
-                <a:spcPts val="300"/>
-              </a:spcAft>
-            </a:pPr>
-            <a:endParaRPr lang="en-US" sz="1200" b="1" dirty="0" err="1" smtClean="0">
-              <a:solidFill>
-                <a:schemeClr val="bg1"/>
-              </a:solidFill>
-            </a:endParaRPr>
-          </a:p>
-        </p:txBody>
-      </p:sp>
-      <p:sp>
-        <p:nvSpPr>
-          <p:cNvPr id="22" name="Rectangle 21"/>
-          <p:cNvSpPr/>
-          <p:nvPr/>
-        </p:nvSpPr>
-        <p:spPr bwMode="gray">
-          <a:xfrm>
-            <a:off x="381490" y="3956738"/>
-            <a:ext cx="129033" cy="129033"/>
-          </a:xfrm>
-          <a:prstGeom prst="rect">
-            <a:avLst/>
-          </a:prstGeom>
-          <a:noFill/>
-          <a:ln w="19050">
-            <a:solidFill>
-              <a:schemeClr val="accent1"/>
-            </a:solidFill>
-          </a:ln>
-        </p:spPr>
-        <p:style>
-          <a:lnRef idx="2">
-            <a:schemeClr val="accent1">
-              <a:shade val="50000"/>
-            </a:schemeClr>
-          </a:lnRef>
-          <a:fillRef idx="1">
-            <a:schemeClr val="accent1"/>
-          </a:fillRef>
-          <a:effectRef idx="0">
-            <a:schemeClr val="accent1"/>
-          </a:effectRef>
-          <a:fontRef idx="minor">
-            <a:schemeClr val="lt1"/>
-          </a:fontRef>
-        </p:style>
-        <p:txBody>
-          <a:bodyPr rot="0" spcFirstLastPara="0" vertOverflow="overflow" horzOverflow="overflow" vert="horz" wrap="square" lIns="108000" tIns="72000" rIns="108000" bIns="72000" numCol="1" spcCol="0" rtlCol="0" fromWordArt="0" anchor="ctr" anchorCtr="0" forceAA="0" compatLnSpc="1">
-            <a:prstTxWarp prst="textNoShape">
-              <a:avLst/>
-            </a:prstTxWarp>
-            <a:noAutofit/>
-          </a:bodyPr>
-          <a:lstStyle/>
-          <a:p>
-            <a:pPr algn="ctr">
-              <a:spcBef>
-                <a:spcPts val="300"/>
-              </a:spcBef>
-              <a:spcAft>
-                <a:spcPts val="300"/>
-              </a:spcAft>
-            </a:pPr>
-            <a:endParaRPr lang="en-US" sz="1200" b="1" dirty="0" err="1" smtClean="0">
-              <a:solidFill>
-                <a:schemeClr val="bg1"/>
-              </a:solidFill>
-            </a:endParaRPr>
-          </a:p>
-        </p:txBody>
-      </p:sp>
-      <p:sp>
-        <p:nvSpPr>
-          <p:cNvPr id="24" name="Slide Number Placeholder 23"/>
-          <p:cNvSpPr>
-            <a:spLocks noGrp="1"/>
-          </p:cNvSpPr>
-          <p:nvPr>
-            <p:ph type="sldNum" sz="quarter" idx="17"/>
-          </p:nvPr>
-        </p:nvSpPr>
-        <p:spPr bwMode="gray">
-          <a:xfrm>
-            <a:off x="7416801" y="4623195"/>
-            <a:ext cx="1547813" cy="180580"/>
-          </a:xfrm>
-        </p:spPr>
-        <p:txBody>
-          <a:bodyPr/>
-          <a:lstStyle/>
-          <a:p>
-            <a:r>
-              <a:rPr lang="en-US" smtClean="0"/>
-              <a:t>Chart </a:t>
-            </a:r>
-            <a:fld id="{91D913BA-B0D8-4B51-9328-DFAA0B370309}" type="slidenum">
-              <a:rPr lang="en-US" b="1" smtClean="0"/>
-              <a:pPr/>
-              <a:t>16</a:t>
-            </a:fld>
-            <a:endParaRPr lang="en-US" b="1" dirty="0"/>
-          </a:p>
-        </p:txBody>
-      </p:sp>
-      <p:sp>
-        <p:nvSpPr>
-          <p:cNvPr id="13" name="Rectangle 12"/>
-          <p:cNvSpPr/>
-          <p:nvPr/>
-        </p:nvSpPr>
-        <p:spPr bwMode="gray">
-          <a:xfrm>
-            <a:off x="2944843" y="2592394"/>
-            <a:ext cx="547038" cy="149224"/>
-          </a:xfrm>
-          <a:prstGeom prst="rect">
-            <a:avLst/>
-          </a:prstGeom>
-          <a:noFill/>
-          <a:ln w="19050">
-            <a:solidFill>
-              <a:schemeClr val="accent1"/>
-            </a:solidFill>
-          </a:ln>
-        </p:spPr>
-        <p:style>
-          <a:lnRef idx="2">
-            <a:schemeClr val="accent1">
-              <a:shade val="50000"/>
-            </a:schemeClr>
-          </a:lnRef>
-          <a:fillRef idx="1">
-            <a:schemeClr val="accent1"/>
-          </a:fillRef>
-          <a:effectRef idx="0">
-            <a:schemeClr val="accent1"/>
-          </a:effectRef>
-          <a:fontRef idx="minor">
-            <a:schemeClr val="lt1"/>
-          </a:fontRef>
-        </p:style>
-        <p:txBody>
-          <a:bodyPr rot="0" spcFirstLastPara="0" vertOverflow="overflow" horzOverflow="overflow" vert="horz" wrap="square" lIns="108000" tIns="72000" rIns="108000" bIns="72000" numCol="1" spcCol="0" rtlCol="0" fromWordArt="0" anchor="ctr" anchorCtr="0" forceAA="0" compatLnSpc="1">
-            <a:prstTxWarp prst="textNoShape">
-              <a:avLst/>
-            </a:prstTxWarp>
-            <a:noAutofit/>
-          </a:bodyPr>
-          <a:lstStyle/>
-          <a:p>
-            <a:pPr algn="ctr">
-              <a:spcBef>
-                <a:spcPts val="300"/>
-              </a:spcBef>
-              <a:spcAft>
-                <a:spcPts val="300"/>
-              </a:spcAft>
-            </a:pPr>
-            <a:endParaRPr lang="en-US" sz="1200" b="1" dirty="0" err="1" smtClean="0">
-              <a:solidFill>
-                <a:schemeClr val="bg1"/>
-              </a:solidFill>
-            </a:endParaRPr>
-          </a:p>
-        </p:txBody>
-      </p:sp>
-      <p:sp>
-        <p:nvSpPr>
-          <p:cNvPr id="2" name="Date Placeholder 1"/>
-          <p:cNvSpPr>
-            <a:spLocks noGrp="1"/>
-          </p:cNvSpPr>
-          <p:nvPr>
-            <p:ph type="dt" sz="half" idx="15"/>
-          </p:nvPr>
-        </p:nvSpPr>
-        <p:spPr>
-          <a:xfrm>
-            <a:off x="7416801" y="4155928"/>
-            <a:ext cx="1547813" cy="467268"/>
-          </a:xfrm>
-        </p:spPr>
-        <p:txBody>
-          <a:bodyPr/>
-          <a:lstStyle/>
-          <a:p>
-            <a:r>
-              <a:rPr lang="de-DE" smtClean="0"/>
-              <a:t>Aragatgs Amirkhanyan, 17.10.2014</a:t>
-            </a:r>
-            <a:endParaRPr lang="en-US" dirty="0"/>
-          </a:p>
-        </p:txBody>
-      </p:sp>
-      <p:sp>
-        <p:nvSpPr>
-          <p:cNvPr id="5" name="Footer Placeholder 4"/>
-          <p:cNvSpPr>
-            <a:spLocks noGrp="1"/>
-          </p:cNvSpPr>
-          <p:nvPr>
-            <p:ph type="ftr" sz="quarter" idx="16"/>
-          </p:nvPr>
-        </p:nvSpPr>
-        <p:spPr>
-          <a:xfrm>
-            <a:off x="7416801" y="3562453"/>
-            <a:ext cx="1547813" cy="521465"/>
-          </a:xfrm>
-        </p:spPr>
-        <p:txBody>
-          <a:bodyPr/>
-          <a:lstStyle/>
-          <a:p>
-            <a:r>
-              <a:rPr lang="en-US" smtClean="0"/>
-              <a:t>Testbed Automation for Network Security and Security Analytics</a:t>
-            </a:r>
-            <a:endParaRPr lang="en-US" dirty="0"/>
-          </a:p>
-        </p:txBody>
-      </p:sp>
-    </p:spTree>
-    <p:extLst>
-      <p:ext uri="{BB962C8B-B14F-4D97-AF65-F5344CB8AC3E}">
-        <p14:creationId xmlns:p14="http://schemas.microsoft.com/office/powerpoint/2010/main" val="1498376168"/>
-      </p:ext>
-    </p:extLst>
-  </p:cSld>
-  <p:clrMapOvr>
-    <a:masterClrMapping/>
-  </p:clrMapOvr>
-  <p:transition>
-    <p:fade/>
-  </p:transition>
-  <p:timing>
-    <p:tnLst>
-      <p:par>
-        <p:cTn id="1" dur="indefinite" restart="never" nodeType="tmRoot"/>
-      </p:par>
-    </p:tnLst>
-  </p:timing>
-</p:sld>
-</file>
-
-<file path=ppt/slides/slide17.xml><?xml version="1.0" encoding="utf-8"?>
-<p:sld xmlns:a="http://schemas.openxmlformats.org/drawingml/2006/main" xmlns:r="http://schemas.openxmlformats.org/officeDocument/2006/relationships" xmlns:p="http://schemas.openxmlformats.org/presentationml/2006/main" show="0">
-  <p:cSld>
-    <p:spTree>
-      <p:nvGrpSpPr>
-        <p:cNvPr id="1" name=""/>
-        <p:cNvGrpSpPr/>
-        <p:nvPr/>
-      </p:nvGrpSpPr>
-      <p:grpSpPr>
-        <a:xfrm>
-          <a:off x="0" y="0"/>
-          <a:ext cx="0" cy="0"/>
-          <a:chOff x="0" y="0"/>
-          <a:chExt cx="0" cy="0"/>
-        </a:xfrm>
-      </p:grpSpPr>
-      <p:sp>
-        <p:nvSpPr>
-          <p:cNvPr id="2" name="Title 1"/>
-          <p:cNvSpPr>
-            <a:spLocks noGrp="1"/>
-          </p:cNvSpPr>
-          <p:nvPr>
-            <p:ph type="title"/>
-          </p:nvPr>
-        </p:nvSpPr>
-        <p:spPr bwMode="gray"/>
-        <p:txBody>
-          <a:bodyPr/>
-          <a:lstStyle/>
-          <a:p>
-            <a:r>
-              <a:rPr lang="en-US" dirty="0" smtClean="0"/>
-              <a:t>Explanations</a:t>
-            </a:r>
-            <a:br>
-              <a:rPr lang="en-US" dirty="0" smtClean="0"/>
-            </a:br>
-            <a:r>
-              <a:rPr lang="en-US" dirty="0" smtClean="0"/>
-              <a:t>- Drawing guides</a:t>
-            </a:r>
-            <a:endParaRPr lang="en-US" dirty="0"/>
-          </a:p>
-        </p:txBody>
-      </p:sp>
-      <p:sp>
-        <p:nvSpPr>
-          <p:cNvPr id="3" name="Text Placeholder 2"/>
-          <p:cNvSpPr>
-            <a:spLocks noGrp="1"/>
-          </p:cNvSpPr>
-          <p:nvPr>
-            <p:ph type="body" sz="quarter" idx="13"/>
-          </p:nvPr>
-        </p:nvSpPr>
-        <p:spPr bwMode="gray"/>
-        <p:txBody>
-          <a:bodyPr/>
-          <a:lstStyle/>
-          <a:p>
-            <a:r>
-              <a:rPr lang="en-US" noProof="1" smtClean="0"/>
-              <a:t>You can enable your guide-lines to align objects on the slide </a:t>
-            </a:r>
-            <a:r>
-              <a:rPr lang="en-US" b="1" noProof="1" smtClean="0"/>
-              <a:t>(View | Show | Select the option „Guides“)</a:t>
-            </a:r>
-          </a:p>
-          <a:p>
-            <a:r>
-              <a:rPr lang="en-US" noProof="1" smtClean="0"/>
-              <a:t>Or hit the right mouse button outside </a:t>
-            </a:r>
-            <a:br>
-              <a:rPr lang="en-US" noProof="1" smtClean="0"/>
-            </a:br>
-            <a:r>
-              <a:rPr lang="en-US" noProof="1" smtClean="0"/>
-              <a:t>the slide and go at </a:t>
-            </a:r>
-            <a:br>
-              <a:rPr lang="en-US" noProof="1" smtClean="0"/>
-            </a:br>
-            <a:r>
-              <a:rPr lang="en-US" noProof="1" smtClean="0"/>
-              <a:t>„Grid and Guides…“</a:t>
-            </a:r>
-          </a:p>
-          <a:p>
-            <a:endParaRPr lang="en-US" noProof="1" smtClean="0"/>
-          </a:p>
-          <a:p>
-            <a:endParaRPr lang="en-US" noProof="1" smtClean="0"/>
-          </a:p>
-          <a:p>
-            <a:endParaRPr lang="en-US" dirty="0"/>
-          </a:p>
-        </p:txBody>
-      </p:sp>
-      <p:pic>
-        <p:nvPicPr>
-          <p:cNvPr id="8194" name="Picture 2"/>
-          <p:cNvPicPr>
-            <a:picLocks noChangeAspect="1" noChangeArrowheads="1"/>
-          </p:cNvPicPr>
-          <p:nvPr/>
-        </p:nvPicPr>
-        <p:blipFill>
-          <a:blip r:embed="rId3">
-            <a:extLst>
-              <a:ext uri="{28A0092B-C50C-407E-A947-70E740481C1C}">
-                <a14:useLocalDpi xmlns:a14="http://schemas.microsoft.com/office/drawing/2010/main"/>
-              </a:ext>
-            </a:extLst>
-          </a:blip>
-          <a:srcRect/>
-          <a:stretch>
-            <a:fillRect/>
-          </a:stretch>
-        </p:blipFill>
-        <p:spPr bwMode="gray">
-          <a:xfrm>
-            <a:off x="182102" y="1239837"/>
-            <a:ext cx="1165293" cy="1802882"/>
-          </a:xfrm>
-          <a:prstGeom prst="rect">
-            <a:avLst/>
-          </a:prstGeom>
-          <a:noFill/>
-          <a:ln>
-            <a:noFill/>
-          </a:ln>
-          <a:effectLst/>
-          <a:extLst>
-            <a:ext uri="{909E8E84-426E-40DD-AFC4-6F175D3DCCD1}">
-              <a14:hiddenFill xmlns:a14="http://schemas.microsoft.com/office/drawing/2010/main">
-                <a:solidFill>
-                  <a:schemeClr val="accent1"/>
-                </a:solidFill>
-              </a14:hiddenFill>
-            </a:ext>
-            <a:ext uri="{91240B29-F687-4F45-9708-019B960494DF}">
-              <a14:hiddenLine xmlns:a14="http://schemas.microsoft.com/office/drawing/2010/main" w="9525">
-                <a:solidFill>
-                  <a:schemeClr val="tx1"/>
-                </a:solidFill>
-                <a:miter lim="800000"/>
-                <a:headEnd/>
-                <a:tailEnd/>
-              </a14:hiddenLine>
-            </a:ext>
-            <a:ext uri="{AF507438-7753-43E0-B8FC-AC1667EBCBE1}">
-              <a14:hiddenEffects xmlns:a14="http://schemas.microsoft.com/office/drawing/2010/main">
-                <a:effectLst>
-                  <a:outerShdw dist="35921" dir="2700000" algn="ctr" rotWithShape="0">
-                    <a:schemeClr val="bg2"/>
-                  </a:outerShdw>
-                </a:effectLst>
-              </a14:hiddenEffects>
-            </a:ext>
-          </a:extLst>
-        </p:spPr>
-      </p:pic>
-      <p:pic>
-        <p:nvPicPr>
-          <p:cNvPr id="8195" name="Picture 3"/>
-          <p:cNvPicPr>
-            <a:picLocks noChangeAspect="1" noChangeArrowheads="1"/>
-          </p:cNvPicPr>
-          <p:nvPr/>
-        </p:nvPicPr>
-        <p:blipFill>
-          <a:blip r:embed="rId4">
-            <a:extLst>
-              <a:ext uri="{28A0092B-C50C-407E-A947-70E740481C1C}">
-                <a14:useLocalDpi xmlns:a14="http://schemas.microsoft.com/office/drawing/2010/main"/>
-              </a:ext>
-            </a:extLst>
-          </a:blip>
-          <a:srcRect/>
-          <a:stretch>
-            <a:fillRect/>
-          </a:stretch>
-        </p:blipFill>
-        <p:spPr bwMode="gray">
-          <a:xfrm>
-            <a:off x="1347395" y="1239837"/>
-            <a:ext cx="2362415" cy="2326302"/>
-          </a:xfrm>
-          <a:prstGeom prst="rect">
-            <a:avLst/>
-          </a:prstGeom>
-          <a:noFill/>
-          <a:ln>
-            <a:noFill/>
-          </a:ln>
-          <a:effectLst/>
-          <a:extLst>
-            <a:ext uri="{909E8E84-426E-40DD-AFC4-6F175D3DCCD1}">
-              <a14:hiddenFill xmlns:a14="http://schemas.microsoft.com/office/drawing/2010/main">
-                <a:solidFill>
-                  <a:schemeClr val="accent1"/>
-                </a:solidFill>
-              </a14:hiddenFill>
-            </a:ext>
-            <a:ext uri="{91240B29-F687-4F45-9708-019B960494DF}">
-              <a14:hiddenLine xmlns:a14="http://schemas.microsoft.com/office/drawing/2010/main" w="9525">
-                <a:solidFill>
-                  <a:schemeClr val="tx1"/>
-                </a:solidFill>
-                <a:miter lim="800000"/>
-                <a:headEnd/>
-                <a:tailEnd/>
-              </a14:hiddenLine>
-            </a:ext>
-            <a:ext uri="{AF507438-7753-43E0-B8FC-AC1667EBCBE1}">
-              <a14:hiddenEffects xmlns:a14="http://schemas.microsoft.com/office/drawing/2010/main">
-                <a:effectLst>
-                  <a:outerShdw dist="35921" dir="2700000" algn="ctr" rotWithShape="0">
-                    <a:schemeClr val="bg2"/>
-                  </a:outerShdw>
-                </a:effectLst>
-              </a14:hiddenEffects>
-            </a:ext>
-          </a:extLst>
-        </p:spPr>
-      </p:pic>
-      <p:sp>
-        <p:nvSpPr>
-          <p:cNvPr id="10" name="Rectangle 9"/>
-          <p:cNvSpPr/>
-          <p:nvPr/>
-        </p:nvSpPr>
-        <p:spPr bwMode="gray">
-          <a:xfrm>
-            <a:off x="182102" y="2338394"/>
-            <a:ext cx="1165293" cy="149224"/>
-          </a:xfrm>
-          <a:prstGeom prst="rect">
-            <a:avLst/>
-          </a:prstGeom>
-          <a:noFill/>
-          <a:ln w="19050">
-            <a:solidFill>
-              <a:schemeClr val="accent1"/>
-            </a:solidFill>
-          </a:ln>
-        </p:spPr>
-        <p:style>
-          <a:lnRef idx="2">
-            <a:schemeClr val="accent1">
-              <a:shade val="50000"/>
-            </a:schemeClr>
-          </a:lnRef>
-          <a:fillRef idx="1">
-            <a:schemeClr val="accent1"/>
-          </a:fillRef>
-          <a:effectRef idx="0">
-            <a:schemeClr val="accent1"/>
-          </a:effectRef>
-          <a:fontRef idx="minor">
-            <a:schemeClr val="lt1"/>
-          </a:fontRef>
-        </p:style>
-        <p:txBody>
-          <a:bodyPr rot="0" spcFirstLastPara="0" vertOverflow="overflow" horzOverflow="overflow" vert="horz" wrap="square" lIns="108000" tIns="72000" rIns="108000" bIns="72000" numCol="1" spcCol="0" rtlCol="0" fromWordArt="0" anchor="ctr" anchorCtr="0" forceAA="0" compatLnSpc="1">
-            <a:prstTxWarp prst="textNoShape">
-              <a:avLst/>
-            </a:prstTxWarp>
-            <a:noAutofit/>
-          </a:bodyPr>
-          <a:lstStyle/>
-          <a:p>
-            <a:pPr algn="ctr">
-              <a:spcBef>
-                <a:spcPts val="300"/>
-              </a:spcBef>
-              <a:spcAft>
-                <a:spcPts val="300"/>
-              </a:spcAft>
-            </a:pPr>
-            <a:endParaRPr lang="en-US" sz="1200" b="1" dirty="0" err="1" smtClean="0">
-              <a:solidFill>
-                <a:schemeClr val="bg1"/>
-              </a:solidFill>
-            </a:endParaRPr>
-          </a:p>
-        </p:txBody>
-      </p:sp>
-      <p:sp>
-        <p:nvSpPr>
-          <p:cNvPr id="11" name="Rectangle 10"/>
-          <p:cNvSpPr/>
-          <p:nvPr/>
-        </p:nvSpPr>
-        <p:spPr bwMode="gray">
-          <a:xfrm>
-            <a:off x="1909303" y="2287594"/>
-            <a:ext cx="862498" cy="149224"/>
-          </a:xfrm>
-          <a:prstGeom prst="rect">
-            <a:avLst/>
-          </a:prstGeom>
-          <a:noFill/>
-          <a:ln w="19050">
-            <a:solidFill>
-              <a:schemeClr val="accent1"/>
-            </a:solidFill>
-          </a:ln>
-        </p:spPr>
-        <p:style>
-          <a:lnRef idx="2">
-            <a:schemeClr val="accent1">
-              <a:shade val="50000"/>
-            </a:schemeClr>
-          </a:lnRef>
-          <a:fillRef idx="1">
-            <a:schemeClr val="accent1"/>
-          </a:fillRef>
-          <a:effectRef idx="0">
-            <a:schemeClr val="accent1"/>
-          </a:effectRef>
-          <a:fontRef idx="minor">
-            <a:schemeClr val="lt1"/>
-          </a:fontRef>
-        </p:style>
-        <p:txBody>
-          <a:bodyPr rot="0" spcFirstLastPara="0" vertOverflow="overflow" horzOverflow="overflow" vert="horz" wrap="square" lIns="108000" tIns="72000" rIns="108000" bIns="72000" numCol="1" spcCol="0" rtlCol="0" fromWordArt="0" anchor="ctr" anchorCtr="0" forceAA="0" compatLnSpc="1">
-            <a:prstTxWarp prst="textNoShape">
-              <a:avLst/>
-            </a:prstTxWarp>
-            <a:noAutofit/>
-          </a:bodyPr>
-          <a:lstStyle/>
-          <a:p>
-            <a:pPr algn="ctr">
-              <a:spcBef>
-                <a:spcPts val="300"/>
-              </a:spcBef>
-              <a:spcAft>
-                <a:spcPts val="300"/>
-              </a:spcAft>
-            </a:pPr>
-            <a:endParaRPr lang="en-US" sz="1200" b="1" dirty="0" err="1" smtClean="0">
-              <a:solidFill>
-                <a:schemeClr val="bg1"/>
-              </a:solidFill>
-            </a:endParaRPr>
-          </a:p>
-        </p:txBody>
-      </p:sp>
-      <p:sp>
-        <p:nvSpPr>
-          <p:cNvPr id="12" name="Rectangle 11"/>
-          <p:cNvSpPr/>
-          <p:nvPr/>
-        </p:nvSpPr>
-        <p:spPr bwMode="gray">
-          <a:xfrm>
-            <a:off x="1518917" y="1729144"/>
-            <a:ext cx="129033" cy="129033"/>
-          </a:xfrm>
-          <a:prstGeom prst="rect">
-            <a:avLst/>
-          </a:prstGeom>
-          <a:noFill/>
-          <a:ln w="19050">
-            <a:solidFill>
-              <a:schemeClr val="accent1"/>
-            </a:solidFill>
-          </a:ln>
-        </p:spPr>
-        <p:style>
-          <a:lnRef idx="2">
-            <a:schemeClr val="accent1">
-              <a:shade val="50000"/>
-            </a:schemeClr>
-          </a:lnRef>
-          <a:fillRef idx="1">
-            <a:schemeClr val="accent1"/>
-          </a:fillRef>
-          <a:effectRef idx="0">
-            <a:schemeClr val="accent1"/>
-          </a:effectRef>
-          <a:fontRef idx="minor">
-            <a:schemeClr val="lt1"/>
-          </a:fontRef>
-        </p:style>
-        <p:txBody>
-          <a:bodyPr rot="0" spcFirstLastPara="0" vertOverflow="overflow" horzOverflow="overflow" vert="horz" wrap="square" lIns="108000" tIns="72000" rIns="108000" bIns="72000" numCol="1" spcCol="0" rtlCol="0" fromWordArt="0" anchor="ctr" anchorCtr="0" forceAA="0" compatLnSpc="1">
-            <a:prstTxWarp prst="textNoShape">
-              <a:avLst/>
-            </a:prstTxWarp>
-            <a:noAutofit/>
-          </a:bodyPr>
-          <a:lstStyle/>
-          <a:p>
-            <a:pPr algn="ctr">
-              <a:spcBef>
-                <a:spcPts val="300"/>
-              </a:spcBef>
-              <a:spcAft>
-                <a:spcPts val="300"/>
-              </a:spcAft>
-            </a:pPr>
-            <a:endParaRPr lang="en-US" sz="1200" b="1" dirty="0" err="1" smtClean="0">
-              <a:solidFill>
-                <a:schemeClr val="bg1"/>
-              </a:solidFill>
-            </a:endParaRPr>
-          </a:p>
-        </p:txBody>
-      </p:sp>
-      <p:sp>
-        <p:nvSpPr>
-          <p:cNvPr id="14" name="Rectangle 13"/>
-          <p:cNvSpPr/>
-          <p:nvPr/>
-        </p:nvSpPr>
-        <p:spPr bwMode="gray">
-          <a:xfrm>
-            <a:off x="1518917" y="1896058"/>
-            <a:ext cx="129033" cy="129033"/>
-          </a:xfrm>
-          <a:prstGeom prst="rect">
-            <a:avLst/>
-          </a:prstGeom>
-          <a:noFill/>
-          <a:ln w="19050">
-            <a:solidFill>
-              <a:schemeClr val="accent1"/>
-            </a:solidFill>
-          </a:ln>
-        </p:spPr>
-        <p:style>
-          <a:lnRef idx="2">
-            <a:schemeClr val="accent1">
-              <a:shade val="50000"/>
-            </a:schemeClr>
-          </a:lnRef>
-          <a:fillRef idx="1">
-            <a:schemeClr val="accent1"/>
-          </a:fillRef>
-          <a:effectRef idx="0">
-            <a:schemeClr val="accent1"/>
-          </a:effectRef>
-          <a:fontRef idx="minor">
-            <a:schemeClr val="lt1"/>
-          </a:fontRef>
-        </p:style>
-        <p:txBody>
-          <a:bodyPr rot="0" spcFirstLastPara="0" vertOverflow="overflow" horzOverflow="overflow" vert="horz" wrap="square" lIns="108000" tIns="72000" rIns="108000" bIns="72000" numCol="1" spcCol="0" rtlCol="0" fromWordArt="0" anchor="ctr" anchorCtr="0" forceAA="0" compatLnSpc="1">
-            <a:prstTxWarp prst="textNoShape">
-              <a:avLst/>
-            </a:prstTxWarp>
-            <a:noAutofit/>
-          </a:bodyPr>
-          <a:lstStyle/>
-          <a:p>
-            <a:pPr algn="ctr">
-              <a:spcBef>
-                <a:spcPts val="300"/>
-              </a:spcBef>
-              <a:spcAft>
-                <a:spcPts val="300"/>
-              </a:spcAft>
-            </a:pPr>
-            <a:endParaRPr lang="en-US" sz="1200" b="1" dirty="0" err="1" smtClean="0">
-              <a:solidFill>
-                <a:schemeClr val="bg1"/>
-              </a:solidFill>
-            </a:endParaRPr>
-          </a:p>
-        </p:txBody>
-      </p:sp>
-      <p:sp>
-        <p:nvSpPr>
-          <p:cNvPr id="15" name="Rectangle 14"/>
-          <p:cNvSpPr/>
-          <p:nvPr/>
-        </p:nvSpPr>
-        <p:spPr bwMode="gray">
-          <a:xfrm>
-            <a:off x="1518917" y="2875772"/>
-            <a:ext cx="129033" cy="129033"/>
-          </a:xfrm>
-          <a:prstGeom prst="rect">
-            <a:avLst/>
-          </a:prstGeom>
-          <a:noFill/>
-          <a:ln w="19050">
-            <a:solidFill>
-              <a:schemeClr val="accent1"/>
-            </a:solidFill>
-          </a:ln>
-        </p:spPr>
-        <p:style>
-          <a:lnRef idx="2">
-            <a:schemeClr val="accent1">
-              <a:shade val="50000"/>
-            </a:schemeClr>
-          </a:lnRef>
-          <a:fillRef idx="1">
-            <a:schemeClr val="accent1"/>
-          </a:fillRef>
-          <a:effectRef idx="0">
-            <a:schemeClr val="accent1"/>
-          </a:effectRef>
-          <a:fontRef idx="minor">
-            <a:schemeClr val="lt1"/>
-          </a:fontRef>
-        </p:style>
-        <p:txBody>
-          <a:bodyPr rot="0" spcFirstLastPara="0" vertOverflow="overflow" horzOverflow="overflow" vert="horz" wrap="square" lIns="108000" tIns="72000" rIns="108000" bIns="72000" numCol="1" spcCol="0" rtlCol="0" fromWordArt="0" anchor="ctr" anchorCtr="0" forceAA="0" compatLnSpc="1">
-            <a:prstTxWarp prst="textNoShape">
-              <a:avLst/>
-            </a:prstTxWarp>
-            <a:noAutofit/>
-          </a:bodyPr>
-          <a:lstStyle/>
-          <a:p>
-            <a:pPr algn="ctr">
-              <a:spcBef>
-                <a:spcPts val="300"/>
-              </a:spcBef>
-              <a:spcAft>
-                <a:spcPts val="300"/>
-              </a:spcAft>
-            </a:pPr>
-            <a:endParaRPr lang="en-US" sz="1200" b="1" dirty="0" err="1" smtClean="0">
-              <a:solidFill>
-                <a:schemeClr val="bg1"/>
-              </a:solidFill>
-            </a:endParaRPr>
-          </a:p>
-        </p:txBody>
-      </p:sp>
-      <p:sp>
-        <p:nvSpPr>
-          <p:cNvPr id="16" name="Rectangle 15"/>
-          <p:cNvSpPr/>
-          <p:nvPr/>
-        </p:nvSpPr>
-        <p:spPr bwMode="gray">
-          <a:xfrm>
-            <a:off x="1518917" y="3042687"/>
-            <a:ext cx="129033" cy="129033"/>
-          </a:xfrm>
-          <a:prstGeom prst="rect">
-            <a:avLst/>
-          </a:prstGeom>
-          <a:noFill/>
-          <a:ln w="19050">
-            <a:solidFill>
-              <a:schemeClr val="accent1"/>
-            </a:solidFill>
-          </a:ln>
-        </p:spPr>
-        <p:style>
-          <a:lnRef idx="2">
-            <a:schemeClr val="accent1">
-              <a:shade val="50000"/>
-            </a:schemeClr>
-          </a:lnRef>
-          <a:fillRef idx="1">
-            <a:schemeClr val="accent1"/>
-          </a:fillRef>
-          <a:effectRef idx="0">
-            <a:schemeClr val="accent1"/>
-          </a:effectRef>
-          <a:fontRef idx="minor">
-            <a:schemeClr val="lt1"/>
-          </a:fontRef>
-        </p:style>
-        <p:txBody>
-          <a:bodyPr rot="0" spcFirstLastPara="0" vertOverflow="overflow" horzOverflow="overflow" vert="horz" wrap="square" lIns="108000" tIns="72000" rIns="108000" bIns="72000" numCol="1" spcCol="0" rtlCol="0" fromWordArt="0" anchor="ctr" anchorCtr="0" forceAA="0" compatLnSpc="1">
-            <a:prstTxWarp prst="textNoShape">
-              <a:avLst/>
-            </a:prstTxWarp>
-            <a:noAutofit/>
-          </a:bodyPr>
-          <a:lstStyle/>
-          <a:p>
-            <a:pPr algn="ctr">
-              <a:spcBef>
-                <a:spcPts val="300"/>
-              </a:spcBef>
-              <a:spcAft>
-                <a:spcPts val="300"/>
-              </a:spcAft>
-            </a:pPr>
-            <a:endParaRPr lang="en-US" sz="1200" b="1" dirty="0" err="1" smtClean="0">
-              <a:solidFill>
-                <a:schemeClr val="bg1"/>
-              </a:solidFill>
-            </a:endParaRPr>
-          </a:p>
-        </p:txBody>
-      </p:sp>
-      <p:sp>
-        <p:nvSpPr>
-          <p:cNvPr id="8" name="Slide Number Placeholder 7"/>
-          <p:cNvSpPr>
-            <a:spLocks noGrp="1"/>
-          </p:cNvSpPr>
-          <p:nvPr>
-            <p:ph type="sldNum" sz="quarter" idx="17"/>
-          </p:nvPr>
-        </p:nvSpPr>
-        <p:spPr bwMode="gray">
-          <a:xfrm>
-            <a:off x="7416801" y="4623195"/>
-            <a:ext cx="1547813" cy="180580"/>
-          </a:xfrm>
-        </p:spPr>
-        <p:txBody>
-          <a:bodyPr/>
-          <a:lstStyle/>
-          <a:p>
-            <a:r>
-              <a:rPr lang="en-US" smtClean="0"/>
-              <a:t>Chart </a:t>
-            </a:r>
-            <a:fld id="{91D913BA-B0D8-4B51-9328-DFAA0B370309}" type="slidenum">
-              <a:rPr lang="en-US" b="1" smtClean="0"/>
-              <a:pPr/>
-              <a:t>17</a:t>
-            </a:fld>
-            <a:endParaRPr lang="en-US" b="1" dirty="0"/>
-          </a:p>
-        </p:txBody>
-      </p:sp>
-      <p:sp>
-        <p:nvSpPr>
-          <p:cNvPr id="4" name="Date Placeholder 3"/>
-          <p:cNvSpPr>
-            <a:spLocks noGrp="1"/>
-          </p:cNvSpPr>
-          <p:nvPr>
-            <p:ph type="dt" sz="half" idx="15"/>
-          </p:nvPr>
-        </p:nvSpPr>
-        <p:spPr>
-          <a:xfrm>
-            <a:off x="7416801" y="4155928"/>
-            <a:ext cx="1547813" cy="467268"/>
-          </a:xfrm>
-        </p:spPr>
-        <p:txBody>
-          <a:bodyPr/>
-          <a:lstStyle/>
-          <a:p>
-            <a:r>
-              <a:rPr lang="de-DE" smtClean="0"/>
-              <a:t>Aragatgs Amirkhanyan, 17.10.2014</a:t>
-            </a:r>
-            <a:endParaRPr lang="en-US" dirty="0"/>
-          </a:p>
-        </p:txBody>
-      </p:sp>
-      <p:sp>
-        <p:nvSpPr>
-          <p:cNvPr id="5" name="Footer Placeholder 4"/>
-          <p:cNvSpPr>
-            <a:spLocks noGrp="1"/>
-          </p:cNvSpPr>
-          <p:nvPr>
-            <p:ph type="ftr" sz="quarter" idx="16"/>
-          </p:nvPr>
-        </p:nvSpPr>
-        <p:spPr>
-          <a:xfrm>
-            <a:off x="7416801" y="3562453"/>
-            <a:ext cx="1547813" cy="521465"/>
-          </a:xfrm>
-        </p:spPr>
-        <p:txBody>
-          <a:bodyPr/>
-          <a:lstStyle/>
-          <a:p>
-            <a:r>
-              <a:rPr lang="en-US" smtClean="0"/>
-              <a:t>Testbed Automation for Network Security and Security Analytics</a:t>
-            </a:r>
-            <a:endParaRPr lang="en-US" dirty="0"/>
-          </a:p>
-        </p:txBody>
-      </p:sp>
-    </p:spTree>
-    <p:extLst>
-      <p:ext uri="{BB962C8B-B14F-4D97-AF65-F5344CB8AC3E}">
-        <p14:creationId xmlns:p14="http://schemas.microsoft.com/office/powerpoint/2010/main" val="216740658"/>
-      </p:ext>
-    </p:extLst>
-  </p:cSld>
-  <p:clrMapOvr>
-    <a:masterClrMapping/>
-  </p:clrMapOvr>
-  <p:transition>
-    <p:fade/>
-  </p:transition>
-  <p:timing>
-    <p:tnLst>
-      <p:par>
-        <p:cTn id="1" dur="indefinite" restart="never" nodeType="tmRoot"/>
-      </p:par>
-    </p:tnLst>
-  </p:timing>
-</p:sld>
-</file>
-
-<file path=ppt/slides/slide18.xml><?xml version="1.0" encoding="utf-8"?>
-<p:sld xmlns:a="http://schemas.openxmlformats.org/drawingml/2006/main" xmlns:r="http://schemas.openxmlformats.org/officeDocument/2006/relationships" xmlns:p="http://schemas.openxmlformats.org/presentationml/2006/main" show="0">
-  <p:cSld>
-    <p:spTree>
-      <p:nvGrpSpPr>
-        <p:cNvPr id="1" name=""/>
-        <p:cNvGrpSpPr/>
-        <p:nvPr/>
-      </p:nvGrpSpPr>
-      <p:grpSpPr>
-        <a:xfrm>
-          <a:off x="0" y="0"/>
-          <a:ext cx="0" cy="0"/>
-          <a:chOff x="0" y="0"/>
-          <a:chExt cx="0" cy="0"/>
-        </a:xfrm>
-      </p:grpSpPr>
-      <p:sp>
-        <p:nvSpPr>
-          <p:cNvPr id="12" name="Title 11"/>
-          <p:cNvSpPr>
-            <a:spLocks noGrp="1"/>
-          </p:cNvSpPr>
-          <p:nvPr>
-            <p:ph type="title"/>
-          </p:nvPr>
-        </p:nvSpPr>
-        <p:spPr bwMode="gray"/>
-        <p:txBody>
-          <a:bodyPr/>
-          <a:lstStyle/>
-          <a:p>
-            <a:r>
-              <a:rPr lang="en-US" dirty="0" smtClean="0"/>
-              <a:t>Explanations</a:t>
-            </a:r>
-            <a:br>
-              <a:rPr lang="en-US" dirty="0" smtClean="0"/>
-            </a:br>
-            <a:r>
-              <a:rPr lang="en-US" dirty="0" smtClean="0"/>
-              <a:t>- Slide layouts</a:t>
-            </a:r>
-            <a:endParaRPr lang="en-US" dirty="0"/>
-          </a:p>
-        </p:txBody>
-      </p:sp>
-      <p:sp>
-        <p:nvSpPr>
-          <p:cNvPr id="3" name="Text Placeholder 2"/>
-          <p:cNvSpPr>
-            <a:spLocks noGrp="1"/>
-          </p:cNvSpPr>
-          <p:nvPr>
-            <p:ph type="body" sz="quarter" idx="13"/>
-          </p:nvPr>
-        </p:nvSpPr>
-        <p:spPr bwMode="gray"/>
-        <p:txBody>
-          <a:bodyPr/>
-          <a:lstStyle/>
-          <a:p>
-            <a:r>
-              <a:rPr lang="en-US" noProof="1" smtClean="0"/>
-              <a:t>You can choose between different </a:t>
-            </a:r>
-            <a:br>
-              <a:rPr lang="en-US" noProof="1" smtClean="0"/>
-            </a:br>
-            <a:r>
-              <a:rPr lang="en-US" noProof="1" smtClean="0"/>
-              <a:t>slide layouts. </a:t>
-            </a:r>
-            <a:br>
-              <a:rPr lang="en-US" noProof="1" smtClean="0"/>
-            </a:br>
-            <a:r>
-              <a:rPr lang="en-US" noProof="1" smtClean="0"/>
-              <a:t>These pre-defined layouts gives you the oportunity to use text and visualisations just the right way.</a:t>
-            </a:r>
-          </a:p>
-          <a:p>
-            <a:endParaRPr lang="en-US" noProof="1" smtClean="0"/>
-          </a:p>
-          <a:p>
-            <a:r>
-              <a:rPr lang="en-US" b="1" noProof="1" smtClean="0"/>
-              <a:t>To use these layouts:</a:t>
-            </a:r>
-          </a:p>
-          <a:p>
-            <a:r>
-              <a:rPr lang="en-US" noProof="1" smtClean="0"/>
-              <a:t>Click on the Home-tab | New Slide or Layout | and choose one out of the layouts</a:t>
-            </a:r>
-          </a:p>
-          <a:p>
-            <a:r>
-              <a:rPr lang="de-DE" noProof="1" smtClean="0"/>
-              <a:t/>
-            </a:r>
-            <a:br>
-              <a:rPr lang="de-DE" noProof="1" smtClean="0"/>
-            </a:br>
-            <a:r>
-              <a:rPr lang="de-DE" noProof="1" smtClean="0"/>
-              <a:t>Click „Reset“ to reset to the predefined slide layout.</a:t>
-            </a:r>
-            <a:endParaRPr lang="en-US" noProof="1" smtClean="0"/>
-          </a:p>
-          <a:p>
-            <a:endParaRPr lang="en-US" dirty="0"/>
-          </a:p>
-        </p:txBody>
-      </p:sp>
-      <p:pic>
-        <p:nvPicPr>
-          <p:cNvPr id="9220" name="Picture 4"/>
-          <p:cNvPicPr>
-            <a:picLocks noChangeAspect="1" noChangeArrowheads="1"/>
-          </p:cNvPicPr>
-          <p:nvPr/>
-        </p:nvPicPr>
-        <p:blipFill>
-          <a:blip r:embed="rId3" cstate="screen">
-            <a:extLst>
-              <a:ext uri="{28A0092B-C50C-407E-A947-70E740481C1C}">
-                <a14:useLocalDpi xmlns:a14="http://schemas.microsoft.com/office/drawing/2010/main"/>
-              </a:ext>
-            </a:extLst>
-          </a:blip>
-          <a:srcRect/>
-          <a:stretch>
-            <a:fillRect/>
-          </a:stretch>
-        </p:blipFill>
-        <p:spPr bwMode="gray">
-          <a:xfrm>
-            <a:off x="190027" y="4047061"/>
-            <a:ext cx="1426620" cy="756713"/>
-          </a:xfrm>
-          <a:prstGeom prst="rect">
-            <a:avLst/>
-          </a:prstGeom>
-          <a:noFill/>
-          <a:ln>
-            <a:noFill/>
-          </a:ln>
-          <a:effectLst/>
-          <a:extLst>
-            <a:ext uri="{909E8E84-426E-40DD-AFC4-6F175D3DCCD1}">
-              <a14:hiddenFill xmlns:a14="http://schemas.microsoft.com/office/drawing/2010/main">
-                <a:solidFill>
-                  <a:schemeClr val="accent1"/>
-                </a:solidFill>
-              </a14:hiddenFill>
-            </a:ext>
-            <a:ext uri="{91240B29-F687-4F45-9708-019B960494DF}">
-              <a14:hiddenLine xmlns:a14="http://schemas.microsoft.com/office/drawing/2010/main" w="9525">
-                <a:solidFill>
-                  <a:schemeClr val="tx1"/>
-                </a:solidFill>
-                <a:miter lim="800000"/>
-                <a:headEnd/>
-                <a:tailEnd/>
-              </a14:hiddenLine>
-            </a:ext>
-            <a:ext uri="{AF507438-7753-43E0-B8FC-AC1667EBCBE1}">
-              <a14:hiddenEffects xmlns:a14="http://schemas.microsoft.com/office/drawing/2010/main">
-                <a:effectLst>
-                  <a:outerShdw dist="35921" dir="2700000" algn="ctr" rotWithShape="0">
-                    <a:schemeClr val="bg2"/>
-                  </a:outerShdw>
-                </a:effectLst>
-              </a14:hiddenEffects>
-            </a:ext>
-          </a:extLst>
-        </p:spPr>
-      </p:pic>
-      <p:sp>
-        <p:nvSpPr>
-          <p:cNvPr id="14" name="Slide Number Placeholder 13"/>
-          <p:cNvSpPr>
-            <a:spLocks noGrp="1"/>
-          </p:cNvSpPr>
-          <p:nvPr>
-            <p:ph type="sldNum" sz="quarter" idx="17"/>
-          </p:nvPr>
-        </p:nvSpPr>
-        <p:spPr bwMode="gray">
-          <a:xfrm>
-            <a:off x="7416801" y="4623195"/>
-            <a:ext cx="1547813" cy="180580"/>
-          </a:xfrm>
-        </p:spPr>
-        <p:txBody>
-          <a:bodyPr/>
-          <a:lstStyle/>
-          <a:p>
-            <a:r>
-              <a:rPr lang="en-US" smtClean="0"/>
-              <a:t>Chart </a:t>
-            </a:r>
-            <a:fld id="{91D913BA-B0D8-4B51-9328-DFAA0B370309}" type="slidenum">
-              <a:rPr lang="en-US" b="1" smtClean="0"/>
-              <a:pPr/>
-              <a:t>18</a:t>
-            </a:fld>
-            <a:endParaRPr lang="en-US" b="1" dirty="0"/>
-          </a:p>
-        </p:txBody>
-      </p:sp>
-      <p:sp>
-        <p:nvSpPr>
-          <p:cNvPr id="7" name="Rectangle 6"/>
-          <p:cNvSpPr/>
-          <p:nvPr/>
-        </p:nvSpPr>
-        <p:spPr bwMode="gray">
-          <a:xfrm>
-            <a:off x="1211943" y="4457480"/>
-            <a:ext cx="353166" cy="121777"/>
-          </a:xfrm>
-          <a:prstGeom prst="rect">
-            <a:avLst/>
-          </a:prstGeom>
-          <a:noFill/>
-          <a:ln w="19050">
-            <a:solidFill>
-              <a:schemeClr val="accent1"/>
-            </a:solidFill>
-          </a:ln>
-        </p:spPr>
-        <p:style>
-          <a:lnRef idx="2">
-            <a:schemeClr val="accent1">
-              <a:shade val="50000"/>
-            </a:schemeClr>
-          </a:lnRef>
-          <a:fillRef idx="1">
-            <a:schemeClr val="accent1"/>
-          </a:fillRef>
-          <a:effectRef idx="0">
-            <a:schemeClr val="accent1"/>
-          </a:effectRef>
-          <a:fontRef idx="minor">
-            <a:schemeClr val="lt1"/>
-          </a:fontRef>
-        </p:style>
-        <p:txBody>
-          <a:bodyPr rot="0" spcFirstLastPara="0" vertOverflow="overflow" horzOverflow="overflow" vert="horz" wrap="square" lIns="108000" tIns="72000" rIns="108000" bIns="72000" numCol="1" spcCol="0" rtlCol="0" fromWordArt="0" anchor="ctr" anchorCtr="0" forceAA="0" compatLnSpc="1">
-            <a:prstTxWarp prst="textNoShape">
-              <a:avLst/>
-            </a:prstTxWarp>
-            <a:noAutofit/>
-          </a:bodyPr>
-          <a:lstStyle/>
-          <a:p>
-            <a:pPr algn="ctr">
-              <a:spcBef>
-                <a:spcPts val="300"/>
-              </a:spcBef>
-              <a:spcAft>
-                <a:spcPts val="300"/>
-              </a:spcAft>
-            </a:pPr>
-            <a:endParaRPr lang="en-US" sz="1200" b="1" dirty="0" err="1" smtClean="0">
-              <a:solidFill>
-                <a:schemeClr val="bg1"/>
-              </a:solidFill>
-            </a:endParaRPr>
-          </a:p>
-        </p:txBody>
-      </p:sp>
-      <p:sp>
-        <p:nvSpPr>
-          <p:cNvPr id="8" name="Rectangle 7"/>
-          <p:cNvSpPr/>
-          <p:nvPr/>
-        </p:nvSpPr>
-        <p:spPr bwMode="gray">
-          <a:xfrm>
-            <a:off x="1211943" y="4334109"/>
-            <a:ext cx="353166" cy="121777"/>
-          </a:xfrm>
-          <a:prstGeom prst="rect">
-            <a:avLst/>
-          </a:prstGeom>
-          <a:noFill/>
-          <a:ln w="19050">
-            <a:solidFill>
-              <a:schemeClr val="accent1"/>
-            </a:solidFill>
-          </a:ln>
-        </p:spPr>
-        <p:style>
-          <a:lnRef idx="2">
-            <a:schemeClr val="accent1">
-              <a:shade val="50000"/>
-            </a:schemeClr>
-          </a:lnRef>
-          <a:fillRef idx="1">
-            <a:schemeClr val="accent1"/>
-          </a:fillRef>
-          <a:effectRef idx="0">
-            <a:schemeClr val="accent1"/>
-          </a:effectRef>
-          <a:fontRef idx="minor">
-            <a:schemeClr val="lt1"/>
-          </a:fontRef>
-        </p:style>
-        <p:txBody>
-          <a:bodyPr rot="0" spcFirstLastPara="0" vertOverflow="overflow" horzOverflow="overflow" vert="horz" wrap="square" lIns="108000" tIns="72000" rIns="108000" bIns="72000" numCol="1" spcCol="0" rtlCol="0" fromWordArt="0" anchor="ctr" anchorCtr="0" forceAA="0" compatLnSpc="1">
-            <a:prstTxWarp prst="textNoShape">
-              <a:avLst/>
-            </a:prstTxWarp>
-            <a:noAutofit/>
-          </a:bodyPr>
-          <a:lstStyle/>
-          <a:p>
-            <a:pPr algn="ctr">
-              <a:spcBef>
-                <a:spcPts val="300"/>
-              </a:spcBef>
-              <a:spcAft>
-                <a:spcPts val="300"/>
-              </a:spcAft>
-            </a:pPr>
-            <a:endParaRPr lang="en-US" sz="1200" b="1" dirty="0" err="1" smtClean="0">
-              <a:solidFill>
-                <a:schemeClr val="bg1"/>
-              </a:solidFill>
-            </a:endParaRPr>
-          </a:p>
-        </p:txBody>
-      </p:sp>
-      <p:sp>
-        <p:nvSpPr>
-          <p:cNvPr id="2" name="Date Placeholder 1"/>
-          <p:cNvSpPr>
-            <a:spLocks noGrp="1"/>
-          </p:cNvSpPr>
-          <p:nvPr>
-            <p:ph type="dt" sz="half" idx="15"/>
-          </p:nvPr>
-        </p:nvSpPr>
-        <p:spPr>
-          <a:xfrm>
-            <a:off x="7416801" y="4155928"/>
-            <a:ext cx="1547813" cy="467268"/>
-          </a:xfrm>
-        </p:spPr>
-        <p:txBody>
-          <a:bodyPr/>
-          <a:lstStyle/>
-          <a:p>
-            <a:r>
-              <a:rPr lang="de-DE" smtClean="0"/>
-              <a:t>Aragatgs Amirkhanyan, 17.10.2014</a:t>
-            </a:r>
-            <a:endParaRPr lang="en-US" dirty="0"/>
-          </a:p>
-        </p:txBody>
-      </p:sp>
-      <p:sp>
-        <p:nvSpPr>
-          <p:cNvPr id="4" name="Footer Placeholder 3"/>
-          <p:cNvSpPr>
-            <a:spLocks noGrp="1"/>
-          </p:cNvSpPr>
-          <p:nvPr>
-            <p:ph type="ftr" sz="quarter" idx="16"/>
-          </p:nvPr>
-        </p:nvSpPr>
-        <p:spPr>
-          <a:xfrm>
-            <a:off x="7416801" y="3562453"/>
-            <a:ext cx="1547813" cy="521465"/>
-          </a:xfrm>
-        </p:spPr>
-        <p:txBody>
-          <a:bodyPr/>
-          <a:lstStyle/>
-          <a:p>
-            <a:r>
-              <a:rPr lang="en-US" smtClean="0"/>
-              <a:t>Testbed Automation for Network Security and Security Analytics</a:t>
-            </a:r>
-            <a:endParaRPr lang="en-US" dirty="0"/>
-          </a:p>
-        </p:txBody>
-      </p:sp>
-      <p:pic>
-        <p:nvPicPr>
-          <p:cNvPr id="5" name="Picture 2"/>
-          <p:cNvPicPr>
-            <a:picLocks noChangeAspect="1" noChangeArrowheads="1"/>
-          </p:cNvPicPr>
-          <p:nvPr/>
-        </p:nvPicPr>
-        <p:blipFill>
-          <a:blip r:embed="rId4" cstate="screen">
-            <a:extLst>
-              <a:ext uri="{28A0092B-C50C-407E-A947-70E740481C1C}">
-                <a14:useLocalDpi xmlns:a14="http://schemas.microsoft.com/office/drawing/2010/main"/>
-              </a:ext>
-            </a:extLst>
-          </a:blip>
-          <a:srcRect/>
+          <a:blip r:embed="rId3" cstate="print"/>
+          <a:srcRect t="4876" b="4876"/>
           <a:stretch>
             <a:fillRect/>
           </a:stretch>
         </p:blipFill>
         <p:spPr bwMode="auto">
-          <a:xfrm>
-            <a:off x="184367" y="1239837"/>
-            <a:ext cx="2564279" cy="2782000"/>
-          </a:xfrm>
           <a:prstGeom prst="rect">
             <a:avLst/>
           </a:prstGeom>
           <a:noFill/>
-          <a:ln>
-            <a:noFill/>
-          </a:ln>
-          <a:effectLst/>
-          <a:extLst>
-            <a:ext uri="{909E8E84-426E-40DD-AFC4-6F175D3DCCD1}">
-              <a14:hiddenFill xmlns:a14="http://schemas.microsoft.com/office/drawing/2010/main">
-                <a:solidFill>
-                  <a:schemeClr val="accent1"/>
-                </a:solidFill>
-              </a14:hiddenFill>
-            </a:ext>
-            <a:ext uri="{91240B29-F687-4F45-9708-019B960494DF}">
-              <a14:hiddenLine xmlns:a14="http://schemas.microsoft.com/office/drawing/2010/main" w="9525">
-                <a:solidFill>
-                  <a:schemeClr val="tx1"/>
-                </a:solidFill>
-                <a:miter lim="800000"/>
-                <a:headEnd/>
-                <a:tailEnd/>
-              </a14:hiddenLine>
-            </a:ext>
-            <a:ext uri="{AF507438-7753-43E0-B8FC-AC1667EBCBE1}">
-              <a14:hiddenEffects xmlns:a14="http://schemas.microsoft.com/office/drawing/2010/main">
-                <a:effectLst>
-                  <a:outerShdw dist="35921" dir="2700000" algn="ctr" rotWithShape="0">
-                    <a:schemeClr val="bg2"/>
-                  </a:outerShdw>
-                </a:effectLst>
-              </a14:hiddenEffects>
-            </a:ext>
-          </a:extLst>
         </p:spPr>
       </p:pic>
+      <p:sp>
+        <p:nvSpPr>
+          <p:cNvPr id="7" name="Textplatzhalter 6"/>
+          <p:cNvSpPr>
+            <a:spLocks noGrp="1"/>
+          </p:cNvSpPr>
+          <p:nvPr>
+            <p:ph type="body" sz="quarter" idx="11"/>
+          </p:nvPr>
+        </p:nvSpPr>
+        <p:spPr/>
+        <p:txBody>
+          <a:bodyPr/>
+          <a:lstStyle/>
+          <a:p>
+            <a:endParaRPr lang="de-DE" dirty="0"/>
+          </a:p>
+        </p:txBody>
+      </p:sp>
+      <p:sp>
+        <p:nvSpPr>
+          <p:cNvPr id="21" name="Title 20"/>
+          <p:cNvSpPr>
+            <a:spLocks noGrp="1"/>
+          </p:cNvSpPr>
+          <p:nvPr>
+            <p:ph type="ctrTitle"/>
+          </p:nvPr>
+        </p:nvSpPr>
+        <p:spPr/>
+        <p:txBody>
+          <a:bodyPr/>
+          <a:lstStyle/>
+          <a:p>
+            <a:r>
+              <a:rPr lang="de-DE" dirty="0" err="1" smtClean="0"/>
+              <a:t>Thank</a:t>
+            </a:r>
+            <a:r>
+              <a:rPr lang="de-DE" dirty="0" smtClean="0"/>
+              <a:t> </a:t>
+            </a:r>
+            <a:r>
+              <a:rPr lang="de-DE" dirty="0" err="1" smtClean="0"/>
+              <a:t>you</a:t>
+            </a:r>
+            <a:r>
+              <a:rPr lang="de-DE" dirty="0" smtClean="0"/>
+              <a:t> </a:t>
+            </a:r>
+            <a:br>
+              <a:rPr lang="de-DE" dirty="0" smtClean="0"/>
+            </a:br>
+            <a:r>
+              <a:rPr lang="de-DE" dirty="0" err="1" smtClean="0"/>
+              <a:t>for</a:t>
+            </a:r>
+            <a:r>
+              <a:rPr lang="de-DE" dirty="0" smtClean="0"/>
+              <a:t> </a:t>
+            </a:r>
+            <a:r>
+              <a:rPr lang="de-DE" dirty="0" err="1" smtClean="0"/>
+              <a:t>your</a:t>
+            </a:r>
+            <a:r>
+              <a:rPr lang="de-DE" dirty="0" smtClean="0"/>
+              <a:t> </a:t>
+            </a:r>
+            <a:r>
+              <a:rPr lang="de-DE" dirty="0" err="1" smtClean="0"/>
+              <a:t>attention</a:t>
+            </a:r>
+            <a:r>
+              <a:rPr lang="de-DE" dirty="0" smtClean="0"/>
+              <a:t>!</a:t>
+            </a:r>
+            <a:endParaRPr lang="en-US" dirty="0"/>
+          </a:p>
+        </p:txBody>
+      </p:sp>
+      <p:sp>
+        <p:nvSpPr>
+          <p:cNvPr id="22" name="Subtitle 21"/>
+          <p:cNvSpPr>
+            <a:spLocks noGrp="1"/>
+          </p:cNvSpPr>
+          <p:nvPr>
+            <p:ph type="subTitle" idx="1"/>
+          </p:nvPr>
+        </p:nvSpPr>
+        <p:spPr/>
+        <p:txBody>
+          <a:bodyPr/>
+          <a:lstStyle/>
+          <a:p>
+            <a:r>
+              <a:rPr lang="en-US" dirty="0"/>
+              <a:t>Aragats Amirkhanyan</a:t>
+            </a:r>
+          </a:p>
+          <a:p>
+            <a:r>
+              <a:rPr lang="de-DE" kern="0" dirty="0"/>
+              <a:t>Internet-Technologies </a:t>
+            </a:r>
+            <a:r>
+              <a:rPr lang="de-DE" kern="0" dirty="0" err="1"/>
+              <a:t>and</a:t>
+            </a:r>
+            <a:r>
+              <a:rPr lang="de-DE" kern="0" dirty="0"/>
+              <a:t> Systems </a:t>
+            </a:r>
+          </a:p>
+          <a:p>
+            <a:r>
+              <a:rPr lang="de-DE" dirty="0"/>
+              <a:t>Hasso Plattner Institute</a:t>
+            </a:r>
+          </a:p>
+        </p:txBody>
+      </p:sp>
     </p:spTree>
     <p:extLst>
       <p:ext uri="{BB962C8B-B14F-4D97-AF65-F5344CB8AC3E}">
-        <p14:creationId xmlns:p14="http://schemas.microsoft.com/office/powerpoint/2010/main" val="1364451194"/>
+        <p14:creationId xmlns:p14="http://schemas.microsoft.com/office/powerpoint/2010/main" val="807357343"/>
       </p:ext>
     </p:extLst>
   </p:cSld>
@@ -15880,17 +12401,8 @@
             </a:r>
             <a:r>
               <a:rPr lang="en-US" dirty="0" smtClean="0"/>
-              <a:t>network security and </a:t>
-            </a:r>
-            <a:r>
-              <a:rPr lang="en-US" dirty="0" smtClean="0"/>
-              <a:t>security analytics areas</a:t>
-            </a:r>
-            <a:r>
-              <a:rPr lang="en-US" dirty="0" smtClean="0"/>
-              <a:t>:</a:t>
-            </a:r>
-            <a:endParaRPr lang="en-US" dirty="0" smtClean="0"/>
+              <a:t>network security and security analytics areas:</a:t>
+            </a:r>
           </a:p>
           <a:p>
             <a:pPr marL="342900" indent="-342900">
@@ -15902,8 +12414,9 @@
             </a:pPr>
             <a:r>
               <a:rPr lang="en-US" dirty="0" smtClean="0"/>
-              <a:t>The absence of data</a:t>
-            </a:r>
+              <a:t>Data</a:t>
+            </a:r>
+            <a:endParaRPr lang="en-US" dirty="0" smtClean="0"/>
           </a:p>
           <a:p>
             <a:pPr marL="342900" indent="-342900">
@@ -15915,7 +12428,11 @@
             </a:pPr>
             <a:r>
               <a:rPr lang="en-US" dirty="0" smtClean="0"/>
-              <a:t>Test network environment              			</a:t>
+              <a:t>Test </a:t>
+            </a:r>
+            <a:r>
+              <a:rPr lang="en-US" dirty="0" smtClean="0"/>
+              <a:t>network environment              			</a:t>
             </a:r>
           </a:p>
           <a:p>
@@ -15974,7 +12491,7 @@
           <a:lstStyle/>
           <a:p>
             <a:r>
-              <a:rPr lang="en-US" smtClean="0"/>
+              <a:rPr lang="en-US" dirty="0" smtClean="0"/>
               <a:t>Chart </a:t>
             </a:r>
             <a:fld id="{91D913BA-B0D8-4B51-9328-DFAA0B370309}" type="slidenum">
@@ -16007,8 +12524,12 @@
           <a:lstStyle/>
           <a:p>
             <a:r>
-              <a:rPr lang="de-DE" smtClean="0"/>
-              <a:t>Aragatgs Amirkhanyan, 17.10.2014</a:t>
+              <a:rPr lang="de-DE" dirty="0" err="1" smtClean="0"/>
+              <a:t>Aragatgs</a:t>
+            </a:r>
+            <a:r>
+              <a:rPr lang="de-DE" dirty="0" smtClean="0"/>
+              <a:t> Amirkhanyan, 17.10.2014</a:t>
             </a:r>
             <a:endParaRPr lang="en-US" dirty="0"/>
           </a:p>
@@ -16035,8 +12556,12 @@
           <a:lstStyle/>
           <a:p>
             <a:r>
-              <a:rPr lang="en-US" smtClean="0"/>
-              <a:t>Testbed Automation for Network Security and Security Analytics</a:t>
+              <a:rPr lang="en-US" dirty="0" err="1" smtClean="0"/>
+              <a:t>Testbed</a:t>
+            </a:r>
+            <a:r>
+              <a:rPr lang="en-US" dirty="0" smtClean="0"/>
+              <a:t> Automation for Network Security and Security Analytics</a:t>
             </a:r>
             <a:endParaRPr lang="en-US" dirty="0"/>
           </a:p>
@@ -16239,7 +12764,14 @@
             <a:pPr lvl="1"/>
             <a:r>
               <a:rPr lang="en-US" dirty="0" smtClean="0"/>
-              <a:t>User behavior - Normal </a:t>
+              <a:t>User behavior - Normal scenario</a:t>
+            </a:r>
+          </a:p>
+          <a:p>
+            <a:pPr lvl="1"/>
+            <a:r>
+              <a:rPr lang="en-US" dirty="0"/>
+              <a:t>User behavior - Abnormal </a:t>
             </a:r>
             <a:r>
               <a:rPr lang="en-US" dirty="0" smtClean="0"/>
@@ -16249,20 +12781,16 @@
           <a:p>
             <a:pPr lvl="1"/>
             <a:r>
-              <a:rPr lang="en-US" dirty="0"/>
-              <a:t>User behavior - Abnormal </a:t>
-            </a:r>
-            <a:r>
-              <a:rPr lang="en-US" dirty="0" smtClean="0"/>
-              <a:t>scenario</a:t>
-            </a:r>
-          </a:p>
-          <a:p>
-            <a:pPr lvl="1"/>
-            <a:r>
               <a:rPr lang="en-US" dirty="0" smtClean="0"/>
               <a:t>Implementation</a:t>
             </a:r>
+          </a:p>
+          <a:p>
+            <a:pPr lvl="1"/>
+            <a:r>
+              <a:rPr lang="en-US" dirty="0" smtClean="0"/>
+              <a:t>Results</a:t>
+            </a:r>
             <a:endParaRPr lang="de-DE" dirty="0" smtClean="0"/>
           </a:p>
           <a:p>
@@ -16270,7 +12798,6 @@
               <a:rPr lang="en-US" dirty="0" smtClean="0"/>
               <a:t>Conclusion</a:t>
             </a:r>
-            <a:endParaRPr lang="en-US" dirty="0" smtClean="0"/>
           </a:p>
           <a:p>
             <a:endParaRPr lang="en-US" dirty="0"/>
@@ -17741,7 +14268,33 @@
           <a:bodyPr/>
           <a:lstStyle/>
           <a:p>
-            <a:endParaRPr lang="de-DE"/>
+            <a:r>
+              <a:rPr lang="de-DE" dirty="0"/>
+              <a:t>User </a:t>
+            </a:r>
+            <a:r>
+              <a:rPr lang="de-DE" dirty="0" err="1"/>
+              <a:t>behavior</a:t>
+            </a:r>
+            <a:r>
+              <a:rPr lang="de-DE" dirty="0"/>
+              <a:t/>
+            </a:r>
+            <a:br>
+              <a:rPr lang="de-DE" dirty="0"/>
+            </a:br>
+            <a:r>
+              <a:rPr lang="de-DE" dirty="0"/>
+              <a:t>- </a:t>
+            </a:r>
+            <a:r>
+              <a:rPr lang="en-US" dirty="0"/>
+              <a:t>Implementation</a:t>
+            </a:r>
+            <a:br>
+              <a:rPr lang="en-US" dirty="0"/>
+            </a:br>
+            <a:endParaRPr lang="de-DE" dirty="0"/>
           </a:p>
         </p:txBody>
       </p:sp>
@@ -17821,7 +14374,7 @@
       </p:sp>
       <p:pic>
         <p:nvPicPr>
-          <p:cNvPr id="2050" name="Picture 2" descr="C:\HPI\HPI-git\Research School\Retreat\Fall 2014\retreat draft 4\active_directory_logs_result_2.png"/>
+          <p:cNvPr id="2051" name="Picture 3" descr="C:\HPI\HPI-git\Research School\Retreat\Fall 2014\retreat draft 4\simulator_table.png"/>
           <p:cNvPicPr>
             <a:picLocks noChangeAspect="1" noChangeArrowheads="1"/>
           </p:cNvPicPr>
@@ -17842,49 +14395,8 @@
         </p:blipFill>
         <p:spPr bwMode="auto">
           <a:xfrm>
-            <a:off x="364608" y="1075905"/>
-            <a:ext cx="4478063" cy="2016224"/>
-          </a:xfrm>
-          <a:prstGeom prst="rect">
-            <a:avLst/>
-          </a:prstGeom>
-          <a:noFill/>
-          <a:extLst>
-            <a:ext uri="{909E8E84-426E-40DD-AFC4-6F175D3DCCD1}">
-              <a14:hiddenFill xmlns:a14="http://schemas.microsoft.com/office/drawing/2010/main">
-                <a:solidFill>
-                  <a:srgbClr val="FFFFFF"/>
-                </a:solidFill>
-              </a14:hiddenFill>
-            </a:ext>
-          </a:extLst>
-        </p:spPr>
-      </p:pic>
-      <p:pic>
-        <p:nvPicPr>
-          <p:cNvPr id="2051" name="Picture 3" descr="C:\HPI\HPI-git\Research School\Retreat\Fall 2014\retreat draft 4\simulator_table.png"/>
-          <p:cNvPicPr>
-            <a:picLocks noChangeAspect="1" noChangeArrowheads="1"/>
-          </p:cNvPicPr>
-          <p:nvPr/>
-        </p:nvPicPr>
-        <p:blipFill>
-          <a:blip r:embed="rId3">
-            <a:extLst>
-              <a:ext uri="{28A0092B-C50C-407E-A947-70E740481C1C}">
-                <a14:useLocalDpi xmlns:a14="http://schemas.microsoft.com/office/drawing/2010/main" val="0"/>
-              </a:ext>
-            </a:extLst>
-          </a:blip>
-          <a:srcRect/>
-          <a:stretch>
-            <a:fillRect/>
-          </a:stretch>
-        </p:blipFill>
-        <p:spPr bwMode="auto">
-          <a:xfrm>
-            <a:off x="323528" y="3119536"/>
-            <a:ext cx="4472423" cy="1628398"/>
+            <a:off x="1473538" y="1491630"/>
+            <a:ext cx="5142051" cy="1872208"/>
           </a:xfrm>
           <a:prstGeom prst="rect">
             <a:avLst/>
@@ -17904,7 +14416,7 @@
     </p:spTree>
     <p:extLst>
       <p:ext uri="{BB962C8B-B14F-4D97-AF65-F5344CB8AC3E}">
-        <p14:creationId xmlns:p14="http://schemas.microsoft.com/office/powerpoint/2010/main" val="3864247040"/>
+        <p14:creationId xmlns:p14="http://schemas.microsoft.com/office/powerpoint/2010/main" val="3001826190"/>
       </p:ext>
     </p:extLst>
   </p:cSld>
@@ -17914,6 +14426,13 @@
   <p:transition>
     <p:fade/>
   </p:transition>
+  <p:timing>
+    <p:tnLst>
+      <p:par>
+        <p:cTn id="1" dur="indefinite" restart="never" nodeType="tmRoot"/>
+      </p:par>
+    </p:tnLst>
+  </p:timing>
 </p:sld>
 </file>
 
@@ -18243,7 +14762,7 @@
   <a:extraClrSchemeLst/>
   <a:extLst>
     <a:ext uri="{05A4C25C-085E-4340-85A3-A5531E510DB2}">
-      <thm15:themeFamily xmlns="" xmlns:thm15="http://schemas.microsoft.com/office/thememl/2012/main" name="TEMPLATE_HPI_05_EXP" id="{EEEEA749-3836-4DC6-BA52-AE8D0ADE122A}" vid="{1AF48529-3759-4302-91D0-708D448B88CB}"/>
+      <thm15:themeFamily xmlns:thm15="http://schemas.microsoft.com/office/thememl/2012/main" xmlns="" name="TEMPLATE_HPI_05_EXP" id="{EEEEA749-3836-4DC6-BA52-AE8D0ADE122A}" vid="{1AF48529-3759-4302-91D0-708D448B88CB}"/>
     </a:ext>
   </a:extLst>
 </a:theme>

--- a/Research School/Retreat/Fall 2014/retreat draft 4/Aragats_Amirkhanyan_Fall_Retreat_2014.pptx
+++ b/Research School/Retreat/Fall 2014/retreat draft 4/Aragats_Amirkhanyan_Fall_Retreat_2014.pptx
@@ -11740,12 +11740,16 @@
           <a:lstStyle/>
           <a:p>
             <a:r>
-              <a:rPr lang="de-DE" dirty="0"/>
-              <a:t>User </a:t>
-            </a:r>
-            <a:r>
-              <a:rPr lang="de-DE" dirty="0" err="1"/>
-              <a:t>behavior</a:t>
+              <a:rPr lang="en-US" dirty="0"/>
+              <a:t>A </a:t>
+            </a:r>
+            <a:r>
+              <a:rPr lang="en-US" dirty="0" err="1"/>
+              <a:t>testbed</a:t>
+            </a:r>
+            <a:r>
+              <a:rPr lang="en-US" dirty="0"/>
+              <a:t> for preparing data to analytics</a:t>
             </a:r>
             <a:r>
               <a:rPr lang="de-DE" dirty="0"/>
@@ -13758,12 +13762,16 @@
           <a:lstStyle/>
           <a:p>
             <a:r>
-              <a:rPr lang="de-DE" dirty="0"/>
-              <a:t>User </a:t>
-            </a:r>
-            <a:r>
-              <a:rPr lang="de-DE" dirty="0" err="1"/>
-              <a:t>behavior</a:t>
+              <a:rPr lang="en-US" dirty="0"/>
+              <a:t>A </a:t>
+            </a:r>
+            <a:r>
+              <a:rPr lang="en-US" dirty="0" err="1"/>
+              <a:t>testbed</a:t>
+            </a:r>
+            <a:r>
+              <a:rPr lang="en-US" dirty="0"/>
+              <a:t> for preparing data to analytics</a:t>
             </a:r>
             <a:r>
               <a:rPr lang="de-DE" dirty="0"/>
@@ -13958,12 +13966,16 @@
           <a:lstStyle/>
           <a:p>
             <a:r>
-              <a:rPr lang="de-DE" dirty="0"/>
-              <a:t>User </a:t>
-            </a:r>
-            <a:r>
-              <a:rPr lang="de-DE" dirty="0" err="1"/>
-              <a:t>behavior</a:t>
+              <a:rPr lang="en-US" dirty="0"/>
+              <a:t>A </a:t>
+            </a:r>
+            <a:r>
+              <a:rPr lang="en-US" dirty="0" err="1"/>
+              <a:t>testbed</a:t>
+            </a:r>
+            <a:r>
+              <a:rPr lang="en-US" dirty="0"/>
+              <a:t> for preparing data to analytics</a:t>
             </a:r>
             <a:r>
               <a:rPr lang="de-DE" dirty="0"/>
@@ -14269,12 +14281,16 @@
           <a:lstStyle/>
           <a:p>
             <a:r>
-              <a:rPr lang="de-DE" dirty="0"/>
-              <a:t>User </a:t>
-            </a:r>
-            <a:r>
-              <a:rPr lang="de-DE" dirty="0" err="1"/>
-              <a:t>behavior</a:t>
+              <a:rPr lang="en-US" dirty="0"/>
+              <a:t>A </a:t>
+            </a:r>
+            <a:r>
+              <a:rPr lang="en-US" dirty="0" err="1"/>
+              <a:t>testbed</a:t>
+            </a:r>
+            <a:r>
+              <a:rPr lang="en-US" dirty="0"/>
+              <a:t> for preparing data to analytics</a:t>
             </a:r>
             <a:r>
               <a:rPr lang="de-DE" dirty="0"/>

--- a/Research School/Retreat/Fall 2014/retreat draft 4/Aragats_Amirkhanyan_Fall_Retreat_2014.pptx
+++ b/Research School/Retreat/Fall 2014/retreat draft 4/Aragats_Amirkhanyan_Fall_Retreat_2014.pptx
@@ -14411,7 +14411,7 @@
         </p:blipFill>
         <p:spPr bwMode="auto">
           <a:xfrm>
-            <a:off x="1473538" y="1491630"/>
+            <a:off x="1473538" y="2067694"/>
             <a:ext cx="5142051" cy="1872208"/>
           </a:xfrm>
           <a:prstGeom prst="rect">

--- a/Research School/Retreat/Fall 2014/retreat draft 4/Aragats_Amirkhanyan_Fall_Retreat_2014.pptx
+++ b/Research School/Retreat/Fall 2014/retreat draft 4/Aragats_Amirkhanyan_Fall_Retreat_2014.pptx
@@ -25,7 +25,7 @@
     <p:sldId id="263" r:id="rId13"/>
   </p:sldIdLst>
   <p:sldSz cx="9144000" cy="5143500" type="screen16x9"/>
-  <p:notesSz cx="6858000" cy="9144000"/>
+  <p:notesSz cx="6775450" cy="9906000"/>
   <p:custDataLst>
     <p:tags r:id="rId16"/>
   </p:custDataLst>
@@ -296,8 +296,8 @@
         </p:nvSpPr>
         <p:spPr bwMode="gray">
           <a:xfrm>
-            <a:off x="875935" y="467544"/>
-            <a:ext cx="5577000" cy="205494"/>
+            <a:off x="865392" y="506506"/>
+            <a:ext cx="5509869" cy="222619"/>
           </a:xfrm>
           <a:prstGeom prst="rect">
             <a:avLst/>
@@ -331,8 +331,8 @@
         </p:nvSpPr>
         <p:spPr bwMode="gray">
           <a:xfrm>
-            <a:off x="3465005" y="8372413"/>
-            <a:ext cx="878396" cy="292011"/>
+            <a:off x="3423296" y="9070115"/>
+            <a:ext cx="867823" cy="316345"/>
           </a:xfrm>
           <a:prstGeom prst="rect">
             <a:avLst/>
@@ -367,8 +367,8 @@
         </p:nvSpPr>
         <p:spPr bwMode="gray">
           <a:xfrm>
-            <a:off x="875935" y="8371854"/>
-            <a:ext cx="2589069" cy="292569"/>
+            <a:off x="865392" y="9069509"/>
+            <a:ext cx="2557904" cy="316950"/>
           </a:xfrm>
           <a:prstGeom prst="rect">
             <a:avLst/>
@@ -398,8 +398,8 @@
         </p:nvSpPr>
         <p:spPr bwMode="gray">
           <a:xfrm>
-            <a:off x="4509120" y="8371854"/>
-            <a:ext cx="1944067" cy="288033"/>
+            <a:off x="4454844" y="9069509"/>
+            <a:ext cx="1920666" cy="312036"/>
           </a:xfrm>
           <a:prstGeom prst="rect">
             <a:avLst/>
@@ -434,8 +434,8 @@
         </p:nvGrpSpPr>
         <p:grpSpPr bwMode="gray">
           <a:xfrm>
-            <a:off x="-118387" y="-84708"/>
-            <a:ext cx="7075771" cy="9350590"/>
+            <a:off x="-116962" y="-91767"/>
+            <a:ext cx="6990600" cy="10129806"/>
             <a:chOff x="-118387" y="-84708"/>
             <a:chExt cx="7075771" cy="9350590"/>
           </a:xfrm>
@@ -1103,8 +1103,8 @@
         </p:nvSpPr>
         <p:spPr bwMode="gray">
           <a:xfrm rot="-120000">
-            <a:off x="711348" y="773280"/>
-            <a:ext cx="5828291" cy="3379437"/>
+            <a:off x="702786" y="837720"/>
+            <a:ext cx="5758136" cy="3661057"/>
           </a:xfrm>
           <a:prstGeom prst="rect">
             <a:avLst/>
@@ -1153,8 +1153,8 @@
         </p:nvSpPr>
         <p:spPr bwMode="gray">
           <a:xfrm>
-            <a:off x="875935" y="467544"/>
-            <a:ext cx="5577000" cy="205494"/>
+            <a:off x="865392" y="506506"/>
+            <a:ext cx="5509869" cy="222619"/>
           </a:xfrm>
           <a:prstGeom prst="rect">
             <a:avLst/>
@@ -1188,8 +1188,8 @@
         </p:nvSpPr>
         <p:spPr bwMode="gray">
           <a:xfrm>
-            <a:off x="3465005" y="8372413"/>
-            <a:ext cx="878396" cy="292011"/>
+            <a:off x="3423296" y="9070115"/>
+            <a:ext cx="867823" cy="316345"/>
           </a:xfrm>
           <a:prstGeom prst="rect">
             <a:avLst/>
@@ -1224,8 +1224,8 @@
         </p:nvSpPr>
         <p:spPr bwMode="gray">
           <a:xfrm>
-            <a:off x="875936" y="885346"/>
-            <a:ext cx="5577000" cy="3137062"/>
+            <a:off x="600075" y="958850"/>
+            <a:ext cx="6040438" cy="3398838"/>
           </a:xfrm>
           <a:prstGeom prst="rect">
             <a:avLst/>
@@ -1255,8 +1255,8 @@
         </p:nvSpPr>
         <p:spPr bwMode="gray">
           <a:xfrm>
-            <a:off x="873125" y="4448113"/>
-            <a:ext cx="3470275" cy="3923741"/>
+            <a:off x="862616" y="4818790"/>
+            <a:ext cx="3428503" cy="4250719"/>
           </a:xfrm>
           <a:prstGeom prst="rect">
             <a:avLst/>
@@ -1314,8 +1314,8 @@
         </p:nvSpPr>
         <p:spPr bwMode="gray">
           <a:xfrm>
-            <a:off x="875935" y="8371854"/>
-            <a:ext cx="2589069" cy="292569"/>
+            <a:off x="865392" y="9069509"/>
+            <a:ext cx="2557904" cy="316950"/>
           </a:xfrm>
           <a:prstGeom prst="rect">
             <a:avLst/>
@@ -1345,8 +1345,8 @@
         </p:nvSpPr>
         <p:spPr bwMode="gray">
           <a:xfrm>
-            <a:off x="4509120" y="8371854"/>
-            <a:ext cx="1944067" cy="288033"/>
+            <a:off x="4454844" y="9069509"/>
+            <a:ext cx="1920666" cy="312036"/>
           </a:xfrm>
           <a:prstGeom prst="rect">
             <a:avLst/>
@@ -1381,8 +1381,8 @@
         </p:nvCxnSpPr>
         <p:spPr bwMode="gray">
           <a:xfrm>
-            <a:off x="4509121" y="4938581"/>
-            <a:ext cx="1943816" cy="0"/>
+            <a:off x="4454845" y="5350129"/>
+            <a:ext cx="1920418" cy="0"/>
           </a:xfrm>
           <a:prstGeom prst="line">
             <a:avLst/>
@@ -1417,8 +1417,8 @@
         </p:nvCxnSpPr>
         <p:spPr bwMode="gray">
           <a:xfrm>
-            <a:off x="4509121" y="5429049"/>
-            <a:ext cx="1943816" cy="0"/>
+            <a:off x="4454845" y="5881470"/>
+            <a:ext cx="1920418" cy="0"/>
           </a:xfrm>
           <a:prstGeom prst="line">
             <a:avLst/>
@@ -1453,8 +1453,8 @@
         </p:nvCxnSpPr>
         <p:spPr bwMode="gray">
           <a:xfrm>
-            <a:off x="4509121" y="5919517"/>
-            <a:ext cx="1943816" cy="0"/>
+            <a:off x="4454845" y="6412810"/>
+            <a:ext cx="1920418" cy="0"/>
           </a:xfrm>
           <a:prstGeom prst="line">
             <a:avLst/>
@@ -1489,8 +1489,8 @@
         </p:nvCxnSpPr>
         <p:spPr bwMode="gray">
           <a:xfrm>
-            <a:off x="4509121" y="6409985"/>
-            <a:ext cx="1943816" cy="0"/>
+            <a:off x="4454845" y="6944150"/>
+            <a:ext cx="1920418" cy="0"/>
           </a:xfrm>
           <a:prstGeom prst="line">
             <a:avLst/>
@@ -1525,8 +1525,8 @@
         </p:nvCxnSpPr>
         <p:spPr bwMode="gray">
           <a:xfrm>
-            <a:off x="4509121" y="6900453"/>
-            <a:ext cx="1943816" cy="0"/>
+            <a:off x="4454845" y="7475491"/>
+            <a:ext cx="1920418" cy="0"/>
           </a:xfrm>
           <a:prstGeom prst="line">
             <a:avLst/>
@@ -1561,8 +1561,8 @@
         </p:nvCxnSpPr>
         <p:spPr bwMode="gray">
           <a:xfrm>
-            <a:off x="4509121" y="7390921"/>
-            <a:ext cx="1943816" cy="0"/>
+            <a:off x="4454845" y="8006831"/>
+            <a:ext cx="1920418" cy="0"/>
           </a:xfrm>
           <a:prstGeom prst="line">
             <a:avLst/>
@@ -1597,8 +1597,8 @@
         </p:nvCxnSpPr>
         <p:spPr bwMode="gray">
           <a:xfrm>
-            <a:off x="4509121" y="7881389"/>
-            <a:ext cx="1943816" cy="0"/>
+            <a:off x="4454845" y="8538171"/>
+            <a:ext cx="1920418" cy="0"/>
           </a:xfrm>
           <a:prstGeom prst="line">
             <a:avLst/>
@@ -1633,8 +1633,8 @@
         </p:nvCxnSpPr>
         <p:spPr bwMode="gray">
           <a:xfrm>
-            <a:off x="4509121" y="8371854"/>
-            <a:ext cx="1943816" cy="0"/>
+            <a:off x="4454845" y="9069509"/>
+            <a:ext cx="1920418" cy="0"/>
           </a:xfrm>
           <a:prstGeom prst="line">
             <a:avLst/>
@@ -1669,8 +1669,8 @@
         </p:nvSpPr>
         <p:spPr bwMode="gray">
           <a:xfrm>
-            <a:off x="0" y="885346"/>
-            <a:ext cx="45719" cy="3146904"/>
+            <a:off x="0" y="959125"/>
+            <a:ext cx="45169" cy="3409146"/>
           </a:xfrm>
           <a:prstGeom prst="rect">
             <a:avLst/>
@@ -1712,8 +1712,8 @@
         </p:nvSpPr>
         <p:spPr bwMode="gray">
           <a:xfrm>
-            <a:off x="0" y="4032250"/>
-            <a:ext cx="45719" cy="4356100"/>
+            <a:off x="0" y="4368271"/>
+            <a:ext cx="45169" cy="4719108"/>
           </a:xfrm>
           <a:prstGeom prst="rect">
             <a:avLst/>
@@ -1758,8 +1758,8 @@
         </p:nvGrpSpPr>
         <p:grpSpPr>
           <a:xfrm>
-            <a:off x="-118387" y="-84708"/>
-            <a:ext cx="7075771" cy="9350590"/>
+            <a:off x="-116962" y="-91767"/>
+            <a:ext cx="6990600" cy="10129806"/>
             <a:chOff x="-118387" y="-84708"/>
             <a:chExt cx="7075771" cy="9350590"/>
           </a:xfrm>
@@ -2608,8 +2608,8 @@
         </p:nvSpPr>
         <p:spPr bwMode="gray">
           <a:xfrm>
-            <a:off x="876300" y="885825"/>
-            <a:ext cx="5576888" cy="3136900"/>
+            <a:off x="601663" y="960438"/>
+            <a:ext cx="6037262" cy="3397250"/>
           </a:xfrm>
         </p:spPr>
       </p:sp>
@@ -2702,8 +2702,8 @@
         </p:nvSpPr>
         <p:spPr bwMode="gray">
           <a:xfrm>
-            <a:off x="876300" y="885825"/>
-            <a:ext cx="5576888" cy="3136900"/>
+            <a:off x="601663" y="960438"/>
+            <a:ext cx="6037262" cy="3397250"/>
           </a:xfrm>
         </p:spPr>
       </p:sp>
@@ -2796,8 +2796,8 @@
         </p:nvSpPr>
         <p:spPr bwMode="gray">
           <a:xfrm>
-            <a:off x="876300" y="885825"/>
-            <a:ext cx="5576888" cy="3136900"/>
+            <a:off x="601663" y="960438"/>
+            <a:ext cx="6037262" cy="3397250"/>
           </a:xfrm>
         </p:spPr>
       </p:sp>
@@ -2890,8 +2890,8 @@
         </p:nvSpPr>
         <p:spPr bwMode="gray">
           <a:xfrm>
-            <a:off x="876300" y="885825"/>
-            <a:ext cx="5576888" cy="3136900"/>
+            <a:off x="601663" y="960438"/>
+            <a:ext cx="6037262" cy="3397250"/>
           </a:xfrm>
         </p:spPr>
       </p:sp>
@@ -2984,8 +2984,8 @@
         </p:nvSpPr>
         <p:spPr bwMode="gray">
           <a:xfrm>
-            <a:off x="876300" y="885825"/>
-            <a:ext cx="5576888" cy="3136900"/>
+            <a:off x="601663" y="960438"/>
+            <a:ext cx="6037262" cy="3397250"/>
           </a:xfrm>
         </p:spPr>
       </p:sp>
@@ -11741,7 +11741,7 @@
           <a:p>
             <a:r>
               <a:rPr lang="en-US" dirty="0"/>
-              <a:t>A </a:t>
+              <a:t>Preparing </a:t>
             </a:r>
             <a:r>
               <a:rPr lang="en-US" dirty="0" err="1"/>
@@ -11749,7 +11749,7 @@
             </a:r>
             <a:r>
               <a:rPr lang="en-US" dirty="0"/>
-              <a:t> for preparing data to analytics</a:t>
+              <a:t> data to analytics</a:t>
             </a:r>
             <a:r>
               <a:rPr lang="de-DE" dirty="0"/>
@@ -12741,8 +12741,8 @@
           </a:p>
           <a:p>
             <a:r>
-              <a:rPr lang="en-US" b="1" dirty="0"/>
-              <a:t>A </a:t>
+              <a:rPr lang="en-US" b="1" dirty="0" smtClean="0"/>
+              <a:t>Preparing </a:t>
             </a:r>
             <a:r>
               <a:rPr lang="en-US" b="1" dirty="0" err="1"/>
@@ -12750,11 +12750,11 @@
             </a:r>
             <a:r>
               <a:rPr lang="en-US" b="1" dirty="0"/>
-              <a:t> for preparing data to </a:t>
+              <a:t> data to analytics</a:t>
             </a:r>
             <a:r>
               <a:rPr lang="en-US" b="1" dirty="0" smtClean="0"/>
-              <a:t>analytics</a:t>
+              <a:t> </a:t>
             </a:r>
           </a:p>
           <a:p>
@@ -12768,7 +12768,11 @@
             <a:pPr lvl="1"/>
             <a:r>
               <a:rPr lang="en-US" dirty="0" smtClean="0"/>
-              <a:t>User behavior - Normal scenario</a:t>
+              <a:t>User </a:t>
+            </a:r>
+            <a:r>
+              <a:rPr lang="en-US" dirty="0" smtClean="0"/>
+              <a:t>behavior - Normal scenario</a:t>
             </a:r>
           </a:p>
           <a:p>
@@ -12865,7 +12869,7 @@
           <a:p>
             <a:r>
               <a:rPr lang="en-US" dirty="0"/>
-              <a:t>A </a:t>
+              <a:t>Preparing </a:t>
             </a:r>
             <a:r>
               <a:rPr lang="en-US" dirty="0" err="1"/>
@@ -12873,11 +12877,7 @@
             </a:r>
             <a:r>
               <a:rPr lang="en-US" dirty="0"/>
-              <a:t> for preparing data to </a:t>
-            </a:r>
-            <a:r>
-              <a:rPr lang="en-US" dirty="0" smtClean="0"/>
-              <a:t>analytics</a:t>
+              <a:t> data to analytics</a:t>
             </a:r>
             <a:r>
               <a:rPr lang="de-DE" dirty="0" smtClean="0"/>
@@ -13763,7 +13763,7 @@
           <a:p>
             <a:r>
               <a:rPr lang="en-US" dirty="0"/>
-              <a:t>A </a:t>
+              <a:t>Preparing </a:t>
             </a:r>
             <a:r>
               <a:rPr lang="en-US" dirty="0" err="1"/>
@@ -13771,17 +13771,17 @@
             </a:r>
             <a:r>
               <a:rPr lang="en-US" dirty="0"/>
-              <a:t> for preparing data to analytics</a:t>
-            </a:r>
-            <a:r>
-              <a:rPr lang="de-DE" dirty="0"/>
+              <a:t> data to analytics </a:t>
+            </a:r>
+            <a:r>
+              <a:rPr lang="en-US" dirty="0" smtClean="0"/>
               <a:t/>
             </a:r>
             <a:br>
-              <a:rPr lang="de-DE" dirty="0"/>
+              <a:rPr lang="en-US" dirty="0" smtClean="0"/>
             </a:br>
             <a:r>
-              <a:rPr lang="de-DE" dirty="0"/>
+              <a:rPr lang="de-DE" dirty="0" smtClean="0"/>
               <a:t>- </a:t>
             </a:r>
             <a:r>
@@ -13967,7 +13967,7 @@
           <a:p>
             <a:r>
               <a:rPr lang="en-US" dirty="0"/>
-              <a:t>A </a:t>
+              <a:t>Preparing </a:t>
             </a:r>
             <a:r>
               <a:rPr lang="en-US" dirty="0" err="1"/>
@@ -13975,7 +13975,7 @@
             </a:r>
             <a:r>
               <a:rPr lang="en-US" dirty="0"/>
-              <a:t> for preparing data to analytics</a:t>
+              <a:t> data to analytics</a:t>
             </a:r>
             <a:r>
               <a:rPr lang="de-DE" dirty="0"/>
@@ -14282,7 +14282,7 @@
           <a:p>
             <a:r>
               <a:rPr lang="en-US" dirty="0"/>
-              <a:t>A </a:t>
+              <a:t>Preparing </a:t>
             </a:r>
             <a:r>
               <a:rPr lang="en-US" dirty="0" err="1"/>
@@ -14290,7 +14290,7 @@
             </a:r>
             <a:r>
               <a:rPr lang="en-US" dirty="0"/>
-              <a:t> for preparing data to analytics</a:t>
+              <a:t> data to analytics</a:t>
             </a:r>
             <a:r>
               <a:rPr lang="de-DE" dirty="0"/>
@@ -14388,47 +14388,632 @@
           </a:p>
         </p:txBody>
       </p:sp>
-      <p:pic>
-        <p:nvPicPr>
-          <p:cNvPr id="2051" name="Picture 3" descr="C:\HPI\HPI-git\Research School\Retreat\Fall 2014\retreat draft 4\simulator_table.png"/>
-          <p:cNvPicPr>
-            <a:picLocks noChangeAspect="1" noChangeArrowheads="1"/>
-          </p:cNvPicPr>
-          <p:nvPr/>
-        </p:nvPicPr>
-        <p:blipFill>
-          <a:blip r:embed="rId2">
-            <a:extLst>
-              <a:ext uri="{28A0092B-C50C-407E-A947-70E740481C1C}">
-                <a14:useLocalDpi xmlns:a14="http://schemas.microsoft.com/office/drawing/2010/main" val="0"/>
-              </a:ext>
-            </a:extLst>
-          </a:blip>
-          <a:srcRect/>
-          <a:stretch>
-            <a:fillRect/>
-          </a:stretch>
-        </p:blipFill>
-        <p:spPr bwMode="auto">
-          <a:xfrm>
-            <a:off x="1473538" y="2067694"/>
-            <a:ext cx="5142051" cy="1872208"/>
-          </a:xfrm>
-          <a:prstGeom prst="rect">
-            <a:avLst/>
-          </a:prstGeom>
-          <a:noFill/>
-          <a:extLst>
-            <a:ext uri="{909E8E84-426E-40DD-AFC4-6F175D3DCCD1}">
-              <a14:hiddenFill xmlns:a14="http://schemas.microsoft.com/office/drawing/2010/main">
-                <a:solidFill>
-                  <a:srgbClr val="FFFFFF"/>
-                </a:solidFill>
-              </a14:hiddenFill>
-            </a:ext>
-          </a:extLst>
-        </p:spPr>
-      </p:pic>
+      <p:graphicFrame>
+        <p:nvGraphicFramePr>
+          <p:cNvPr id="3" name="Table 2"/>
+          <p:cNvGraphicFramePr>
+            <a:graphicFrameLocks noGrp="1"/>
+          </p:cNvGraphicFramePr>
+          <p:nvPr>
+            <p:extLst>
+              <p:ext uri="{D42A27DB-BD31-4B8C-83A1-F6EECF244321}">
+                <p14:modId xmlns:p14="http://schemas.microsoft.com/office/powerpoint/2010/main" val="4207488986"/>
+              </p:ext>
+            </p:extLst>
+          </p:nvPr>
+        </p:nvGraphicFramePr>
+        <p:xfrm>
+          <a:off x="358776" y="1239839"/>
+          <a:ext cx="6877048" cy="3563935"/>
+        </p:xfrm>
+        <a:graphic>
+          <a:graphicData uri="http://schemas.openxmlformats.org/drawingml/2006/table">
+            <a:tbl>
+              <a:tblPr firstRow="1" bandRow="1">
+                <a:tableStyleId>{5C22544A-7EE6-4342-B048-85BDC9FD1C3A}</a:tableStyleId>
+              </a:tblPr>
+              <a:tblGrid>
+                <a:gridCol w="3438524"/>
+                <a:gridCol w="3438524"/>
+              </a:tblGrid>
+              <a:tr h="512163">
+                <a:tc>
+                  <a:txBody>
+                    <a:bodyPr/>
+                    <a:lstStyle/>
+                    <a:p>
+                      <a:r>
+                        <a:rPr lang="en-US" sz="1400" u="none" dirty="0" smtClean="0"/>
+                        <a:t>Action</a:t>
+                      </a:r>
+                      <a:endParaRPr lang="de-DE" sz="1400" u="none" dirty="0"/>
+                    </a:p>
+                  </a:txBody>
+                  <a:tcPr/>
+                </a:tc>
+                <a:tc>
+                  <a:txBody>
+                    <a:bodyPr/>
+                    <a:lstStyle/>
+                    <a:p>
+                      <a:r>
+                        <a:rPr lang="en-US" sz="1400" u="none" dirty="0" smtClean="0"/>
+                        <a:t>Command</a:t>
+                      </a:r>
+                      <a:endParaRPr lang="de-DE" sz="1400" u="none" dirty="0"/>
+                    </a:p>
+                  </a:txBody>
+                  <a:tcPr/>
+                </a:tc>
+              </a:tr>
+              <a:tr h="762943">
+                <a:tc>
+                  <a:txBody>
+                    <a:bodyPr/>
+                    <a:lstStyle/>
+                    <a:p>
+                      <a:r>
+                        <a:rPr lang="en-US" sz="1400" u="none" kern="1200" dirty="0" smtClean="0">
+                          <a:solidFill>
+                            <a:schemeClr val="dk1"/>
+                          </a:solidFill>
+                          <a:effectLst/>
+                          <a:latin typeface="+mn-lt"/>
+                          <a:ea typeface="+mn-ea"/>
+                          <a:cs typeface="+mn-cs"/>
+                        </a:rPr>
+                        <a:t>Open the log on window </a:t>
+                      </a:r>
+                      <a:endParaRPr lang="de-DE" sz="1400" u="none" dirty="0"/>
+                    </a:p>
+                  </a:txBody>
+                  <a:tcPr/>
+                </a:tc>
+                <a:tc>
+                  <a:txBody>
+                    <a:bodyPr/>
+                    <a:lstStyle/>
+                    <a:p>
+                      <a:r>
+                        <a:rPr lang="de-DE" sz="1400" u="none" kern="1200" dirty="0" smtClean="0">
+                          <a:solidFill>
+                            <a:schemeClr val="dk1"/>
+                          </a:solidFill>
+                          <a:effectLst/>
+                          <a:latin typeface="+mn-lt"/>
+                          <a:ea typeface="+mn-ea"/>
+                          <a:cs typeface="+mn-cs"/>
+                        </a:rPr>
+                        <a:t>['</a:t>
+                      </a:r>
+                      <a:r>
+                        <a:rPr lang="de-DE" sz="1400" u="none" kern="1200" dirty="0" err="1" smtClean="0">
+                          <a:solidFill>
+                            <a:schemeClr val="dk1"/>
+                          </a:solidFill>
+                          <a:effectLst/>
+                          <a:latin typeface="+mn-lt"/>
+                          <a:ea typeface="+mn-ea"/>
+                          <a:cs typeface="+mn-cs"/>
+                        </a:rPr>
+                        <a:t>ctrl</a:t>
+                      </a:r>
+                      <a:r>
+                        <a:rPr lang="de-DE" sz="1400" u="none" kern="1200" dirty="0" smtClean="0">
+                          <a:solidFill>
+                            <a:schemeClr val="dk1"/>
+                          </a:solidFill>
+                          <a:effectLst/>
+                          <a:latin typeface="+mn-lt"/>
+                          <a:ea typeface="+mn-ea"/>
+                          <a:cs typeface="+mn-cs"/>
+                        </a:rPr>
+                        <a:t>-alt-del', 'alt-w', '</a:t>
+                      </a:r>
+                      <a:r>
+                        <a:rPr lang="de-DE" sz="1400" u="none" kern="1200" dirty="0" err="1" smtClean="0">
+                          <a:solidFill>
+                            <a:schemeClr val="dk1"/>
+                          </a:solidFill>
+                          <a:effectLst/>
+                          <a:latin typeface="+mn-lt"/>
+                          <a:ea typeface="+mn-ea"/>
+                          <a:cs typeface="+mn-cs"/>
+                        </a:rPr>
+                        <a:t>right</a:t>
+                      </a:r>
+                      <a:r>
+                        <a:rPr lang="de-DE" sz="1400" u="none" kern="1200" dirty="0" smtClean="0">
+                          <a:solidFill>
+                            <a:schemeClr val="dk1"/>
+                          </a:solidFill>
+                          <a:effectLst/>
+                          <a:latin typeface="+mn-lt"/>
+                          <a:ea typeface="+mn-ea"/>
+                          <a:cs typeface="+mn-cs"/>
+                        </a:rPr>
+                        <a:t>', '</a:t>
+                      </a:r>
+                      <a:r>
+                        <a:rPr lang="de-DE" sz="1400" u="none" kern="1200" dirty="0" err="1" smtClean="0">
+                          <a:solidFill>
+                            <a:schemeClr val="dk1"/>
+                          </a:solidFill>
+                          <a:effectLst/>
+                          <a:latin typeface="+mn-lt"/>
+                          <a:ea typeface="+mn-ea"/>
+                          <a:cs typeface="+mn-cs"/>
+                        </a:rPr>
+                        <a:t>right</a:t>
+                      </a:r>
+                      <a:r>
+                        <a:rPr lang="de-DE" sz="1400" u="none" kern="1200" dirty="0" smtClean="0">
+                          <a:solidFill>
+                            <a:schemeClr val="dk1"/>
+                          </a:solidFill>
+                          <a:effectLst/>
+                          <a:latin typeface="+mn-lt"/>
+                          <a:ea typeface="+mn-ea"/>
+                          <a:cs typeface="+mn-cs"/>
+                        </a:rPr>
+                        <a:t>', '</a:t>
+                      </a:r>
+                      <a:r>
+                        <a:rPr lang="de-DE" sz="1400" u="none" kern="1200" dirty="0" err="1" smtClean="0">
+                          <a:solidFill>
+                            <a:schemeClr val="dk1"/>
+                          </a:solidFill>
+                          <a:effectLst/>
+                          <a:latin typeface="+mn-lt"/>
+                          <a:ea typeface="+mn-ea"/>
+                          <a:cs typeface="+mn-cs"/>
+                        </a:rPr>
+                        <a:t>right</a:t>
+                      </a:r>
+                      <a:r>
+                        <a:rPr lang="de-DE" sz="1400" u="none" kern="1200" dirty="0" smtClean="0">
+                          <a:solidFill>
+                            <a:schemeClr val="dk1"/>
+                          </a:solidFill>
+                          <a:effectLst/>
+                          <a:latin typeface="+mn-lt"/>
+                          <a:ea typeface="+mn-ea"/>
+                          <a:cs typeface="+mn-cs"/>
+                        </a:rPr>
+                        <a:t>',</a:t>
+                      </a:r>
+                      <a:r>
+                        <a:rPr lang="de-DE" sz="1400" u="none" kern="1200" baseline="0" dirty="0" smtClean="0">
+                          <a:solidFill>
+                            <a:schemeClr val="dk1"/>
+                          </a:solidFill>
+                          <a:effectLst/>
+                          <a:latin typeface="+mn-lt"/>
+                          <a:ea typeface="+mn-ea"/>
+                          <a:cs typeface="+mn-cs"/>
+                        </a:rPr>
+                        <a:t> </a:t>
+                      </a:r>
+                      <a:r>
+                        <a:rPr lang="de-DE" sz="1400" u="none" kern="1200" dirty="0" smtClean="0">
+                          <a:solidFill>
+                            <a:schemeClr val="dk1"/>
+                          </a:solidFill>
+                          <a:effectLst/>
+                          <a:latin typeface="+mn-lt"/>
+                          <a:ea typeface="+mn-ea"/>
+                          <a:cs typeface="+mn-cs"/>
+                        </a:rPr>
+                        <a:t>'</a:t>
+                      </a:r>
+                      <a:r>
+                        <a:rPr lang="de-DE" sz="1400" u="none" kern="1200" dirty="0" err="1" smtClean="0">
+                          <a:solidFill>
+                            <a:schemeClr val="dk1"/>
+                          </a:solidFill>
+                          <a:effectLst/>
+                          <a:latin typeface="+mn-lt"/>
+                          <a:ea typeface="+mn-ea"/>
+                          <a:cs typeface="+mn-cs"/>
+                        </a:rPr>
+                        <a:t>right</a:t>
+                      </a:r>
+                      <a:r>
+                        <a:rPr lang="de-DE" sz="1400" u="none" kern="1200" dirty="0" smtClean="0">
+                          <a:solidFill>
+                            <a:schemeClr val="dk1"/>
+                          </a:solidFill>
+                          <a:effectLst/>
+                          <a:latin typeface="+mn-lt"/>
+                          <a:ea typeface="+mn-ea"/>
+                          <a:cs typeface="+mn-cs"/>
+                        </a:rPr>
+                        <a:t>', '</a:t>
+                      </a:r>
+                      <a:r>
+                        <a:rPr lang="de-DE" sz="1400" u="none" kern="1200" dirty="0" err="1" smtClean="0">
+                          <a:solidFill>
+                            <a:schemeClr val="dk1"/>
+                          </a:solidFill>
+                          <a:effectLst/>
+                          <a:latin typeface="+mn-lt"/>
+                          <a:ea typeface="+mn-ea"/>
+                          <a:cs typeface="+mn-cs"/>
+                        </a:rPr>
+                        <a:t>enter</a:t>
+                      </a:r>
+                      <a:r>
+                        <a:rPr lang="de-DE" sz="1400" u="none" kern="1200" dirty="0" smtClean="0">
+                          <a:solidFill>
+                            <a:schemeClr val="dk1"/>
+                          </a:solidFill>
+                          <a:effectLst/>
+                          <a:latin typeface="+mn-lt"/>
+                          <a:ea typeface="+mn-ea"/>
+                          <a:cs typeface="+mn-cs"/>
+                        </a:rPr>
+                        <a:t>']</a:t>
+                      </a:r>
+                      <a:endParaRPr lang="de-DE" sz="1400" u="none" dirty="0"/>
+                    </a:p>
+                  </a:txBody>
+                  <a:tcPr/>
+                </a:tc>
+              </a:tr>
+              <a:tr h="985468">
+                <a:tc>
+                  <a:txBody>
+                    <a:bodyPr/>
+                    <a:lstStyle/>
+                    <a:p>
+                      <a:r>
+                        <a:rPr lang="en-US" sz="1400" u="none" kern="1200" dirty="0" smtClean="0">
+                          <a:solidFill>
+                            <a:schemeClr val="dk1"/>
+                          </a:solidFill>
+                          <a:effectLst/>
+                          <a:latin typeface="+mn-lt"/>
+                          <a:ea typeface="+mn-ea"/>
+                          <a:cs typeface="+mn-cs"/>
+                        </a:rPr>
+                        <a:t>Enter username, password and press the enter key</a:t>
+                      </a:r>
+                      <a:endParaRPr lang="de-DE" sz="1400" u="none" dirty="0"/>
+                    </a:p>
+                  </a:txBody>
+                  <a:tcPr/>
+                </a:tc>
+                <a:tc>
+                  <a:txBody>
+                    <a:bodyPr/>
+                    <a:lstStyle/>
+                    <a:p>
+                      <a:r>
+                        <a:rPr lang="de-DE" sz="1400" u="none" kern="1200" dirty="0" smtClean="0">
+                          <a:solidFill>
+                            <a:schemeClr val="dk1"/>
+                          </a:solidFill>
+                          <a:effectLst/>
+                          <a:latin typeface="+mn-lt"/>
+                          <a:ea typeface="+mn-ea"/>
+                          <a:cs typeface="+mn-cs"/>
+                        </a:rPr>
+                        <a:t>[':' + </a:t>
+                      </a:r>
+                      <a:r>
+                        <a:rPr lang="de-DE" sz="1400" u="none" kern="1200" dirty="0" err="1" smtClean="0">
+                          <a:solidFill>
+                            <a:schemeClr val="dk1"/>
+                          </a:solidFill>
+                          <a:effectLst/>
+                          <a:latin typeface="+mn-lt"/>
+                          <a:ea typeface="+mn-ea"/>
+                          <a:cs typeface="+mn-cs"/>
+                        </a:rPr>
+                        <a:t>kwargs</a:t>
+                      </a:r>
+                      <a:r>
+                        <a:rPr lang="de-DE" sz="1400" u="none" kern="1200" dirty="0" smtClean="0">
+                          <a:solidFill>
+                            <a:schemeClr val="dk1"/>
+                          </a:solidFill>
+                          <a:effectLst/>
+                          <a:latin typeface="+mn-lt"/>
+                          <a:ea typeface="+mn-ea"/>
+                          <a:cs typeface="+mn-cs"/>
+                        </a:rPr>
+                        <a:t>['</a:t>
+                      </a:r>
+                      <a:r>
+                        <a:rPr lang="de-DE" sz="1400" u="none" kern="1200" dirty="0" err="1" smtClean="0">
+                          <a:solidFill>
+                            <a:schemeClr val="dk1"/>
+                          </a:solidFill>
+                          <a:effectLst/>
+                          <a:latin typeface="+mn-lt"/>
+                          <a:ea typeface="+mn-ea"/>
+                          <a:cs typeface="+mn-cs"/>
+                        </a:rPr>
+                        <a:t>username</a:t>
+                      </a:r>
+                      <a:r>
+                        <a:rPr lang="de-DE" sz="1400" u="none" kern="1200" dirty="0" smtClean="0">
+                          <a:solidFill>
+                            <a:schemeClr val="dk1"/>
+                          </a:solidFill>
+                          <a:effectLst/>
+                          <a:latin typeface="+mn-lt"/>
+                          <a:ea typeface="+mn-ea"/>
+                          <a:cs typeface="+mn-cs"/>
+                        </a:rPr>
+                        <a:t>'], '</a:t>
+                      </a:r>
+                      <a:r>
+                        <a:rPr lang="de-DE" sz="1400" u="none" kern="1200" dirty="0" err="1" smtClean="0">
+                          <a:solidFill>
+                            <a:schemeClr val="dk1"/>
+                          </a:solidFill>
+                          <a:effectLst/>
+                          <a:latin typeface="+mn-lt"/>
+                          <a:ea typeface="+mn-ea"/>
+                          <a:cs typeface="+mn-cs"/>
+                        </a:rPr>
+                        <a:t>tab</a:t>
+                      </a:r>
+                      <a:r>
+                        <a:rPr lang="de-DE" sz="1400" u="none" kern="1200" dirty="0" smtClean="0">
+                          <a:solidFill>
+                            <a:schemeClr val="dk1"/>
+                          </a:solidFill>
+                          <a:effectLst/>
+                          <a:latin typeface="+mn-lt"/>
+                          <a:ea typeface="+mn-ea"/>
+                          <a:cs typeface="+mn-cs"/>
+                        </a:rPr>
+                        <a:t>', ':' + </a:t>
+                      </a:r>
+                      <a:r>
+                        <a:rPr lang="de-DE" sz="1400" u="none" kern="1200" dirty="0" err="1" smtClean="0">
+                          <a:solidFill>
+                            <a:schemeClr val="dk1"/>
+                          </a:solidFill>
+                          <a:effectLst/>
+                          <a:latin typeface="+mn-lt"/>
+                          <a:ea typeface="+mn-ea"/>
+                          <a:cs typeface="+mn-cs"/>
+                        </a:rPr>
+                        <a:t>kwargs</a:t>
+                      </a:r>
+                      <a:r>
+                        <a:rPr lang="de-DE" sz="1400" u="none" kern="1200" dirty="0" smtClean="0">
+                          <a:solidFill>
+                            <a:schemeClr val="dk1"/>
+                          </a:solidFill>
+                          <a:effectLst/>
+                          <a:latin typeface="+mn-lt"/>
+                          <a:ea typeface="+mn-ea"/>
+                          <a:cs typeface="+mn-cs"/>
+                        </a:rPr>
+                        <a:t>['</a:t>
+                      </a:r>
+                      <a:r>
+                        <a:rPr lang="de-DE" sz="1400" u="none" kern="1200" dirty="0" err="1" smtClean="0">
+                          <a:solidFill>
+                            <a:schemeClr val="dk1"/>
+                          </a:solidFill>
+                          <a:effectLst/>
+                          <a:latin typeface="+mn-lt"/>
+                          <a:ea typeface="+mn-ea"/>
+                          <a:cs typeface="+mn-cs"/>
+                        </a:rPr>
+                        <a:t>password</a:t>
+                      </a:r>
+                      <a:r>
+                        <a:rPr lang="de-DE" sz="1400" u="none" kern="1200" dirty="0" smtClean="0">
+                          <a:solidFill>
+                            <a:schemeClr val="dk1"/>
+                          </a:solidFill>
+                          <a:effectLst/>
+                          <a:latin typeface="+mn-lt"/>
+                          <a:ea typeface="+mn-ea"/>
+                          <a:cs typeface="+mn-cs"/>
+                        </a:rPr>
+                        <a:t>']</a:t>
+                      </a:r>
+                      <a:endParaRPr lang="de-DE" sz="1400" u="none" dirty="0"/>
+                    </a:p>
+                  </a:txBody>
+                  <a:tcPr/>
+                </a:tc>
+              </a:tr>
+              <a:tr h="540418">
+                <a:tc>
+                  <a:txBody>
+                    <a:bodyPr/>
+                    <a:lstStyle/>
+                    <a:p>
+                      <a:r>
+                        <a:rPr lang="en-US" sz="1400" u="none" dirty="0" smtClean="0"/>
+                        <a:t>Log</a:t>
+                      </a:r>
+                      <a:r>
+                        <a:rPr lang="en-US" sz="1400" u="none" baseline="0" dirty="0" smtClean="0"/>
+                        <a:t> off</a:t>
+                      </a:r>
+                      <a:endParaRPr lang="de-DE" sz="1400" u="none" dirty="0"/>
+                    </a:p>
+                  </a:txBody>
+                  <a:tcPr/>
+                </a:tc>
+                <a:tc>
+                  <a:txBody>
+                    <a:bodyPr/>
+                    <a:lstStyle/>
+                    <a:p>
+                      <a:r>
+                        <a:rPr lang="de-DE" sz="1400" u="none" kern="1200" dirty="0" smtClean="0">
+                          <a:solidFill>
+                            <a:schemeClr val="dk1"/>
+                          </a:solidFill>
+                          <a:effectLst/>
+                          <a:latin typeface="+mn-lt"/>
+                          <a:ea typeface="+mn-ea"/>
+                          <a:cs typeface="+mn-cs"/>
+                        </a:rPr>
+                        <a:t>['</a:t>
+                      </a:r>
+                      <a:r>
+                        <a:rPr lang="de-DE" sz="1400" u="none" kern="1200" dirty="0" err="1" smtClean="0">
+                          <a:solidFill>
+                            <a:schemeClr val="dk1"/>
+                          </a:solidFill>
+                          <a:effectLst/>
+                          <a:latin typeface="+mn-lt"/>
+                          <a:ea typeface="+mn-ea"/>
+                          <a:cs typeface="+mn-cs"/>
+                        </a:rPr>
+                        <a:t>lsuper</a:t>
+                      </a:r>
+                      <a:r>
+                        <a:rPr lang="de-DE" sz="1400" u="none" kern="1200" dirty="0" smtClean="0">
+                          <a:solidFill>
+                            <a:schemeClr val="dk1"/>
+                          </a:solidFill>
+                          <a:effectLst/>
+                          <a:latin typeface="+mn-lt"/>
+                          <a:ea typeface="+mn-ea"/>
+                          <a:cs typeface="+mn-cs"/>
+                        </a:rPr>
+                        <a:t>-r', ':</a:t>
+                      </a:r>
+                      <a:r>
+                        <a:rPr lang="de-DE" sz="1400" u="none" kern="1200" dirty="0" err="1" smtClean="0">
+                          <a:solidFill>
+                            <a:schemeClr val="dk1"/>
+                          </a:solidFill>
+                          <a:effectLst/>
+                          <a:latin typeface="+mn-lt"/>
+                          <a:ea typeface="+mn-ea"/>
+                          <a:cs typeface="+mn-cs"/>
+                        </a:rPr>
+                        <a:t>shutdown</a:t>
+                      </a:r>
+                      <a:r>
+                        <a:rPr lang="de-DE" sz="1400" u="none" kern="1200" dirty="0" smtClean="0">
+                          <a:solidFill>
+                            <a:schemeClr val="dk1"/>
+                          </a:solidFill>
+                          <a:effectLst/>
+                          <a:latin typeface="+mn-lt"/>
+                          <a:ea typeface="+mn-ea"/>
+                          <a:cs typeface="+mn-cs"/>
+                        </a:rPr>
+                        <a:t> /l /f', '</a:t>
+                      </a:r>
+                      <a:r>
+                        <a:rPr lang="de-DE" sz="1400" u="none" kern="1200" dirty="0" err="1" smtClean="0">
+                          <a:solidFill>
+                            <a:schemeClr val="dk1"/>
+                          </a:solidFill>
+                          <a:effectLst/>
+                          <a:latin typeface="+mn-lt"/>
+                          <a:ea typeface="+mn-ea"/>
+                          <a:cs typeface="+mn-cs"/>
+                        </a:rPr>
+                        <a:t>enter</a:t>
+                      </a:r>
+                      <a:r>
+                        <a:rPr lang="de-DE" sz="1400" u="none" kern="1200" dirty="0" smtClean="0">
+                          <a:solidFill>
+                            <a:schemeClr val="dk1"/>
+                          </a:solidFill>
+                          <a:effectLst/>
+                          <a:latin typeface="+mn-lt"/>
+                          <a:ea typeface="+mn-ea"/>
+                          <a:cs typeface="+mn-cs"/>
+                        </a:rPr>
+                        <a:t>']</a:t>
+                      </a:r>
+                      <a:endParaRPr lang="de-DE" sz="1400" u="none" dirty="0"/>
+                    </a:p>
+                  </a:txBody>
+                  <a:tcPr/>
+                </a:tc>
+              </a:tr>
+              <a:tr h="762943">
+                <a:tc>
+                  <a:txBody>
+                    <a:bodyPr/>
+                    <a:lstStyle/>
+                    <a:p>
+                      <a:r>
+                        <a:rPr lang="en-US" sz="1400" u="none" dirty="0" smtClean="0"/>
+                        <a:t>Run the </a:t>
+                      </a:r>
+                      <a:r>
+                        <a:rPr lang="en-US" sz="1400" u="none" dirty="0" err="1" smtClean="0"/>
+                        <a:t>powershell</a:t>
+                      </a:r>
+                      <a:r>
+                        <a:rPr lang="en-US" sz="1400" u="none" dirty="0" smtClean="0"/>
+                        <a:t> script to open the RDP connection</a:t>
+                      </a:r>
+                      <a:endParaRPr lang="de-DE" sz="1400" u="none" dirty="0"/>
+                    </a:p>
+                  </a:txBody>
+                  <a:tcPr/>
+                </a:tc>
+                <a:tc>
+                  <a:txBody>
+                    <a:bodyPr/>
+                    <a:lstStyle/>
+                    <a:p>
+                      <a:r>
+                        <a:rPr lang="de-DE" sz="1400" u="none" kern="1200" dirty="0" smtClean="0">
+                          <a:solidFill>
+                            <a:schemeClr val="dk1"/>
+                          </a:solidFill>
+                          <a:effectLst/>
+                          <a:latin typeface="+mn-lt"/>
+                          <a:ea typeface="+mn-ea"/>
+                          <a:cs typeface="+mn-cs"/>
+                        </a:rPr>
+                        <a:t>['cd /', '</a:t>
+                      </a:r>
+                      <a:r>
+                        <a:rPr lang="de-DE" sz="1400" u="none" kern="1200" dirty="0" err="1" smtClean="0">
+                          <a:solidFill>
+                            <a:schemeClr val="dk1"/>
+                          </a:solidFill>
+                          <a:effectLst/>
+                          <a:latin typeface="+mn-lt"/>
+                          <a:ea typeface="+mn-ea"/>
+                          <a:cs typeface="+mn-cs"/>
+                        </a:rPr>
+                        <a:t>powershell</a:t>
+                      </a:r>
+                      <a:r>
+                        <a:rPr lang="de-DE" sz="1400" u="none" kern="1200" dirty="0" smtClean="0">
+                          <a:solidFill>
+                            <a:schemeClr val="dk1"/>
+                          </a:solidFill>
+                          <a:effectLst/>
+                          <a:latin typeface="+mn-lt"/>
+                          <a:ea typeface="+mn-ea"/>
+                          <a:cs typeface="+mn-cs"/>
+                        </a:rPr>
+                        <a:t> rdp.ps1]</a:t>
+                      </a:r>
+                      <a:endParaRPr lang="de-DE" sz="1400" u="none" dirty="0"/>
+                    </a:p>
+                  </a:txBody>
+                  <a:tcPr/>
+                </a:tc>
+              </a:tr>
+            </a:tbl>
+          </a:graphicData>
+        </a:graphic>
+      </p:graphicFrame>
     </p:spTree>
     <p:extLst>
       <p:ext uri="{BB962C8B-B14F-4D97-AF65-F5344CB8AC3E}">
